--- a/Transcription Practice/1. Identifying and transcribing consonant sounds/Describing and Identifying Consonants.pptx
+++ b/Transcription Practice/1. Identifying and transcribing consonant sounds/Describing and Identifying Consonants.pptx
@@ -276,7 +276,35 @@
           <inkml:channelProperty channel="F" name="resolution" value="0" units="1/dev"/>
         </inkml:channelProperties>
       </inkml:inkSource>
-      <inkml:timestamp xml:id="ts0" timeString="2023-05-29T14:18:23.089"/>
+      <inkml:timestamp xml:id="ts0" timeString="2023-05-30T16:32:28.362"/>
+    </inkml:context>
+    <inkml:brush xml:id="br0">
+      <inkml:brushProperty name="width" value="0.05" units="cm"/>
+      <inkml:brushProperty name="height" value="0.05" units="cm"/>
+      <inkml:brushProperty name="color" value="#004F8B"/>
+    </inkml:brush>
+  </inkml:definitions>
+  <inkml:trace contextRef="#ctx0" brushRef="#br0">358 0 4466,'0'0'9332,"-141"0"-6370,90 0-1650,2 0-1248,8 7-64,2 4-1584,3 4-2626</inkml:trace>
+</inkml:ink>
+</file>
+
+<file path=ppt/ink/ink100.xml><?xml version="1.0" encoding="utf-8"?>
+<inkml:ink xmlns:inkml="http://www.w3.org/2003/InkML">
+  <inkml:definitions>
+    <inkml:context xml:id="ctx0">
+      <inkml:inkSource xml:id="inkSrc0">
+        <inkml:traceFormat>
+          <inkml:channel name="X" type="integer" min="-2.14748E9" max="2.14748E9" units="cm"/>
+          <inkml:channel name="Y" type="integer" min="-2.14748E9" max="2.14748E9" units="cm"/>
+          <inkml:channel name="F" type="integer" max="32767" units="dev"/>
+        </inkml:traceFormat>
+        <inkml:channelProperties>
+          <inkml:channelProperty channel="X" name="resolution" value="1000" units="1/cm"/>
+          <inkml:channelProperty channel="Y" name="resolution" value="1000" units="1/cm"/>
+          <inkml:channelProperty channel="F" name="resolution" value="0" units="1/dev"/>
+        </inkml:channelProperties>
+      </inkml:inkSource>
+      <inkml:timestamp xml:id="ts0" timeString="2020-09-20T13:24:00.569"/>
     </inkml:context>
     <inkml:brush xml:id="br0">
       <inkml:brushProperty name="width" value="0.1" units="cm"/>
@@ -284,11 +312,403 @@
       <inkml:brushProperty name="color" value="#5B2D90"/>
     </inkml:brush>
   </inkml:definitions>
-  <inkml:trace contextRef="#ctx0" brushRef="#br0">242 1 992,'0'0'2279,"0"0"-404,0 0-434,0 0-835,0 0-420,0 0-36,0 0 165,0 0 408,0 0 384,0 0 245,0 0 132,0 0-100,0 0-167,0 0-137,0 0-221,0 0-245,0 0-171,0 0-150,0 0-82,0 0-99,-38 15 0,25-10-142,1 1 0,0 0 0,0 1 0,1 1 0,0-1-1,1 2 1,-1 0 0,2 0 0,-1 0 0,1 1 0,1 1 0,0 0-1,0 0 1,1 0 0,0 1 0,1 0 0,1 0 0,-1 1-1,2 0 1,-1 4 30,-2 12-5,2-1 1,1 1-1,2 0 0,0 0 0,2 0 0,2 13 5,-1-34 25,0 0 0,1 0-1,-1 0 1,2 0 0,-1-1 0,1 1 0,0-1 0,1 1-1,-1-1 1,1 0 0,1-1 0,-1 1 0,1-1 0,1 1-1,-1-2 1,1 1 0,0-1 0,0 1 0,1-2 0,-1 1-1,1-1 1,0 0 0,0 0 0,6 1-25,7 3 69,1-1 0,0 0 1,0-2-1,0-1 0,1-1 0,0 0 1,-1-2-1,14 0-69,-19-1 35,0 0 0,0-1-1,0-1 1,0 0 0,0-1 0,0-1 0,-1 0 0,1-1 0,-1-1-1,0 0 1,-1-1 0,0-1 0,0 0 0,0-1 0,-1-1-1,2-2-34,-7 3 33,-1-1-1,-1 0 0,0 0 0,0-1 1,-1 1-1,-1-1 0,1 0 0,-2-1 0,0 1 1,0-1-1,-1 1 0,0-1 0,-1-4-32,2-5 120,0 0 30,0 0 0,-2 0 0,-1-1 0,0 1 0,-3-21-150,-2 32 39,0-1-1,-1 2 1,0-1 0,-1 0-1,0 1 1,0 0 0,-1 1 0,0 0-1,0 0 1,-8-5-39,4 3 62,-1 0-1,0 1 1,-1 1 0,0 0 0,0 0 0,-1 2-1,0 0 1,0 1 0,-1 0 0,1 1 0,-10-1-62,-21-2-431,0 3-1,0 1 1,-17 3 431,-6 4-3279,2 14-2072</inkml:trace>
+  <inkml:trace contextRef="#ctx0" brushRef="#br0">1 1 4706,'0'0'0,"0"0"-1296</inkml:trace>
 </inkml:ink>
 </file>
 
-<file path=ppt/ink/ink100.xml><?xml version="1.0" encoding="utf-8"?>
+<file path=ppt/ink/ink101.xml><?xml version="1.0" encoding="utf-8"?>
+<inkml:ink xmlns:inkml="http://www.w3.org/2003/InkML">
+  <inkml:definitions>
+    <inkml:context xml:id="ctx0">
+      <inkml:inkSource xml:id="inkSrc0">
+        <inkml:traceFormat>
+          <inkml:channel name="X" type="integer" min="-2.14748E9" max="2.14748E9" units="cm"/>
+          <inkml:channel name="Y" type="integer" min="-2.14748E9" max="2.14748E9" units="cm"/>
+          <inkml:channel name="F" type="integer" max="32767" units="dev"/>
+        </inkml:traceFormat>
+        <inkml:channelProperties>
+          <inkml:channelProperty channel="X" name="resolution" value="1000" units="1/cm"/>
+          <inkml:channelProperty channel="Y" name="resolution" value="1000" units="1/cm"/>
+          <inkml:channelProperty channel="F" name="resolution" value="0" units="1/dev"/>
+        </inkml:channelProperties>
+      </inkml:inkSource>
+      <inkml:timestamp xml:id="ts0" timeString="2020-09-20T13:24:01.447"/>
+    </inkml:context>
+    <inkml:brush xml:id="br0">
+      <inkml:brushProperty name="width" value="0.1" units="cm"/>
+      <inkml:brushProperty name="height" value="0.1" units="cm"/>
+      <inkml:brushProperty name="color" value="#5B2D90"/>
+    </inkml:brush>
+  </inkml:definitions>
+  <inkml:trace contextRef="#ctx0" brushRef="#br0">139 1 4274,'0'0'2532,"0"0"-72,0 0-182,0 0-405,0 0-147,-2 0 3633,-15 5-5513,7-2 169,0 2 0,0-1-1,1 2 1,0-1 0,0 1 0,0 0-1,1 1 1,-1 0-15,6-3 15,-1 0 0,1 1 0,-1-1 1,1 1-1,0 0 0,1-1 0,-1 1 0,1 0 0,0 0 0,0 1 0,1-1 1,0 0-1,0 1 0,0-1 0,0 1 0,1 3-15,0-1 164,0 0-1,1 0 1,0 0-1,0 0 0,1 0 1,0 0-1,0-1 1,1 1-1,0-1 1,0 0-1,1 1 1,0-1-1,0-1 0,0 1 1,1-1-1,0 0 1,1 0-1,-1 0 1,1 0-1,0-1 1,0 0-1,1-1 1,0 1-1,0-1 0,0 0 1,0-1-1,0 0 1,1 0-1,-1-1 1,5 2-164,-1-2 115,-1 1 1,1-1 0,0-1-1,0 0 1,-1-1 0,1 0-1,0 0 1,5-1-116,-10 0-306,-1-1 0,1 1-1,0-1 1,0 0 0,0 0 0,-1 0 0,1-2 306,-2 2-970,-1 0 0,1 0 1,-1 0-1,0-1 0,0 0 1,0 1-1,0-1 1,-1-1-1,1 1 0,1-3 970,0-1-11095</inkml:trace>
+</inkml:ink>
+</file>
+
+<file path=ppt/ink/ink102.xml><?xml version="1.0" encoding="utf-8"?>
+<inkml:ink xmlns:inkml="http://www.w3.org/2003/InkML">
+  <inkml:definitions>
+    <inkml:context xml:id="ctx0">
+      <inkml:inkSource xml:id="inkSrc0">
+        <inkml:traceFormat>
+          <inkml:channel name="X" type="integer" min="-2.14748E9" max="2.14748E9" units="cm"/>
+          <inkml:channel name="Y" type="integer" min="-2.14748E9" max="2.14748E9" units="cm"/>
+          <inkml:channel name="F" type="integer" max="32767" units="dev"/>
+        </inkml:traceFormat>
+        <inkml:channelProperties>
+          <inkml:channelProperty channel="X" name="resolution" value="1000" units="1/cm"/>
+          <inkml:channelProperty channel="Y" name="resolution" value="1000" units="1/cm"/>
+          <inkml:channelProperty channel="F" name="resolution" value="0" units="1/dev"/>
+        </inkml:channelProperties>
+      </inkml:inkSource>
+      <inkml:timestamp xml:id="ts0" timeString="2020-09-20T13:24:02.265"/>
+    </inkml:context>
+    <inkml:brush xml:id="br0">
+      <inkml:brushProperty name="width" value="0.1" units="cm"/>
+      <inkml:brushProperty name="height" value="0.1" units="cm"/>
+      <inkml:brushProperty name="color" value="#5B2D90"/>
+    </inkml:brush>
+  </inkml:definitions>
+  <inkml:trace contextRef="#ctx0" brushRef="#br0">1 66 4210,'0'0'1937,"0"0"685,0 0 169,0 0-635,0 0-57,-1-6 252,1 5-2209,0-1 1,0 1-1,0-1 1,0 0-1,1 1 1,-1-1-1,0 1 1,1-1-1,-1 1 1,1-1-1,-1 1 1,1-1-1,0 1 1,0-1-1,-1 1 1,1 0-1,0 0 1,0-1-1,0 1 1,1 0-1,-1 0 1,0 0-1,0 0 1,1 0-1,0 0-142,3-2 307,1 0 0,-1 1-1,1 0 1,0 0 0,0 1-1,0-1 1,4 1-307,10-2 421,-1 0 0,1 2 0,-1 0 0,1 1 0,-1 1 0,9 2-421,-27-3-1,0 1 0,0-1 0,0 1 0,0 0 0,0-1 0,0 1-1,0 0 1,0 0 0,0 0 0,0 0 0,0 0 0,0 0 0,-1 0 0,1 0-1,0 0 1,-1 0 0,1 0 0,-1 0 0,1 0 0,-1 1 0,0-1-1,1 0 1,-1 0 0,0 1 0,0-1 0,0 0 0,0 0 0,0 1 1,0 44-369,-1-30 292,5 57-5,4 0 0,2 0-1,4-1 1,4 6 82,2 15 99,-16-76-73,0 1 0,-2-1 0,0 1 0,-1-1 0,-2 16-26,1-28-7,-1 1 1,0-1-1,0 1 0,0-1 1,-1 1-1,0-1 0,0 0 1,-1 0-1,1 0 0,-1 0 1,0 0-1,0-1 0,-1 1 1,0-1-1,1 0 0,-1 0 0,-1 0 1,1 0-1,-3 1 7,-2 1-44,1-1 0,-1 0 0,-1-1-1,1 0 1,0 0 0,-1-1 0,0 0 0,-8 1 44,15-4-237,-1 1 1,0-1-1,0 0 0,0 0 1,0 0-1,0 0 1,1-1-1,-1 0 0,0 0 1,0 0-1,0 0 237,2 0-375,0 0 0,0 0 1,0 0-1,0 0 0,0-1 0,1 1 0,-1-1 0,0 1 1,1-1-1,-1 1 0,1-1 0,0 0 0,0 0 0,-1 0 1,1 1-1,0-1 0,1 0 0,-1 0 0,0-1 0,0 1 375,-1-17-9049</inkml:trace>
+</inkml:ink>
+</file>
+
+<file path=ppt/ink/ink103.xml><?xml version="1.0" encoding="utf-8"?>
+<inkml:ink xmlns:inkml="http://www.w3.org/2003/InkML">
+  <inkml:definitions>
+    <inkml:context xml:id="ctx0">
+      <inkml:inkSource xml:id="inkSrc0">
+        <inkml:traceFormat>
+          <inkml:channel name="X" type="integer" min="-2.14748E9" max="2.14748E9" units="cm"/>
+          <inkml:channel name="Y" type="integer" min="-2.14748E9" max="2.14748E9" units="cm"/>
+          <inkml:channel name="F" type="integer" max="32767" units="dev"/>
+        </inkml:traceFormat>
+        <inkml:channelProperties>
+          <inkml:channelProperty channel="X" name="resolution" value="1000" units="1/cm"/>
+          <inkml:channelProperty channel="Y" name="resolution" value="1000" units="1/cm"/>
+          <inkml:channelProperty channel="F" name="resolution" value="0" units="1/dev"/>
+        </inkml:channelProperties>
+      </inkml:inkSource>
+      <inkml:timestamp xml:id="ts0" timeString="2020-09-20T13:24:14.885"/>
+    </inkml:context>
+    <inkml:brush xml:id="br0">
+      <inkml:brushProperty name="width" value="0.1" units="cm"/>
+      <inkml:brushProperty name="height" value="0.1" units="cm"/>
+      <inkml:brushProperty name="color" value="#5B2D90"/>
+    </inkml:brush>
+  </inkml:definitions>
+  <inkml:trace contextRef="#ctx0" brushRef="#br0">467 1 15863,'0'0'2196,"0"0"-734,0 0 576,10 1-120,3 1-1302,9 2-158,1-4 3879,-175 18-4417,54-19 67,61-1-227,-1 2 1,0 2-1,1 1 0,0 1 0,-1 2 1,-8 5 239,45-11 15,0 1 0,0-1 0,0 1 0,1 0 1,-1 0-1,0-1 0,0 1 0,0 0 0,1 0 1,-1 0-1,0 0 0,1 0 0,-1 0 0,1 0 0,-1 0 1,1 0-1,0 0 0,-1 0 0,1 0 0,0 0 1,0 0-1,0 0 0,-1 0 0,1 1 0,1-1 1,-1 0-1,0 0 0,0 0 0,0 0 0,0 0 1,1 0-1,-1 0 0,0 0 0,1 1-15,16 48 429,-9-32-438,0 14 36,0 1 1,-2 0-1,-2 0 0,0 21-27,-3 137-13,-2-96 8,-2-54-24,2-32 27,0 1-1,0 0 1,1 0 0,0-1-1,1 1 1,0 0-1,2 7 3,-2-15 10,0 0-1,0-1 1,0 1-1,0-1 1,1 1-1,-1-1 1,0 0-1,1 1 1,-1-1-1,1 0 1,0 0-1,-1 0 1,1 0-1,0 0 1,-1-1-1,1 1 1,0 0-1,0-1 1,0 1-1,0-1-9,41 8 176,-40-8-166,53 6-314,2-3 0,-1-3 0,29-3 304,-57-4-2426,-12-2-2160,-13 8 3071,17-8-10381</inkml:trace>
+</inkml:ink>
+</file>
+
+<file path=ppt/ink/ink104.xml><?xml version="1.0" encoding="utf-8"?>
+<inkml:ink xmlns:inkml="http://www.w3.org/2003/InkML">
+  <inkml:definitions>
+    <inkml:context xml:id="ctx0">
+      <inkml:inkSource xml:id="inkSrc0">
+        <inkml:traceFormat>
+          <inkml:channel name="X" type="integer" min="-2.14748E9" max="2.14748E9" units="cm"/>
+          <inkml:channel name="Y" type="integer" min="-2.14748E9" max="2.14748E9" units="cm"/>
+          <inkml:channel name="F" type="integer" max="32767" units="dev"/>
+        </inkml:traceFormat>
+        <inkml:channelProperties>
+          <inkml:channelProperty channel="X" name="resolution" value="1000" units="1/cm"/>
+          <inkml:channelProperty channel="Y" name="resolution" value="1000" units="1/cm"/>
+          <inkml:channelProperty channel="F" name="resolution" value="0" units="1/dev"/>
+        </inkml:channelProperties>
+      </inkml:inkSource>
+      <inkml:timestamp xml:id="ts0" timeString="2020-09-20T13:24:16.939"/>
+    </inkml:context>
+    <inkml:brush xml:id="br0">
+      <inkml:brushProperty name="width" value="0.1" units="cm"/>
+      <inkml:brushProperty name="height" value="0.1" units="cm"/>
+      <inkml:brushProperty name="color" value="#5B2D90"/>
+    </inkml:brush>
+  </inkml:definitions>
+  <inkml:trace contextRef="#ctx0" brushRef="#br0">369 1 11045,'0'0'2286,"0"0"-696,0 0-39,0 0-711,0 0-424,0 24 3279,0 30-1359,-2-9-1719,3-1 0,1 1 0,2-1 0,2 1 0,12 40-617,4-17 432,-6-19 254,11 49-686,-24-85 33,-1 0 1,0 1-1,-1-1 0,-1 0 0,0 1 0,0-1 1,-2 1-1,1-1 0,-4 11-33,2-17-9,0 1 1,-1-1-1,0 0 0,0-1 1,0 1-1,-1-1 0,0 0 0,0 0 1,-1 0-1,0 0 0,0-1 1,0 0-1,0-1 0,-1 1 1,0-1-1,0 0 0,0-1 1,0 0-1,-2 0 9,-10 5-226,-1-1-1,0-1 1,0-1-1,0-1 1,-1-1 0,-14 1 226,15-3-745,0-1 0,1 0 1,-1-1-1,0-2 745,14 3-613,0-1 0,1-1 1,-1 1-1,1-1 0,-1 0 0,1 0 0,0-1 0,0 1 1,0-1-1,0-1 0,0 1 0,0 0 0,1-1 0,0 0 1,-2-2 612,-9-19-6787</inkml:trace>
+</inkml:ink>
+</file>
+
+<file path=ppt/ink/ink105.xml><?xml version="1.0" encoding="utf-8"?>
+<inkml:ink xmlns:inkml="http://www.w3.org/2003/InkML">
+  <inkml:definitions>
+    <inkml:context xml:id="ctx0">
+      <inkml:inkSource xml:id="inkSrc0">
+        <inkml:traceFormat>
+          <inkml:channel name="X" type="integer" min="-2.14748E9" max="2.14748E9" units="cm"/>
+          <inkml:channel name="Y" type="integer" min="-2.14748E9" max="2.14748E9" units="cm"/>
+          <inkml:channel name="F" type="integer" max="32767" units="dev"/>
+        </inkml:traceFormat>
+        <inkml:channelProperties>
+          <inkml:channelProperty channel="X" name="resolution" value="1000" units="1/cm"/>
+          <inkml:channelProperty channel="Y" name="resolution" value="1000" units="1/cm"/>
+          <inkml:channelProperty channel="F" name="resolution" value="0" units="1/dev"/>
+        </inkml:channelProperties>
+      </inkml:inkSource>
+      <inkml:timestamp xml:id="ts0" timeString="2020-09-20T13:24:17.359"/>
+    </inkml:context>
+    <inkml:brush xml:id="br0">
+      <inkml:brushProperty name="width" value="0.1" units="cm"/>
+      <inkml:brushProperty name="height" value="0.1" units="cm"/>
+      <inkml:brushProperty name="color" value="#5B2D90"/>
+    </inkml:brush>
+  </inkml:definitions>
+  <inkml:trace contextRef="#ctx0" brushRef="#br0">427 29 464,'0'0'10501,"0"0"-7476,0 0 433,0 0-769,0 0-1808,0 0-881,0 0 16,-50 4 272,-4-13 592,-7-2-416,-7 3-175,2 4-289,7 4-689,19 0-3281,12 10-3601</inkml:trace>
+</inkml:ink>
+</file>
+
+<file path=ppt/ink/ink106.xml><?xml version="1.0" encoding="utf-8"?>
+<inkml:ink xmlns:inkml="http://www.w3.org/2003/InkML">
+  <inkml:definitions>
+    <inkml:context xml:id="ctx0">
+      <inkml:inkSource xml:id="inkSrc0">
+        <inkml:traceFormat>
+          <inkml:channel name="X" type="integer" min="-2.14748E9" max="2.14748E9" units="cm"/>
+          <inkml:channel name="Y" type="integer" min="-2.14748E9" max="2.14748E9" units="cm"/>
+          <inkml:channel name="F" type="integer" max="32767" units="dev"/>
+        </inkml:traceFormat>
+        <inkml:channelProperties>
+          <inkml:channelProperty channel="X" name="resolution" value="1000" units="1/cm"/>
+          <inkml:channelProperty channel="Y" name="resolution" value="1000" units="1/cm"/>
+          <inkml:channelProperty channel="F" name="resolution" value="0" units="1/dev"/>
+        </inkml:channelProperties>
+      </inkml:inkSource>
+      <inkml:timestamp xml:id="ts0" timeString="2020-09-20T13:24:18.267"/>
+    </inkml:context>
+    <inkml:brush xml:id="br0">
+      <inkml:brushProperty name="width" value="0.1" units="cm"/>
+      <inkml:brushProperty name="height" value="0.1" units="cm"/>
+      <inkml:brushProperty name="color" value="#5B2D90"/>
+    </inkml:brush>
+  </inkml:definitions>
+  <inkml:trace contextRef="#ctx0" brushRef="#br0">27 0 11125,'0'0'3199,"0"0"-179,0 0-208,0 0-1046,0 0-576,7 1-438,25 3-393,0 1-1,0 2 0,-1 1 1,0 2-1,-1 0 1,13 8-359,-39-16-16,-1 1 0,0-1 0,0 1 0,0 0 0,0 0 0,-1 0 0,1 0 0,-1 0 0,0 1 0,0-1 0,0 1 0,0-1 0,-1 1 0,1 0 1,-1 0-1,0 0 0,0 0 0,0 0 0,-1 0 0,0 0 16,3 18-191,-2 0 1,-1 0-1,-1 9 191,0 8 42,6 29-4,6 23-38,-3-30 133,-1 60-133,-7-118-11,-1 0 0,0 0 1,1-1-1,-1 1 0,-1 0 0,1 0 1,0-1-1,-1 1 0,1-1 0,-1 1 0,0-1 1,0 0-1,0 1 0,0-1 0,0 0 1,0 0-1,-1-1 0,1 1 0,-1 0 1,1-1-1,-1 0 0,0 1 0,1-1 1,-1 0-1,-1 0 11,-12 5-10,-1 0 0,0-1 0,-12 2 10,10-4-51,0 0 1,0 0-1,0-2 1,0-1-1,-5 0 51,15-1-950,0 0 0,0 0 0,0-1 1,1 0-1,-1 0 0,0-1 0,-3-2 950,-5-5-7827</inkml:trace>
+</inkml:ink>
+</file>
+
+<file path=ppt/ink/ink107.xml><?xml version="1.0" encoding="utf-8"?>
+<inkml:ink xmlns:inkml="http://www.w3.org/2003/InkML">
+  <inkml:definitions>
+    <inkml:context xml:id="ctx0">
+      <inkml:inkSource xml:id="inkSrc0">
+        <inkml:traceFormat>
+          <inkml:channel name="X" type="integer" min="-2.14748E9" max="2.14748E9" units="cm"/>
+          <inkml:channel name="Y" type="integer" min="-2.14748E9" max="2.14748E9" units="cm"/>
+          <inkml:channel name="F" type="integer" max="32767" units="dev"/>
+        </inkml:traceFormat>
+        <inkml:channelProperties>
+          <inkml:channelProperty channel="X" name="resolution" value="1000" units="1/cm"/>
+          <inkml:channelProperty channel="Y" name="resolution" value="1000" units="1/cm"/>
+          <inkml:channelProperty channel="F" name="resolution" value="0" units="1/dev"/>
+        </inkml:channelProperties>
+      </inkml:inkSource>
+      <inkml:timestamp xml:id="ts0" timeString="2020-09-20T13:24:25.108"/>
+    </inkml:context>
+    <inkml:brush xml:id="br0">
+      <inkml:brushProperty name="width" value="0.1" units="cm"/>
+      <inkml:brushProperty name="height" value="0.1" units="cm"/>
+      <inkml:brushProperty name="color" value="#5B2D90"/>
+    </inkml:brush>
+  </inkml:definitions>
+  <inkml:trace contextRef="#ctx0" brushRef="#br0">358 59 8756,'0'0'3602,"0"0"-2255,0 0 75,0 0-125,0 0-657,0 0 155,-7-8 131,4 4-766,0 0 1,-1 0 0,0 1-1,0-1 1,0 1 0,0 0-1,0 0 1,-1 0 0,1 1-1,-1 0 1,0-1 0,1 2-1,-1-1 1,0 0 0,0 1-1,0 0 1,0 0 0,-3 0-161,-16 0 470,-79-2 157,97 4-624,-1-1 0,1 1 0,-1 0 1,1 0-1,-1 0 0,1 1 0,0 0 1,0 1-1,0-1 0,0 1 0,0 0 1,0 1-1,0 0-3,4-1 17,-1 0-1,1 0 1,-1 0 0,1 0 0,0 1-1,0-1 1,0 1 0,1 0 0,0-1-1,-1 1 1,1 0 0,0 0 0,1 0-1,-1 0 1,1 1-17,-2 66 525,2-49-439,2 110 150,-1 10-171,-7 31-65,-4-129-59,0 5 670,11-48-513,1 0 1,0 0-1,-1 0 0,1-1 0,0 1 0,0 0 0,0-1 1,0 0-1,-1 0 0,1 1 0,0-1 0,0 0 1,1 0-99,0 0 84,28 3-101,106 8-1111,-46-10-5264,-59-2 667</inkml:trace>
+</inkml:ink>
+</file>
+
+<file path=ppt/ink/ink108.xml><?xml version="1.0" encoding="utf-8"?>
+<inkml:ink xmlns:inkml="http://www.w3.org/2003/InkML">
+  <inkml:definitions>
+    <inkml:context xml:id="ctx0">
+      <inkml:inkSource xml:id="inkSrc0">
+        <inkml:traceFormat>
+          <inkml:channel name="X" type="integer" min="-2.14748E9" max="2.14748E9" units="cm"/>
+          <inkml:channel name="Y" type="integer" min="-2.14748E9" max="2.14748E9" units="cm"/>
+          <inkml:channel name="F" type="integer" max="32767" units="dev"/>
+        </inkml:traceFormat>
+        <inkml:channelProperties>
+          <inkml:channelProperty channel="X" name="resolution" value="1000" units="1/cm"/>
+          <inkml:channelProperty channel="Y" name="resolution" value="1000" units="1/cm"/>
+          <inkml:channelProperty channel="F" name="resolution" value="0" units="1/dev"/>
+        </inkml:channelProperties>
+      </inkml:inkSource>
+      <inkml:timestamp xml:id="ts0" timeString="2020-09-20T13:24:25.888"/>
+    </inkml:context>
+    <inkml:brush xml:id="br0">
+      <inkml:brushProperty name="width" value="0.1" units="cm"/>
+      <inkml:brushProperty name="height" value="0.1" units="cm"/>
+      <inkml:brushProperty name="color" value="#5B2D90"/>
+    </inkml:brush>
+  </inkml:definitions>
+  <inkml:trace contextRef="#ctx0" brushRef="#br0">262 1 13990,'0'0'2343,"0"0"322,0 0 22,0 0-967,0 0-687,0 0-497,7 13-344,7 25-54,-1 1-1,-2 0 0,-2 1 1,3 30-138,7 48 318,-6 1 1,-4 0-1,-6 1-318,-4-109-6,0 0 1,0 0-1,-1 0 1,0-1-1,-1 1 1,-1-1-1,1 0 1,-2 0-1,1 0 1,-1 0-1,-1-1 1,0 0-1,0 0 1,-1 0-1,0-1 1,0 0-1,-1 0 1,0-1-1,0 0 1,-1-1 0,-4 3 5,4-3-336,-1-1 0,0 0 0,0 0 0,0-1 0,-1 0 0,1-1 0,-1 0 0,0-1 0,0 0 1,0-1-1,0 0 0,0-1 0,-7-1 336,13 1-444,1-1 0,0 1-1,0-1 1,-1 0 0,1-1 0,0 1 0,0-1 0,0 1 0,1-1 0,-1-1 0,0 1-1,1 0 1,-1-1 0,1 0 0,0 1 0,0-2 0,0 1 0,0 0 0,0 0 0,1-1-1,0 1 1,-1-1 0,1 0 0,1 0 0,-1 0 0,0 0 0,1 0 0,0 0-1,0 0 1,0-4 444,-8-46-8849</inkml:trace>
+</inkml:ink>
+</file>
+
+<file path=ppt/ink/ink109.xml><?xml version="1.0" encoding="utf-8"?>
+<inkml:ink xmlns:inkml="http://www.w3.org/2003/InkML">
+  <inkml:definitions>
+    <inkml:context xml:id="ctx0">
+      <inkml:inkSource xml:id="inkSrc0">
+        <inkml:traceFormat>
+          <inkml:channel name="X" type="integer" min="-2.14748E9" max="2.14748E9" units="cm"/>
+          <inkml:channel name="Y" type="integer" min="-2.14748E9" max="2.14748E9" units="cm"/>
+          <inkml:channel name="F" type="integer" max="32767" units="dev"/>
+        </inkml:traceFormat>
+        <inkml:channelProperties>
+          <inkml:channelProperty channel="X" name="resolution" value="1000" units="1/cm"/>
+          <inkml:channelProperty channel="Y" name="resolution" value="1000" units="1/cm"/>
+          <inkml:channelProperty channel="F" name="resolution" value="0" units="1/dev"/>
+        </inkml:channelProperties>
+      </inkml:inkSource>
+      <inkml:timestamp xml:id="ts0" timeString="2020-09-20T13:24:26.204"/>
+    </inkml:context>
+    <inkml:brush xml:id="br0">
+      <inkml:brushProperty name="width" value="0.1" units="cm"/>
+      <inkml:brushProperty name="height" value="0.1" units="cm"/>
+      <inkml:brushProperty name="color" value="#5B2D90"/>
+    </inkml:brush>
+  </inkml:definitions>
+  <inkml:trace contextRef="#ctx0" brushRef="#br0">0 5 14583,'0'0'5618,"0"0"-4497,0 0 1264,0 0-2337,0 0-48,0 0-1601,21-4-3457,-14 5-8260</inkml:trace>
+</inkml:ink>
+</file>
+
+<file path=ppt/ink/ink11.xml><?xml version="1.0" encoding="utf-8"?>
+<inkml:ink xmlns:inkml="http://www.w3.org/2003/InkML">
+  <inkml:definitions>
+    <inkml:context xml:id="ctx0">
+      <inkml:inkSource xml:id="inkSrc0">
+        <inkml:traceFormat>
+          <inkml:channel name="X" type="integer" min="-2.14748E9" max="2.14748E9" units="cm"/>
+          <inkml:channel name="Y" type="integer" min="-2.14748E9" max="2.14748E9" units="cm"/>
+          <inkml:channel name="F" type="integer" max="32767" units="dev"/>
+        </inkml:traceFormat>
+        <inkml:channelProperties>
+          <inkml:channelProperty channel="X" name="resolution" value="1000" units="1/cm"/>
+          <inkml:channelProperty channel="Y" name="resolution" value="1000" units="1/cm"/>
+          <inkml:channelProperty channel="F" name="resolution" value="0" units="1/dev"/>
+        </inkml:channelProperties>
+      </inkml:inkSource>
+      <inkml:timestamp xml:id="ts0" timeString="2023-05-30T16:32:29.084"/>
+    </inkml:context>
+    <inkml:brush xml:id="br0">
+      <inkml:brushProperty name="width" value="0.05" units="cm"/>
+      <inkml:brushProperty name="height" value="0.05" units="cm"/>
+      <inkml:brushProperty name="color" value="#004F8B"/>
+    </inkml:brush>
+  </inkml:definitions>
+  <inkml:trace contextRef="#ctx0" brushRef="#br0">348 20 12598,'0'0'11077,"-56"-2"-10693,5 0 80,0 2-176,-2-2-176,9 2-112,5-3-80,10 1-576,12-2-1089,10 0-2593</inkml:trace>
+</inkml:ink>
+</file>
+
+<file path=ppt/ink/ink110.xml><?xml version="1.0" encoding="utf-8"?>
+<inkml:ink xmlns:inkml="http://www.w3.org/2003/InkML">
+  <inkml:definitions>
+    <inkml:context xml:id="ctx0">
+      <inkml:inkSource xml:id="inkSrc0">
+        <inkml:traceFormat>
+          <inkml:channel name="X" type="integer" min="-2.14748E9" max="2.14748E9" units="cm"/>
+          <inkml:channel name="Y" type="integer" min="-2.14748E9" max="2.14748E9" units="cm"/>
+          <inkml:channel name="F" type="integer" max="32767" units="dev"/>
+        </inkml:traceFormat>
+        <inkml:channelProperties>
+          <inkml:channelProperty channel="X" name="resolution" value="1000" units="1/cm"/>
+          <inkml:channelProperty channel="Y" name="resolution" value="1000" units="1/cm"/>
+          <inkml:channelProperty channel="F" name="resolution" value="0" units="1/dev"/>
+        </inkml:channelProperties>
+      </inkml:inkSource>
+      <inkml:timestamp xml:id="ts0" timeString="2020-09-20T13:24:26.939"/>
+    </inkml:context>
+    <inkml:brush xml:id="br0">
+      <inkml:brushProperty name="width" value="0.1" units="cm"/>
+      <inkml:brushProperty name="height" value="0.1" units="cm"/>
+      <inkml:brushProperty name="color" value="#5B2D90"/>
+    </inkml:brush>
+  </inkml:definitions>
+  <inkml:trace contextRef="#ctx0" brushRef="#br0">0 0 12294,'0'0'1200,"0"0"1332,0 0 571,0 0-702,0 0-432,4 2-414,16 7-1038,32 15-358,1-3 0,3-2-159,-53-18-16,1 0 0,0 0 0,-1 1 0,1-1 0,-1 1 0,0-1 0,1 1 0,-1 0 0,0 0 0,0 1 0,0-1 0,0 0 0,-1 1 0,1 0 0,-1 0 0,2 2 16,-1 1-120,-1-1-1,0 1 1,-1 0 0,1 0-1,-1 0 1,0-1 0,0 1-1,-1 0 1,0 1 0,0-1 120,3 73-935,8 34 935,-7-86-30,1-1-1,2 0 1,0 0-1,2 0 1,0-1-1,3 3 31,10 12 51,-13-25 56,-1 0 1,-1 1-1,0-1 0,-1 2-107,-6-16-4,-1 1-1,1-1 1,0 1 0,-1-1-1,1 1 1,-1-1-1,1 1 1,-1-1 0,0 0-1,0 1 1,0-1 0,0 0-1,0 0 1,0 1-1,0-1 1,0 0 0,0 0-1,0 0 1,-1 0-1,1-1 1,0 1 0,-1 0-1,1 0 1,0-1-1,-1 1 1,1-1 0,-1 1-1,1-1 1,-2 0 4,-51 18-52,51-18 60,-19 4 6,0 0 0,-1-2-1,-10-1-13,6 0-459,1 1 0,-23 6 459,42-7-813,-1 1 0,1 0 0,0 1 0,1 0 0,-1 0 0,0 0 0,-2 3 813,-14 14-10026</inkml:trace>
+</inkml:ink>
+</file>
+
+<file path=ppt/ink/ink111.xml><?xml version="1.0" encoding="utf-8"?>
+<inkml:ink xmlns:inkml="http://www.w3.org/2003/InkML">
+  <inkml:definitions>
+    <inkml:context xml:id="ctx0">
+      <inkml:inkSource xml:id="inkSrc0">
+        <inkml:traceFormat>
+          <inkml:channel name="X" type="integer" min="-2.14748E9" max="2.14748E9" units="cm"/>
+          <inkml:channel name="Y" type="integer" min="-2.14748E9" max="2.14748E9" units="cm"/>
+          <inkml:channel name="F" type="integer" max="32767" units="dev"/>
+        </inkml:traceFormat>
+        <inkml:channelProperties>
+          <inkml:channelProperty channel="X" name="resolution" value="1000" units="1/cm"/>
+          <inkml:channelProperty channel="Y" name="resolution" value="1000" units="1/cm"/>
+          <inkml:channelProperty channel="F" name="resolution" value="0" units="1/dev"/>
+        </inkml:channelProperties>
+      </inkml:inkSource>
+      <inkml:timestamp xml:id="ts0" timeString="2020-09-20T13:25:21.776"/>
+    </inkml:context>
+    <inkml:brush xml:id="br0">
+      <inkml:brushProperty name="width" value="0.1" units="cm"/>
+      <inkml:brushProperty name="height" value="0.1" units="cm"/>
+      <inkml:brushProperty name="color" value="#5B2D90"/>
+    </inkml:brush>
+  </inkml:definitions>
+  <inkml:trace contextRef="#ctx0" brushRef="#br0">322 1 13862,'0'0'2802,"0"0"-1564,0 0 610,0 0-274,0 0-784,0 0-136,-8-1 4555,-37 1-5237,-205 2-1015,250 42 2211,10 125-1188,-8 60 20,-3-136-28,1-85-15,0 0 1,-1 0-1,0 0 0,-1 0 1,0 0-1,0 0 0,0 0 1,-1 0-1,0-1 0,-1 0 1,0 0-1,-1 3 43,55-21 846,-29 8-512,-1 2 1,0 1-1,0 0 1,4 2-335,30-1-1376,0-5-3765,-22-5-2625</inkml:trace>
+</inkml:ink>
+</file>
+
+<file path=ppt/ink/ink112.xml><?xml version="1.0" encoding="utf-8"?>
+<inkml:ink xmlns:inkml="http://www.w3.org/2003/InkML">
+  <inkml:definitions>
+    <inkml:context xml:id="ctx0">
+      <inkml:inkSource xml:id="inkSrc0">
+        <inkml:traceFormat>
+          <inkml:channel name="X" type="integer" min="-2.14748E9" max="2.14748E9" units="cm"/>
+          <inkml:channel name="Y" type="integer" min="-2.14748E9" max="2.14748E9" units="cm"/>
+          <inkml:channel name="F" type="integer" max="32767" units="dev"/>
+        </inkml:traceFormat>
+        <inkml:channelProperties>
+          <inkml:channelProperty channel="X" name="resolution" value="1000" units="1/cm"/>
+          <inkml:channelProperty channel="Y" name="resolution" value="1000" units="1/cm"/>
+          <inkml:channelProperty channel="F" name="resolution" value="0" units="1/dev"/>
+        </inkml:channelProperties>
+      </inkml:inkSource>
+      <inkml:timestamp xml:id="ts0" timeString="2020-09-20T13:25:22.488"/>
+    </inkml:context>
+    <inkml:brush xml:id="br0">
+      <inkml:brushProperty name="width" value="0.1" units="cm"/>
+      <inkml:brushProperty name="height" value="0.1" units="cm"/>
+      <inkml:brushProperty name="color" value="#5B2D90"/>
+    </inkml:brush>
+  </inkml:definitions>
+  <inkml:trace contextRef="#ctx0" brushRef="#br0">1 1 13622,'0'0'675,"0"0"1011,0 15 409,1 61 370,4 0 0,8 30-2465,39 137 3364,-2-9-1138,-42-187-5620,-1 1 0,0 48 3394,-7-135-6889,0-12-1101</inkml:trace>
+</inkml:ink>
+</file>
+
+<file path=ppt/ink/ink113.xml><?xml version="1.0" encoding="utf-8"?>
+<inkml:ink xmlns:inkml="http://www.w3.org/2003/InkML">
+  <inkml:definitions>
+    <inkml:context xml:id="ctx0">
+      <inkml:inkSource xml:id="inkSrc0">
+        <inkml:traceFormat>
+          <inkml:channel name="X" type="integer" min="-2.14748E9" max="2.14748E9" units="cm"/>
+          <inkml:channel name="Y" type="integer" min="-2.14748E9" max="2.14748E9" units="cm"/>
+          <inkml:channel name="F" type="integer" max="32767" units="dev"/>
+        </inkml:traceFormat>
+        <inkml:channelProperties>
+          <inkml:channelProperty channel="X" name="resolution" value="1000" units="1/cm"/>
+          <inkml:channelProperty channel="Y" name="resolution" value="1000" units="1/cm"/>
+          <inkml:channelProperty channel="F" name="resolution" value="0" units="1/dev"/>
+        </inkml:channelProperties>
+      </inkml:inkSource>
+      <inkml:timestamp xml:id="ts0" timeString="2020-09-20T13:25:22.968"/>
+    </inkml:context>
+    <inkml:brush xml:id="br0">
+      <inkml:brushProperty name="width" value="0.1" units="cm"/>
+      <inkml:brushProperty name="height" value="0.1" units="cm"/>
+      <inkml:brushProperty name="color" value="#5B2D90"/>
+    </inkml:brush>
+  </inkml:definitions>
+  <inkml:trace contextRef="#ctx0" brushRef="#br0">0 379 16616,'0'0'2211,"0"0"751,0 0-455,8 9-1271,-2-1-988,-4-5-178,0 0-1,0 0 0,1 0 1,-1 0-1,1 0 0,-1-1 1,1 1-1,0-1 0,0 0 1,0 1-1,0-1 0,1-1 1,-1 1-1,0 0 0,1-1 1,0 0-1,-1 0 0,1 0 1,2 0-70,25 3 242,0-2 0,0-1 0,0-1 0,29-5-242,-47 4-8,0-1 0,0-1-1,-1 0 1,1-1-1,-1 0 1,0-1-1,0 0 1,0-1 0,0-1-1,-1 1 1,0-2-1,-1 0 1,1 0 8,-6 2-63,-1 1 0,1 0 1,-1-1-1,0 0 0,-1 0 0,1 0 1,-1 0-1,-1-1 0,1 1 1,-1-1-1,0 1 0,0-1 0,-1 0 1,0 0-1,0 0 0,-1 0 0,0 0 1,0 0-1,0 0 0,-1 0 0,0 0 1,-1 1-1,1-1 0,-1 0 63,-2-5-125,1 1-1,-1 0 0,-1 0 0,0 0 1,-1 0-1,0 1 0,0 0 0,-1 0 1,-1 1-1,1 0 0,-1 0 0,-1 1 1,-6-5 125,3 5-10,0 0 1,-1 1-1,0 1 1,0 0 0,0 1-1,-1 0 1,0 1-1,0 1 1,0 0 0,-11-1 9,15 3-163,1 0 0,-1 0 0,0 1 1,0 0-1,0 1 0,0 0 1,0 1-1,0 0 0,1 0 1,-1 1-1,1 0 0,0 1 1,-1 0-1,2 0 0,-8 5 163,-7 13-3759,11 2-2678</inkml:trace>
+</inkml:ink>
+</file>
+
+<file path=ppt/ink/ink114.xml><?xml version="1.0" encoding="utf-8"?>
 <inkml:ink xmlns:inkml="http://www.w3.org/2003/InkML">
   <inkml:definitions>
     <inkml:context xml:id="ctx0">
@@ -316,7 +736,7 @@
 </inkml:ink>
 </file>
 
-<file path=ppt/ink/ink101.xml><?xml version="1.0" encoding="utf-8"?>
+<file path=ppt/ink/ink115.xml><?xml version="1.0" encoding="utf-8"?>
 <inkml:ink xmlns:inkml="http://www.w3.org/2003/InkML">
   <inkml:definitions>
     <inkml:context xml:id="ctx0">
@@ -344,7 +764,7 @@
 </inkml:ink>
 </file>
 
-<file path=ppt/ink/ink102.xml><?xml version="1.0" encoding="utf-8"?>
+<file path=ppt/ink/ink116.xml><?xml version="1.0" encoding="utf-8"?>
 <inkml:ink xmlns:inkml="http://www.w3.org/2003/InkML">
   <inkml:definitions>
     <inkml:context xml:id="ctx0">
@@ -372,7 +792,7 @@
 </inkml:ink>
 </file>
 
-<file path=ppt/ink/ink103.xml><?xml version="1.0" encoding="utf-8"?>
+<file path=ppt/ink/ink117.xml><?xml version="1.0" encoding="utf-8"?>
 <inkml:ink xmlns:inkml="http://www.w3.org/2003/InkML">
   <inkml:definitions>
     <inkml:context xml:id="ctx0">
@@ -400,7 +820,7 @@
 </inkml:ink>
 </file>
 
-<file path=ppt/ink/ink104.xml><?xml version="1.0" encoding="utf-8"?>
+<file path=ppt/ink/ink118.xml><?xml version="1.0" encoding="utf-8"?>
 <inkml:ink xmlns:inkml="http://www.w3.org/2003/InkML">
   <inkml:definitions>
     <inkml:context xml:id="ctx0">
@@ -428,7 +848,7 @@
 </inkml:ink>
 </file>
 
-<file path=ppt/ink/ink105.xml><?xml version="1.0" encoding="utf-8"?>
+<file path=ppt/ink/ink119.xml><?xml version="1.0" encoding="utf-8"?>
 <inkml:ink xmlns:inkml="http://www.w3.org/2003/InkML">
   <inkml:definitions>
     <inkml:context xml:id="ctx0">
@@ -456,7 +876,35 @@
 </inkml:ink>
 </file>
 
-<file path=ppt/ink/ink106.xml><?xml version="1.0" encoding="utf-8"?>
+<file path=ppt/ink/ink12.xml><?xml version="1.0" encoding="utf-8"?>
+<inkml:ink xmlns:inkml="http://www.w3.org/2003/InkML">
+  <inkml:definitions>
+    <inkml:context xml:id="ctx0">
+      <inkml:inkSource xml:id="inkSrc0">
+        <inkml:traceFormat>
+          <inkml:channel name="X" type="integer" min="-2.14748E9" max="2.14748E9" units="cm"/>
+          <inkml:channel name="Y" type="integer" min="-2.14748E9" max="2.14748E9" units="cm"/>
+          <inkml:channel name="F" type="integer" max="32767" units="dev"/>
+        </inkml:traceFormat>
+        <inkml:channelProperties>
+          <inkml:channelProperty channel="X" name="resolution" value="1000" units="1/cm"/>
+          <inkml:channelProperty channel="Y" name="resolution" value="1000" units="1/cm"/>
+          <inkml:channelProperty channel="F" name="resolution" value="0" units="1/dev"/>
+        </inkml:channelProperties>
+      </inkml:inkSource>
+      <inkml:timestamp xml:id="ts0" timeString="2023-05-30T16:32:29.811"/>
+    </inkml:context>
+    <inkml:brush xml:id="br0">
+      <inkml:brushProperty name="width" value="0.05" units="cm"/>
+      <inkml:brushProperty name="height" value="0.05" units="cm"/>
+      <inkml:brushProperty name="color" value="#004F8B"/>
+    </inkml:brush>
+  </inkml:definitions>
+  <inkml:trace contextRef="#ctx0" brushRef="#br0">246 1 9973,'0'0'9004,"-6"0"-8020,-7 0-620,1 0 0,0 1 0,0 0-1,0 1 1,0 0 0,0 1 0,-21 8 0,24-7-151,-1 1 0,1 0 0,0 1 0,1 0 0,0 1 0,0 0 0,0 0 0,-8 10 0,11-11-93,1-1-1,1 1 1,-1 0 0,1 0 0,0 0-1,0 0 1,1 1 0,0-1 0,0 1-1,1-1 1,-1 1 0,1 0 0,0 12-1,1-1 168,0 0-1,1 0 0,1 0 0,0-1 1,1 1-1,11 32 0,-6-34-190,0 0 0,0-1 0,2 0 0,0-1 1,0 0-1,2 0 0,19 18 0,-7-7 39,-20-19-85,0-1 0,0 1 0,0-1-1,0 1 1,-1 0 0,0 0 0,0 1-1,-1-1 1,0 1 0,0-1 0,1 10-1,0 5 73,-2-1 0,-1 30 0,0-18-97,-1-22-13,0 0 1,0 0-1,-1-1 1,0 1-1,-1 0 1,0-1 0,0 1-1,-1-1 1,-1 0-1,-10 17 1,11-19-77,-1 0 0,-1 0-1,1-1 1,-1 1 0,0-1 0,-1-1 0,1 1-1,-1-1 1,0 0 0,0 0 0,-1-1 0,0 0-1,-7 3 1,-9-3-1134,23-4 959,0 1 1,0-1-1,1 0 1,-1 0-1,0 0 1,0 0-1,0 0 1,0 0 0,0 0-1,0 0 1,1 0-1,-1 0 1,0-1-1,0 1 1,0 0-1,0-1 1,1 1-1,-1 0 1,0-1 0,0 1-1,1-1 1,-2 0-1,1-17-5998</inkml:trace>
+</inkml:ink>
+</file>
+
+<file path=ppt/ink/ink120.xml><?xml version="1.0" encoding="utf-8"?>
 <inkml:ink xmlns:inkml="http://www.w3.org/2003/InkML">
   <inkml:definitions>
     <inkml:context xml:id="ctx0">
@@ -484,7 +932,7 @@
 </inkml:ink>
 </file>
 
-<file path=ppt/ink/ink107.xml><?xml version="1.0" encoding="utf-8"?>
+<file path=ppt/ink/ink121.xml><?xml version="1.0" encoding="utf-8"?>
 <inkml:ink xmlns:inkml="http://www.w3.org/2003/InkML">
   <inkml:definitions>
     <inkml:context xml:id="ctx0">
@@ -512,7 +960,7 @@
 </inkml:ink>
 </file>
 
-<file path=ppt/ink/ink108.xml><?xml version="1.0" encoding="utf-8"?>
+<file path=ppt/ink/ink122.xml><?xml version="1.0" encoding="utf-8"?>
 <inkml:ink xmlns:inkml="http://www.w3.org/2003/InkML">
   <inkml:definitions>
     <inkml:context xml:id="ctx0">
@@ -540,7 +988,7 @@
 </inkml:ink>
 </file>
 
-<file path=ppt/ink/ink109.xml><?xml version="1.0" encoding="utf-8"?>
+<file path=ppt/ink/ink123.xml><?xml version="1.0" encoding="utf-8"?>
 <inkml:ink xmlns:inkml="http://www.w3.org/2003/InkML">
   <inkml:definitions>
     <inkml:context xml:id="ctx0">
@@ -568,7 +1016,1040 @@
 </inkml:ink>
 </file>
 
-<file path=ppt/ink/ink11.xml><?xml version="1.0" encoding="utf-8"?>
+<file path=ppt/ink/ink124.xml><?xml version="1.0" encoding="utf-8"?>
+<inkml:ink xmlns:inkml="http://www.w3.org/2003/InkML">
+  <inkml:definitions>
+    <inkml:context xml:id="ctx0">
+      <inkml:inkSource xml:id="inkSrc0">
+        <inkml:traceFormat>
+          <inkml:channel name="X" type="integer" min="-2.14748E9" max="2.14748E9" units="cm"/>
+          <inkml:channel name="Y" type="integer" min="-2.14748E9" max="2.14748E9" units="cm"/>
+          <inkml:channel name="F" type="integer" max="32767" units="dev"/>
+        </inkml:traceFormat>
+        <inkml:channelProperties>
+          <inkml:channelProperty channel="X" name="resolution" value="1000" units="1/cm"/>
+          <inkml:channelProperty channel="Y" name="resolution" value="1000" units="1/cm"/>
+          <inkml:channelProperty channel="F" name="resolution" value="0" units="1/dev"/>
+        </inkml:channelProperties>
+      </inkml:inkSource>
+      <inkml:timestamp xml:id="ts0" timeString="2020-09-20T14:00:19.819"/>
+    </inkml:context>
+    <inkml:brush xml:id="br0">
+      <inkml:brushProperty name="width" value="0.1" units="cm"/>
+      <inkml:brushProperty name="height" value="0.1" units="cm"/>
+      <inkml:brushProperty name="color" value="#5B2D90"/>
+    </inkml:brush>
+  </inkml:definitions>
+  <inkml:trace contextRef="#ctx0" brushRef="#br0">400 31 7764,'0'0'1683,"0"0"128,0 0-679,0 0-911,0 0-176,0 0 166,0 0 403,0 0 730,0 0 719,0 0 28,0 0-559,0 0-556,0 0-426,-24 18 7,-19 6-437,-1 1-88,1 1-1,1 3 1,0 2-32,29-21 0,1 1-1,0 1 1,1 0 0,1 0-1,0 1 1,0 0-1,1 1 1,1 0 0,0 0-1,1 1 1,-2 8 0,-2 9-10,2 1 0,2 0-1,1 0 1,1 0 0,2 1-1,2-1 1,1 15 10,0-41 7,0 0 1,1 0-1,0 0 0,1 0 1,0-1-1,0 1 0,0 0 1,1-1-1,0 1 0,0-1 1,0 0-1,1 0 0,0 0 1,0-1-1,0 1 0,1-1 1,0 0-1,0-1 0,1 1 1,-1-1-1,1 0 0,0 0 1,4 2-8,4 2 12,0-2 1,0 0 0,1 0 0,0-1-1,0-1 1,0-1 0,0 0 0,0-1-1,1 0 1,2-2-13,15 2 58,0-1 0,0-2 0,0-2 0,0 0 0,0-3 0,-1 0 0,1-2 0,9-5-58,-25 6-10,1 0-1,-1-1 0,0-1 0,-1 0 0,0-1 1,-1-1-1,1-1 0,5-6 11,-13 10 0,-1 0-1,0 0 1,0 0 0,-1-1 0,0 0-1,-1 0 1,0-1 0,0 1-1,-1-1 1,0 0 0,-1 0 0,0-1-1,0 1 1,-1-1 0,0-6 0,0-1 16,-1-1-1,0 0 1,-2 0 0,0 0 0,-1 1 0,-1-1 0,0 0 0,-2 1-1,0 0 1,-1 0 0,-1 0 0,0 1 0,-2 0 0,0 1 0,-1-1-1,0 2 1,-1-1 0,-3-1-16,0 1-8,-1-1 0,0 1 0,-1 2 0,-1-1 0,0 2 0,-1 0-1,-1 1 1,0 1 0,0 1 0,-1 0 0,0 2 0,-1 0 0,0 1 0,0 1 0,-4 1 8,5 2-441,0 0 1,0 2-1,0 0 1,0 2 0,0 0-1,-15 3 441,-47 17-5093</inkml:trace>
+</inkml:ink>
+</file>
+
+<file path=ppt/ink/ink125.xml><?xml version="1.0" encoding="utf-8"?>
+<inkml:ink xmlns:inkml="http://www.w3.org/2003/InkML">
+  <inkml:definitions>
+    <inkml:context xml:id="ctx0">
+      <inkml:inkSource xml:id="inkSrc0">
+        <inkml:traceFormat>
+          <inkml:channel name="X" type="integer" min="-2.14748E9" max="2.14748E9" units="cm"/>
+          <inkml:channel name="Y" type="integer" min="-2.14748E9" max="2.14748E9" units="cm"/>
+          <inkml:channel name="F" type="integer" max="32767" units="dev"/>
+        </inkml:traceFormat>
+        <inkml:channelProperties>
+          <inkml:channelProperty channel="X" name="resolution" value="1000" units="1/cm"/>
+          <inkml:channelProperty channel="Y" name="resolution" value="1000" units="1/cm"/>
+          <inkml:channelProperty channel="F" name="resolution" value="0" units="1/dev"/>
+        </inkml:channelProperties>
+      </inkml:inkSource>
+      <inkml:timestamp xml:id="ts0" timeString="2020-09-20T14:01:07.621"/>
+    </inkml:context>
+    <inkml:brush xml:id="br0">
+      <inkml:brushProperty name="width" value="0.1" units="cm"/>
+      <inkml:brushProperty name="height" value="0.1" units="cm"/>
+      <inkml:brushProperty name="color" value="#5B2D90"/>
+    </inkml:brush>
+  </inkml:definitions>
+  <inkml:trace contextRef="#ctx0" brushRef="#br0">193 67 2449,'0'0'2300,"0"0"-630,0 0-336,0 0-286,0 0-93,0 0 134,0 0-25,0 0-82,0 0 147,0 0-150,0 0-293,0 0-102,0 0-72,0 0 160,0 0 217,0 0 205,0 0 191,0 0-145,0 0-177,0 0-5,0 0-121,-8 22 407,-28 7-1374,28-24 86,2 0 0,-1 0 0,1 0 0,-1 1 0,1 0 0,1 0-1,-1 1 1,1-1 0,1 1 0,-1 0 0,1 0 0,0 1 0,0 0 0,0 3 44,-7 35-189,2-1 1,3 2-1,1-1 1,2 0 0,3 36 188,1-71-22,0 0 0,1 0 0,0 0 0,1-1 1,0 1-1,0-1 0,1 0 0,1 0 0,0 0 0,0-1 1,0 1-1,2 0 22,17 23-59,0-1 1,20 17 58,-31-34-11,-7-10 8,0 1 0,0-1 1,1 0-1,-1-1 0,1 1 0,0-1 0,1-1 0,-1 1 0,0-1 0,1-1 0,0 1 1,0-1-1,0 0 0,0-1 0,5 0 3,20 2 7,0-2 0,-1-2 1,12-2-8,-16 1 19,-20 1-28,-1 0-1,1-1 1,-1-1 0,1 1 0,-1-1 0,0 0 0,0-1 0,0 0 0,6-4 9,2-2-24,1-1-1,-2-1 1,8-8 24,-10 6-2,-2 0 1,0-1-1,-1 0 1,-1-1-1,0 0 1,-1 0-1,-1 0 1,0-1 0,-1 0-1,0-6 2,7-15-1,-6 11 17,-1-1 0,-2 1 0,0-1 0,-2 0 0,-1 0-1,-2-6-15,1-14 100,1 36-18,-1 0 1,0 0 0,-1 0-1,0 1 1,-1-1 0,0 1-1,-1-1 1,0 1 0,-1 0 0,0 1-1,-1-1 1,0 1 0,-1 0-1,0 1 1,0-1 0,-1 1 0,0 1-1,-1 0 1,0 0 0,0 0-1,-1 1 1,1 1 0,-2-1-1,1 2 1,-1-1 0,-1 1-83,-13-4 33,-1 0 1,-1 2-1,1 1 0,-1 2 1,0 0-1,-11 1-33,25 3-5,0 0 0,0 1 0,0 1-1,0 0 1,0 0 0,0 1 0,1 1 0,-1 0 0,1 1 0,0 1-1,0-1 1,1 2 0,-1 0 0,-2 3 5,-6 5-680,2 1 0,-1 1 0,2 0 0,0 2 0,2 0 0,0 0 0,-1 4 680,-26 48-7254</inkml:trace>
+</inkml:ink>
+</file>
+
+<file path=ppt/ink/ink126.xml><?xml version="1.0" encoding="utf-8"?>
+<inkml:ink xmlns:inkml="http://www.w3.org/2003/InkML">
+  <inkml:definitions>
+    <inkml:context xml:id="ctx0">
+      <inkml:inkSource xml:id="inkSrc0">
+        <inkml:traceFormat>
+          <inkml:channel name="X" type="integer" min="-2.14748E9" max="2.14748E9" units="cm"/>
+          <inkml:channel name="Y" type="integer" min="-2.14748E9" max="2.14748E9" units="cm"/>
+          <inkml:channel name="F" type="integer" max="32767" units="dev"/>
+        </inkml:traceFormat>
+        <inkml:channelProperties>
+          <inkml:channelProperty channel="X" name="resolution" value="1000" units="1/cm"/>
+          <inkml:channelProperty channel="Y" name="resolution" value="1000" units="1/cm"/>
+          <inkml:channelProperty channel="F" name="resolution" value="0" units="1/dev"/>
+        </inkml:channelProperties>
+      </inkml:inkSource>
+      <inkml:timestamp xml:id="ts0" timeString="2020-09-20T14:01:58.447"/>
+    </inkml:context>
+    <inkml:brush xml:id="br0">
+      <inkml:brushProperty name="width" value="0.1" units="cm"/>
+      <inkml:brushProperty name="height" value="0.1" units="cm"/>
+      <inkml:brushProperty name="color" value="#5B2D90"/>
+    </inkml:brush>
+  </inkml:definitions>
+  <inkml:trace contextRef="#ctx0" brushRef="#br0">240 0 4674,'0'0'1750,"0"0"8,0 0-146,0 0-436,0 0-239,0 0-188,-1 10 4886,-1 12-3180,-2-13-1500,-5 4 699,-51 27-1799,50-36 109,0 2 1,1 0 0,0 0 0,0 0 0,1 2 0,-1-1 0,1 1 0,1 0 0,-1 0 0,1 1 0,1 0 0,-5 9 35,1 5 8,1 1 1,1 0-1,2 1 0,0 0 0,1 0 1,1 1-1,2-1 0,0 1 0,1 0 1,2-1-1,1 8-8,-1-24 14,-1 1 0,2-1 0,0 0 1,0 0-1,0 0 0,1 0 0,0-1 1,1 1-1,-1-1 0,2 1 0,-1-1 1,1-1-1,0 1 0,1-1 0,0 0 0,0 0 1,4 3-15,1-1 136,1 0 1,0-1 0,0 0-1,0-1 1,1-1 0,0 0-1,0-1 1,1-1 0,0 0 0,7 1-137,10 2 60,0-2 0,0-2 0,1 0 1,-1-3-1,1 0 0,-1-3 0,0 0 1,1-2-1,-2-2 0,1-1 0,-1-1 1,5-4-61,-26 10-8,0 0 0,-1-1 1,1 0-1,-1-1 1,0 0-1,0 0 1,0-1-1,-1 0 1,1 0-1,-1-1 1,-1 0-1,1 0 1,-1-1-1,-1 0 0,1 0 1,-1-1-1,0 1 1,-1-1-1,0 0 1,0 0-1,-1-1 1,0 1-1,0-4 8,1-9-3,0 0-1,-1 1 1,-1-1-1,-1-1 1,-1 1 0,0 0-1,-3-11 4,1 24 15,0 1-1,-1-1 1,1 1 0,-1 0-1,-1 0 1,0 0-1,0 0 1,0 0-1,-1 1 1,0 0 0,0 0-1,-1 0 1,-5-4-15,-10-8 141,0 2 1,-1 0-1,-16-8-141,-16-12 285,40 29-278,0 0 0,-1 1 0,0 1 0,-1 1 0,1 0 0,-1 1 0,1 0 0,-1 2 1,0 0-1,-1 1 0,-13 1-7,17 0-75,-1 0-1,0 2 1,1-1 0,-1 2 0,1 0 0,0 1 0,0 0 0,0 1 0,0 0 0,1 1 0,0 1 0,0 0 0,1 1 0,-1 0 0,-2 4 75,-51 49-4205,2 15-7123</inkml:trace>
+</inkml:ink>
+</file>
+
+<file path=ppt/ink/ink127.xml><?xml version="1.0" encoding="utf-8"?>
+<inkml:ink xmlns:inkml="http://www.w3.org/2003/InkML">
+  <inkml:definitions>
+    <inkml:context xml:id="ctx0">
+      <inkml:inkSource xml:id="inkSrc0">
+        <inkml:traceFormat>
+          <inkml:channel name="X" type="integer" min="-2.14748E9" max="2.14748E9" units="cm"/>
+          <inkml:channel name="Y" type="integer" min="-2.14748E9" max="2.14748E9" units="cm"/>
+          <inkml:channel name="F" type="integer" max="32767" units="dev"/>
+        </inkml:traceFormat>
+        <inkml:channelProperties>
+          <inkml:channelProperty channel="X" name="resolution" value="1000" units="1/cm"/>
+          <inkml:channelProperty channel="Y" name="resolution" value="1000" units="1/cm"/>
+          <inkml:channelProperty channel="F" name="resolution" value="0" units="1/dev"/>
+        </inkml:channelProperties>
+      </inkml:inkSource>
+      <inkml:timestamp xml:id="ts0" timeString="2020-09-20T14:03:35.436"/>
+    </inkml:context>
+    <inkml:brush xml:id="br0">
+      <inkml:brushProperty name="width" value="0.1" units="cm"/>
+      <inkml:brushProperty name="height" value="0.1" units="cm"/>
+      <inkml:brushProperty name="color" value="#5B2D90"/>
+    </inkml:brush>
+  </inkml:definitions>
+  <inkml:trace contextRef="#ctx0" brushRef="#br0">268 1 0,'0'0'560,"0"0"73,0 0 31,0 0-53,0 0-8,0 0 66,0 0 351,-19 8 8530,10-4-9816,-88 38 2,90-38 242,0-1-1,1 1 0,-1 1 1,1-1-1,0 1 0,0 1 0,1-1 1,0 1-1,-1 0 0,2 0 0,-1 0 1,-1 4 22,-7 13-4,-10 24-67,14-16-130,2-1 0,2 1 0,0 0-1,2 0 1,2 1 0,0-1 0,2 0 0,3 9 201,10 50-1190,18 59 1190,-26-125 350,1 0-1,1 0 1,1-1-1,1 0 1,12 19-350,-18-37 117,-1-1 0,1-1 0,0 1 0,0 0 0,0-1 0,1 0 1,-1 0-1,1 0 0,0 0 0,0-1 0,0 0 0,0 0 0,1 0-117,71 20 544,-70-21-436,7 2-47,0-1 1,1 0-1,-1-1 1,0 0-1,1-2 1,-1 0-1,5-1-61,-12 1 36,0 0 1,1 0-1,-1-1 0,0-1 0,0 1 0,0-1 0,-1 0 0,1 0 1,-1-1-1,1 0 0,-1 0 0,-1-1 0,1 0 0,4-4-36,8-11 8,-7 10-9,-2-1 0,1 0 1,-1 0-1,-1-1 0,0 0 0,0 0 1,-1-1-1,-1 0 0,0-1 0,-1-1 1,14-40-5,-14 42 4,0 0 0,-1-1-1,0 1 1,-1-1 0,-1 0 0,0 0 0,0-7 1,1-72 28,0 54-5,-2 1-1,-1-1 1,-4-18-23,2 49 0,-1 1 0,1-1 0,-2 0 0,1 1 0,-1 0 0,0 0 0,0 0 0,-4-4 0,-14-27 3,17 29 22,0 0 0,0 0 0,-1 1 0,-1 0 0,1 0 0,-1 0 0,-1 1 0,1 0 0,-1 0 1,0 1-1,-1 0 0,1 0 0,-1 1 0,-1 0 0,1 1 0,0 0 0,-1 0 0,-8-1-25,-5-1 26,0 2-1,-1 0 1,0 1-1,0 1 0,1 2 1,-1 0-1,-15 3-25,28-1-410,1-1 0,-1 2 0,1 0-1,0 0 1,0 1 0,0 0 0,0 0-1,0 1 1,-5 5 410,-39 28-6592</inkml:trace>
+</inkml:ink>
+</file>
+
+<file path=ppt/ink/ink128.xml><?xml version="1.0" encoding="utf-8"?>
+<inkml:ink xmlns:inkml="http://www.w3.org/2003/InkML">
+  <inkml:definitions>
+    <inkml:context xml:id="ctx0">
+      <inkml:inkSource xml:id="inkSrc0">
+        <inkml:traceFormat>
+          <inkml:channel name="X" type="integer" min="-2.14748E9" max="2.14748E9" units="cm"/>
+          <inkml:channel name="Y" type="integer" min="-2.14748E9" max="2.14748E9" units="cm"/>
+          <inkml:channel name="F" type="integer" max="32767" units="dev"/>
+        </inkml:traceFormat>
+        <inkml:channelProperties>
+          <inkml:channelProperty channel="X" name="resolution" value="1000" units="1/cm"/>
+          <inkml:channelProperty channel="Y" name="resolution" value="1000" units="1/cm"/>
+          <inkml:channelProperty channel="F" name="resolution" value="0" units="1/dev"/>
+        </inkml:channelProperties>
+      </inkml:inkSource>
+      <inkml:timestamp xml:id="ts0" timeString="2020-09-20T14:04:01.878"/>
+    </inkml:context>
+    <inkml:brush xml:id="br0">
+      <inkml:brushProperty name="width" value="0.1" units="cm"/>
+      <inkml:brushProperty name="height" value="0.1" units="cm"/>
+      <inkml:brushProperty name="color" value="#5B2D90"/>
+    </inkml:brush>
+  </inkml:definitions>
+  <inkml:trace contextRef="#ctx0" brushRef="#br0">242 1 992,'0'0'2279,"0"0"-404,0 0-434,0 0-835,0 0-420,0 0-36,0 0 165,0 0 408,0 0 384,0 0 245,0 0 132,0 0-100,0 0-167,0 0-137,0 0-221,0 0-245,0 0-171,0 0-150,0 0-82,0 0-99,-38 15 0,25-10-142,1 1 0,0 0 0,0 1 0,1 1 0,0-1-1,1 2 1,-1 0 0,2 0 0,-1 0 0,1 1 0,1 1 0,0 0-1,0 0 1,1 0 0,0 1 0,1 0 0,1 0 0,-1 1-1,2 0 1,-1 4 30,-2 12-5,2-1 1,1 1-1,2 0 0,0 0 0,2 0 0,2 13 5,-1-34 25,0 0 0,1 0-1,-1 0 1,2 0 0,-1-1 0,1 1 0,0-1 0,1 1-1,-1-1 1,1 0 0,1-1 0,-1 1 0,1-1 0,1 1-1,-1-2 1,1 1 0,0-1 0,0 1 0,1-2 0,-1 1-1,1-1 1,0 0 0,0 0 0,6 1-25,7 3 69,1-1 0,0 0 1,0-2-1,0-1 0,1-1 0,0 0 1,-1-2-1,14 0-69,-19-1 35,0 0 0,0-1-1,0-1 1,0 0 0,0-1 0,0-1 0,-1 0 0,1-1 0,-1-1-1,0 0 1,-1-1 0,0-1 0,0 0 0,0-1 0,-1-1-1,2-2-34,-7 3 33,-1-1-1,-1 0 0,0 0 0,0-1 1,-1 1-1,-1-1 0,1 0 0,-2-1 0,0 1 1,0-1-1,-1 1 0,0-1 0,-1-4-32,2-5 120,0 0 30,0 0 0,-2 0 0,-1-1 0,0 1 0,-3-21-150,-2 32 39,0-1-1,-1 2 1,0-1 0,-1 0-1,0 1 1,0 0 0,-1 1 0,0 0-1,0 0 1,-8-5-39,4 3 62,-1 0-1,0 1 1,-1 1 0,0 0 0,0 0 0,-1 2-1,0 0 1,0 1 0,-1 0 0,1 1 0,-10-1-62,-21-2-431,0 3-1,0 1 1,-17 3 431,-6 4-3279,2 14-2072</inkml:trace>
+</inkml:ink>
+</file>
+
+<file path=ppt/ink/ink129.xml><?xml version="1.0" encoding="utf-8"?>
+<inkml:ink xmlns:inkml="http://www.w3.org/2003/InkML">
+  <inkml:definitions>
+    <inkml:context xml:id="ctx0">
+      <inkml:inkSource xml:id="inkSrc0">
+        <inkml:traceFormat>
+          <inkml:channel name="X" type="integer" min="-2.14748E9" max="2.14748E9" units="cm"/>
+          <inkml:channel name="Y" type="integer" min="-2.14748E9" max="2.14748E9" units="cm"/>
+          <inkml:channel name="F" type="integer" max="32767" units="dev"/>
+        </inkml:traceFormat>
+        <inkml:channelProperties>
+          <inkml:channelProperty channel="X" name="resolution" value="1000" units="1/cm"/>
+          <inkml:channelProperty channel="Y" name="resolution" value="1000" units="1/cm"/>
+          <inkml:channelProperty channel="F" name="resolution" value="0" units="1/dev"/>
+        </inkml:channelProperties>
+      </inkml:inkSource>
+      <inkml:timestamp xml:id="ts0" timeString="2020-09-20T14:05:06.931"/>
+    </inkml:context>
+    <inkml:brush xml:id="br0">
+      <inkml:brushProperty name="width" value="0.1" units="cm"/>
+      <inkml:brushProperty name="height" value="0.1" units="cm"/>
+      <inkml:brushProperty name="color" value="#5B2D90"/>
+    </inkml:brush>
+  </inkml:definitions>
+  <inkml:trace contextRef="#ctx0" brushRef="#br0">274 0 4322,'0'0'2198,"0"0"182,0 0-251,0 0-771,0 0-286,0 0 20,0 0-247,0 0-119,0 0 26,0 0-93,0 0-21,0 0-62,0 0-93,0 0-125,0 0-41,0 0 25,0 0-33,-27 17 166,-19 15-727,0 2 0,-22 24 252,60-51-25,1 0 0,0 0 0,0 1 0,1 0 0,0 0 0,1 1 0,0 0 1,0 0-1,0 0 0,1 0 0,1 1 0,0-1 0,0 1 0,1 0 0,-1 8 25,-1 10-331,1 1-1,2-1 0,1 0 0,1 1 1,2-1-1,4 21 332,-1-25-54,0 0 0,2-1 0,1 0 0,7 13 54,-13-31 29,0-1 0,0 1 0,1-1 0,-1 0 0,1 0 0,0 0 0,0 0 0,1-1 0,-1 1 0,1-1 0,0 0 0,-1-1 0,1 1 0,0-1 1,1 0-1,-1 0 0,0 0 0,1-1 0,-1 0 0,1 0 0,0 0-29,21 2 443,0-1 0,1-2 1,25-1-444,-6-1 184,-34 1-108,-1-2 1,1 1-1,-1-1 1,0-1-1,0 0 1,10-5-77,21-7 317,-31 11-320,-1 0 0,0-1-1,-1 0 1,0-1 0,0 0 0,0 0 0,-1-1 0,0 0-1,0-1 1,-1 0 0,3-4 3,16-16 48,-22 23-57,0 0 1,-1 0-1,0-1 0,0 1 0,-1-1 1,0 0-1,0 0 0,-1 0 0,1 0 1,-2-1-1,1 1 0,-1 0 0,0-1 0,0 0 9,1-27 275,-1 0 0,-3-19-275,1 3 376,-1 44-325,1 1-1,-1 0 0,0 0 1,0 0-1,0 0 1,-1 0-1,0 0 1,0 1-1,-3-4-50,-10-23 424,12 25-341,1 0 0,-1 0 0,0 0 0,0 1 0,0 0 0,-1-1 0,0 2 0,-1-1 0,1 1 0,-1-1 0,0 2 0,0-1 0,-1 1 0,0-1-1,1 2 1,-1-1 0,0 1 0,-1 0 0,1 1 0,0-1 0,-1 2 0,0-1 0,-1 1-83,-21-4-20,-1 2 0,0 1 1,-1 2-1,1 1 0,-5 1 20,21 0-791,1 0 0,-1 0 0,1 2 0,0 0 0,0 0 0,0 1 791,-30 15-8303</inkml:trace>
+</inkml:ink>
+</file>
+
+<file path=ppt/ink/ink13.xml><?xml version="1.0" encoding="utf-8"?>
+<inkml:ink xmlns:inkml="http://www.w3.org/2003/InkML">
+  <inkml:definitions>
+    <inkml:context xml:id="ctx0">
+      <inkml:inkSource xml:id="inkSrc0">
+        <inkml:traceFormat>
+          <inkml:channel name="X" type="integer" min="-2.14748E9" max="2.14748E9" units="cm"/>
+          <inkml:channel name="Y" type="integer" min="-2.14748E9" max="2.14748E9" units="cm"/>
+          <inkml:channel name="F" type="integer" max="32767" units="dev"/>
+        </inkml:traceFormat>
+        <inkml:channelProperties>
+          <inkml:channelProperty channel="X" name="resolution" value="1000" units="1/cm"/>
+          <inkml:channelProperty channel="Y" name="resolution" value="1000" units="1/cm"/>
+          <inkml:channelProperty channel="F" name="resolution" value="0" units="1/dev"/>
+        </inkml:channelProperties>
+      </inkml:inkSource>
+      <inkml:timestamp xml:id="ts0" timeString="2023-05-30T16:32:30.785"/>
+    </inkml:context>
+    <inkml:brush xml:id="br0">
+      <inkml:brushProperty name="width" value="0.05" units="cm"/>
+      <inkml:brushProperty name="height" value="0.05" units="cm"/>
+      <inkml:brushProperty name="color" value="#004F8B"/>
+    </inkml:brush>
+  </inkml:definitions>
+  <inkml:trace contextRef="#ctx0" brushRef="#br0">0 0 10085,'0'0'9532,"22"1"-9124,162 0 427,-115-1 2524,-68 3-3237,-1-1 0,1 1 0,-1-1 0,1 1 0,-1 0 0,0-1 0,0 1 0,0-1 0,-1 4 0,1-1-24,-5 265 2541,7-248-2446,1 0 0,1 1 1,0-1-1,16 41 0,1 10-12,-15-54-139,-2 1 1,0 0 0,-2 0 0,0 0-1,-1 38 1,-2-55-43,0 0-1,0 0 1,0 0 0,0-1-1,0 1 1,-1 0 0,1-1-1,-1 0 1,0 1 0,1-1 0,-1 0-1,0 1 1,-1-1 0,1-1-1,0 1 1,0 0 0,-1 0-1,1-1 1,-1 1 0,0-1 0,1 0-1,-1 0 1,0 0 0,0 0-1,0 0 1,-4 0 0,-7 2-66,-1-1 0,0 0 0,-25 0 0,36-2-85,0 0 1,0 0-1,0-1 0,0 1 1,1-1-1,-1 0 1,0 0-1,0 0 1,1 0-1,-1-1 1,0 1-1,1-1 0,0 0 1,-6-4-1,5 2-927,0 0 0,0 0 0,1 0 0,0 0 0,0-1 0,-4-6 0,-4-11-8756</inkml:trace>
+</inkml:ink>
+</file>
+
+<file path=ppt/ink/ink130.xml><?xml version="1.0" encoding="utf-8"?>
+<inkml:ink xmlns:inkml="http://www.w3.org/2003/InkML">
+  <inkml:definitions>
+    <inkml:context xml:id="ctx0">
+      <inkml:inkSource xml:id="inkSrc0">
+        <inkml:traceFormat>
+          <inkml:channel name="X" type="integer" min="-2.14748E9" max="2.14748E9" units="cm"/>
+          <inkml:channel name="Y" type="integer" min="-2.14748E9" max="2.14748E9" units="cm"/>
+          <inkml:channel name="F" type="integer" max="32767" units="dev"/>
+        </inkml:traceFormat>
+        <inkml:channelProperties>
+          <inkml:channelProperty channel="X" name="resolution" value="1000" units="1/cm"/>
+          <inkml:channelProperty channel="Y" name="resolution" value="1000" units="1/cm"/>
+          <inkml:channelProperty channel="F" name="resolution" value="0" units="1/dev"/>
+        </inkml:channelProperties>
+      </inkml:inkSource>
+      <inkml:timestamp xml:id="ts0" timeString="2020-09-20T14:05:38.974"/>
+    </inkml:context>
+    <inkml:brush xml:id="br0">
+      <inkml:brushProperty name="width" value="0.1" units="cm"/>
+      <inkml:brushProperty name="height" value="0.1" units="cm"/>
+      <inkml:brushProperty name="color" value="#5B2D90"/>
+    </inkml:brush>
+  </inkml:definitions>
+  <inkml:trace contextRef="#ctx0" brushRef="#br0">449 10 2593,'0'0'3135,"0"0"-1099,0 0-409,0 0-616,0 0-477,0 0-110,0 0 85,0 0 38,0 0 168,0 0 75,0 0 45,0 0 0,0 0 14,0 0 79,0 0 30,0 0-235,0 0-278,0 0-194,0 0-83,0 0-75,-24 6-10,-29 10-44,-35 8-819,65-21 692,1 0 0,0 2 0,0 1 1,0 1-1,1 0 0,0 2 0,1 0 1,-1 2-1,-5 4 88,21-12-12,-1 1-7,0-1 1,0 1-1,1 1 0,-1-1 1,1 1-1,0-1 0,-1 3 19,4-4-3,0 1 1,1-1-1,-1 1 0,1 0 0,-1 0 0,1 0 1,0-1-1,1 1 0,-1 0 0,1 0 1,-1 0-1,1 0 0,1 4 3,-2 3 55,1 0-1,1 1 1,0-1 0,1 0 0,0 0-1,0 0 1,1 0 0,1 0-1,0 0 1,1 1-55,22 51 215,-3-7 175,2-1 0,4 3-390,25 19 814,-52-73-731,1 0 0,0 0 0,1 0 0,-1-1 0,0 1 0,1-1 0,0-1 0,0 1 0,-1 0 0,2-1 0,-1 0 0,0 0 1,0-1-1,2 1-83,77 13 516,-82-15-525,10 2 33,0-1 1,0-1-1,0 0 0,0-1 1,0 0-1,0-1 1,0 0-1,0-1 0,0-1 1,-1 1-1,1-2 1,-1 0-1,0 0 0,2-2-24,5-2 8,10-4-20,-1-2 1,-1 0 0,6-6 11,-25 15-6,1 0 1,0 0-1,-1-1 1,-1 0-1,1-1 1,-1 0-1,0 1 0,-1-2 1,0 1-1,0-1 1,-1 0-1,1-1 6,4-21-8,0-1 1,-2 0-1,-2 0 1,-1 0-1,-1-1 0,-2 1 1,-2-16 7,0 41 9,0 1 0,0 0 0,-1-1-1,0 1 1,-1 0 0,1 0 0,-1 0 0,0 1 0,-1-1 0,1 1 0,-2-1-9,-44-57 470,39 54-383,1 0 0,-1 1-1,-1 0 1,1 0 0,-1 1 0,-1 1 0,1 0-1,-1 1 1,0 0 0,-1 0 0,1 2 0,-1-1-1,-3 1-86,-14-3-38,0 2 0,0 1-1,0 1 1,0 2-1,-8 1 39,27 0-416,0 1-1,0 0 0,0 0 0,1 1 0,-1 0 0,1 1 0,0 1 1,-3 1 416,-43 23-5051</inkml:trace>
+</inkml:ink>
+</file>
+
+<file path=ppt/ink/ink131.xml><?xml version="1.0" encoding="utf-8"?>
+<inkml:ink xmlns:inkml="http://www.w3.org/2003/InkML">
+  <inkml:definitions>
+    <inkml:context xml:id="ctx0">
+      <inkml:inkSource xml:id="inkSrc0">
+        <inkml:traceFormat>
+          <inkml:channel name="X" type="integer" min="-2.14748E9" max="2.14748E9" units="cm"/>
+          <inkml:channel name="Y" type="integer" min="-2.14748E9" max="2.14748E9" units="cm"/>
+          <inkml:channel name="F" type="integer" max="32767" units="dev"/>
+        </inkml:traceFormat>
+        <inkml:channelProperties>
+          <inkml:channelProperty channel="X" name="resolution" value="1000" units="1/cm"/>
+          <inkml:channelProperty channel="Y" name="resolution" value="1000" units="1/cm"/>
+          <inkml:channelProperty channel="F" name="resolution" value="0" units="1/dev"/>
+        </inkml:channelProperties>
+      </inkml:inkSource>
+      <inkml:timestamp xml:id="ts0" timeString="2020-09-20T14:06:18.732"/>
+    </inkml:context>
+    <inkml:brush xml:id="br0">
+      <inkml:brushProperty name="width" value="0.1" units="cm"/>
+      <inkml:brushProperty name="height" value="0.1" units="cm"/>
+      <inkml:brushProperty name="color" value="#5B2D90"/>
+    </inkml:brush>
+  </inkml:definitions>
+  <inkml:trace contextRef="#ctx0" brushRef="#br0">283 40 4562,'0'0'2756,"0"0"-854,0 0 238,0 0-523,0 0-452,0 0 143,0 0 271,0 0-112,-2 1 5183,-13 6-7006,-45 11 13,36-12 236,1 1 0,0 1 0,0 1 0,-4 4 107,22-11-17,-1 1 0,1 0 0,0 0 0,0 0 1,0 1-1,1 0 0,-1 0 0,1 0 0,0 1 0,0-1 0,0 1 0,1 0 0,-1 0 0,1 1 1,0-1-1,1 1 0,-1 0 0,1 0 0,0 0 0,0 0 0,1 0 0,-1 0 0,1 0 0,0 1 1,1-1-1,0 1 0,0 1 17,0 5 13,-1 17-2,2 1 0,4 24-11,-3-44 16,0 0 0,1-1 0,0 1 0,0-1 0,1 0 0,0 0 0,1 0 0,0-1 0,4 7-16,4 4 19,-3-4 132,1 0 0,0-1 0,4 3-151,-9-12 80,0 0 1,0 0 0,0-1-1,1 0 1,0-1 0,0 0-1,0 0 1,0 0-1,2-1-80,18 7 149,0-2-1,1-1 0,0-1 0,0-2 0,12 0-148,36-1 316,31-4-316,-92-1-2,1-1 0,-1-1 0,0 0 0,0-1 1,-1-1-1,1-1 0,-1 0 0,0 0 0,-1-2 0,10-7 2,-13 6-14,0-1-1,0 1 0,-1-2 1,-1 1-1,0-1 0,0-1 1,-1 1-1,-1-2 0,0 1 0,0-1 1,-1 0-1,-1 0 0,0 0 1,-1-1 14,-1-3-13,-1-1 0,0 0 0,-1 0 0,-2-1 13,1-22 17,1 32-14,-1 0 1,0 1-1,0-1 0,-1 1 1,0-1-1,-1 1 0,0 0 0,0 0 1,-1 0-1,0 1 0,0-1 1,-1 1-1,0 0 0,0 0 0,-3-2-3,0 0 2,0 1 0,-1 0 0,0 1 0,-1 0 0,1 0-1,-1 1 1,0 1 0,-1 0 0,0 0 0,0 1 0,-3-1-3,-11-2-55,0 2 0,0 0-1,-1 1 1,1 2-1,-1 1 1,0 2-1,1 0 1,-1 2 0,-12 3 56,9 0-772,-1 2 0,1 1 0,0 2 0,1 0 0,0 3 772,-76 40-5848</inkml:trace>
+</inkml:ink>
+</file>
+
+<file path=ppt/ink/ink132.xml><?xml version="1.0" encoding="utf-8"?>
+<inkml:ink xmlns:inkml="http://www.w3.org/2003/InkML">
+  <inkml:definitions>
+    <inkml:context xml:id="ctx0">
+      <inkml:inkSource xml:id="inkSrc0">
+        <inkml:traceFormat>
+          <inkml:channel name="X" type="integer" min="-2.14748E9" max="2.14748E9" units="cm"/>
+          <inkml:channel name="Y" type="integer" min="-2.14748E9" max="2.14748E9" units="cm"/>
+          <inkml:channel name="F" type="integer" max="32767" units="dev"/>
+        </inkml:traceFormat>
+        <inkml:channelProperties>
+          <inkml:channelProperty channel="X" name="resolution" value="1000" units="1/cm"/>
+          <inkml:channelProperty channel="Y" name="resolution" value="1000" units="1/cm"/>
+          <inkml:channelProperty channel="F" name="resolution" value="0" units="1/dev"/>
+        </inkml:channelProperties>
+      </inkml:inkSource>
+      <inkml:timestamp xml:id="ts0" timeString="2020-09-20T14:16:16.877"/>
+    </inkml:context>
+    <inkml:brush xml:id="br0">
+      <inkml:brushProperty name="width" value="0.1" units="cm"/>
+      <inkml:brushProperty name="height" value="0.1" units="cm"/>
+      <inkml:brushProperty name="color" value="#5B2D90"/>
+    </inkml:brush>
+  </inkml:definitions>
+  <inkml:trace contextRef="#ctx0" brushRef="#br0">1 78 6403,'0'0'5312,"0"0"-3138,0 0-64,0 0-205,0 0-1032,0 0-198,0 0 197,0 0 64,0 0 140,0 0-9,0 0-291,0 0-176,0 16 718,2 30-1171,2 0 0,2 0-1,2-1 1,2 0 0,15 41-147,-17-53-135,-1 1 1,-2 0 0,-2 0-1,-1 1 1,-2 27 134,0-61-571,0-10-1774,-2-73-56,-1 47 1942,3-1-1,1 0 1,1 0-1,2 1 0,6-21 460,-2 22-150,28-93-855,-32 114 830,1 0 1,1 1-1,0 0 0,0 0 0,1 0 1,1 1-1,0 0 0,3-2 175,-9 11 15,0-1 1,0 1-1,0 0 0,1 0 0,-1 0 0,1 0 0,-1 0 0,1 1 0,0-1 0,0 1 1,0 0-1,0 0 0,0 0 0,0 0 0,0 0 0,0 1 0,3-1-15,-4 1 100,0 1-1,1-1 0,-1 1 0,0-1 1,0 1-1,0 0 0,1 0 0,-1 0 1,0 0-1,0 0 0,0 0 0,-1 1 1,1-1-1,0 1 0,0-1 0,-1 1 1,1 0-1,-1 0 0,1 0 0,-1-1 1,0 1-1,0 1 0,0-1-99,32 60 1297,-4 2 0,-2 2 0,10 41-1297,-9-26 404,-9-7-171,-21-68-2080,-9-9 1137,-11-10 257,17 7 257,0 0 0,0 0 0,1-1 0,0 1-1,0-1 1,0 0 0,1-1 0,0 1 0,0-1 0,1 1 0,0-1-1,1 0 1,-1-3 196,-1-18-741,0 0 1,3-30 740,0 38-88,1 5 67,0 1 0,1-1 1,0 1-1,1 0 0,1 0 0,1 0 0,6-14 21,-7 19 33,1 0-1,0 1 0,0 0 0,1-1 0,0 2 0,1-1 0,0 1 1,0 0-1,1 0 0,0 1 0,8-6-32,-14 12 162,0 0-1,1 0 0,-1 0 1,0 0-1,1 0 1,-1 0-1,0 1 1,1-1-1,-1 1 1,1 0-1,-1 0 1,1 0-1,-1 0 1,1 0-1,-1 1 1,0-1-1,1 1 1,-1-1-1,1 1 0,-1 0 1,0 0-1,0 0 1,1 0-1,-1 0 1,0 1-1,0-1 1,0 1-1,0-1 1,0 1-1,-1 0 1,2 0-162,8 10 295,0-1 0,-1 2 0,0 0 0,5 8-295,-4-5 364,28 43 398,-3 2 0,-3 1 0,1 9-762,-21-46 19,-8-14-278,17 41 432,-16-16-5148,-6-27-1399</inkml:trace>
+</inkml:ink>
+</file>
+
+<file path=ppt/ink/ink133.xml><?xml version="1.0" encoding="utf-8"?>
+<inkml:ink xmlns:inkml="http://www.w3.org/2003/InkML">
+  <inkml:definitions>
+    <inkml:context xml:id="ctx0">
+      <inkml:inkSource xml:id="inkSrc0">
+        <inkml:traceFormat>
+          <inkml:channel name="X" type="integer" min="-2.14748E9" max="2.14748E9" units="cm"/>
+          <inkml:channel name="Y" type="integer" min="-2.14748E9" max="2.14748E9" units="cm"/>
+          <inkml:channel name="F" type="integer" max="32767" units="dev"/>
+        </inkml:traceFormat>
+        <inkml:channelProperties>
+          <inkml:channelProperty channel="X" name="resolution" value="1000" units="1/cm"/>
+          <inkml:channelProperty channel="Y" name="resolution" value="1000" units="1/cm"/>
+          <inkml:channelProperty channel="F" name="resolution" value="0" units="1/dev"/>
+        </inkml:channelProperties>
+      </inkml:inkSource>
+      <inkml:timestamp xml:id="ts0" timeString="2020-09-20T14:16:17.941"/>
+    </inkml:context>
+    <inkml:brush xml:id="br0">
+      <inkml:brushProperty name="width" value="0.1" units="cm"/>
+      <inkml:brushProperty name="height" value="0.1" units="cm"/>
+      <inkml:brushProperty name="color" value="#5B2D90"/>
+    </inkml:brush>
+  </inkml:definitions>
+  <inkml:trace contextRef="#ctx0" brushRef="#br0">343 1 6995,'0'0'6227,"0"0"-2553,0 0-481,0 0-1413,0 0-999,0 0-468,-16 0-100,15 0-211,-44 0-72,-1 2 0,-22 4 70,53-4-70,1 1 0,-1 1 0,1 0 0,0 1 0,0 0 0,1 1 0,0 0 0,0 1 0,-11 9 70,22-13 21,-1 0 1,2 0 0,-1 1 0,0-1 0,1 0 0,-1 1 0,1 0 0,0-1-1,0 1 1,1 0 0,-1 0 0,1-1 0,0 1 0,-1 0 0,2 3-22,-1 4 86,0 0-1,1-1 1,0 1 0,0 0 0,3 7-86,7 13 107,4 14-16,-2 0 0,-1 1-1,-2 8-90,2 32 279,-6-24-53,4-1-1,2-1 0,10 28-225,-18-80 20,0 0-1,1 0 1,0-1-1,0 1 1,0-1-1,1 0 1,0 0-1,1-1 1,-1 0 0,1 0-1,1-1 1,-1 1-1,1-2 1,-1 1-1,1-1 1,1 0-1,-1-1 1,0 0-1,1 0 1,0 0-1,0-1 1,0-1-1,-1 0 1,1 0-1,5 0-19,33-2-1034,0-2 0,0-1 0,32-9 1034,-39 7-3773,-10 5-2702</inkml:trace>
+</inkml:ink>
+</file>
+
+<file path=ppt/ink/ink134.xml><?xml version="1.0" encoding="utf-8"?>
+<inkml:ink xmlns:inkml="http://www.w3.org/2003/InkML">
+  <inkml:definitions>
+    <inkml:context xml:id="ctx0">
+      <inkml:inkSource xml:id="inkSrc0">
+        <inkml:traceFormat>
+          <inkml:channel name="X" type="integer" min="-2.14748E9" max="2.14748E9" units="cm"/>
+          <inkml:channel name="Y" type="integer" min="-2.14748E9" max="2.14748E9" units="cm"/>
+          <inkml:channel name="F" type="integer" max="32767" units="dev"/>
+        </inkml:traceFormat>
+        <inkml:channelProperties>
+          <inkml:channelProperty channel="X" name="resolution" value="1000" units="1/cm"/>
+          <inkml:channelProperty channel="Y" name="resolution" value="1000" units="1/cm"/>
+          <inkml:channelProperty channel="F" name="resolution" value="0" units="1/dev"/>
+        </inkml:channelProperties>
+      </inkml:inkSource>
+      <inkml:timestamp xml:id="ts0" timeString="2020-09-20T14:16:18.931"/>
+    </inkml:context>
+    <inkml:brush xml:id="br0">
+      <inkml:brushProperty name="width" value="0.1" units="cm"/>
+      <inkml:brushProperty name="height" value="0.1" units="cm"/>
+      <inkml:brushProperty name="color" value="#5B2D90"/>
+    </inkml:brush>
+  </inkml:definitions>
+  <inkml:trace contextRef="#ctx0" brushRef="#br0">0 0 8420,'0'0'5082,"0"0"-2387,0 0 242,25 8-1494,80 25-1146,-87-29-252,1 0 0,1-2 0,-1 0 0,0-1 1,0-1-1,1-1 0,5-1-45,18 0 57,57-13-209,-99 15-128,-1 0 96,0 4 194,-1 14 204,1 0 0,0 0 0,1 1 0,2-1 0,-1 0 0,2 0 0,1 0-1,0-1 1,1 0 0,0 0 0,2 0 0,6 9-214,20 25 602,4-3 0,1-1 1,37 34-603,-24-27 71,-3 3 1,4 10-72,-47-59-19,0 0 0,-1 1 0,0 0 0,-1 0 0,0 0 0,0 1 0,-1-1 0,0 1 0,-1 0 0,0 0 0,0 0 0,-1 0 0,0 0 0,-1 0 0,-1 3 19,1-11-20,-1 1 0,1-1 0,-1 1 0,0-1 0,0 0 0,0 1 1,-1-1-1,1 0 0,0 0 0,-1 0 0,1 0 0,-1 0 0,0 0 0,0 0 1,1-1-1,-1 1 0,-1-1 0,1 1 0,0-1 0,0 0 0,0 1 0,-1-1 1,1-1-1,0 1 0,-1 0 0,-2 0 20,-8 3-32,-1-2-1,0 1 1,0-2 0,-8 1 32,-51 2-87,1-3 1,0-3-1,0-4 0,-21-5 87,91 10-46,-3 1-245,0-1 0,0 0-1,0 0 1,0 0 0,1-1 0,-1 0 0,0 0-1,1 0 1,0 0 0,-1-1 0,0 0 291,5 3-93,0 0-1,0 0 1,-1-1 0,1 1 0,0 0-1,0 0 1,0 0 0,0 0 0,0 0 0,0-1-1,-1 1 1,1 0 0,0 0 0,0 0 0,0-1-1,0 1 1,0 0 0,0 0 0,0 0-1,0-1 1,0 1 0,0 0 0,0 0 0,0 0-1,0-1 1,0 1 0,0 0 0,0 0 0,0 0-1,0-1 1,0 1 0,0 0 0,0 0-1,0 0 1,1-1 0,-1 1 0,0 0 0,0 0-1,0 0 1,0 0 0,0-1 0,0 1-1,1 0 1,-1 0 0,0 0 0,0 0 0,0 0-1,0 0 1,1 0 0,-1-1 93,20-5-7246</inkml:trace>
+</inkml:ink>
+</file>
+
+<file path=ppt/ink/ink135.xml><?xml version="1.0" encoding="utf-8"?>
+<inkml:ink xmlns:inkml="http://www.w3.org/2003/InkML">
+  <inkml:definitions>
+    <inkml:context xml:id="ctx0">
+      <inkml:inkSource xml:id="inkSrc0">
+        <inkml:traceFormat>
+          <inkml:channel name="X" type="integer" min="-2.14748E9" max="2.14748E9" units="cm"/>
+          <inkml:channel name="Y" type="integer" min="-2.14748E9" max="2.14748E9" units="cm"/>
+          <inkml:channel name="F" type="integer" max="32767" units="dev"/>
+        </inkml:traceFormat>
+        <inkml:channelProperties>
+          <inkml:channelProperty channel="X" name="resolution" value="1000" units="1/cm"/>
+          <inkml:channelProperty channel="Y" name="resolution" value="1000" units="1/cm"/>
+          <inkml:channelProperty channel="F" name="resolution" value="0" units="1/dev"/>
+        </inkml:channelProperties>
+      </inkml:inkSource>
+      <inkml:timestamp xml:id="ts0" timeString="2020-09-20T14:16:20.679"/>
+    </inkml:context>
+    <inkml:brush xml:id="br0">
+      <inkml:brushProperty name="width" value="0.1" units="cm"/>
+      <inkml:brushProperty name="height" value="0.1" units="cm"/>
+      <inkml:brushProperty name="color" value="#5B2D90"/>
+    </inkml:brush>
+  </inkml:definitions>
+  <inkml:trace contextRef="#ctx0" brushRef="#br0">439 148 5923,'0'0'3388,"0"0"-1809,0 0 345,0 0-604,0 0-549,0 0 513,0 0 260,0 0-367,0 0-241,-11 0 284,-6 0-967,-2-1-196,0 0-1,-1 2 1,1 0 0,0 1-1,0 1 1,0 1-1,0 1 1,1 0-1,0 2 1,-5 2-57,9-2 11,0 1 0,1 1 0,0 0 0,1 1 0,0 0 0,0 1 0,1 0 0,1 1-1,0 0 1,0 0 0,1 1 0,1 1 0,0 0 0,1 0 0,1 0 0,0 1 0,0 0 0,2 0 0,0 0 0,1 0 0,0 1 0,1 0 0,1-1 0,0 1 0,2 0 0,1 14-11,-1-22 6,1-1 0,0 1 0,1-1-1,-1 0 1,2 0 0,-1 0 0,1 0 0,-1-1 0,2 1-1,-1-1 1,1 0 0,0 0 0,0-1 0,1 0-1,0 1 1,0-2 0,0 1 0,0-1 0,1 0 0,-1 0-1,2 0-5,11 5-14,0 0-1,1-1 0,0-1 0,0-1 0,1 0 1,0-2-1,2 0 15,12 0-6,0-1 0,0-3 0,-1 0 0,1-2 0,0-2 0,-1-1 0,0-2 0,0-1-1,0-1 1,-1-2 0,-1-2 0,0-1 0,-1-1 0,0-1 0,-1-2 0,-1-1 0,-1-2 0,-1 0 0,24-26 6,-42 37-3,0 0 0,-1 0 0,0-1 0,-1 0 0,0-1 0,-1 0 0,0 0 0,-1 0 0,0-1 0,-1 0 0,0 1 0,0-8 3,-3 11-10,1 1 1,-2 0-1,1-1 1,-1 1-1,-1 0 1,1-1-1,-1 1 1,-1 0-1,0 0 1,0 0-1,0 0 0,-1 0 1,0 0-1,-1 0 1,0 1-1,0 0 1,0 0-1,-1 0 1,0 0-1,-1 0 10,-10-9-33,-1 0 0,0 1 0,-2 1 0,1 1 0,-1 1 0,-1 0 0,0 1 0,-1 1 0,0 2 0,-1 0 0,-11-3 33,-10 0-463,0 2 1,0 2-1,-1 1 1,0 3-1,-20 1 463,27 2-1293,0 1-1,0 2 0,0 2 0,0 1 0,0 2 0,1 1 0,-5 4 1294,-97 44-8289</inkml:trace>
+</inkml:ink>
+</file>
+
+<file path=ppt/ink/ink136.xml><?xml version="1.0" encoding="utf-8"?>
+<inkml:ink xmlns:inkml="http://www.w3.org/2003/InkML">
+  <inkml:definitions>
+    <inkml:context xml:id="ctx0">
+      <inkml:inkSource xml:id="inkSrc0">
+        <inkml:traceFormat>
+          <inkml:channel name="X" type="integer" min="-2.14748E9" max="2.14748E9" units="cm"/>
+          <inkml:channel name="Y" type="integer" min="-2.14748E9" max="2.14748E9" units="cm"/>
+          <inkml:channel name="F" type="integer" max="32767" units="dev"/>
+        </inkml:traceFormat>
+        <inkml:channelProperties>
+          <inkml:channelProperty channel="X" name="resolution" value="1000" units="1/cm"/>
+          <inkml:channelProperty channel="Y" name="resolution" value="1000" units="1/cm"/>
+          <inkml:channelProperty channel="F" name="resolution" value="0" units="1/dev"/>
+        </inkml:channelProperties>
+      </inkml:inkSource>
+      <inkml:timestamp xml:id="ts0" timeString="2020-09-20T14:19:10.031"/>
+    </inkml:context>
+    <inkml:brush xml:id="br0">
+      <inkml:brushProperty name="width" value="0.1" units="cm"/>
+      <inkml:brushProperty name="height" value="0.1" units="cm"/>
+      <inkml:brushProperty name="color" value="#5B2D90"/>
+    </inkml:brush>
+  </inkml:definitions>
+  <inkml:trace contextRef="#ctx0" brushRef="#br0">292 19 1969,'0'0'1537,"0"0"-139,0 0-403,0 0-432,0 0-113,0 0-15,0 0-21,0 0-102,0 0-120,0 0-5,0 0 2,0 0-13,0 0-5,0 0 56,0 0 146,0 0 204,0 0 207,0 0-18,0 0-43,0 0-78,0 0-84,0 0-137,0 0-128,0 0-144,-23 13-427,13-9 248,1 2 0,-1-1 0,1 1 0,1 1 0,-1-1 0,1 1 0,0 1-1,1 0 1,0 0 0,0 0 0,1 1 0,0 0 0,-2 3 27,2 1 32,0 0 0,1 0 0,0 1 0,1 0 0,1 0 0,0 0 1,1 1-1,0-1 0,1 1 0,1 6-32,-3 14-30,-1 45-663,4 39 693,1-50 10,1-50 66,2-1 0,0 0 0,1 0 0,1 0 1,1-1-1,0 0 0,1 0 0,8 11-76,-9-13 143,-3-8 14,0-1 0,1 1 0,-1-1 0,1 0 1,0 0-1,1 0 0,0-1 0,0 0 0,0 0 0,0 0 0,1-1 0,-1 0 0,1 0 0,0 0 0,1-1 0,-1 0 0,0-1 1,1 0-1,0 0 0,3 0-157,19 2 417,0-1 0,0-1 0,1-2 0,20-2-417,-44 1 9,-1 0 0,1-1-1,-1 0 1,1 0 0,-1 0-1,0 0 1,0-1 0,0 0-1,0-1 1,-1 1 0,1-1-1,-1 0 1,0-1 0,0 1-1,0-1-8,15-16 37,-1-1-1,15-21-36,-22 28-5,-1 1 20,-1 0 0,0 0 0,-1-1 0,0 0 0,-2 0 0,0-1 0,0 0 0,-1-1 0,-1 1 0,-1-1 0,-1 0 0,0 0 0,0-11-15,-2-26 182,0 27-99,-1 1 0,-1-1-1,-2-7-82,1 24 39,0-1 0,0 1 0,-1 0 0,-1 1-1,0-1 1,0 0 0,-1 1 0,0 0 0,0 0 0,-4-3-39,-14-20 213,-2 0 0,-1 2 1,-27-24-214,43 46 26,0 0-1,0 0 1,0 1 0,-1 0 0,0 1-1,-1 0 1,1 1 0,-1 0-1,0 1 1,0 0 0,-1 1 0,1 1-1,-1 0 1,-4 0-26,-11 0-282,0 2 0,0 1 0,0 1-1,0 2 1,1 0 0,-12 5 282,15-2-1576,1 0-1,0 2 1,0 1 0,-14 9 1576,-34 24-7734</inkml:trace>
+</inkml:ink>
+</file>
+
+<file path=ppt/ink/ink137.xml><?xml version="1.0" encoding="utf-8"?>
+<inkml:ink xmlns:inkml="http://www.w3.org/2003/InkML">
+  <inkml:definitions>
+    <inkml:context xml:id="ctx0">
+      <inkml:inkSource xml:id="inkSrc0">
+        <inkml:traceFormat>
+          <inkml:channel name="X" type="integer" min="-2.14748E9" max="2.14748E9" units="cm"/>
+          <inkml:channel name="Y" type="integer" min="-2.14748E9" max="2.14748E9" units="cm"/>
+          <inkml:channel name="F" type="integer" max="32767" units="dev"/>
+        </inkml:traceFormat>
+        <inkml:channelProperties>
+          <inkml:channelProperty channel="X" name="resolution" value="1000" units="1/cm"/>
+          <inkml:channelProperty channel="Y" name="resolution" value="1000" units="1/cm"/>
+          <inkml:channelProperty channel="F" name="resolution" value="0" units="1/dev"/>
+        </inkml:channelProperties>
+      </inkml:inkSource>
+      <inkml:timestamp xml:id="ts0" timeString="2020-09-20T14:19:31.693"/>
+    </inkml:context>
+    <inkml:brush xml:id="br0">
+      <inkml:brushProperty name="width" value="0.1" units="cm"/>
+      <inkml:brushProperty name="height" value="0.1" units="cm"/>
+      <inkml:brushProperty name="color" value="#5B2D90"/>
+    </inkml:brush>
+  </inkml:definitions>
+  <inkml:trace contextRef="#ctx0" brushRef="#br0">482 9 720,'0'0'1454,"0"0"-491,0 0-237,0 0-11,0 0-37,0 0-118,-15 3 339,-7 1 478,1 2 0,-1 0 1,1 2-1,0 0 0,-12 8-1377,18-8 219,-7 3-176,1 0 1,0 2 0,1 0-1,0 1 1,1 1-1,1 1 1,0 1-1,2 0 1,-15 19-44,13-10 82,1 1 0,1 0 1,-7 18-83,17-31 71,1 0 0,0 0 0,2 1 0,-1-1 1,2 1-1,0 0 0,0 0 0,1 9-71,1-2 154,-1-12-90,1-1 0,0 1-1,0-1 1,1 1-1,1-1 1,-1 0-1,1 1 1,1-1-1,0 0 1,1 3-64,5 5 98,0 0 1,1-1-1,0-1 1,2 1-1,0-2 1,0 0-1,1 0 1,1-1-1,0-1 1,1 0-1,1-1 1,-1 0-1,16 6-98,-7-7 124,0 0 0,1-2-1,0-1 1,0-1-1,1-1 1,0-1-1,5-1-123,32 0 216,1-2 0,22-5-216,-69 2 94,-1-1-1,1 0 0,-1-1 1,0-1-1,0-1 1,0 0-1,-1-1 0,0-1 1,5-3-94,1-1 65,-1-1 0,-1-1-1,0-1 1,-1-1 0,-1 0 0,5-7-65,-13 12 9,-1 1 0,0-1 0,-1-1-1,-1 1 1,1-1 0,-2-1 0,0 1 0,0-1 0,-1 1 0,-1-1 0,1-8-9,1-18 17,-1 1 1,-3-1 0,-1-12-18,0 23 9,-1 12-12,0 1-1,-1-1 1,-1 0-1,0 1 1,-1 0-1,-1 0 1,0 0-1,-2 0 1,1 1-1,-1 0 1,-1 0-1,-1 1 1,0 0-1,-1 0 1,0 1 0,0 1-1,-2-1 1,1 2-1,-1-1 1,-1 2-1,0 0 1,0 0-1,-1 1 1,0 1-1,0 0 1,-1 1-1,0 1 1,0 0-1,0 1 1,-5 0 3,-14-3-348,-1 2 1,0 2-1,0 1 1,0 1-1,-1 3 0,-27 4 348,26-1-1661,0 3 0,1 1-1,-33 12 1662,-96 47-9121</inkml:trace>
+</inkml:ink>
+</file>
+
+<file path=ppt/ink/ink138.xml><?xml version="1.0" encoding="utf-8"?>
+<inkml:ink xmlns:inkml="http://www.w3.org/2003/InkML">
+  <inkml:definitions>
+    <inkml:context xml:id="ctx0">
+      <inkml:inkSource xml:id="inkSrc0">
+        <inkml:traceFormat>
+          <inkml:channel name="X" type="integer" min="-2.14748E9" max="2.14748E9" units="cm"/>
+          <inkml:channel name="Y" type="integer" min="-2.14748E9" max="2.14748E9" units="cm"/>
+          <inkml:channel name="F" type="integer" max="32767" units="dev"/>
+        </inkml:traceFormat>
+        <inkml:channelProperties>
+          <inkml:channelProperty channel="X" name="resolution" value="1000" units="1/cm"/>
+          <inkml:channelProperty channel="Y" name="resolution" value="1000" units="1/cm"/>
+          <inkml:channelProperty channel="F" name="resolution" value="0" units="1/dev"/>
+        </inkml:channelProperties>
+      </inkml:inkSource>
+      <inkml:timestamp xml:id="ts0" timeString="2020-09-20T14:20:04.421"/>
+    </inkml:context>
+    <inkml:brush xml:id="br0">
+      <inkml:brushProperty name="width" value="0.1" units="cm"/>
+      <inkml:brushProperty name="height" value="0.1" units="cm"/>
+      <inkml:brushProperty name="color" value="#5B2D90"/>
+    </inkml:brush>
+  </inkml:definitions>
+  <inkml:trace contextRef="#ctx0" brushRef="#br0">297 13 1489,'0'0'1195,"0"0"214,0 0-65,0 0-173,0 0-69,0 0-109,0 0-108,0 0 12,0 0 133,0 0 5,0 0-208,0 0-120,0 0 5,-38 30 1262,-18 7-2041,33-24-222,1 1 1,0 1-1,1 1 1,1 2 0,1-1-1,-9 12 289,13 3-180,5-7 45,7-17 84,1 0-1,-1 1 0,2-1 1,-1 0-1,1 1 0,0 0 1,1-1-1,0 1 0,0 5 52,-3 47-100,0-37 95,1 1 1,1-1 0,1 1-1,2 10 5,0 23 39,-1-52-36,0 1 0,0-1-1,1 0 1,-1 0 0,1-1-1,0 1 1,1 0 0,1 1-3,7 23-1,-7-21 41,-1 0 0,1 0 0,0 0 0,1-1 0,0 0 0,0 0 0,1 0 0,0 0-1,0-1 1,1 0 0,-1-1 0,2 1 0,-1-1 0,1 0 0,0-1 0,0 0 0,2 1-40,4 1 173,1-1 0,-1 0 1,1-1-1,0-1 0,0 0 1,0-1-1,0 0 1,1-2-1,-1 0 0,5 0-173,23 0 222,-31 0-174,0 0 0,0 0-1,0-1 1,0-1 0,1 0 0,-1-1-1,0 0 1,0-1 0,-1 0 0,1-1 0,-1 0-1,6-3-47,117-74 27,-114 67 121,-1-1 0,-1 0 0,0-2 0,-2 0 0,1-1 0,7-13-148,-16 18 31,1-2-1,-2 1 0,0-1 0,0-1 1,-2 1-1,3-11-30,-6 13-3,0-1 0,-2 1 1,1 0-1,-2-1 0,0 1 1,-2-11 2,1 16 0,-1 0-1,0 0 1,-1 0 0,0 1 0,0-1 0,-1 1-1,0 0 1,-1-2 0,-24-39 23,25 37 42,0 1-1,-1 0 1,0 0 0,-1 1-1,-6-6-64,-14-21 275,17 20-139,-2 0 0,0 1 0,-1 0 0,0 0 0,-1 2 0,-6-5-136,10 11 47,0 0 0,-1 0-1,0 1 1,0 1 0,0 0-1,-1 0 1,1 1 0,-1 1-1,0 0 1,-9-1-47,-27-6 114,22 5-76,0 1-1,0 0 1,-8 2-38,25 2-75,0 0 0,0 1 1,0 0-1,0 0 0,0 1 1,0 0-1,0 1 0,0 0 0,1 1 1,0-1-1,-5 4 75,-53 39-2687,-7 18-2974</inkml:trace>
+</inkml:ink>
+</file>
+
+<file path=ppt/ink/ink139.xml><?xml version="1.0" encoding="utf-8"?>
+<inkml:ink xmlns:inkml="http://www.w3.org/2003/InkML">
+  <inkml:definitions>
+    <inkml:context xml:id="ctx0">
+      <inkml:inkSource xml:id="inkSrc0">
+        <inkml:traceFormat>
+          <inkml:channel name="X" type="integer" min="-2.14748E9" max="2.14748E9" units="cm"/>
+          <inkml:channel name="Y" type="integer" min="-2.14748E9" max="2.14748E9" units="cm"/>
+          <inkml:channel name="F" type="integer" max="32767" units="dev"/>
+        </inkml:traceFormat>
+        <inkml:channelProperties>
+          <inkml:channelProperty channel="X" name="resolution" value="1000" units="1/cm"/>
+          <inkml:channelProperty channel="Y" name="resolution" value="1000" units="1/cm"/>
+          <inkml:channelProperty channel="F" name="resolution" value="0" units="1/dev"/>
+        </inkml:channelProperties>
+      </inkml:inkSource>
+      <inkml:timestamp xml:id="ts0" timeString="2020-09-20T14:22:54.708"/>
+    </inkml:context>
+    <inkml:brush xml:id="br0">
+      <inkml:brushProperty name="width" value="0.1" units="cm"/>
+      <inkml:brushProperty name="height" value="0.1" units="cm"/>
+      <inkml:brushProperty name="color" value="#5B2D90"/>
+    </inkml:brush>
+  </inkml:definitions>
+  <inkml:trace contextRef="#ctx0" brushRef="#br0">184 1 2161,'0'0'157,"0"0"337,0 0 394,0 0-39,0 0-78,0 0-8,0 0-64,-4 1-40,-5 4-438,-1-1 0,2 1 0,-1 1 0,0 0 0,1 0 1,0 1-1,1 0 0,-1 0 0,2 0 0,-1 1 0,1 0 0,0 1 0,0-1 1,1 1-1,0 0 0,1 1 0,0-1 0,0 1 0,1-1 0,-1 9-221,-5 17 102,3 0 1,0 1-1,3 0 0,1 0 0,1 15-102,3-38 6,0 0 0,0 0 1,1-1-1,1 0 0,0 1 1,1-1-1,0-1 0,4 8-6,8 10 1255,-13-20-850,1 0 0,0 0 0,1 0 0,0-1 1,0 0-1,0 0 0,1-1 0,1 0 1,-1 0-1,6 3-405,-6-5 184,1-1 0,-1-1 0,1 1 0,0-1 0,0-1 1,1 0-1,-1 0 0,0 0 0,1-1 0,5 0-184,18 0-29,0-1 0,7-2 29,-7 0 162,-20 1-172,-1 0 0,0-2 1,1 1-1,-1-1 0,0-1 1,-1 0-1,1-1 0,-1 0 1,0 0-1,0-1 0,0 0 1,-1-1-1,0 0 0,5-5 10,-4 2-12,0 0-1,0 0 0,-1-1 1,0 0-1,-1-1 0,-1 0 1,0 0-1,0 0 0,-1-1 1,-1 0-1,3-9 13,-2 0 60,0-1 0,-2 0 0,0 1 1,-1-7-61,-3 22 17,0-1-1,0 1 1,-1-1 0,0 1 0,0-1 0,-1 1 0,0-1 0,0 1 0,0 0 0,-1 0 0,0 0 0,-1 0 0,0 1-1,-3-5-16,-14-18 38,-1 1 0,-10-9-38,23 28-7,1 1 0,-1 0-1,-1 1 1,1 0 0,-1 1 0,-1 0 0,1 0-1,-1 1 1,-1 0 7,9 4 8,-23-10 0,-1 2 0,0 1 0,-4 0-8,21 7 1,0-1 0,0 1 0,-1 1 0,1 0 0,0 0 1,-1 1-1,1 1 0,0-1 0,0 2 0,-4 1-1,-92 34-887,38-4-2732,26-7-1354</inkml:trace>
+</inkml:ink>
+</file>
+
+<file path=ppt/ink/ink14.xml><?xml version="1.0" encoding="utf-8"?>
+<inkml:ink xmlns:inkml="http://www.w3.org/2003/InkML">
+  <inkml:definitions>
+    <inkml:context xml:id="ctx0">
+      <inkml:inkSource xml:id="inkSrc0">
+        <inkml:traceFormat>
+          <inkml:channel name="X" type="integer" min="-2.14748E9" max="2.14748E9" units="cm"/>
+          <inkml:channel name="Y" type="integer" min="-2.14748E9" max="2.14748E9" units="cm"/>
+          <inkml:channel name="F" type="integer" max="32767" units="dev"/>
+        </inkml:traceFormat>
+        <inkml:channelProperties>
+          <inkml:channelProperty channel="X" name="resolution" value="1000" units="1/cm"/>
+          <inkml:channelProperty channel="Y" name="resolution" value="1000" units="1/cm"/>
+          <inkml:channelProperty channel="F" name="resolution" value="0" units="1/dev"/>
+        </inkml:channelProperties>
+      </inkml:inkSource>
+      <inkml:timestamp xml:id="ts0" timeString="2023-05-30T16:32:38.562"/>
+    </inkml:context>
+    <inkml:brush xml:id="br0">
+      <inkml:brushProperty name="width" value="0.05" units="cm"/>
+      <inkml:brushProperty name="height" value="0.05" units="cm"/>
+      <inkml:brushProperty name="color" value="#004F8B"/>
+    </inkml:brush>
+  </inkml:definitions>
+  <inkml:trace contextRef="#ctx0" brushRef="#br0">1 97 10261,'0'0'10306,"7"0"-9450,23-2-160,-1-2-1,44-11 0,5-1 586,302-20 836,2 30-1650,-344 6-407,-37-3-3219,-1 3 3028,0-1-1,-1 1 1,1 0 0,0 0-1,0 0 1,0 0 0,0-1 0,0 1-1,0 0 1,0 0 0,-1-1-657,1 1 657,-1 0-1,1 0 1,0 0 0,0 0-1,-1 0 1,-3-2-1078,0 0-1,1 1 1,-2 0 0,1 0-1,0 0 1,-8 0 0,-12-1-6683</inkml:trace>
+</inkml:ink>
+</file>
+
+<file path=ppt/ink/ink140.xml><?xml version="1.0" encoding="utf-8"?>
+<inkml:ink xmlns:inkml="http://www.w3.org/2003/InkML">
+  <inkml:definitions>
+    <inkml:context xml:id="ctx0">
+      <inkml:inkSource xml:id="inkSrc0">
+        <inkml:traceFormat>
+          <inkml:channel name="X" type="integer" min="-2.14748E9" max="2.14748E9" units="cm"/>
+          <inkml:channel name="Y" type="integer" min="-2.14748E9" max="2.14748E9" units="cm"/>
+          <inkml:channel name="F" type="integer" max="32767" units="dev"/>
+        </inkml:traceFormat>
+        <inkml:channelProperties>
+          <inkml:channelProperty channel="X" name="resolution" value="1000" units="1/cm"/>
+          <inkml:channelProperty channel="Y" name="resolution" value="1000" units="1/cm"/>
+          <inkml:channelProperty channel="F" name="resolution" value="0" units="1/dev"/>
+        </inkml:channelProperties>
+      </inkml:inkSource>
+      <inkml:timestamp xml:id="ts0" timeString="2020-09-20T14:24:48.265"/>
+    </inkml:context>
+    <inkml:brush xml:id="br0">
+      <inkml:brushProperty name="width" value="0.1" units="cm"/>
+      <inkml:brushProperty name="height" value="0.1" units="cm"/>
+      <inkml:brushProperty name="color" value="#5B2D90"/>
+    </inkml:brush>
+  </inkml:definitions>
+  <inkml:trace contextRef="#ctx0" brushRef="#br0">276 2 496,'0'0'1046,"0"0"101,0 0-8,0 0-376,0 0-96,0 0 302,-2 0 6824,-3 0-4054,-24-1-3962,20 1-74,1 1 0,0 0-1,-1 0 1,1 1 0,0 0 0,0 1-1,0-1 1,0 2 0,1-1 0,-1 1-1,1 0 1,0 0 0,0 1 0,0 0-1,1 1 1,-2 1 297,-2 3-44,1 0-1,-1 1 0,2 0 1,0 0-1,0 1 1,1 0-1,1 0 1,0 1-1,-1 3 45,-1 8 268,2 0 0,1 1-1,0-1 1,2 1 0,1 0 0,1 0 0,1 1-1,3 18-267,-1-29-285,0-1 0,1 1 0,1-1 0,0 0 0,1 0 0,1-1 0,0 0 0,0 0 0,1 0 1,1 0-1,5 5 285,-8-13 77,0 1 1,0-1 0,1-1 0,0 1 0,0-1 0,0 0 0,0-1 0,1 1 0,-1-1-1,1 0 1,1 0-78,78 16 3616,-26-7-2056,-53-10-1536,-1 0 0,1-1 1,0 0-1,-1-1 0,1 0 0,0 0 1,0 0-1,0-1 0,-1 1 1,1-2-1,0 1 0,-1-1 0,1 0 1,-1 0-1,0-1 0,0 0 1,0 0-1,0 0 0,0-1 1,-1 0-1,1 0 0,-1 0 0,0-1 1,0 0-1,-1 0 0,1 0 1,-1 0-1,3-6-24,65-93-181,-63 91 250,-1 1 0,0-1 1,-1-1-1,0 1 0,-1-1 1,-1-1-1,0 1 0,-1-1 1,0 1-1,-1-1 1,-1 0-1,0-1 0,-1-8-69,-1 9 0,0-3-5,0-1 0,-2 1 0,-1-10 5,2 23-1,0 0 1,-1 0-1,1-1 0,-1 1 0,0 0 0,0 1 0,-1-1 1,0 0-1,0 1 0,0-1 0,0 1 0,0 0 0,-1 0 1,0-1 0,-9-6-11,9 7 0,0 0 1,-1 0 0,1 0 0,-1 1 0,0 0 0,0 0 0,0 0 0,0 1 0,0-1 0,-1 1 10,-9-2 167,0 0 0,0 1 0,0 0 0,0 2 0,0 0-167,-54-9 154,46 4-378,-42-7 644,17 16-3265,18 4-2042</inkml:trace>
+</inkml:ink>
+</file>
+
+<file path=ppt/ink/ink141.xml><?xml version="1.0" encoding="utf-8"?>
+<inkml:ink xmlns:inkml="http://www.w3.org/2003/InkML">
+  <inkml:definitions>
+    <inkml:context xml:id="ctx0">
+      <inkml:inkSource xml:id="inkSrc0">
+        <inkml:traceFormat>
+          <inkml:channel name="X" type="integer" min="-2.14748E9" max="2.14748E9" units="cm"/>
+          <inkml:channel name="Y" type="integer" min="-2.14748E9" max="2.14748E9" units="cm"/>
+          <inkml:channel name="F" type="integer" max="32767" units="dev"/>
+        </inkml:traceFormat>
+        <inkml:channelProperties>
+          <inkml:channelProperty channel="X" name="resolution" value="1000" units="1/cm"/>
+          <inkml:channelProperty channel="Y" name="resolution" value="1000" units="1/cm"/>
+          <inkml:channelProperty channel="F" name="resolution" value="0" units="1/dev"/>
+        </inkml:channelProperties>
+      </inkml:inkSource>
+      <inkml:timestamp xml:id="ts0" timeString="2020-09-20T14:25:52.184"/>
+    </inkml:context>
+    <inkml:brush xml:id="br0">
+      <inkml:brushProperty name="width" value="0.1" units="cm"/>
+      <inkml:brushProperty name="height" value="0.1" units="cm"/>
+      <inkml:brushProperty name="color" value="#5B2D90"/>
+    </inkml:brush>
+  </inkml:definitions>
+  <inkml:trace contextRef="#ctx0" brushRef="#br0">256 0 2609,'0'0'1289,"0"0"392,0 0-123,0 0-531,0 0-72,0 0 8,0 0-19,-7 3 1652,-22 10-2206,11-4-534,-1 1 0,1 0 0,0 2 0,1 0 0,1 1 0,-3 3 144,10-9-270,1 2 1,0-1-1,0 1 0,1 0 0,0 1 0,1 0 1,0 0-1,1 0 0,0 1 0,0 0 1,-2 7 269,2 9-255,1 0 0,2 0 0,0 0 0,2 0 0,1 3 255,-1 1 301,12 54 264,-10-74-156,1 0 0,1 0 0,0 0 0,0 0 0,1-1 0,1 1 0,1 1-409,-5-8 309,1 0 0,0-1 0,0 1 0,0-1 0,0 1 0,1-1 0,0 0 0,-1 0 0,1 0 0,0-1-1,0 1 1,3 0-309,59 22 2211,-54-21-1798,0 0 0,0 0-1,0 2 1,0-1 0,7 6-413,-12-6 84,0-1-1,0-1 1,0 1-1,0-1 0,1-1 1,-1 1-1,1-1 1,0 0-1,0-1 1,-1 0-1,2 0-83,92-1 382,-46-2-417,-51 1 25,0 1-1,1-1 1,-1 0-1,0-1 1,1 1-1,-1-1 1,0 0-1,0 0 1,0 0-1,0 0 1,1-2 10,47-36 9,-24 18 78,-19 15-99,0-1 0,-1-1 0,1 0 0,-2 0 0,1 0 0,-1-1 0,-1 0 0,0-1 0,0 1-1,4-11 13,-1-2 24,-1 0 0,-1 0-1,-1-1 1,3-20-24,-8 32 12,0 1 1,-1 0-1,-1 0 1,0 0-1,0 0 1,-1 0 0,-1 0-1,0 0 1,0 1-1,-1-1 1,0 1-1,-1 0 1,0 0 0,-1 0-1,0 1 1,0 0-1,-1 0 1,0 0-1,-1 1 1,1 0-1,-2 1 1,1 0 0,-1 0-1,0 1-12,-22-15 126,-1 2 0,0 2 0,-1 1 0,-9-2-126,12 7-2,5 1 345,0 1 0,-1 2 0,-4-1-343,23 7-122,-1 0 0,0 0 0,1 0 1,-1 1-1,1 0 0,-1 1 0,0-1 0,1 1 0,-1 1 0,1 0 0,-1 0 1,1 0-1,-2 2 122,-36 21-5224,-5 9-7139</inkml:trace>
+</inkml:ink>
+</file>
+
+<file path=ppt/ink/ink142.xml><?xml version="1.0" encoding="utf-8"?>
+<inkml:ink xmlns:inkml="http://www.w3.org/2003/InkML">
+  <inkml:definitions>
+    <inkml:context xml:id="ctx0">
+      <inkml:inkSource xml:id="inkSrc0">
+        <inkml:traceFormat>
+          <inkml:channel name="X" type="integer" min="-2.14748E9" max="2.14748E9" units="cm"/>
+          <inkml:channel name="Y" type="integer" min="-2.14748E9" max="2.14748E9" units="cm"/>
+          <inkml:channel name="F" type="integer" max="32767" units="dev"/>
+        </inkml:traceFormat>
+        <inkml:channelProperties>
+          <inkml:channelProperty channel="X" name="resolution" value="1000" units="1/cm"/>
+          <inkml:channelProperty channel="Y" name="resolution" value="1000" units="1/cm"/>
+          <inkml:channelProperty channel="F" name="resolution" value="0" units="1/dev"/>
+        </inkml:channelProperties>
+      </inkml:inkSource>
+      <inkml:timestamp xml:id="ts0" timeString="2020-09-20T14:27:56.476"/>
+    </inkml:context>
+    <inkml:brush xml:id="br0">
+      <inkml:brushProperty name="width" value="0.1" units="cm"/>
+      <inkml:brushProperty name="height" value="0.1" units="cm"/>
+      <inkml:brushProperty name="color" value="#5B2D90"/>
+    </inkml:brush>
+  </inkml:definitions>
+  <inkml:trace contextRef="#ctx0" brushRef="#br0">398 23 5346,'0'0'1348,"0"0"546,0 0 64,0 0-579,0 0 70,0 0 203,0 0 15,-10 2 3788,-34 5-5545,35-7 85,-28 2-132,1 1 0,0 2 0,-6 2 137,31-3-80,0 0 0,1 1 0,-1 0 0,1 1 0,0 0 1,0 1-1,1 0 0,0 0 0,0 1 0,1 1 0,0-1 0,0 1 0,1 0 0,0 1 1,1 0-1,0 0 0,0 0 0,1 2 80,1-2-8,0 1 0,0 0 1,2 0-1,-1 0 0,1 0 0,1 0 1,0 5 7,-1 88 118,3-67 7,-1-30-103,-1 5 54,1-1 0,1 1 0,0-1-1,0 1 1,1-1 0,1 0 0,1 3-76,0-1 199,1-1 0,0 0 0,1 0 0,1 0 1,0-1-1,4 5-199,55 78 283,-62-90-277,0 0 1,0 0 0,1-1 0,-1 0-1,1 0 1,0 0 0,0 0 0,0-1-1,0 0 1,0 0 0,0 0 0,1 0-1,1-1-6,77 8 137,-35-6-103,-11 2 169,-1-2 0,0-2 0,1-1-1,1-2-202,-27-1-21,0-1 0,-1-1 0,1 0 0,-1-1 0,0 0 0,0 0 0,0-1 0,8-8 21,-13 11-9,1-1-1,-1-1 1,0 1-1,-1-1 1,1 0-1,-1 0 1,0 0-1,-1-1 0,1 0 1,-1 0-1,-1 0 1,1 0-1,-1-1 1,0 0-1,-1 1 1,0-1-1,0 0 0,-1 0 1,0 0 9,8-124-91,-9 29 249,-2 92-146,-1 0 1,-1 0 0,0 1 0,-1-1-1,0 1 1,0 0 0,-1 0 0,0 1-1,-3-3-12,-14-32 134,20 36-120,0 1 1,-1-1 0,0 1-1,0 0 1,0 1 0,-3-3-15,-5-4-24,0 0 0,-1 0 0,-1 1 0,0 1 0,-1 1-1,0 0 1,0 0 0,-1 2 0,0 0 0,-1 1 0,-3-1 24,5 3-494,0 2-1,0-1 1,-1 2-1,1 0 1,-6 1 494,-20 0-5347</inkml:trace>
+</inkml:ink>
+</file>
+
+<file path=ppt/ink/ink143.xml><?xml version="1.0" encoding="utf-8"?>
+<inkml:ink xmlns:inkml="http://www.w3.org/2003/InkML">
+  <inkml:definitions>
+    <inkml:context xml:id="ctx0">
+      <inkml:inkSource xml:id="inkSrc0">
+        <inkml:traceFormat>
+          <inkml:channel name="X" type="integer" min="-2.14748E9" max="2.14748E9" units="cm"/>
+          <inkml:channel name="Y" type="integer" min="-2.14748E9" max="2.14748E9" units="cm"/>
+          <inkml:channel name="F" type="integer" max="32767" units="dev"/>
+        </inkml:traceFormat>
+        <inkml:channelProperties>
+          <inkml:channelProperty channel="X" name="resolution" value="1000" units="1/cm"/>
+          <inkml:channelProperty channel="Y" name="resolution" value="1000" units="1/cm"/>
+          <inkml:channelProperty channel="F" name="resolution" value="0" units="1/dev"/>
+        </inkml:channelProperties>
+      </inkml:inkSource>
+      <inkml:timestamp xml:id="ts0" timeString="2020-09-20T14:37:49.170"/>
+    </inkml:context>
+    <inkml:brush xml:id="br0">
+      <inkml:brushProperty name="width" value="0.05" units="cm"/>
+      <inkml:brushProperty name="height" value="0.05" units="cm"/>
+    </inkml:brush>
+  </inkml:definitions>
+  <inkml:trace contextRef="#ctx0" brushRef="#br0">136 1 3298,'0'0'2651,"0"0"-455,0 0 301,0 0-451,0 0-605,0 0 5,0 0-141,-20 0 4036,-3 0-3770,-9 0-1343,-1-1-1340,11 2-6650,17-1-2038</inkml:trace>
+</inkml:ink>
+</file>
+
+<file path=ppt/ink/ink144.xml><?xml version="1.0" encoding="utf-8"?>
+<inkml:ink xmlns:inkml="http://www.w3.org/2003/InkML">
+  <inkml:definitions>
+    <inkml:context xml:id="ctx0">
+      <inkml:inkSource xml:id="inkSrc0">
+        <inkml:traceFormat>
+          <inkml:channel name="X" type="integer" min="-2.14748E9" max="2.14748E9" units="cm"/>
+          <inkml:channel name="Y" type="integer" min="-2.14748E9" max="2.14748E9" units="cm"/>
+          <inkml:channel name="F" type="integer" max="32767" units="dev"/>
+        </inkml:traceFormat>
+        <inkml:channelProperties>
+          <inkml:channelProperty channel="X" name="resolution" value="1000" units="1/cm"/>
+          <inkml:channelProperty channel="Y" name="resolution" value="1000" units="1/cm"/>
+          <inkml:channelProperty channel="F" name="resolution" value="0" units="1/dev"/>
+        </inkml:channelProperties>
+      </inkml:inkSource>
+      <inkml:timestamp xml:id="ts0" timeString="2020-09-20T14:37:49.171"/>
+    </inkml:context>
+    <inkml:brush xml:id="br0">
+      <inkml:brushProperty name="width" value="0.05" units="cm"/>
+      <inkml:brushProperty name="height" value="0.05" units="cm"/>
+    </inkml:brush>
+  </inkml:definitions>
+  <inkml:trace contextRef="#ctx0" brushRef="#br0">10 172 2945,'0'0'2151,"0"0"-1119,0 0 38,0 0 205,0 0 102,-7-36 8624,5 24-9181,1 7-691,1 1 1,0 0 0,0-1-1,1 1 1,-1 0-1,1-1 1,0 1 0,0 0-1,0-1 1,1 1 0,-1 0-1,1 0 1,0 0-1,0 1 1,0-1 0,1 0-1,0 1 1,-1-1-1,1 1 1,0 0 0,0 0-1,1 0 1,-1 0 0,4-1-130,-3 0 273,1 1 0,0 0 0,-1 0 0,1 1 0,1-1 0,-1 1 0,0 0 0,1 0 0,-1 1 0,2-1-273,24 4-306,-29-1-169,1 0-1,-1 0 0,0 0 0,0 0 1,0 0-1,0 1 0,0-1 0,0 1 1,0-1-1,0 1 0,-1 0 0,1 1 476,6 7-8716</inkml:trace>
+</inkml:ink>
+</file>
+
+<file path=ppt/ink/ink145.xml><?xml version="1.0" encoding="utf-8"?>
+<inkml:ink xmlns:inkml="http://www.w3.org/2003/InkML">
+  <inkml:definitions>
+    <inkml:context xml:id="ctx0">
+      <inkml:inkSource xml:id="inkSrc0">
+        <inkml:traceFormat>
+          <inkml:channel name="X" type="integer" min="-2.14748E9" max="2.14748E9" units="cm"/>
+          <inkml:channel name="Y" type="integer" min="-2.14748E9" max="2.14748E9" units="cm"/>
+          <inkml:channel name="F" type="integer" max="32767" units="dev"/>
+        </inkml:traceFormat>
+        <inkml:channelProperties>
+          <inkml:channelProperty channel="X" name="resolution" value="1000" units="1/cm"/>
+          <inkml:channelProperty channel="Y" name="resolution" value="1000" units="1/cm"/>
+          <inkml:channelProperty channel="F" name="resolution" value="0" units="1/dev"/>
+        </inkml:channelProperties>
+      </inkml:inkSource>
+      <inkml:timestamp xml:id="ts0" timeString="2020-09-20T14:37:49.172"/>
+    </inkml:context>
+    <inkml:brush xml:id="br0">
+      <inkml:brushProperty name="width" value="0.05" units="cm"/>
+      <inkml:brushProperty name="height" value="0.05" units="cm"/>
+    </inkml:brush>
+  </inkml:definitions>
+  <inkml:trace contextRef="#ctx0" brushRef="#br0">48 1 1153,'0'0'1120,"0"0"806,0 0-261,0 0-472,0 0 295,-6 2-18,3 0-995,0 0 0,-1 0-1,1 1 1,0-1 0,0 1 0,0 0-1,1 0 1,-1 0 0,1 0 0,0 0-1,-2 3-474,3-4 130,0-1-1,1 0 1,-1 0-1,0 0 0,1 1 1,-1-1-1,1 0 1,0 1-1,-1-1 0,1 0 1,0 1-1,0-1 1,0 1-1,0-1 0,0 0 1,0 1-1,0-1 1,1 0-1,-1 1 0,0-1 1,1 0-1,-1 1 1,1-1-1,-1 0 0,1 0 1,0 1-1,0-1 1,-1 0-1,1 0 0,0 0 1,0 0-1,0 0 1,0 0-1,0 0 0,0-1 1,0 1-1,1 0 1,-1 0-1,0-1 0,0 1 1,1-1-1,-1 1 1,0-1-130,1 1-96,0-1 0,0 0 0,0 1 1,0-1-1,0 0 0,0 0 1,0 0-1,0-1 0,0 1 0,0 0 1,0-1-1,0 1 0,-1-1 0,1 0 1,0 1-1,0-1 0,-1 0 1,1 0-1,0 0 0,-1 0 0,1-1 1,-1 1-1,1 0 0,-1-1 1,0 1-1,1-1 0,-1 1 0,0-1 1,0 1-1,0-1 0,0 0 1,0 0-1,-1 1 0,1-1 0,-1 0 1,1 0-1,-1 0 0,1 0 1,-1 0-1,0 0 0,0 0 0,0 0 1,0 0-1,0 0 0,-1 0 1,1 0-1,0 1 0,-1-1 0,0-1 96,0 2-225,0 0-1,-1 0 0,1 0 0,-1 0 0,0 0 0,1 0 1,-1 0-1,0 1 0,1-1 0,-1 1 0,0-1 0,0 1 1,1 0-1,-1-1 0,0 1 0,0 0 0,0 0 1,0 0-1,1 0 0,-1 1 0,-1-1 226,1 0-425,-19 2-5813</inkml:trace>
+</inkml:ink>
+</file>
+
+<file path=ppt/ink/ink146.xml><?xml version="1.0" encoding="utf-8"?>
+<inkml:ink xmlns:inkml="http://www.w3.org/2003/InkML">
+  <inkml:definitions>
+    <inkml:context xml:id="ctx0">
+      <inkml:inkSource xml:id="inkSrc0">
+        <inkml:traceFormat>
+          <inkml:channel name="X" type="integer" min="-2.14748E9" max="2.14748E9" units="cm"/>
+          <inkml:channel name="Y" type="integer" min="-2.14748E9" max="2.14748E9" units="cm"/>
+          <inkml:channel name="F" type="integer" max="32767" units="dev"/>
+        </inkml:traceFormat>
+        <inkml:channelProperties>
+          <inkml:channelProperty channel="X" name="resolution" value="1000" units="1/cm"/>
+          <inkml:channelProperty channel="Y" name="resolution" value="1000" units="1/cm"/>
+          <inkml:channelProperty channel="F" name="resolution" value="0" units="1/dev"/>
+        </inkml:channelProperties>
+      </inkml:inkSource>
+      <inkml:timestamp xml:id="ts0" timeString="2020-09-20T14:39:02.886"/>
+    </inkml:context>
+    <inkml:brush xml:id="br0">
+      <inkml:brushProperty name="width" value="0.1" units="cm"/>
+      <inkml:brushProperty name="height" value="0.1" units="cm"/>
+      <inkml:brushProperty name="color" value="#5B2D90"/>
+    </inkml:brush>
+  </inkml:definitions>
+  <inkml:trace contextRef="#ctx0" brushRef="#br0">118 89 7700,'0'0'819,"0"0"53,0 0 942,0 0-611,0 0-728,0 0 45,0 0 340,0 0 217,0 0 140,0 0 72,0 0-158,0 0-232,0 0-235,0 0-237,-33 28 147,25-20-712,0 1 1,1-1 0,0 2 0,1-1-1,0 1 1,0 0 0,1 0 0,1 1-1,-1-1 1,2 1 0,-1 0 0,2 0-1,-1 1 1,1 2 137,-2 17-943,1 0-1,2 0 0,1 1 1,3 19 943,-1-37 37,1 1 0,1 0 0,0-1 0,1 1 0,0-1 0,1 0 0,1-1 0,0 0 0,1 0 0,3 4-37,-7-13 78,0 0-1,1 0 1,-1 0-1,1 0 0,-1-1 1,1 0-1,0 0 0,1 0 1,-1-1-1,0 1 0,1-1 1,-1-1-1,1 1 1,0-1-1,-1 0 0,6 1-77,15 0 461,0 0-1,-1-2 0,7-1-460,-25 1 12,14-3 27,-1 0 0,1-1 0,-1-1 0,0-1 0,-1-1 0,1-1 0,-2 0 0,1-1 0,-1-1 0,0-1 0,-1-1 0,-1 0 0,5-5-39,-15 11 1,-1 1 0,0-1-1,0 0 1,-1-1 0,1 1 0,-2-1 0,1 0 0,0 0 0,-1 0-1,-1 0 1,1-1 0,-1 1 0,0-1 0,-1 0 0,1-6-1,0-18 25,-1 1 1,-1 0-1,-3-15-25,0-20 66,3 57-2,0-1 0,0 0 0,-1 1 1,0-1-1,-1 1 0,0-1 1,-1 1-1,0 0 0,-3-7-64,3 10 17,-1 0-1,0 0 1,-1 1 0,1-1-1,-1 1 1,0 0 0,0 0-1,-1 1 1,1-1 0,-1 1-1,0 1 1,0-1 0,-5-1-17,1-2 29,-1 1 1,0 1 0,-1 0 0,1 0 0,-1 1 0,1 1-1,-1 0 1,0 0 0,-1 1 0,1 1 0,-6 0-30,-16 1 93,0 1-1,0 2 1,-17 4-93,38-4-192,0 0-1,0 1 1,1 0-1,-1 1 1,1 0-1,0 1 1,0 1 0,1 0-1,0 0 1,-6 6 192,-15 17-3298</inkml:trace>
+</inkml:ink>
+</file>
+
+<file path=ppt/ink/ink147.xml><?xml version="1.0" encoding="utf-8"?>
+<inkml:ink xmlns:inkml="http://www.w3.org/2003/InkML">
+  <inkml:definitions>
+    <inkml:context xml:id="ctx0">
+      <inkml:inkSource xml:id="inkSrc0">
+        <inkml:traceFormat>
+          <inkml:channel name="X" type="integer" min="-2.14748E9" max="2.14748E9" units="cm"/>
+          <inkml:channel name="Y" type="integer" min="-2.14748E9" max="2.14748E9" units="cm"/>
+          <inkml:channel name="F" type="integer" max="32767" units="dev"/>
+        </inkml:traceFormat>
+        <inkml:channelProperties>
+          <inkml:channelProperty channel="X" name="resolution" value="1000" units="1/cm"/>
+          <inkml:channelProperty channel="Y" name="resolution" value="1000" units="1/cm"/>
+          <inkml:channelProperty channel="F" name="resolution" value="0" units="1/dev"/>
+        </inkml:channelProperties>
+      </inkml:inkSource>
+      <inkml:timestamp xml:id="ts0" timeString="2023-05-29T13:56:53.147"/>
+    </inkml:context>
+    <inkml:brush xml:id="br0">
+      <inkml:brushProperty name="width" value="0.1" units="cm"/>
+      <inkml:brushProperty name="height" value="0.1" units="cm"/>
+      <inkml:brushProperty name="color" value="#5B2D90"/>
+    </inkml:brush>
+  </inkml:definitions>
+  <inkml:trace contextRef="#ctx0" brushRef="#br0">337 1 0,'0'0'560,"0"0"73,0 0 31,0 0-53,0 0-8,0 0 66,0 0 351,-24 8 8530,13-4-9816,-111 38 2,113-38 242,0-1-1,2 1 0,-2 1 1,1-1-1,1 1 0,-1 1 0,2-1 1,0 1-1,-2 0 0,3 0 0,-1 0 1,-2 4 22,-8 13-4,-13 24-67,18-16-130,2-1 0,3 1 0,-1 0-1,4 0 1,1 1 0,1-1 0,2 0 0,4 9 201,13 50-1190,22 59 1190,-32-125 350,1 0-1,1 0 1,1-1-1,1 0 1,16 19-350,-23-37 117,-1-1 0,1-1 0,0 1 0,0 0 0,0-1 0,1 0 1,-1 0-1,2 0 0,-1 0 0,0-1 0,1 0 0,-1 0 0,1 0-117,90 20 544,-88-21-436,9 2-47,-1-1 1,2 0-1,-1-1 1,-1 0-1,2-2 1,-1 0-1,6-1-61,-15 1 36,-1 0 1,2 0-1,-1-1 0,0-1 0,0 1 0,0-1 0,-2 0 0,2 0 1,-1-1-1,0 0 0,0 0 0,-2-1 0,2 0 0,4-4-36,11-11 8,-9 10-9,-3-1 0,2 0 1,-2 0-1,-1-1 0,0 0 0,0 0 1,-1-1-1,-1 0 0,-1-1 0,-1-1 1,18-40-5,-17 42 4,-1 0 0,-1-1-1,0 1 1,-1-1 0,-2 0 0,1 0 0,-1-7 1,2-72 28,0 54-5,-3 1-1,-1-1 1,-5-18-23,3 49 0,-2 1 0,1-1 0,-2 0 0,1 1 0,-1 0 0,0 0 0,0 0 0,-5-4 0,-17-27 3,20 29 22,1 0 0,0 0 0,-2 1 0,-1 0 0,2 0 0,-2 0 0,-1 1 0,1 0 0,-1 0 1,0 1-1,-1 0 0,1 0 0,-2 1 0,0 0 0,0 1 0,1 0 0,-1 0 0,-11-1-25,-6-1 26,0 2-1,-1 0 1,0 1-1,-1 1 0,3 2 1,-3 0-1,-18 3-25,35-1-410,2-1 0,-2 2 0,1 0-1,1 0 1,-1 1 0,1 0 0,-1 0-1,1 1 1,-7 5 410,-49 28-6592</inkml:trace>
+</inkml:ink>
+</file>
+
+<file path=ppt/ink/ink15.xml><?xml version="1.0" encoding="utf-8"?>
+<inkml:ink xmlns:inkml="http://www.w3.org/2003/InkML">
+  <inkml:definitions>
+    <inkml:context xml:id="ctx0">
+      <inkml:inkSource xml:id="inkSrc0">
+        <inkml:traceFormat>
+          <inkml:channel name="X" type="integer" min="-2.14748E9" max="2.14748E9" units="cm"/>
+          <inkml:channel name="Y" type="integer" min="-2.14748E9" max="2.14748E9" units="cm"/>
+          <inkml:channel name="F" type="integer" max="32767" units="dev"/>
+        </inkml:traceFormat>
+        <inkml:channelProperties>
+          <inkml:channelProperty channel="X" name="resolution" value="1000" units="1/cm"/>
+          <inkml:channelProperty channel="Y" name="resolution" value="1000" units="1/cm"/>
+          <inkml:channelProperty channel="F" name="resolution" value="0" units="1/dev"/>
+        </inkml:channelProperties>
+      </inkml:inkSource>
+      <inkml:timestamp xml:id="ts0" timeString="2023-05-30T16:32:39.114"/>
+    </inkml:context>
+    <inkml:brush xml:id="br0">
+      <inkml:brushProperty name="width" value="0.05" units="cm"/>
+      <inkml:brushProperty name="height" value="0.05" units="cm"/>
+      <inkml:brushProperty name="color" value="#004F8B"/>
+    </inkml:brush>
+  </inkml:definitions>
+  <inkml:trace contextRef="#ctx0" brushRef="#br0">1 0 10101,'0'0'11453,"17"5"-10677,133 39 900,-119-35-988,31 15 0,-54-20-621,0 0 0,1 0-1,-2 1 1,1 0 0,0 0-1,-1 1 1,0 0 0,10 11 0,-15-15-60,-1 0 0,0 0 0,1 1 1,-1-1-1,0 0 0,0 1 0,0-1 1,-1 1-1,1-1 0,0 1 0,-1 0 1,0-1-1,0 1 0,1-1 0,-2 1 1,1 0-1,0-1 0,0 1 0,-1-1 1,0 1-1,1-1 0,-1 1 0,0-1 1,0 1-1,0-1 0,-1 0 0,1 1 1,0-1-1,-1 0 0,1 0 0,-1 0 1,0 0-1,-3 2 0,-6 7-9,-2 0-1,1 0 1,-2-2-1,-15 10 1,19-12-6,-35 23-212,-34 21-220,24-24-4089</inkml:trace>
+</inkml:ink>
+</file>
+
+<file path=ppt/ink/ink16.xml><?xml version="1.0" encoding="utf-8"?>
+<inkml:ink xmlns:inkml="http://www.w3.org/2003/InkML">
+  <inkml:definitions>
+    <inkml:context xml:id="ctx0">
+      <inkml:inkSource xml:id="inkSrc0">
+        <inkml:traceFormat>
+          <inkml:channel name="X" type="integer" min="-2.14748E9" max="2.14748E9" units="cm"/>
+          <inkml:channel name="Y" type="integer" min="-2.14748E9" max="2.14748E9" units="cm"/>
+          <inkml:channel name="F" type="integer" max="32767" units="dev"/>
+        </inkml:traceFormat>
+        <inkml:channelProperties>
+          <inkml:channelProperty channel="X" name="resolution" value="1000" units="1/cm"/>
+          <inkml:channelProperty channel="Y" name="resolution" value="1000" units="1/cm"/>
+          <inkml:channelProperty channel="F" name="resolution" value="0" units="1/dev"/>
+        </inkml:channelProperties>
+      </inkml:inkSource>
+      <inkml:timestamp xml:id="ts0" timeString="2023-05-29T14:18:23.081"/>
+    </inkml:context>
+    <inkml:brush xml:id="br0">
+      <inkml:brushProperty name="width" value="0.1" units="cm"/>
+      <inkml:brushProperty name="height" value="0.1" units="cm"/>
+      <inkml:brushProperty name="color" value="#5B2D90"/>
+    </inkml:brush>
+  </inkml:definitions>
+  <inkml:trace contextRef="#ctx0" brushRef="#br0">219 96 3169,'0'0'1206,"0"0"203,0 0-577,0 0-544,0 0 73,0 0 444,-1 3 7914,-5 13-8562,-6-7-118,2 0 0,-1 1 0,2 1 0,-1-1 0,1 2 0,1-1 0,0 1 0,1 1 0,0-1 0,1 1 0,0 0 0,1 1 0,1-1 0,0 1 0,0 1-39,3 0 16,0 0 1,0 0-1,1 0 1,1 0-1,1 0 1,0-1-1,1 1 1,0 0-1,1-1 1,1 0-1,0 1 1,5 7-17,-1-5 48,0 0 0,1 0 0,1-1 1,0-1-1,1 0 0,1 0 0,0-1 1,1-1-1,9 7-48,-17-15 3,1-1 0,-1 0 0,1-1-1,0 1 1,0-1 0,0 0 0,0-1 0,0 0 0,1 0 0,-1-1-1,1 1 1,-1-2 0,1 1 0,-1-1 0,1 0 0,0-1 0,-1 1-1,1-2 1,-1 1 0,1-1 0,4-2-3,2-1-1,0 0 0,-1-1-1,1-1 1,-1 0 0,-1-1 0,0 0 0,0-1-1,-1 0 1,0-1 0,6-7 1,9-10 7,-2-1 0,-1-2 0,-1 0-7,-13 15 6,0 0-1,-1-1 0,-1 0 1,0 0-1,-1-1 0,-1 0 1,1-7-6,-2 9 0,1-5 4,0 0 0,-1 0 0,-1 0 0,-1 0 0,-1 0 1,0-1-1,-2 1 0,0 0 0,-4-19-4,3 34-3,1 0 0,-1 0 0,0 1 0,-1-1 0,1 0 0,-1 1 0,0 0 0,0-1 0,0 1 0,0 0 0,-1 1-1,0-1 1,0 1 0,0-1 0,0 1 3,-4-2-8,0 0 0,-1 1-1,0 0 1,1 0-1,-1 1 1,0 0-1,-1 0 1,0 1 8,-20-3-28,-1 1 0,0 2 1,0 1-1,-20 2 28,20 1-304,-1 1 0,1 1 0,1 2 1,-1 1-1,-26 11 304,22-5-2293,0 2 1,-28 16 2292,-16 15-5032</inkml:trace>
+</inkml:ink>
+</file>
+
+<file path=ppt/ink/ink17.xml><?xml version="1.0" encoding="utf-8"?>
+<inkml:ink xmlns:inkml="http://www.w3.org/2003/InkML">
+  <inkml:definitions>
+    <inkml:context xml:id="ctx0">
+      <inkml:inkSource xml:id="inkSrc0">
+        <inkml:traceFormat>
+          <inkml:channel name="X" type="integer" min="-2.14748E9" max="2.14748E9" units="cm"/>
+          <inkml:channel name="Y" type="integer" min="-2.14748E9" max="2.14748E9" units="cm"/>
+          <inkml:channel name="F" type="integer" max="32767" units="dev"/>
+        </inkml:traceFormat>
+        <inkml:channelProperties>
+          <inkml:channelProperty channel="X" name="resolution" value="1000" units="1/cm"/>
+          <inkml:channelProperty channel="Y" name="resolution" value="1000" units="1/cm"/>
+          <inkml:channelProperty channel="F" name="resolution" value="0" units="1/dev"/>
+        </inkml:channelProperties>
+      </inkml:inkSource>
+      <inkml:timestamp xml:id="ts0" timeString="2023-05-29T14:18:23.082"/>
+    </inkml:context>
+    <inkml:brush xml:id="br0">
+      <inkml:brushProperty name="width" value="0.1" units="cm"/>
+      <inkml:brushProperty name="height" value="0.1" units="cm"/>
+      <inkml:brushProperty name="color" value="#5B2D90"/>
+    </inkml:brush>
+  </inkml:definitions>
+  <inkml:trace contextRef="#ctx0" brushRef="#br0">347 0 1505,'0'0'3873,"0"0"-2443,0 0 203,0 0-358,0 0-802,0 0-81,0 0 288,-11 7 8752,7-3-9137,-18 25-110,2-4-89,2 1 1,-12 23-97,25-40 107,0 1 0,1 0 0,1 0 1,-1 0-1,1 0 0,1 1 0,0-1 0,1 1 0,0 0 0,0 3-107,2 2 172,1 0-1,1 0 1,0-1-1,1 1 1,1-1 0,0 0-1,1 0 1,0-1-1,9 14-171,-1-3 41,2 0 0,0-2-1,2 0 1,0-1-1,5 3-40,-10-12 13,0-2 0,1 0-1,0-1 1,1 0 0,0-1-1,0 0 1,1-2 0,0 0-1,0 0 1,1-2 0,16 4-13,-4-3 22,0-2 1,1 0-1,-1-2 1,1-2 0,-1 0-1,23-5-22,-39 4-10,0-1-1,0 0 0,0-1 1,-1-1-1,1 0 0,-1 0 0,0-1 1,0-1-1,-1 0 0,0-1 1,0 0-1,0-1 0,-1 0 1,0 0-1,0-1 0,-1-1 1,-1 1-1,1-1 0,-2-1 1,1 0-1,-1 0 0,-1 0 1,0-1-1,-1 0 11,4-11-24,-1 0-1,-2 0 1,0-1 0,1-15 24,-6 32-7,0 0 0,-1 0 0,1 0 0,-1 0 0,-1 0 0,0 0 1,0-1-1,0 1 0,-1 1 0,0-1 0,0 0 0,0 0 0,-1 1 0,0-1 0,-1 1 0,1 0 1,-1 0-1,-1-1 7,-19-21-1,-1 1 0,-2 1 1,0 2-1,-2 0 1,-14-8 0,26 22 17,0 0-1,-1 1 1,0 1 0,0 0 0,0 1-1,-1 2 1,0 0 0,-1 0 0,1 2-1,-1 1 1,-3 0-17,-3 0-7,0 1 0,-1 2 0,1 0 0,0 2-1,0 1 1,0 1 0,1 1 0,0 1 0,0 2 0,0 0 0,1 2 0,-3 2 7,-29 17-1241,-47 34 1241,76-44-2539,1 0 1,-15 17 2538,-18 26-10157</inkml:trace>
+</inkml:ink>
+</file>
+
+<file path=ppt/ink/ink18.xml><?xml version="1.0" encoding="utf-8"?>
+<inkml:ink xmlns:inkml="http://www.w3.org/2003/InkML">
+  <inkml:definitions>
+    <inkml:context xml:id="ctx0">
+      <inkml:inkSource xml:id="inkSrc0">
+        <inkml:traceFormat>
+          <inkml:channel name="X" type="integer" min="-2.14748E9" max="2.14748E9" units="cm"/>
+          <inkml:channel name="Y" type="integer" min="-2.14748E9" max="2.14748E9" units="cm"/>
+          <inkml:channel name="F" type="integer" max="32767" units="dev"/>
+        </inkml:traceFormat>
+        <inkml:channelProperties>
+          <inkml:channelProperty channel="X" name="resolution" value="1000" units="1/cm"/>
+          <inkml:channelProperty channel="Y" name="resolution" value="1000" units="1/cm"/>
+          <inkml:channelProperty channel="F" name="resolution" value="0" units="1/dev"/>
+        </inkml:channelProperties>
+      </inkml:inkSource>
+      <inkml:timestamp xml:id="ts0" timeString="2023-05-29T14:18:23.083"/>
+    </inkml:context>
+    <inkml:brush xml:id="br0">
+      <inkml:brushProperty name="width" value="0.1" units="cm"/>
+      <inkml:brushProperty name="height" value="0.1" units="cm"/>
+      <inkml:brushProperty name="color" value="#5B2D90"/>
+    </inkml:brush>
+  </inkml:definitions>
+  <inkml:trace contextRef="#ctx0" brushRef="#br0">255 1 5314,'0'0'2700,"0"0"-771,0 0-56,0 0-672,0 0-345,0 0 241,0 0 100,-14 16 4815,5-5-5194,0 3-766,0 0 1,0 1-1,1 0 0,1 1 0,0 0 1,-3 9-53,6-12 14,1-1 1,0 1 0,0-1-1,1 1 1,0 0 0,0 1-1,1-1 1,0 0 0,1 10-15,0-13 5,0 1 0,0-1 1,0 1-1,1-1 0,0 0 1,0 0-1,1 1 0,0-1 1,0-1-1,1 1 0,0 0 1,0-1-1,0 0 0,4 7-5,-1-3 46,0-1-1,1 0 1,0-1-1,0 0 1,1 0-1,-1-1 1,2-1-1,-1 0 1,1-1-1,0 0 1,0-1-1,0 0 1,1-1-1,0-1 1,0 0-1,0-1 1,0 0-1,4 0-45,-5-2 63,12 3 57,0-1-1,9-1-119,-23-3 14,1 0 0,-1-1-1,0 0 1,0-1-1,0 0 1,0 0 0,-1-1-1,1-1 1,1-1-14,33-19 255,-23 14-203,-1 0 0,0-2 0,0-1-1,-1-1 1,3-4-52,-15 13-1,0 1-1,0-1 0,0 0 1,-1-1-1,1 0 0,-1 1 1,0-2-1,0 1 1,-1 0-1,1-1 0,-1 0 1,0 1-1,0-1 0,0-1 1,-1 1-1,0 0 0,0 0 1,0-1-1,-1 1 1,1-1-1,-1-1 2,0 5-3,0-15 3,0 0 0,-1 0 0,0 0-1,-2-2 1,2 14 4,0-1 0,-1 1-1,0 0 1,0 0 0,-1 0 0,1 0-1,-1 0 1,0 1 0,0-1 0,-1 1-1,-2-3-3,-3-5 41,-2 1 0,0 0-1,0 1 1,0 0 0,-1 2-1,0 0 1,0 1 0,-1 1-1,0 0 1,0 2 0,0 0-1,-1 1 1,1 1 0,-11-1-41,0 1 12,1 2 1,0 2-1,-1 1 1,1 1-1,0 2 1,0 1-1,0 2 1,-9 6-13,6-2-482,2 2 0,-1 2 0,-20 17 482,26-16-2221,1 1 0,-17 19 2221,-17 33-8423</inkml:trace>
+</inkml:ink>
+</file>
+
+<file path=ppt/ink/ink19.xml><?xml version="1.0" encoding="utf-8"?>
+<inkml:ink xmlns:inkml="http://www.w3.org/2003/InkML">
+  <inkml:definitions>
+    <inkml:context xml:id="ctx0">
+      <inkml:inkSource xml:id="inkSrc0">
+        <inkml:traceFormat>
+          <inkml:channel name="X" type="integer" min="-2.14748E9" max="2.14748E9" units="cm"/>
+          <inkml:channel name="Y" type="integer" min="-2.14748E9" max="2.14748E9" units="cm"/>
+          <inkml:channel name="F" type="integer" max="32767" units="dev"/>
+        </inkml:traceFormat>
+        <inkml:channelProperties>
+          <inkml:channelProperty channel="X" name="resolution" value="1000" units="1/cm"/>
+          <inkml:channelProperty channel="Y" name="resolution" value="1000" units="1/cm"/>
+          <inkml:channelProperty channel="F" name="resolution" value="0" units="1/dev"/>
+        </inkml:channelProperties>
+      </inkml:inkSource>
+      <inkml:timestamp xml:id="ts0" timeString="2023-05-29T14:18:23.084"/>
+    </inkml:context>
+    <inkml:brush xml:id="br0">
+      <inkml:brushProperty name="width" value="0.1" units="cm"/>
+      <inkml:brushProperty name="height" value="0.1" units="cm"/>
+      <inkml:brushProperty name="color" value="#5B2D90"/>
+    </inkml:brush>
+  </inkml:definitions>
+  <inkml:trace contextRef="#ctx0" brushRef="#br0">234 1 2753,'0'0'2647,"0"0"-524,0 0-399,0 0-646,0 0-243,0 0-123,0 0 46,0 0 146,0 0 78,0 0 48,-6 1 2102,-18 6-2657,14 0-460,0-1-1,1 1 1,0 1 0,0 0 0,1 0 0,0 1 0,0-1-1,1 2 1,0-1 0,0 1 0,1 0 0,1 1-1,0-1 1,0 1 0,1 0 0,0 0 0,1 1 0,-1 7-15,-20 86-387,20-69 381,2 1 1,0-1 0,3 0-1,1 0 1,2 0 0,7 31 5,-8-57 16,0-1 1,1 1-1,0-1 1,1-1 0,0 1-1,0-1 1,1 1-1,0-1 1,5 4-17,5 6 50,0-2 0,1 0 0,12 8-50,-24-21 71,1 1 1,0-1-1,0 0 1,0 0 0,1-1-1,-1 0 1,0 0 0,1-1-1,0 0 1,-1 0 0,6 0-72,6 0 202,0-1 0,0 0 1,14-3-203,-20-1 27,0-1 1,-1 0 0,0-1-1,0 0 1,0 0 0,-1-1-1,0-1 1,0 1 0,-1-2-1,4-2-27,5-5 225,-11 9-218,0-1 0,0 0 0,0-1-1,-1 0 1,0 1 0,-1-2 0,0 1-1,-1-1 1,0 0 0,0 1 0,-1-2-1,0 1 1,0-2-7,2-15 34,0 0 0,-2-1 0,0 1 0,-2-13-34,-1 17 193,-1-1-1,-1 1 0,-2-11-192,2 24 25,-1 0-1,0 0 1,-1 1 0,0-1-1,0 1 1,-1 0 0,0 0-1,-6-8-24,-3-3 189,-1 1-1,-1 1 1,-1 0-1,0 0 1,-1 2-1,-1 1 1,0 0-1,-19-10-188,28 19 5,1 1-1,0 0 1,-1 1-1,0 0 0,0 1 1,-1 0-1,1 0 1,0 1-1,-1 1 0,0 0 1,1 0-1,-1 1 1,0 0-1,1 1 0,-1 0 1,1 1-1,-1 0 1,1 0-1,0 1 0,-1 1 1,-5 2-5,5 0-448,0 1 1,0 0-1,0 0 1,-9 9 447,-47 46-4573</inkml:trace>
+</inkml:ink>
+</file>
+
+<file path=ppt/ink/ink2.xml><?xml version="1.0" encoding="utf-8"?>
+<inkml:ink xmlns:inkml="http://www.w3.org/2003/InkML">
+  <inkml:definitions>
+    <inkml:context xml:id="ctx0">
+      <inkml:inkSource xml:id="inkSrc0">
+        <inkml:traceFormat>
+          <inkml:channel name="X" type="integer" min="-2.14748E9" max="2.14748E9" units="cm"/>
+          <inkml:channel name="Y" type="integer" min="-2.14748E9" max="2.14748E9" units="cm"/>
+          <inkml:channel name="F" type="integer" max="32767" units="dev"/>
+        </inkml:traceFormat>
+        <inkml:channelProperties>
+          <inkml:channelProperty channel="X" name="resolution" value="1000" units="1/cm"/>
+          <inkml:channelProperty channel="Y" name="resolution" value="1000" units="1/cm"/>
+          <inkml:channelProperty channel="F" name="resolution" value="0" units="1/dev"/>
+        </inkml:channelProperties>
+      </inkml:inkSource>
+      <inkml:timestamp xml:id="ts0" timeString="2023-05-30T16:32:16.514"/>
+    </inkml:context>
+    <inkml:brush xml:id="br0">
+      <inkml:brushProperty name="width" value="0.05" units="cm"/>
+      <inkml:brushProperty name="height" value="0.05" units="cm"/>
+      <inkml:brushProperty name="color" value="#004F8B"/>
+    </inkml:brush>
+  </inkml:definitions>
+  <inkml:trace contextRef="#ctx0" brushRef="#br0">1 0 11189,'0'0'5859,"0"2"-5859,0 1-16,0 1-1761,0 0-2001</inkml:trace>
+</inkml:ink>
+</file>
+
+<file path=ppt/ink/ink20.xml><?xml version="1.0" encoding="utf-8"?>
+<inkml:ink xmlns:inkml="http://www.w3.org/2003/InkML">
+  <inkml:definitions>
+    <inkml:context xml:id="ctx0">
+      <inkml:inkSource xml:id="inkSrc0">
+        <inkml:traceFormat>
+          <inkml:channel name="X" type="integer" min="-2.14748E9" max="2.14748E9" units="cm"/>
+          <inkml:channel name="Y" type="integer" min="-2.14748E9" max="2.14748E9" units="cm"/>
+          <inkml:channel name="F" type="integer" max="32767" units="dev"/>
+        </inkml:traceFormat>
+        <inkml:channelProperties>
+          <inkml:channelProperty channel="X" name="resolution" value="1000" units="1/cm"/>
+          <inkml:channelProperty channel="Y" name="resolution" value="1000" units="1/cm"/>
+          <inkml:channelProperty channel="F" name="resolution" value="0" units="1/dev"/>
+        </inkml:channelProperties>
+      </inkml:inkSource>
+      <inkml:timestamp xml:id="ts0" timeString="2023-05-29T14:18:23.085"/>
+    </inkml:context>
+    <inkml:brush xml:id="br0">
+      <inkml:brushProperty name="width" value="0.1" units="cm"/>
+      <inkml:brushProperty name="height" value="0.1" units="cm"/>
+      <inkml:brushProperty name="color" value="#5B2D90"/>
+    </inkml:brush>
+  </inkml:definitions>
+  <inkml:trace contextRef="#ctx0" brushRef="#br0">400 31 7764,'0'0'1683,"0"0"128,0 0-679,0 0-911,0 0-176,0 0 166,0 0 403,0 0 730,0 0 719,0 0 28,0 0-559,0 0-556,0 0-426,-24 18 7,-19 6-437,-1 1-88,1 1-1,1 3 1,0 2-32,29-21 0,1 1-1,0 1 1,1 0 0,1 0-1,0 1 1,0 0-1,1 1 1,1 0 0,0 0-1,1 1 1,-2 8 0,-2 9-10,2 1 0,2 0-1,1 0 1,1 0 0,2 1-1,2-1 1,1 15 10,0-41 7,0 0 1,1 0-1,0 0 0,1 0 1,0-1-1,0 1 0,0 0 1,1-1-1,0 1 0,0-1 1,0 0-1,1 0 0,0 0 1,0-1-1,0 1 0,1-1 1,0 0-1,0-1 0,1 1 1,-1-1-1,1 0 0,0 0 1,4 2-8,4 2 12,0-2 1,0 0 0,1 0 0,0-1-1,0-1 1,0-1 0,0 0 0,0-1-1,1 0 1,2-2-13,15 2 58,0-1 0,0-2 0,0-2 0,0 0 0,0-3 0,-1 0 0,1-2 0,9-5-58,-25 6-10,1 0-1,-1-1 0,0-1 0,-1 0 0,0-1 1,-1-1-1,1-1 0,5-6 11,-13 10 0,-1 0-1,0 0 1,0 0 0,-1-1 0,0 0-1,-1 0 1,0-1 0,0 1-1,-1-1 1,0 0 0,-1 0 0,0-1-1,0 1 1,-1-1 0,0-6 0,0-1 16,-1-1-1,0 0 1,-2 0 0,0 0 0,-1 1 0,-1-1 0,0 0 0,-2 1-1,0 0 1,-1 0 0,-1 0 0,0 1 0,-2 0 0,0 1 0,-1-1-1,0 2 1,-1-1 0,-3-1-16,0 1-8,-1-1 0,0 1 0,-1 2 0,-1-1 0,0 2 0,-1 0-1,-1 1 1,0 1 0,0 1 0,-1 0 0,0 2 0,-1 0 0,0 1 0,0 1 0,-4 1 8,5 2-441,0 0 1,0 2-1,0 0 1,0 2 0,0 0-1,-15 3 441,-47 17-5093</inkml:trace>
+</inkml:ink>
+</file>
+
+<file path=ppt/ink/ink21.xml><?xml version="1.0" encoding="utf-8"?>
+<inkml:ink xmlns:inkml="http://www.w3.org/2003/InkML">
+  <inkml:definitions>
+    <inkml:context xml:id="ctx0">
+      <inkml:inkSource xml:id="inkSrc0">
+        <inkml:traceFormat>
+          <inkml:channel name="X" type="integer" min="-2.14748E9" max="2.14748E9" units="cm"/>
+          <inkml:channel name="Y" type="integer" min="-2.14748E9" max="2.14748E9" units="cm"/>
+          <inkml:channel name="F" type="integer" max="32767" units="dev"/>
+        </inkml:traceFormat>
+        <inkml:channelProperties>
+          <inkml:channelProperty channel="X" name="resolution" value="1000" units="1/cm"/>
+          <inkml:channelProperty channel="Y" name="resolution" value="1000" units="1/cm"/>
+          <inkml:channelProperty channel="F" name="resolution" value="0" units="1/dev"/>
+        </inkml:channelProperties>
+      </inkml:inkSource>
+      <inkml:timestamp xml:id="ts0" timeString="2023-05-29T14:18:23.086"/>
+    </inkml:context>
+    <inkml:brush xml:id="br0">
+      <inkml:brushProperty name="width" value="0.1" units="cm"/>
+      <inkml:brushProperty name="height" value="0.1" units="cm"/>
+      <inkml:brushProperty name="color" value="#5B2D90"/>
+    </inkml:brush>
+  </inkml:definitions>
+  <inkml:trace contextRef="#ctx0" brushRef="#br0">193 67 2449,'0'0'2300,"0"0"-630,0 0-336,0 0-286,0 0-93,0 0 134,0 0-25,0 0-82,0 0 147,0 0-150,0 0-293,0 0-102,0 0-72,0 0 160,0 0 217,0 0 205,0 0 191,0 0-145,0 0-177,0 0-5,0 0-121,-8 22 407,-28 7-1374,28-24 86,2 0 0,-1 0 0,1 0 0,-1 1 0,1 0 0,1 0-1,-1 1 1,1-1 0,1 1 0,-1 0 0,1 0 0,0 1 0,0 0 0,0 3 44,-7 35-189,2-1 1,3 2-1,1-1 1,2 0 0,3 36 188,1-71-22,0 0 0,1 0 0,0 0 0,1-1 1,0 1-1,0-1 0,1 0 0,1 0 0,0 0 0,0-1 1,0 1-1,2 0 22,17 23-59,0-1 1,20 17 58,-31-34-11,-7-10 8,0 1 0,0-1 1,1 0-1,-1-1 0,1 1 0,0-1 0,1-1 0,-1 1 0,0-1 0,1-1 0,0 1 1,0-1-1,0 0 0,0-1 0,5 0 3,20 2 7,0-2 0,-1-2 1,12-2-8,-16 1 19,-20 1-28,-1 0-1,1-1 1,-1-1 0,1 1 0,-1-1 0,0 0 0,0-1 0,0 0 0,6-4 9,2-2-24,1-1-1,-2-1 1,8-8 24,-10 6-2,-2 0 1,0-1-1,-1 0 1,-1-1-1,0 0 1,-1 0-1,-1 0 1,0-1 0,-1 0-1,0-6 2,7-15-1,-6 11 17,-1-1 0,-2 1 0,0-1 0,-2 0 0,-1 0-1,-2-6-15,1-14 100,1 36-18,-1 0 1,0 0 0,-1 0-1,0 1 1,-1-1 0,0 1-1,-1-1 1,0 1 0,-1 0 0,0 1-1,-1-1 1,0 1 0,-1 0-1,0 1 1,0-1 0,-1 1 0,0 1-1,-1 0 1,0 0 0,0 0-1,-1 1 1,1 1 0,-2-1-1,1 2 1,-1-1 0,-1 1-83,-13-4 33,-1 0 1,-1 2-1,1 1 0,-1 2 1,0 0-1,-11 1-33,25 3-5,0 0 0,0 1 0,0 1-1,0 0 1,0 0 0,0 1 0,1 1 0,-1 0 0,1 1 0,0 1-1,0-1 1,1 2 0,-1 0 0,-2 3 5,-6 5-680,2 1 0,-1 1 0,2 0 0,0 2 0,2 0 0,0 0 0,-1 4 680,-26 48-7254</inkml:trace>
+</inkml:ink>
+</file>
+
+<file path=ppt/ink/ink22.xml><?xml version="1.0" encoding="utf-8"?>
+<inkml:ink xmlns:inkml="http://www.w3.org/2003/InkML">
+  <inkml:definitions>
+    <inkml:context xml:id="ctx0">
+      <inkml:inkSource xml:id="inkSrc0">
+        <inkml:traceFormat>
+          <inkml:channel name="X" type="integer" min="-2.14748E9" max="2.14748E9" units="cm"/>
+          <inkml:channel name="Y" type="integer" min="-2.14748E9" max="2.14748E9" units="cm"/>
+          <inkml:channel name="F" type="integer" max="32767" units="dev"/>
+        </inkml:traceFormat>
+        <inkml:channelProperties>
+          <inkml:channelProperty channel="X" name="resolution" value="1000" units="1/cm"/>
+          <inkml:channelProperty channel="Y" name="resolution" value="1000" units="1/cm"/>
+          <inkml:channelProperty channel="F" name="resolution" value="0" units="1/dev"/>
+        </inkml:channelProperties>
+      </inkml:inkSource>
+      <inkml:timestamp xml:id="ts0" timeString="2023-05-29T14:18:23.087"/>
+    </inkml:context>
+    <inkml:brush xml:id="br0">
+      <inkml:brushProperty name="width" value="0.1" units="cm"/>
+      <inkml:brushProperty name="height" value="0.1" units="cm"/>
+      <inkml:brushProperty name="color" value="#5B2D90"/>
+    </inkml:brush>
+  </inkml:definitions>
+  <inkml:trace contextRef="#ctx0" brushRef="#br0">240 0 4674,'0'0'1750,"0"0"8,0 0-146,0 0-436,0 0-239,0 0-188,-1 10 4886,-1 12-3180,-2-13-1500,-5 4 699,-51 27-1799,50-36 109,0 2 1,1 0 0,0 0 0,0 0 0,1 2 0,-1-1 0,1 1 0,1 0 0,-1 0 0,1 1 0,1 0 0,-5 9 35,1 5 8,1 1 1,1 0-1,2 1 0,0 0 0,1 0 1,1 1-1,2-1 0,0 1 0,1 0 1,2-1-1,1 8-8,-1-24 14,-1 1 0,2-1 0,0 0 1,0 0-1,0 0 0,1 0 0,0-1 1,1 1-1,-1-1 0,2 1 0,-1-1 1,1-1-1,0 1 0,1-1 0,0 0 0,0 0 1,4 3-15,1-1 136,1 0 1,0-1 0,0 0-1,0-1 1,1-1 0,0 0-1,0-1 1,1-1 0,0 0 0,7 1-137,10 2 60,0-2 0,0-2 0,1 0 1,-1-3-1,1 0 0,-1-3 0,0 0 1,1-2-1,-2-2 0,1-1 0,-1-1 1,5-4-61,-26 10-8,0 0 0,-1-1 1,1 0-1,-1-1 1,0 0-1,0 0 1,0-1-1,-1 0 1,1 0-1,-1-1 1,-1 0-1,1 0 1,-1-1-1,-1 0 0,1 0 1,-1-1-1,0 1 1,-1-1-1,0 0 1,0 0-1,-1-1 1,0 1-1,0-4 8,1-9-3,0 0-1,-1 1 1,-1-1-1,-1-1 1,-1 1 0,0 0-1,-3-11 4,1 24 15,0 1-1,-1-1 1,1 1 0,-1 0-1,-1 0 1,0 0-1,0 0 1,0 0-1,-1 1 1,0 0 0,0 0-1,-1 0 1,-5-4-15,-10-8 141,0 2 1,-1 0-1,-16-8-141,-16-12 285,40 29-278,0 0 0,-1 1 0,0 1 0,-1 1 0,1 0 0,-1 1 0,1 0 0,-1 2 1,0 0-1,-1 1 0,-13 1-7,17 0-75,-1 0-1,0 2 1,1-1 0,-1 2 0,1 0 0,0 1 0,0 0 0,0 1 0,0 0 0,1 1 0,0 1 0,0 0 0,1 1 0,-1 0 0,-2 4 75,-51 49-4205,2 15-7123</inkml:trace>
+</inkml:ink>
+</file>
+
+<file path=ppt/ink/ink23.xml><?xml version="1.0" encoding="utf-8"?>
+<inkml:ink xmlns:inkml="http://www.w3.org/2003/InkML">
+  <inkml:definitions>
+    <inkml:context xml:id="ctx0">
+      <inkml:inkSource xml:id="inkSrc0">
+        <inkml:traceFormat>
+          <inkml:channel name="X" type="integer" min="-2.14748E9" max="2.14748E9" units="cm"/>
+          <inkml:channel name="Y" type="integer" min="-2.14748E9" max="2.14748E9" units="cm"/>
+          <inkml:channel name="F" type="integer" max="32767" units="dev"/>
+        </inkml:traceFormat>
+        <inkml:channelProperties>
+          <inkml:channelProperty channel="X" name="resolution" value="1000" units="1/cm"/>
+          <inkml:channelProperty channel="Y" name="resolution" value="1000" units="1/cm"/>
+          <inkml:channelProperty channel="F" name="resolution" value="0" units="1/dev"/>
+        </inkml:channelProperties>
+      </inkml:inkSource>
+      <inkml:timestamp xml:id="ts0" timeString="2023-05-29T14:18:23.088"/>
+    </inkml:context>
+    <inkml:brush xml:id="br0">
+      <inkml:brushProperty name="width" value="0.1" units="cm"/>
+      <inkml:brushProperty name="height" value="0.1" units="cm"/>
+      <inkml:brushProperty name="color" value="#5B2D90"/>
+    </inkml:brush>
+  </inkml:definitions>
+  <inkml:trace contextRef="#ctx0" brushRef="#br0">268 1 0,'0'0'560,"0"0"73,0 0 31,0 0-53,0 0-8,0 0 66,0 0 351,-19 8 8530,10-4-9816,-88 38 2,90-38 242,0-1-1,1 1 0,-1 1 1,1-1-1,0 1 0,0 1 0,1-1 1,0 1-1,-1 0 0,2 0 0,-1 0 1,-1 4 22,-7 13-4,-10 24-67,14-16-130,2-1 0,2 1 0,0 0-1,2 0 1,2 1 0,0-1 0,2 0 0,3 9 201,10 50-1190,18 59 1190,-26-125 350,1 0-1,1 0 1,1-1-1,1 0 1,12 19-350,-18-37 117,-1-1 0,1-1 0,0 1 0,0 0 0,0-1 0,1 0 1,-1 0-1,1 0 0,0 0 0,0-1 0,0 0 0,0 0 0,1 0-117,71 20 544,-70-21-436,7 2-47,0-1 1,1 0-1,-1-1 1,0 0-1,1-2 1,-1 0-1,5-1-61,-12 1 36,0 0 1,1 0-1,-1-1 0,0-1 0,0 1 0,0-1 0,-1 0 0,1 0 1,-1-1-1,1 0 0,-1 0 0,-1-1 0,1 0 0,4-4-36,8-11 8,-7 10-9,-2-1 0,1 0 1,-1 0-1,-1-1 0,0 0 0,0 0 1,-1-1-1,-1 0 0,0-1 0,-1-1 1,14-40-5,-14 42 4,0 0 0,-1-1-1,0 1 1,-1-1 0,-1 0 0,0 0 0,0-7 1,1-72 28,0 54-5,-2 1-1,-1-1 1,-4-18-23,2 49 0,-1 1 0,1-1 0,-2 0 0,1 1 0,-1 0 0,0 0 0,0 0 0,-4-4 0,-14-27 3,17 29 22,0 0 0,0 0 0,-1 1 0,-1 0 0,1 0 0,-1 0 0,-1 1 0,1 0 0,-1 0 1,0 1-1,-1 0 0,1 0 0,-1 1 0,-1 0 0,1 1 0,0 0 0,-1 0 0,-8-1-25,-5-1 26,0 2-1,-1 0 1,0 1-1,0 1 0,1 2 1,-1 0-1,-15 3-25,28-1-410,1-1 0,-1 2 0,1 0-1,0 0 1,0 1 0,0 0 0,0 0-1,0 1 1,-5 5 410,-39 28-6592</inkml:trace>
+</inkml:ink>
+</file>
+
+<file path=ppt/ink/ink24.xml><?xml version="1.0" encoding="utf-8"?>
+<inkml:ink xmlns:inkml="http://www.w3.org/2003/InkML">
+  <inkml:definitions>
+    <inkml:context xml:id="ctx0">
+      <inkml:inkSource xml:id="inkSrc0">
+        <inkml:traceFormat>
+          <inkml:channel name="X" type="integer" min="-2.14748E9" max="2.14748E9" units="cm"/>
+          <inkml:channel name="Y" type="integer" min="-2.14748E9" max="2.14748E9" units="cm"/>
+          <inkml:channel name="F" type="integer" max="32767" units="dev"/>
+        </inkml:traceFormat>
+        <inkml:channelProperties>
+          <inkml:channelProperty channel="X" name="resolution" value="1000" units="1/cm"/>
+          <inkml:channelProperty channel="Y" name="resolution" value="1000" units="1/cm"/>
+          <inkml:channelProperty channel="F" name="resolution" value="0" units="1/dev"/>
+        </inkml:channelProperties>
+      </inkml:inkSource>
+      <inkml:timestamp xml:id="ts0" timeString="2023-05-29T14:18:23.089"/>
+    </inkml:context>
+    <inkml:brush xml:id="br0">
+      <inkml:brushProperty name="width" value="0.1" units="cm"/>
+      <inkml:brushProperty name="height" value="0.1" units="cm"/>
+      <inkml:brushProperty name="color" value="#5B2D90"/>
+    </inkml:brush>
+  </inkml:definitions>
+  <inkml:trace contextRef="#ctx0" brushRef="#br0">242 1 992,'0'0'2279,"0"0"-404,0 0-434,0 0-835,0 0-420,0 0-36,0 0 165,0 0 408,0 0 384,0 0 245,0 0 132,0 0-100,0 0-167,0 0-137,0 0-221,0 0-245,0 0-171,0 0-150,0 0-82,0 0-99,-38 15 0,25-10-142,1 1 0,0 0 0,0 1 0,1 1 0,0-1-1,1 2 1,-1 0 0,2 0 0,-1 0 0,1 1 0,1 1 0,0 0-1,0 0 1,1 0 0,0 1 0,1 0 0,1 0 0,-1 1-1,2 0 1,-1 4 30,-2 12-5,2-1 1,1 1-1,2 0 0,0 0 0,2 0 0,2 13 5,-1-34 25,0 0 0,1 0-1,-1 0 1,2 0 0,-1-1 0,1 1 0,0-1 0,1 1-1,-1-1 1,1 0 0,1-1 0,-1 1 0,1-1 0,1 1-1,-1-2 1,1 1 0,0-1 0,0 1 0,1-2 0,-1 1-1,1-1 1,0 0 0,0 0 0,6 1-25,7 3 69,1-1 0,0 0 1,0-2-1,0-1 0,1-1 0,0 0 1,-1-2-1,14 0-69,-19-1 35,0 0 0,0-1-1,0-1 1,0 0 0,0-1 0,0-1 0,-1 0 0,1-1 0,-1-1-1,0 0 1,-1-1 0,0-1 0,0 0 0,0-1 0,-1-1-1,2-2-34,-7 3 33,-1-1-1,-1 0 0,0 0 0,0-1 1,-1 1-1,-1-1 0,1 0 0,-2-1 0,0 1 1,0-1-1,-1 1 0,0-1 0,-1-4-32,2-5 120,0 0 30,0 0 0,-2 0 0,-1-1 0,0 1 0,-3-21-150,-2 32 39,0-1-1,-1 2 1,0-1 0,-1 0-1,0 1 1,0 0 0,-1 1 0,0 0-1,0 0 1,-8-5-39,4 3 62,-1 0-1,0 1 1,-1 1 0,0 0 0,0 0 0,-1 2-1,0 0 1,0 1 0,-1 0 0,1 1 0,-10-1-62,-21-2-431,0 3-1,0 1 1,-17 3 431,-6 4-3279,2 14-2072</inkml:trace>
+</inkml:ink>
+</file>
+
+<file path=ppt/ink/ink25.xml><?xml version="1.0" encoding="utf-8"?>
 <inkml:ink xmlns:inkml="http://www.w3.org/2003/InkML">
   <inkml:definitions>
     <inkml:context xml:id="ctx0">
@@ -596,287 +2077,7 @@
 </inkml:ink>
 </file>
 
-<file path=ppt/ink/ink110.xml><?xml version="1.0" encoding="utf-8"?>
-<inkml:ink xmlns:inkml="http://www.w3.org/2003/InkML">
-  <inkml:definitions>
-    <inkml:context xml:id="ctx0">
-      <inkml:inkSource xml:id="inkSrc0">
-        <inkml:traceFormat>
-          <inkml:channel name="X" type="integer" min="-2.14748E9" max="2.14748E9" units="cm"/>
-          <inkml:channel name="Y" type="integer" min="-2.14748E9" max="2.14748E9" units="cm"/>
-          <inkml:channel name="F" type="integer" max="32767" units="dev"/>
-        </inkml:traceFormat>
-        <inkml:channelProperties>
-          <inkml:channelProperty channel="X" name="resolution" value="1000" units="1/cm"/>
-          <inkml:channelProperty channel="Y" name="resolution" value="1000" units="1/cm"/>
-          <inkml:channelProperty channel="F" name="resolution" value="0" units="1/dev"/>
-        </inkml:channelProperties>
-      </inkml:inkSource>
-      <inkml:timestamp xml:id="ts0" timeString="2020-09-20T14:00:19.819"/>
-    </inkml:context>
-    <inkml:brush xml:id="br0">
-      <inkml:brushProperty name="width" value="0.1" units="cm"/>
-      <inkml:brushProperty name="height" value="0.1" units="cm"/>
-      <inkml:brushProperty name="color" value="#5B2D90"/>
-    </inkml:brush>
-  </inkml:definitions>
-  <inkml:trace contextRef="#ctx0" brushRef="#br0">400 31 7764,'0'0'1683,"0"0"128,0 0-679,0 0-911,0 0-176,0 0 166,0 0 403,0 0 730,0 0 719,0 0 28,0 0-559,0 0-556,0 0-426,-24 18 7,-19 6-437,-1 1-88,1 1-1,1 3 1,0 2-32,29-21 0,1 1-1,0 1 1,1 0 0,1 0-1,0 1 1,0 0-1,1 1 1,1 0 0,0 0-1,1 1 1,-2 8 0,-2 9-10,2 1 0,2 0-1,1 0 1,1 0 0,2 1-1,2-1 1,1 15 10,0-41 7,0 0 1,1 0-1,0 0 0,1 0 1,0-1-1,0 1 0,0 0 1,1-1-1,0 1 0,0-1 1,0 0-1,1 0 0,0 0 1,0-1-1,0 1 0,1-1 1,0 0-1,0-1 0,1 1 1,-1-1-1,1 0 0,0 0 1,4 2-8,4 2 12,0-2 1,0 0 0,1 0 0,0-1-1,0-1 1,0-1 0,0 0 0,0-1-1,1 0 1,2-2-13,15 2 58,0-1 0,0-2 0,0-2 0,0 0 0,0-3 0,-1 0 0,1-2 0,9-5-58,-25 6-10,1 0-1,-1-1 0,0-1 0,-1 0 0,0-1 1,-1-1-1,1-1 0,5-6 11,-13 10 0,-1 0-1,0 0 1,0 0 0,-1-1 0,0 0-1,-1 0 1,0-1 0,0 1-1,-1-1 1,0 0 0,-1 0 0,0-1-1,0 1 1,-1-1 0,0-6 0,0-1 16,-1-1-1,0 0 1,-2 0 0,0 0 0,-1 1 0,-1-1 0,0 0 0,-2 1-1,0 0 1,-1 0 0,-1 0 0,0 1 0,-2 0 0,0 1 0,-1-1-1,0 2 1,-1-1 0,-3-1-16,0 1-8,-1-1 0,0 1 0,-1 2 0,-1-1 0,0 2 0,-1 0-1,-1 1 1,0 1 0,0 1 0,-1 0 0,0 2 0,-1 0 0,0 1 0,0 1 0,-4 1 8,5 2-441,0 0 1,0 2-1,0 0 1,0 2 0,0 0-1,-15 3 441,-47 17-5093</inkml:trace>
-</inkml:ink>
-</file>
-
-<file path=ppt/ink/ink111.xml><?xml version="1.0" encoding="utf-8"?>
-<inkml:ink xmlns:inkml="http://www.w3.org/2003/InkML">
-  <inkml:definitions>
-    <inkml:context xml:id="ctx0">
-      <inkml:inkSource xml:id="inkSrc0">
-        <inkml:traceFormat>
-          <inkml:channel name="X" type="integer" min="-2.14748E9" max="2.14748E9" units="cm"/>
-          <inkml:channel name="Y" type="integer" min="-2.14748E9" max="2.14748E9" units="cm"/>
-          <inkml:channel name="F" type="integer" max="32767" units="dev"/>
-        </inkml:traceFormat>
-        <inkml:channelProperties>
-          <inkml:channelProperty channel="X" name="resolution" value="1000" units="1/cm"/>
-          <inkml:channelProperty channel="Y" name="resolution" value="1000" units="1/cm"/>
-          <inkml:channelProperty channel="F" name="resolution" value="0" units="1/dev"/>
-        </inkml:channelProperties>
-      </inkml:inkSource>
-      <inkml:timestamp xml:id="ts0" timeString="2020-09-20T14:01:07.621"/>
-    </inkml:context>
-    <inkml:brush xml:id="br0">
-      <inkml:brushProperty name="width" value="0.1" units="cm"/>
-      <inkml:brushProperty name="height" value="0.1" units="cm"/>
-      <inkml:brushProperty name="color" value="#5B2D90"/>
-    </inkml:brush>
-  </inkml:definitions>
-  <inkml:trace contextRef="#ctx0" brushRef="#br0">193 67 2449,'0'0'2300,"0"0"-630,0 0-336,0 0-286,0 0-93,0 0 134,0 0-25,0 0-82,0 0 147,0 0-150,0 0-293,0 0-102,0 0-72,0 0 160,0 0 217,0 0 205,0 0 191,0 0-145,0 0-177,0 0-5,0 0-121,-8 22 407,-28 7-1374,28-24 86,2 0 0,-1 0 0,1 0 0,-1 1 0,1 0 0,1 0-1,-1 1 1,1-1 0,1 1 0,-1 0 0,1 0 0,0 1 0,0 0 0,0 3 44,-7 35-189,2-1 1,3 2-1,1-1 1,2 0 0,3 36 188,1-71-22,0 0 0,1 0 0,0 0 0,1-1 1,0 1-1,0-1 0,1 0 0,1 0 0,0 0 0,0-1 1,0 1-1,2 0 22,17 23-59,0-1 1,20 17 58,-31-34-11,-7-10 8,0 1 0,0-1 1,1 0-1,-1-1 0,1 1 0,0-1 0,1-1 0,-1 1 0,0-1 0,1-1 0,0 1 1,0-1-1,0 0 0,0-1 0,5 0 3,20 2 7,0-2 0,-1-2 1,12-2-8,-16 1 19,-20 1-28,-1 0-1,1-1 1,-1-1 0,1 1 0,-1-1 0,0 0 0,0-1 0,0 0 0,6-4 9,2-2-24,1-1-1,-2-1 1,8-8 24,-10 6-2,-2 0 1,0-1-1,-1 0 1,-1-1-1,0 0 1,-1 0-1,-1 0 1,0-1 0,-1 0-1,0-6 2,7-15-1,-6 11 17,-1-1 0,-2 1 0,0-1 0,-2 0 0,-1 0-1,-2-6-15,1-14 100,1 36-18,-1 0 1,0 0 0,-1 0-1,0 1 1,-1-1 0,0 1-1,-1-1 1,0 1 0,-1 0 0,0 1-1,-1-1 1,0 1 0,-1 0-1,0 1 1,0-1 0,-1 1 0,0 1-1,-1 0 1,0 0 0,0 0-1,-1 1 1,1 1 0,-2-1-1,1 2 1,-1-1 0,-1 1-83,-13-4 33,-1 0 1,-1 2-1,1 1 0,-1 2 1,0 0-1,-11 1-33,25 3-5,0 0 0,0 1 0,0 1-1,0 0 1,0 0 0,0 1 0,1 1 0,-1 0 0,1 1 0,0 1-1,0-1 1,1 2 0,-1 0 0,-2 3 5,-6 5-680,2 1 0,-1 1 0,2 0 0,0 2 0,2 0 0,0 0 0,-1 4 680,-26 48-7254</inkml:trace>
-</inkml:ink>
-</file>
-
-<file path=ppt/ink/ink112.xml><?xml version="1.0" encoding="utf-8"?>
-<inkml:ink xmlns:inkml="http://www.w3.org/2003/InkML">
-  <inkml:definitions>
-    <inkml:context xml:id="ctx0">
-      <inkml:inkSource xml:id="inkSrc0">
-        <inkml:traceFormat>
-          <inkml:channel name="X" type="integer" min="-2.14748E9" max="2.14748E9" units="cm"/>
-          <inkml:channel name="Y" type="integer" min="-2.14748E9" max="2.14748E9" units="cm"/>
-          <inkml:channel name="F" type="integer" max="32767" units="dev"/>
-        </inkml:traceFormat>
-        <inkml:channelProperties>
-          <inkml:channelProperty channel="X" name="resolution" value="1000" units="1/cm"/>
-          <inkml:channelProperty channel="Y" name="resolution" value="1000" units="1/cm"/>
-          <inkml:channelProperty channel="F" name="resolution" value="0" units="1/dev"/>
-        </inkml:channelProperties>
-      </inkml:inkSource>
-      <inkml:timestamp xml:id="ts0" timeString="2020-09-20T14:01:58.447"/>
-    </inkml:context>
-    <inkml:brush xml:id="br0">
-      <inkml:brushProperty name="width" value="0.1" units="cm"/>
-      <inkml:brushProperty name="height" value="0.1" units="cm"/>
-      <inkml:brushProperty name="color" value="#5B2D90"/>
-    </inkml:brush>
-  </inkml:definitions>
-  <inkml:trace contextRef="#ctx0" brushRef="#br0">240 0 4674,'0'0'1750,"0"0"8,0 0-146,0 0-436,0 0-239,0 0-188,-1 10 4886,-1 12-3180,-2-13-1500,-5 4 699,-51 27-1799,50-36 109,0 2 1,1 0 0,0 0 0,0 0 0,1 2 0,-1-1 0,1 1 0,1 0 0,-1 0 0,1 1 0,1 0 0,-5 9 35,1 5 8,1 1 1,1 0-1,2 1 0,0 0 0,1 0 1,1 1-1,2-1 0,0 1 0,1 0 1,2-1-1,1 8-8,-1-24 14,-1 1 0,2-1 0,0 0 1,0 0-1,0 0 0,1 0 0,0-1 1,1 1-1,-1-1 0,2 1 0,-1-1 1,1-1-1,0 1 0,1-1 0,0 0 0,0 0 1,4 3-15,1-1 136,1 0 1,0-1 0,0 0-1,0-1 1,1-1 0,0 0-1,0-1 1,1-1 0,0 0 0,7 1-137,10 2 60,0-2 0,0-2 0,1 0 1,-1-3-1,1 0 0,-1-3 0,0 0 1,1-2-1,-2-2 0,1-1 0,-1-1 1,5-4-61,-26 10-8,0 0 0,-1-1 1,1 0-1,-1-1 1,0 0-1,0 0 1,0-1-1,-1 0 1,1 0-1,-1-1 1,-1 0-1,1 0 1,-1-1-1,-1 0 0,1 0 1,-1-1-1,0 1 1,-1-1-1,0 0 1,0 0-1,-1-1 1,0 1-1,0-4 8,1-9-3,0 0-1,-1 1 1,-1-1-1,-1-1 1,-1 1 0,0 0-1,-3-11 4,1 24 15,0 1-1,-1-1 1,1 1 0,-1 0-1,-1 0 1,0 0-1,0 0 1,0 0-1,-1 1 1,0 0 0,0 0-1,-1 0 1,-5-4-15,-10-8 141,0 2 1,-1 0-1,-16-8-141,-16-12 285,40 29-278,0 0 0,-1 1 0,0 1 0,-1 1 0,1 0 0,-1 1 0,1 0 0,-1 2 1,0 0-1,-1 1 0,-13 1-7,17 0-75,-1 0-1,0 2 1,1-1 0,-1 2 0,1 0 0,0 1 0,0 0 0,0 1 0,0 0 0,1 1 0,0 1 0,0 0 0,1 1 0,-1 0 0,-2 4 75,-51 49-4205,2 15-7123</inkml:trace>
-</inkml:ink>
-</file>
-
-<file path=ppt/ink/ink113.xml><?xml version="1.0" encoding="utf-8"?>
-<inkml:ink xmlns:inkml="http://www.w3.org/2003/InkML">
-  <inkml:definitions>
-    <inkml:context xml:id="ctx0">
-      <inkml:inkSource xml:id="inkSrc0">
-        <inkml:traceFormat>
-          <inkml:channel name="X" type="integer" min="-2.14748E9" max="2.14748E9" units="cm"/>
-          <inkml:channel name="Y" type="integer" min="-2.14748E9" max="2.14748E9" units="cm"/>
-          <inkml:channel name="F" type="integer" max="32767" units="dev"/>
-        </inkml:traceFormat>
-        <inkml:channelProperties>
-          <inkml:channelProperty channel="X" name="resolution" value="1000" units="1/cm"/>
-          <inkml:channelProperty channel="Y" name="resolution" value="1000" units="1/cm"/>
-          <inkml:channelProperty channel="F" name="resolution" value="0" units="1/dev"/>
-        </inkml:channelProperties>
-      </inkml:inkSource>
-      <inkml:timestamp xml:id="ts0" timeString="2020-09-20T14:03:35.436"/>
-    </inkml:context>
-    <inkml:brush xml:id="br0">
-      <inkml:brushProperty name="width" value="0.1" units="cm"/>
-      <inkml:brushProperty name="height" value="0.1" units="cm"/>
-      <inkml:brushProperty name="color" value="#5B2D90"/>
-    </inkml:brush>
-  </inkml:definitions>
-  <inkml:trace contextRef="#ctx0" brushRef="#br0">268 1 0,'0'0'560,"0"0"73,0 0 31,0 0-53,0 0-8,0 0 66,0 0 351,-19 8 8530,10-4-9816,-88 38 2,90-38 242,0-1-1,1 1 0,-1 1 1,1-1-1,0 1 0,0 1 0,1-1 1,0 1-1,-1 0 0,2 0 0,-1 0 1,-1 4 22,-7 13-4,-10 24-67,14-16-130,2-1 0,2 1 0,0 0-1,2 0 1,2 1 0,0-1 0,2 0 0,3 9 201,10 50-1190,18 59 1190,-26-125 350,1 0-1,1 0 1,1-1-1,1 0 1,12 19-350,-18-37 117,-1-1 0,1-1 0,0 1 0,0 0 0,0-1 0,1 0 1,-1 0-1,1 0 0,0 0 0,0-1 0,0 0 0,0 0 0,1 0-117,71 20 544,-70-21-436,7 2-47,0-1 1,1 0-1,-1-1 1,0 0-1,1-2 1,-1 0-1,5-1-61,-12 1 36,0 0 1,1 0-1,-1-1 0,0-1 0,0 1 0,0-1 0,-1 0 0,1 0 1,-1-1-1,1 0 0,-1 0 0,-1-1 0,1 0 0,4-4-36,8-11 8,-7 10-9,-2-1 0,1 0 1,-1 0-1,-1-1 0,0 0 0,0 0 1,-1-1-1,-1 0 0,0-1 0,-1-1 1,14-40-5,-14 42 4,0 0 0,-1-1-1,0 1 1,-1-1 0,-1 0 0,0 0 0,0-7 1,1-72 28,0 54-5,-2 1-1,-1-1 1,-4-18-23,2 49 0,-1 1 0,1-1 0,-2 0 0,1 1 0,-1 0 0,0 0 0,0 0 0,-4-4 0,-14-27 3,17 29 22,0 0 0,0 0 0,-1 1 0,-1 0 0,1 0 0,-1 0 0,-1 1 0,1 0 0,-1 0 1,0 1-1,-1 0 0,1 0 0,-1 1 0,-1 0 0,1 1 0,0 0 0,-1 0 0,-8-1-25,-5-1 26,0 2-1,-1 0 1,0 1-1,0 1 0,1 2 1,-1 0-1,-15 3-25,28-1-410,1-1 0,-1 2 0,1 0-1,0 0 1,0 1 0,0 0 0,0 0-1,0 1 1,-5 5 410,-39 28-6592</inkml:trace>
-</inkml:ink>
-</file>
-
-<file path=ppt/ink/ink114.xml><?xml version="1.0" encoding="utf-8"?>
-<inkml:ink xmlns:inkml="http://www.w3.org/2003/InkML">
-  <inkml:definitions>
-    <inkml:context xml:id="ctx0">
-      <inkml:inkSource xml:id="inkSrc0">
-        <inkml:traceFormat>
-          <inkml:channel name="X" type="integer" min="-2.14748E9" max="2.14748E9" units="cm"/>
-          <inkml:channel name="Y" type="integer" min="-2.14748E9" max="2.14748E9" units="cm"/>
-          <inkml:channel name="F" type="integer" max="32767" units="dev"/>
-        </inkml:traceFormat>
-        <inkml:channelProperties>
-          <inkml:channelProperty channel="X" name="resolution" value="1000" units="1/cm"/>
-          <inkml:channelProperty channel="Y" name="resolution" value="1000" units="1/cm"/>
-          <inkml:channelProperty channel="F" name="resolution" value="0" units="1/dev"/>
-        </inkml:channelProperties>
-      </inkml:inkSource>
-      <inkml:timestamp xml:id="ts0" timeString="2020-09-20T14:04:01.878"/>
-    </inkml:context>
-    <inkml:brush xml:id="br0">
-      <inkml:brushProperty name="width" value="0.1" units="cm"/>
-      <inkml:brushProperty name="height" value="0.1" units="cm"/>
-      <inkml:brushProperty name="color" value="#5B2D90"/>
-    </inkml:brush>
-  </inkml:definitions>
-  <inkml:trace contextRef="#ctx0" brushRef="#br0">242 1 992,'0'0'2279,"0"0"-404,0 0-434,0 0-835,0 0-420,0 0-36,0 0 165,0 0 408,0 0 384,0 0 245,0 0 132,0 0-100,0 0-167,0 0-137,0 0-221,0 0-245,0 0-171,0 0-150,0 0-82,0 0-99,-38 15 0,25-10-142,1 1 0,0 0 0,0 1 0,1 1 0,0-1-1,1 2 1,-1 0 0,2 0 0,-1 0 0,1 1 0,1 1 0,0 0-1,0 0 1,1 0 0,0 1 0,1 0 0,1 0 0,-1 1-1,2 0 1,-1 4 30,-2 12-5,2-1 1,1 1-1,2 0 0,0 0 0,2 0 0,2 13 5,-1-34 25,0 0 0,1 0-1,-1 0 1,2 0 0,-1-1 0,1 1 0,0-1 0,1 1-1,-1-1 1,1 0 0,1-1 0,-1 1 0,1-1 0,1 1-1,-1-2 1,1 1 0,0-1 0,0 1 0,1-2 0,-1 1-1,1-1 1,0 0 0,0 0 0,6 1-25,7 3 69,1-1 0,0 0 1,0-2-1,0-1 0,1-1 0,0 0 1,-1-2-1,14 0-69,-19-1 35,0 0 0,0-1-1,0-1 1,0 0 0,0-1 0,0-1 0,-1 0 0,1-1 0,-1-1-1,0 0 1,-1-1 0,0-1 0,0 0 0,0-1 0,-1-1-1,2-2-34,-7 3 33,-1-1-1,-1 0 0,0 0 0,0-1 1,-1 1-1,-1-1 0,1 0 0,-2-1 0,0 1 1,0-1-1,-1 1 0,0-1 0,-1-4-32,2-5 120,0 0 30,0 0 0,-2 0 0,-1-1 0,0 1 0,-3-21-150,-2 32 39,0-1-1,-1 2 1,0-1 0,-1 0-1,0 1 1,0 0 0,-1 1 0,0 0-1,0 0 1,-8-5-39,4 3 62,-1 0-1,0 1 1,-1 1 0,0 0 0,0 0 0,-1 2-1,0 0 1,0 1 0,-1 0 0,1 1 0,-10-1-62,-21-2-431,0 3-1,0 1 1,-17 3 431,-6 4-3279,2 14-2072</inkml:trace>
-</inkml:ink>
-</file>
-
-<file path=ppt/ink/ink115.xml><?xml version="1.0" encoding="utf-8"?>
-<inkml:ink xmlns:inkml="http://www.w3.org/2003/InkML">
-  <inkml:definitions>
-    <inkml:context xml:id="ctx0">
-      <inkml:inkSource xml:id="inkSrc0">
-        <inkml:traceFormat>
-          <inkml:channel name="X" type="integer" min="-2.14748E9" max="2.14748E9" units="cm"/>
-          <inkml:channel name="Y" type="integer" min="-2.14748E9" max="2.14748E9" units="cm"/>
-          <inkml:channel name="F" type="integer" max="32767" units="dev"/>
-        </inkml:traceFormat>
-        <inkml:channelProperties>
-          <inkml:channelProperty channel="X" name="resolution" value="1000" units="1/cm"/>
-          <inkml:channelProperty channel="Y" name="resolution" value="1000" units="1/cm"/>
-          <inkml:channelProperty channel="F" name="resolution" value="0" units="1/dev"/>
-        </inkml:channelProperties>
-      </inkml:inkSource>
-      <inkml:timestamp xml:id="ts0" timeString="2020-09-20T14:05:06.931"/>
-    </inkml:context>
-    <inkml:brush xml:id="br0">
-      <inkml:brushProperty name="width" value="0.1" units="cm"/>
-      <inkml:brushProperty name="height" value="0.1" units="cm"/>
-      <inkml:brushProperty name="color" value="#5B2D90"/>
-    </inkml:brush>
-  </inkml:definitions>
-  <inkml:trace contextRef="#ctx0" brushRef="#br0">274 0 4322,'0'0'2198,"0"0"182,0 0-251,0 0-771,0 0-286,0 0 20,0 0-247,0 0-119,0 0 26,0 0-93,0 0-21,0 0-62,0 0-93,0 0-125,0 0-41,0 0 25,0 0-33,-27 17 166,-19 15-727,0 2 0,-22 24 252,60-51-25,1 0 0,0 0 0,0 1 0,1 0 0,0 0 0,1 1 0,0 0 1,0 0-1,0 0 0,1 0 0,1 1 0,0-1 0,0 1 0,1 0 0,-1 8 25,-1 10-331,1 1-1,2-1 0,1 0 0,1 1 1,2-1-1,4 21 332,-1-25-54,0 0 0,2-1 0,1 0 0,7 13 54,-13-31 29,0-1 0,0 1 0,1-1 0,-1 0 0,1 0 0,0 0 0,0 0 0,1-1 0,-1 1 0,1-1 0,0 0 0,-1-1 0,1 1 0,0-1 1,1 0-1,-1 0 0,0 0 0,1-1 0,-1 0 0,1 0 0,0 0-29,21 2 443,0-1 0,1-2 1,25-1-444,-6-1 184,-34 1-108,-1-2 1,1 1-1,-1-1 1,0-1-1,0 0 1,10-5-77,21-7 317,-31 11-320,-1 0 0,0-1-1,-1 0 1,0-1 0,0 0 0,0 0 0,-1-1 0,0 0-1,0-1 1,-1 0 0,3-4 3,16-16 48,-22 23-57,0 0 1,-1 0-1,0-1 0,0 1 0,-1-1 1,0 0-1,0 0 0,-1 0 0,1 0 1,-2-1-1,1 1 0,-1 0 0,0-1 0,0 0 9,1-27 275,-1 0 0,-3-19-275,1 3 376,-1 44-325,1 1-1,-1 0 0,0 0 1,0 0-1,0 0 1,-1 0-1,0 0 1,0 1-1,-3-4-50,-10-23 424,12 25-341,1 0 0,-1 0 0,0 0 0,0 1 0,0 0 0,-1-1 0,0 2 0,-1-1 0,1 1 0,-1-1 0,0 2 0,0-1 0,-1 1 0,0-1-1,1 2 1,-1-1 0,0 1 0,-1 0 0,1 1 0,0-1 0,-1 2 0,0-1 0,-1 1-83,-21-4-20,-1 2 0,0 1 1,-1 2-1,1 1 0,-5 1 20,21 0-791,1 0 0,-1 0 0,1 2 0,0 0 0,0 0 0,0 1 791,-30 15-8303</inkml:trace>
-</inkml:ink>
-</file>
-
-<file path=ppt/ink/ink116.xml><?xml version="1.0" encoding="utf-8"?>
-<inkml:ink xmlns:inkml="http://www.w3.org/2003/InkML">
-  <inkml:definitions>
-    <inkml:context xml:id="ctx0">
-      <inkml:inkSource xml:id="inkSrc0">
-        <inkml:traceFormat>
-          <inkml:channel name="X" type="integer" min="-2.14748E9" max="2.14748E9" units="cm"/>
-          <inkml:channel name="Y" type="integer" min="-2.14748E9" max="2.14748E9" units="cm"/>
-          <inkml:channel name="F" type="integer" max="32767" units="dev"/>
-        </inkml:traceFormat>
-        <inkml:channelProperties>
-          <inkml:channelProperty channel="X" name="resolution" value="1000" units="1/cm"/>
-          <inkml:channelProperty channel="Y" name="resolution" value="1000" units="1/cm"/>
-          <inkml:channelProperty channel="F" name="resolution" value="0" units="1/dev"/>
-        </inkml:channelProperties>
-      </inkml:inkSource>
-      <inkml:timestamp xml:id="ts0" timeString="2020-09-20T14:05:38.974"/>
-    </inkml:context>
-    <inkml:brush xml:id="br0">
-      <inkml:brushProperty name="width" value="0.1" units="cm"/>
-      <inkml:brushProperty name="height" value="0.1" units="cm"/>
-      <inkml:brushProperty name="color" value="#5B2D90"/>
-    </inkml:brush>
-  </inkml:definitions>
-  <inkml:trace contextRef="#ctx0" brushRef="#br0">449 10 2593,'0'0'3135,"0"0"-1099,0 0-409,0 0-616,0 0-477,0 0-110,0 0 85,0 0 38,0 0 168,0 0 75,0 0 45,0 0 0,0 0 14,0 0 79,0 0 30,0 0-235,0 0-278,0 0-194,0 0-83,0 0-75,-24 6-10,-29 10-44,-35 8-819,65-21 692,1 0 0,0 2 0,0 1 1,0 1-1,1 0 0,0 2 0,1 0 1,-1 2-1,-5 4 88,21-12-12,-1 1-7,0-1 1,0 1-1,1 1 0,-1-1 1,1 1-1,0-1 0,-1 3 19,4-4-3,0 1 1,1-1-1,-1 1 0,1 0 0,-1 0 0,1 0 1,0-1-1,1 1 0,-1 0 0,1 0 1,-1 0-1,1 0 0,1 4 3,-2 3 55,1 0-1,1 1 1,0-1 0,1 0 0,0 0-1,0 0 1,1 0 0,1 0-1,0 0 1,1 1-55,22 51 215,-3-7 175,2-1 0,4 3-390,25 19 814,-52-73-731,1 0 0,0 0 0,1 0 0,-1-1 0,0 1 0,1-1 0,0-1 0,0 1 0,-1 0 0,2-1 0,-1 0 0,0 0 1,0-1-1,2 1-83,77 13 516,-82-15-525,10 2 33,0-1 1,0-1-1,0 0 0,0-1 1,0 0-1,0-1 1,0 0-1,0-1 0,0-1 1,-1 1-1,1-2 1,-1 0-1,0 0 0,2-2-24,5-2 8,10-4-20,-1-2 1,-1 0 0,6-6 11,-25 15-6,1 0 1,0 0-1,-1-1 1,-1 0-1,1-1 1,-1 0-1,0 1 0,-1-2 1,0 1-1,0-1 1,-1 0-1,1-1 6,4-21-8,0-1 1,-2 0-1,-2 0 1,-1 0-1,-1-1 0,-2 1 1,-2-16 7,0 41 9,0 1 0,0 0 0,-1-1-1,0 1 1,-1 0 0,1 0 0,-1 0 0,0 1 0,-1-1 0,1 1 0,-2-1-9,-44-57 470,39 54-383,1 0 0,-1 1-1,-1 0 1,1 0 0,-1 1 0,-1 1 0,1 0-1,-1 1 1,0 0 0,-1 0 0,1 2 0,-1-1-1,-3 1-86,-14-3-38,0 2 0,0 1-1,0 1 1,0 2-1,-8 1 39,27 0-416,0 1-1,0 0 0,0 0 0,1 1 0,-1 0 0,1 1 0,0 1 1,-3 1 416,-43 23-5051</inkml:trace>
-</inkml:ink>
-</file>
-
-<file path=ppt/ink/ink117.xml><?xml version="1.0" encoding="utf-8"?>
-<inkml:ink xmlns:inkml="http://www.w3.org/2003/InkML">
-  <inkml:definitions>
-    <inkml:context xml:id="ctx0">
-      <inkml:inkSource xml:id="inkSrc0">
-        <inkml:traceFormat>
-          <inkml:channel name="X" type="integer" min="-2.14748E9" max="2.14748E9" units="cm"/>
-          <inkml:channel name="Y" type="integer" min="-2.14748E9" max="2.14748E9" units="cm"/>
-          <inkml:channel name="F" type="integer" max="32767" units="dev"/>
-        </inkml:traceFormat>
-        <inkml:channelProperties>
-          <inkml:channelProperty channel="X" name="resolution" value="1000" units="1/cm"/>
-          <inkml:channelProperty channel="Y" name="resolution" value="1000" units="1/cm"/>
-          <inkml:channelProperty channel="F" name="resolution" value="0" units="1/dev"/>
-        </inkml:channelProperties>
-      </inkml:inkSource>
-      <inkml:timestamp xml:id="ts0" timeString="2020-09-20T14:06:18.732"/>
-    </inkml:context>
-    <inkml:brush xml:id="br0">
-      <inkml:brushProperty name="width" value="0.1" units="cm"/>
-      <inkml:brushProperty name="height" value="0.1" units="cm"/>
-      <inkml:brushProperty name="color" value="#5B2D90"/>
-    </inkml:brush>
-  </inkml:definitions>
-  <inkml:trace contextRef="#ctx0" brushRef="#br0">283 40 4562,'0'0'2756,"0"0"-854,0 0 238,0 0-523,0 0-452,0 0 143,0 0 271,0 0-112,-2 1 5183,-13 6-7006,-45 11 13,36-12 236,1 1 0,0 1 0,0 1 0,-4 4 107,22-11-17,-1 1 0,1 0 0,0 0 0,0 0 1,0 1-1,1 0 0,-1 0 0,1 0 0,0 1 0,0-1 0,0 1 0,1 0 0,-1 0 0,1 1 1,0-1-1,1 1 0,-1 0 0,1 0 0,0 0 0,0 0 0,1 0 0,-1 0 0,1 0 0,0 1 1,1-1-1,0 1 0,0 1 17,0 5 13,-1 17-2,2 1 0,4 24-11,-3-44 16,0 0 0,1-1 0,0 1 0,0-1 0,1 0 0,0 0 0,1 0 0,0-1 0,4 7-16,4 4 19,-3-4 132,1 0 0,0-1 0,4 3-151,-9-12 80,0 0 1,0 0 0,0-1-1,1 0 1,0-1 0,0 0-1,0 0 1,0 0-1,2-1-80,18 7 149,0-2-1,1-1 0,0-1 0,0-2 0,12 0-148,36-1 316,31-4-316,-92-1-2,1-1 0,-1-1 0,0 0 0,0-1 1,-1-1-1,1-1 0,-1 0 0,0 0 0,-1-2 0,10-7 2,-13 6-14,0-1-1,0 1 0,-1-2 1,-1 1-1,0-1 0,0-1 1,-1 1-1,-1-2 0,0 1 0,0-1 1,-1 0-1,-1 0 0,0 0 1,-1-1 14,-1-3-13,-1-1 0,0 0 0,-1 0 0,-2-1 13,1-22 17,1 32-14,-1 0 1,0 1-1,0-1 0,-1 1 1,0-1-1,-1 1 0,0 0 0,0 0 1,-1 0-1,0 1 0,0-1 1,-1 1-1,0 0 0,0 0 0,-3-2-3,0 0 2,0 1 0,-1 0 0,0 1 0,-1 0 0,1 0-1,-1 1 1,0 1 0,-1 0 0,0 0 0,0 1 0,-3-1-3,-11-2-55,0 2 0,0 0-1,-1 1 1,1 2-1,-1 1 1,0 2-1,1 0 1,-1 2 0,-12 3 56,9 0-772,-1 2 0,1 1 0,0 2 0,1 0 0,0 3 772,-76 40-5848</inkml:trace>
-</inkml:ink>
-</file>
-
-<file path=ppt/ink/ink118.xml><?xml version="1.0" encoding="utf-8"?>
-<inkml:ink xmlns:inkml="http://www.w3.org/2003/InkML">
-  <inkml:definitions>
-    <inkml:context xml:id="ctx0">
-      <inkml:inkSource xml:id="inkSrc0">
-        <inkml:traceFormat>
-          <inkml:channel name="X" type="integer" min="-2.14748E9" max="2.14748E9" units="cm"/>
-          <inkml:channel name="Y" type="integer" min="-2.14748E9" max="2.14748E9" units="cm"/>
-          <inkml:channel name="F" type="integer" max="32767" units="dev"/>
-        </inkml:traceFormat>
-        <inkml:channelProperties>
-          <inkml:channelProperty channel="X" name="resolution" value="1000" units="1/cm"/>
-          <inkml:channelProperty channel="Y" name="resolution" value="1000" units="1/cm"/>
-          <inkml:channelProperty channel="F" name="resolution" value="0" units="1/dev"/>
-        </inkml:channelProperties>
-      </inkml:inkSource>
-      <inkml:timestamp xml:id="ts0" timeString="2020-09-20T14:16:16.877"/>
-    </inkml:context>
-    <inkml:brush xml:id="br0">
-      <inkml:brushProperty name="width" value="0.1" units="cm"/>
-      <inkml:brushProperty name="height" value="0.1" units="cm"/>
-      <inkml:brushProperty name="color" value="#5B2D90"/>
-    </inkml:brush>
-  </inkml:definitions>
-  <inkml:trace contextRef="#ctx0" brushRef="#br0">1 78 6403,'0'0'5312,"0"0"-3138,0 0-64,0 0-205,0 0-1032,0 0-198,0 0 197,0 0 64,0 0 140,0 0-9,0 0-291,0 0-176,0 16 718,2 30-1171,2 0 0,2 0-1,2-1 1,2 0 0,15 41-147,-17-53-135,-1 1 1,-2 0 0,-2 0-1,-1 1 1,-2 27 134,0-61-571,0-10-1774,-2-73-56,-1 47 1942,3-1-1,1 0 1,1 0-1,2 1 0,6-21 460,-2 22-150,28-93-855,-32 114 830,1 0 1,1 1-1,0 0 0,0 0 0,1 0 1,1 1-1,0 0 0,3-2 175,-9 11 15,0-1 1,0 1-1,0 0 0,1 0 0,-1 0 0,1 0 0,-1 0 0,1 1 0,0-1 0,0 1 1,0 0-1,0 0 0,0 0 0,0 0 0,0 0 0,0 1 0,3-1-15,-4 1 100,0 1-1,1-1 0,-1 1 0,0-1 1,0 1-1,0 0 0,1 0 0,-1 0 1,0 0-1,0 0 0,0 0 0,-1 1 1,1-1-1,0 1 0,0-1 0,-1 1 1,1 0-1,-1 0 0,1 0 0,-1-1 1,0 1-1,0 1 0,0-1-99,32 60 1297,-4 2 0,-2 2 0,10 41-1297,-9-26 404,-9-7-171,-21-68-2080,-9-9 1137,-11-10 257,17 7 257,0 0 0,0 0 0,1-1 0,0 1-1,0-1 1,0 0 0,1-1 0,0 1 0,0-1 0,1 1 0,0-1-1,1 0 1,-1-3 196,-1-18-741,0 0 1,3-30 740,0 38-88,1 5 67,0 1 0,1-1 1,0 1-1,1 0 0,1 0 0,1 0 0,6-14 21,-7 19 33,1 0-1,0 1 0,0 0 0,1-1 0,0 2 0,1-1 0,0 1 1,0 0-1,1 0 0,0 1 0,8-6-32,-14 12 162,0 0-1,1 0 0,-1 0 1,0 0-1,1 0 1,-1 0-1,0 1 1,1-1-1,-1 1 1,1 0-1,-1 0 1,1 0-1,-1 0 1,1 0-1,-1 1 1,0-1-1,1 1 1,-1-1-1,1 1 0,-1 0 1,0 0-1,0 0 1,1 0-1,-1 0 1,0 1-1,0-1 1,0 1-1,0-1 1,0 1-1,-1 0 1,2 0-162,8 10 295,0-1 0,-1 2 0,0 0 0,5 8-295,-4-5 364,28 43 398,-3 2 0,-3 1 0,1 9-762,-21-46 19,-8-14-278,17 41 432,-16-16-5148,-6-27-1399</inkml:trace>
-</inkml:ink>
-</file>
-
-<file path=ppt/ink/ink119.xml><?xml version="1.0" encoding="utf-8"?>
-<inkml:ink xmlns:inkml="http://www.w3.org/2003/InkML">
-  <inkml:definitions>
-    <inkml:context xml:id="ctx0">
-      <inkml:inkSource xml:id="inkSrc0">
-        <inkml:traceFormat>
-          <inkml:channel name="X" type="integer" min="-2.14748E9" max="2.14748E9" units="cm"/>
-          <inkml:channel name="Y" type="integer" min="-2.14748E9" max="2.14748E9" units="cm"/>
-          <inkml:channel name="F" type="integer" max="32767" units="dev"/>
-        </inkml:traceFormat>
-        <inkml:channelProperties>
-          <inkml:channelProperty channel="X" name="resolution" value="1000" units="1/cm"/>
-          <inkml:channelProperty channel="Y" name="resolution" value="1000" units="1/cm"/>
-          <inkml:channelProperty channel="F" name="resolution" value="0" units="1/dev"/>
-        </inkml:channelProperties>
-      </inkml:inkSource>
-      <inkml:timestamp xml:id="ts0" timeString="2020-09-20T14:16:17.941"/>
-    </inkml:context>
-    <inkml:brush xml:id="br0">
-      <inkml:brushProperty name="width" value="0.1" units="cm"/>
-      <inkml:brushProperty name="height" value="0.1" units="cm"/>
-      <inkml:brushProperty name="color" value="#5B2D90"/>
-    </inkml:brush>
-  </inkml:definitions>
-  <inkml:trace contextRef="#ctx0" brushRef="#br0">343 1 6995,'0'0'6227,"0"0"-2553,0 0-481,0 0-1413,0 0-999,0 0-468,-16 0-100,15 0-211,-44 0-72,-1 2 0,-22 4 70,53-4-70,1 1 0,-1 1 0,1 0 0,0 1 0,0 0 0,1 1 0,0 0 0,0 1 0,-11 9 70,22-13 21,-1 0 1,2 0 0,-1 1 0,0-1 0,1 0 0,-1 1 0,1 0 0,0-1-1,0 1 1,1 0 0,-1 0 0,1-1 0,0 1 0,-1 0 0,2 3-22,-1 4 86,0 0-1,1-1 1,0 1 0,0 0 0,3 7-86,7 13 107,4 14-16,-2 0 0,-1 1-1,-2 8-90,2 32 279,-6-24-53,4-1-1,2-1 0,10 28-225,-18-80 20,0 0-1,1 0 1,0-1-1,0 1 1,0-1-1,1 0 1,0 0-1,1-1 1,-1 0 0,1 0-1,1-1 1,-1 1-1,1-2 1,-1 1-1,1-1 1,1 0-1,-1-1 1,0 0-1,1 0 1,0 0-1,0-1 1,0-1-1,-1 0 1,1 0-1,5 0-19,33-2-1034,0-2 0,0-1 0,32-9 1034,-39 7-3773,-10 5-2702</inkml:trace>
-</inkml:ink>
-</file>
-
-<file path=ppt/ink/ink12.xml><?xml version="1.0" encoding="utf-8"?>
+<file path=ppt/ink/ink26.xml><?xml version="1.0" encoding="utf-8"?>
 <inkml:ink xmlns:inkml="http://www.w3.org/2003/InkML">
   <inkml:definitions>
     <inkml:context xml:id="ctx0">
@@ -904,286 +2105,7 @@
 </inkml:ink>
 </file>
 
-<file path=ppt/ink/ink120.xml><?xml version="1.0" encoding="utf-8"?>
-<inkml:ink xmlns:inkml="http://www.w3.org/2003/InkML">
-  <inkml:definitions>
-    <inkml:context xml:id="ctx0">
-      <inkml:inkSource xml:id="inkSrc0">
-        <inkml:traceFormat>
-          <inkml:channel name="X" type="integer" min="-2.14748E9" max="2.14748E9" units="cm"/>
-          <inkml:channel name="Y" type="integer" min="-2.14748E9" max="2.14748E9" units="cm"/>
-          <inkml:channel name="F" type="integer" max="32767" units="dev"/>
-        </inkml:traceFormat>
-        <inkml:channelProperties>
-          <inkml:channelProperty channel="X" name="resolution" value="1000" units="1/cm"/>
-          <inkml:channelProperty channel="Y" name="resolution" value="1000" units="1/cm"/>
-          <inkml:channelProperty channel="F" name="resolution" value="0" units="1/dev"/>
-        </inkml:channelProperties>
-      </inkml:inkSource>
-      <inkml:timestamp xml:id="ts0" timeString="2020-09-20T14:16:18.931"/>
-    </inkml:context>
-    <inkml:brush xml:id="br0">
-      <inkml:brushProperty name="width" value="0.1" units="cm"/>
-      <inkml:brushProperty name="height" value="0.1" units="cm"/>
-      <inkml:brushProperty name="color" value="#5B2D90"/>
-    </inkml:brush>
-  </inkml:definitions>
-  <inkml:trace contextRef="#ctx0" brushRef="#br0">0 0 8420,'0'0'5082,"0"0"-2387,0 0 242,25 8-1494,80 25-1146,-87-29-252,1 0 0,1-2 0,-1 0 0,0-1 1,0-1-1,1-1 0,5-1-45,18 0 57,57-13-209,-99 15-128,-1 0 96,0 4 194,-1 14 204,1 0 0,0 0 0,1 1 0,2-1 0,-1 0 0,2 0 0,1 0-1,0-1 1,1 0 0,0 0 0,2 0 0,6 9-214,20 25 602,4-3 0,1-1 1,37 34-603,-24-27 71,-3 3 1,4 10-72,-47-59-19,0 0 0,-1 1 0,0 0 0,-1 0 0,0 0 0,0 1 0,-1-1 0,0 1 0,-1 0 0,0 0 0,0 0 0,-1 0 0,0 0 0,-1 0 0,-1 3 19,1-11-20,-1 1 0,1-1 0,-1 1 0,0-1 0,0 0 0,0 1 1,-1-1-1,1 0 0,0 0 0,-1 0 0,1 0 0,-1 0 0,0 0 0,0 0 1,1-1-1,-1 1 0,-1-1 0,1 1 0,0-1 0,0 0 0,0 1 0,-1-1 1,1-1-1,0 1 0,-1 0 0,-2 0 20,-8 3-32,-1-2-1,0 1 1,0-2 0,-8 1 32,-51 2-87,1-3 1,0-3-1,0-4 0,-21-5 87,91 10-46,-3 1-245,0-1 0,0 0-1,0 0 1,0 0 0,1-1 0,-1 0 0,0 0-1,1 0 1,0 0 0,-1-1 0,0 0 291,5 3-93,0 0-1,0 0 1,-1-1 0,1 1 0,0 0-1,0 0 1,0 0 0,0 0 0,0 0 0,0-1-1,-1 1 1,1 0 0,0 0 0,0 0 0,0-1-1,0 1 1,0 0 0,0 0 0,0 0-1,0-1 1,0 1 0,0 0 0,0 0 0,0 0-1,0-1 1,0 1 0,0 0 0,0 0 0,0 0-1,0-1 1,0 1 0,0 0 0,0 0-1,0 0 1,1-1 0,-1 1 0,0 0 0,0 0-1,0 0 1,0 0 0,0-1 0,0 1-1,1 0 1,-1 0 0,0 0 0,0 0 0,0 0-1,0 0 1,1 0 0,-1-1 93,20-5-7246</inkml:trace>
-</inkml:ink>
-</file>
-
-<file path=ppt/ink/ink121.xml><?xml version="1.0" encoding="utf-8"?>
-<inkml:ink xmlns:inkml="http://www.w3.org/2003/InkML">
-  <inkml:definitions>
-    <inkml:context xml:id="ctx0">
-      <inkml:inkSource xml:id="inkSrc0">
-        <inkml:traceFormat>
-          <inkml:channel name="X" type="integer" min="-2.14748E9" max="2.14748E9" units="cm"/>
-          <inkml:channel name="Y" type="integer" min="-2.14748E9" max="2.14748E9" units="cm"/>
-          <inkml:channel name="F" type="integer" max="32767" units="dev"/>
-        </inkml:traceFormat>
-        <inkml:channelProperties>
-          <inkml:channelProperty channel="X" name="resolution" value="1000" units="1/cm"/>
-          <inkml:channelProperty channel="Y" name="resolution" value="1000" units="1/cm"/>
-          <inkml:channelProperty channel="F" name="resolution" value="0" units="1/dev"/>
-        </inkml:channelProperties>
-      </inkml:inkSource>
-      <inkml:timestamp xml:id="ts0" timeString="2020-09-20T14:16:20.679"/>
-    </inkml:context>
-    <inkml:brush xml:id="br0">
-      <inkml:brushProperty name="width" value="0.1" units="cm"/>
-      <inkml:brushProperty name="height" value="0.1" units="cm"/>
-      <inkml:brushProperty name="color" value="#5B2D90"/>
-    </inkml:brush>
-  </inkml:definitions>
-  <inkml:trace contextRef="#ctx0" brushRef="#br0">439 148 5923,'0'0'3388,"0"0"-1809,0 0 345,0 0-604,0 0-549,0 0 513,0 0 260,0 0-367,0 0-241,-11 0 284,-6 0-967,-2-1-196,0 0-1,-1 2 1,1 0 0,0 1-1,0 1 1,0 1-1,0 1 1,1 0-1,0 2 1,-5 2-57,9-2 11,0 1 0,1 1 0,0 0 0,1 1 0,0 0 0,0 1 0,1 0 0,1 1-1,0 0 1,0 0 0,1 1 0,1 1 0,0 0 0,1 0 0,1 0 0,0 1 0,0 0 0,2 0 0,0 0 0,1 0 0,0 1 0,1 0 0,1-1 0,0 1 0,2 0 0,1 14-11,-1-22 6,1-1 0,0 1 0,1-1-1,-1 0 1,2 0 0,-1 0 0,1 0 0,-1-1 0,2 1-1,-1-1 1,1 0 0,0 0 0,0-1 0,1 0-1,0 1 1,0-2 0,0 1 0,0-1 0,1 0 0,-1 0-1,2 0-5,11 5-14,0 0-1,1-1 0,0-1 0,0-1 0,1 0 1,0-2-1,2 0 15,12 0-6,0-1 0,0-3 0,-1 0 0,1-2 0,0-2 0,-1-1 0,0-2 0,0-1-1,0-1 1,-1-2 0,-1-2 0,0-1 0,-1-1 0,0-1 0,-1-2 0,-1-1 0,-1-2 0,-1 0 0,24-26 6,-42 37-3,0 0 0,-1 0 0,0-1 0,-1 0 0,0-1 0,-1 0 0,0 0 0,-1 0 0,0-1 0,-1 0 0,0 1 0,0-8 3,-3 11-10,1 1 1,-2 0-1,1-1 1,-1 1-1,-1 0 1,1-1-1,-1 1 1,-1 0-1,0 0 1,0 0-1,0 0 0,-1 0 1,0 0-1,-1 0 1,0 1-1,0 0 1,0 0-1,-1 0 1,0 0-1,-1 0 10,-10-9-33,-1 0 0,0 1 0,-2 1 0,1 1 0,-1 1 0,-1 0 0,0 1 0,-1 1 0,0 2 0,-1 0 0,-11-3 33,-10 0-463,0 2 1,0 2-1,-1 1 1,0 3-1,-20 1 463,27 2-1293,0 1-1,0 2 0,0 2 0,0 1 0,0 2 0,1 1 0,-5 4 1294,-97 44-8289</inkml:trace>
-</inkml:ink>
-</file>
-
-<file path=ppt/ink/ink122.xml><?xml version="1.0" encoding="utf-8"?>
-<inkml:ink xmlns:inkml="http://www.w3.org/2003/InkML">
-  <inkml:definitions>
-    <inkml:context xml:id="ctx0">
-      <inkml:inkSource xml:id="inkSrc0">
-        <inkml:traceFormat>
-          <inkml:channel name="X" type="integer" min="-2.14748E9" max="2.14748E9" units="cm"/>
-          <inkml:channel name="Y" type="integer" min="-2.14748E9" max="2.14748E9" units="cm"/>
-          <inkml:channel name="F" type="integer" max="32767" units="dev"/>
-        </inkml:traceFormat>
-        <inkml:channelProperties>
-          <inkml:channelProperty channel="X" name="resolution" value="1000" units="1/cm"/>
-          <inkml:channelProperty channel="Y" name="resolution" value="1000" units="1/cm"/>
-          <inkml:channelProperty channel="F" name="resolution" value="0" units="1/dev"/>
-        </inkml:channelProperties>
-      </inkml:inkSource>
-      <inkml:timestamp xml:id="ts0" timeString="2020-09-20T14:19:10.031"/>
-    </inkml:context>
-    <inkml:brush xml:id="br0">
-      <inkml:brushProperty name="width" value="0.1" units="cm"/>
-      <inkml:brushProperty name="height" value="0.1" units="cm"/>
-      <inkml:brushProperty name="color" value="#5B2D90"/>
-    </inkml:brush>
-  </inkml:definitions>
-  <inkml:trace contextRef="#ctx0" brushRef="#br0">292 19 1969,'0'0'1537,"0"0"-139,0 0-403,0 0-432,0 0-113,0 0-15,0 0-21,0 0-102,0 0-120,0 0-5,0 0 2,0 0-13,0 0-5,0 0 56,0 0 146,0 0 204,0 0 207,0 0-18,0 0-43,0 0-78,0 0-84,0 0-137,0 0-128,0 0-144,-23 13-427,13-9 248,1 2 0,-1-1 0,1 1 0,1 1 0,-1-1 0,1 1 0,0 1-1,1 0 1,0 0 0,0 0 0,1 1 0,0 0 0,-2 3 27,2 1 32,0 0 0,1 0 0,0 1 0,1 0 0,1 0 0,0 0 1,1 1-1,0-1 0,1 1 0,1 6-32,-3 14-30,-1 45-663,4 39 693,1-50 10,1-50 66,2-1 0,0 0 0,1 0 0,1 0 1,1-1-1,0 0 0,1 0 0,8 11-76,-9-13 143,-3-8 14,0-1 0,1 1 0,-1-1 0,1 0 1,0 0-1,1 0 0,0-1 0,0 0 0,0 0 0,0 0 0,1-1 0,-1 0 0,1 0 0,0 0 0,1-1 0,-1 0 0,0-1 1,1 0-1,0 0 0,3 0-157,19 2 417,0-1 0,0-1 0,1-2 0,20-2-417,-44 1 9,-1 0 0,1-1-1,-1 0 1,1 0 0,-1 0-1,0 0 1,0-1 0,0 0-1,0-1 1,-1 1 0,1-1-1,-1 0 1,0-1 0,0 1-1,0-1-8,15-16 37,-1-1-1,15-21-36,-22 28-5,-1 1 20,-1 0 0,0 0 0,-1-1 0,0 0 0,-2 0 0,0-1 0,0 0 0,-1-1 0,-1 1 0,-1-1 0,-1 0 0,0 0 0,0-11-15,-2-26 182,0 27-99,-1 1 0,-1-1-1,-2-7-82,1 24 39,0-1 0,0 1 0,-1 0 0,-1 1-1,0-1 1,0 0 0,-1 1 0,0 0 0,0 0 0,-4-3-39,-14-20 213,-2 0 0,-1 2 1,-27-24-214,43 46 26,0 0-1,0 0 1,0 1 0,-1 0 0,0 1-1,-1 0 1,1 1 0,-1 0-1,0 1 1,0 0 0,-1 1 0,1 1-1,-1 0 1,-4 0-26,-11 0-282,0 2 0,0 1 0,0 1-1,0 2 1,1 0 0,-12 5 282,15-2-1576,1 0-1,0 2 1,0 1 0,-14 9 1576,-34 24-7734</inkml:trace>
-</inkml:ink>
-</file>
-
-<file path=ppt/ink/ink123.xml><?xml version="1.0" encoding="utf-8"?>
-<inkml:ink xmlns:inkml="http://www.w3.org/2003/InkML">
-  <inkml:definitions>
-    <inkml:context xml:id="ctx0">
-      <inkml:inkSource xml:id="inkSrc0">
-        <inkml:traceFormat>
-          <inkml:channel name="X" type="integer" min="-2.14748E9" max="2.14748E9" units="cm"/>
-          <inkml:channel name="Y" type="integer" min="-2.14748E9" max="2.14748E9" units="cm"/>
-          <inkml:channel name="F" type="integer" max="32767" units="dev"/>
-        </inkml:traceFormat>
-        <inkml:channelProperties>
-          <inkml:channelProperty channel="X" name="resolution" value="1000" units="1/cm"/>
-          <inkml:channelProperty channel="Y" name="resolution" value="1000" units="1/cm"/>
-          <inkml:channelProperty channel="F" name="resolution" value="0" units="1/dev"/>
-        </inkml:channelProperties>
-      </inkml:inkSource>
-      <inkml:timestamp xml:id="ts0" timeString="2020-09-20T14:19:31.693"/>
-    </inkml:context>
-    <inkml:brush xml:id="br0">
-      <inkml:brushProperty name="width" value="0.1" units="cm"/>
-      <inkml:brushProperty name="height" value="0.1" units="cm"/>
-      <inkml:brushProperty name="color" value="#5B2D90"/>
-    </inkml:brush>
-  </inkml:definitions>
-  <inkml:trace contextRef="#ctx0" brushRef="#br0">482 9 720,'0'0'1454,"0"0"-491,0 0-237,0 0-11,0 0-37,0 0-118,-15 3 339,-7 1 478,1 2 0,-1 0 1,1 2-1,0 0 0,-12 8-1377,18-8 219,-7 3-176,1 0 1,0 2 0,1 0-1,0 1 1,1 1-1,1 1 1,0 1-1,2 0 1,-15 19-44,13-10 82,1 1 0,1 0 1,-7 18-83,17-31 71,1 0 0,0 0 0,2 1 0,-1-1 1,2 1-1,0 0 0,0 0 0,1 9-71,1-2 154,-1-12-90,1-1 0,0 1-1,0-1 1,1 1-1,1-1 1,-1 0-1,1 1 1,1-1-1,0 0 1,1 3-64,5 5 98,0 0 1,1-1-1,0-1 1,2 1-1,0-2 1,0 0-1,1 0 1,1-1-1,0-1 1,1 0-1,1-1 1,-1 0-1,16 6-98,-7-7 124,0 0 0,1-2-1,0-1 1,0-1-1,1-1 1,0-1-1,5-1-123,32 0 216,1-2 0,22-5-216,-69 2 94,-1-1-1,1 0 0,-1-1 1,0-1-1,0-1 1,0 0-1,-1-1 0,0-1 1,5-3-94,1-1 65,-1-1 0,-1-1-1,0-1 1,-1-1 0,-1 0 0,5-7-65,-13 12 9,-1 1 0,0-1 0,-1-1-1,-1 1 1,1-1 0,-2-1 0,0 1 0,0-1 0,-1 1 0,-1-1 0,1-8-9,1-18 17,-1 1 1,-3-1 0,-1-12-18,0 23 9,-1 12-12,0 1-1,-1-1 1,-1 0-1,0 1 1,-1 0-1,-1 0 1,0 0-1,-2 0 1,1 1-1,-1 0 1,-1 0-1,-1 1 1,0 0-1,-1 0 1,0 1 0,0 1-1,-2-1 1,1 2-1,-1-1 1,-1 2-1,0 0 1,0 0-1,-1 1 1,0 1-1,0 0 1,-1 1-1,0 1 1,0 0-1,0 1 1,-5 0 3,-14-3-348,-1 2 1,0 2-1,0 1 1,0 1-1,-1 3 0,-27 4 348,26-1-1661,0 3 0,1 1-1,-33 12 1662,-96 47-9121</inkml:trace>
-</inkml:ink>
-</file>
-
-<file path=ppt/ink/ink124.xml><?xml version="1.0" encoding="utf-8"?>
-<inkml:ink xmlns:inkml="http://www.w3.org/2003/InkML">
-  <inkml:definitions>
-    <inkml:context xml:id="ctx0">
-      <inkml:inkSource xml:id="inkSrc0">
-        <inkml:traceFormat>
-          <inkml:channel name="X" type="integer" min="-2.14748E9" max="2.14748E9" units="cm"/>
-          <inkml:channel name="Y" type="integer" min="-2.14748E9" max="2.14748E9" units="cm"/>
-          <inkml:channel name="F" type="integer" max="32767" units="dev"/>
-        </inkml:traceFormat>
-        <inkml:channelProperties>
-          <inkml:channelProperty channel="X" name="resolution" value="1000" units="1/cm"/>
-          <inkml:channelProperty channel="Y" name="resolution" value="1000" units="1/cm"/>
-          <inkml:channelProperty channel="F" name="resolution" value="0" units="1/dev"/>
-        </inkml:channelProperties>
-      </inkml:inkSource>
-      <inkml:timestamp xml:id="ts0" timeString="2020-09-20T14:20:04.421"/>
-    </inkml:context>
-    <inkml:brush xml:id="br0">
-      <inkml:brushProperty name="width" value="0.1" units="cm"/>
-      <inkml:brushProperty name="height" value="0.1" units="cm"/>
-      <inkml:brushProperty name="color" value="#5B2D90"/>
-    </inkml:brush>
-  </inkml:definitions>
-  <inkml:trace contextRef="#ctx0" brushRef="#br0">297 13 1489,'0'0'1195,"0"0"214,0 0-65,0 0-173,0 0-69,0 0-109,0 0-108,0 0 12,0 0 133,0 0 5,0 0-208,0 0-120,0 0 5,-38 30 1262,-18 7-2041,33-24-222,1 1 1,0 1-1,1 1 1,1 2 0,1-1-1,-9 12 289,13 3-180,5-7 45,7-17 84,1 0-1,-1 1 0,2-1 1,-1 0-1,1 1 0,0 0 1,1-1-1,0 1 0,0 5 52,-3 47-100,0-37 95,1 1 1,1-1 0,1 1-1,2 10 5,0 23 39,-1-52-36,0 1 0,0-1-1,1 0 1,-1 0 0,1-1-1,0 1 1,1 0 0,1 1-3,7 23-1,-7-21 41,-1 0 0,1 0 0,0 0 0,1-1 0,0 0 0,0 0 0,1 0 0,0 0-1,0-1 1,1 0 0,-1-1 0,2 1 0,-1-1 0,1 0 0,0-1 0,0 0 0,2 1-40,4 1 173,1-1 0,-1 0 1,1-1-1,0-1 0,0 0 1,0-1-1,0 0 1,1-2-1,-1 0 0,5 0-173,23 0 222,-31 0-174,0 0 0,0 0-1,0-1 1,0-1 0,1 0 0,-1-1-1,0 0 1,0-1 0,-1 0 0,1-1 0,-1 0-1,6-3-47,117-74 27,-114 67 121,-1-1 0,-1 0 0,0-2 0,-2 0 0,1-1 0,7-13-148,-16 18 31,1-2-1,-2 1 0,0-1 0,0-1 1,-2 1-1,3-11-30,-6 13-3,0-1 0,-2 1 1,1 0-1,-2-1 0,0 1 1,-2-11 2,1 16 0,-1 0-1,0 0 1,-1 0 0,0 1 0,0-1 0,-1 1-1,0 0 1,-1-2 0,-24-39 23,25 37 42,0 1-1,-1 0 1,0 0 0,-1 1-1,-6-6-64,-14-21 275,17 20-139,-2 0 0,0 1 0,-1 0 0,0 0 0,-1 2 0,-6-5-136,10 11 47,0 0 0,-1 0-1,0 1 1,0 1 0,0 0-1,-1 0 1,1 1 0,-1 1-1,0 0 1,-9-1-47,-27-6 114,22 5-76,0 1-1,0 0 1,-8 2-38,25 2-75,0 0 0,0 1 1,0 0-1,0 0 0,0 1 1,0 0-1,0 1 0,0 0 0,1 1 1,0-1-1,-5 4 75,-53 39-2687,-7 18-2974</inkml:trace>
-</inkml:ink>
-</file>
-
-<file path=ppt/ink/ink125.xml><?xml version="1.0" encoding="utf-8"?>
-<inkml:ink xmlns:inkml="http://www.w3.org/2003/InkML">
-  <inkml:definitions>
-    <inkml:context xml:id="ctx0">
-      <inkml:inkSource xml:id="inkSrc0">
-        <inkml:traceFormat>
-          <inkml:channel name="X" type="integer" min="-2.14748E9" max="2.14748E9" units="cm"/>
-          <inkml:channel name="Y" type="integer" min="-2.14748E9" max="2.14748E9" units="cm"/>
-          <inkml:channel name="F" type="integer" max="32767" units="dev"/>
-        </inkml:traceFormat>
-        <inkml:channelProperties>
-          <inkml:channelProperty channel="X" name="resolution" value="1000" units="1/cm"/>
-          <inkml:channelProperty channel="Y" name="resolution" value="1000" units="1/cm"/>
-          <inkml:channelProperty channel="F" name="resolution" value="0" units="1/dev"/>
-        </inkml:channelProperties>
-      </inkml:inkSource>
-      <inkml:timestamp xml:id="ts0" timeString="2020-09-20T14:22:54.708"/>
-    </inkml:context>
-    <inkml:brush xml:id="br0">
-      <inkml:brushProperty name="width" value="0.1" units="cm"/>
-      <inkml:brushProperty name="height" value="0.1" units="cm"/>
-      <inkml:brushProperty name="color" value="#5B2D90"/>
-    </inkml:brush>
-  </inkml:definitions>
-  <inkml:trace contextRef="#ctx0" brushRef="#br0">184 1 2161,'0'0'157,"0"0"337,0 0 394,0 0-39,0 0-78,0 0-8,0 0-64,-4 1-40,-5 4-438,-1-1 0,2 1 0,-1 1 0,0 0 0,1 0 1,0 1-1,1 0 0,-1 0 0,2 0 0,-1 1 0,1 0 0,0 1 0,0-1 1,1 1-1,0 0 0,1 1 0,0-1 0,0 1 0,1-1 0,-1 9-221,-5 17 102,3 0 1,0 1-1,3 0 0,1 0 0,1 15-102,3-38 6,0 0 0,0 0 1,1-1-1,1 0 0,0 1 1,1-1-1,0-1 0,4 8-6,8 10 1255,-13-20-850,1 0 0,0 0 0,1 0 0,0-1 1,0 0-1,0 0 0,1-1 0,1 0 1,-1 0-1,6 3-405,-6-5 184,1-1 0,-1-1 0,1 1 0,0-1 0,0-1 1,1 0-1,-1 0 0,0 0 0,1-1 0,5 0-184,18 0-29,0-1 0,7-2 29,-7 0 162,-20 1-172,-1 0 0,0-2 1,1 1-1,-1-1 0,0-1 1,-1 0-1,1-1 0,-1 0 1,0 0-1,0-1 0,0 0 1,-1-1-1,0 0 0,5-5 10,-4 2-12,0 0-1,0 0 0,-1-1 1,0 0-1,-1-1 0,-1 0 1,0 0-1,0 0 0,-1-1 1,-1 0-1,3-9 13,-2 0 60,0-1 0,-2 0 0,0 1 1,-1-7-61,-3 22 17,0-1-1,0 1 1,-1-1 0,0 1 0,0-1 0,-1 1 0,0-1 0,0 1 0,0 0 0,-1 0 0,0 0 0,-1 0 0,0 1-1,-3-5-16,-14-18 38,-1 1 0,-10-9-38,23 28-7,1 1 0,-1 0-1,-1 1 1,1 0 0,-1 1 0,-1 0 0,1 0-1,-1 1 1,-1 0 7,9 4 8,-23-10 0,-1 2 0,0 1 0,-4 0-8,21 7 1,0-1 0,0 1 0,-1 1 0,1 0 0,0 0 1,-1 1-1,1 1 0,0-1 0,0 2 0,-4 1-1,-92 34-887,38-4-2732,26-7-1354</inkml:trace>
-</inkml:ink>
-</file>
-
-<file path=ppt/ink/ink126.xml><?xml version="1.0" encoding="utf-8"?>
-<inkml:ink xmlns:inkml="http://www.w3.org/2003/InkML">
-  <inkml:definitions>
-    <inkml:context xml:id="ctx0">
-      <inkml:inkSource xml:id="inkSrc0">
-        <inkml:traceFormat>
-          <inkml:channel name="X" type="integer" min="-2.14748E9" max="2.14748E9" units="cm"/>
-          <inkml:channel name="Y" type="integer" min="-2.14748E9" max="2.14748E9" units="cm"/>
-          <inkml:channel name="F" type="integer" max="32767" units="dev"/>
-        </inkml:traceFormat>
-        <inkml:channelProperties>
-          <inkml:channelProperty channel="X" name="resolution" value="1000" units="1/cm"/>
-          <inkml:channelProperty channel="Y" name="resolution" value="1000" units="1/cm"/>
-          <inkml:channelProperty channel="F" name="resolution" value="0" units="1/dev"/>
-        </inkml:channelProperties>
-      </inkml:inkSource>
-      <inkml:timestamp xml:id="ts0" timeString="2020-09-20T14:24:48.265"/>
-    </inkml:context>
-    <inkml:brush xml:id="br0">
-      <inkml:brushProperty name="width" value="0.1" units="cm"/>
-      <inkml:brushProperty name="height" value="0.1" units="cm"/>
-      <inkml:brushProperty name="color" value="#5B2D90"/>
-    </inkml:brush>
-  </inkml:definitions>
-  <inkml:trace contextRef="#ctx0" brushRef="#br0">276 2 496,'0'0'1046,"0"0"101,0 0-8,0 0-376,0 0-96,0 0 302,-2 0 6824,-3 0-4054,-24-1-3962,20 1-74,1 1 0,0 0-1,-1 0 1,1 1 0,0 0 0,0 1-1,0-1 1,0 2 0,1-1 0,-1 1-1,1 0 1,0 0 0,0 1 0,0 0-1,1 1 1,-2 1 297,-2 3-44,1 0-1,-1 1 0,2 0 1,0 0-1,0 1 1,1 0-1,1 0 1,0 1-1,-1 3 45,-1 8 268,2 0 0,1 1-1,0-1 1,2 1 0,1 0 0,1 0 0,1 1-1,3 18-267,-1-29-285,0-1 0,1 1 0,1-1 0,0 0 0,1 0 0,1-1 0,0 0 0,0 0 0,1 0 1,1 0-1,5 5 285,-8-13 77,0 1 1,0-1 0,1-1 0,0 1 0,0-1 0,0 0 0,0-1 0,1 1 0,-1-1-1,1 0 1,1 0-78,78 16 3616,-26-7-2056,-53-10-1536,-1 0 0,1-1 1,0 0-1,-1-1 0,1 0 0,0 0 1,0 0-1,0-1 0,-1 1 1,1-2-1,0 1 0,-1-1 0,1 0 1,-1 0-1,0-1 0,0 0 1,0 0-1,0 0 0,0-1 1,-1 0-1,1 0 0,-1 0 0,0-1 1,0 0-1,-1 0 0,1 0 1,-1 0-1,3-6-24,65-93-181,-63 91 250,-1 1 0,0-1 1,-1-1-1,0 1 0,-1-1 1,-1-1-1,0 1 0,-1-1 1,0 1-1,-1-1 1,-1 0-1,0-1 0,-1-8-69,-1 9 0,0-3-5,0-1 0,-2 1 0,-1-10 5,2 23-1,0 0 1,-1 0-1,1-1 0,-1 1 0,0 0 0,0 1 0,-1-1 1,0 0-1,0 1 0,0-1 0,0 1 0,0 0 0,-1 0 1,0-1 0,-9-6-11,9 7 0,0 0 1,-1 0 0,1 0 0,-1 1 0,0 0 0,0 0 0,0 0 0,0 1 0,0-1 0,-1 1 10,-9-2 167,0 0 0,0 1 0,0 0 0,0 2 0,0 0-167,-54-9 154,46 4-378,-42-7 644,17 16-3265,18 4-2042</inkml:trace>
-</inkml:ink>
-</file>
-
-<file path=ppt/ink/ink127.xml><?xml version="1.0" encoding="utf-8"?>
-<inkml:ink xmlns:inkml="http://www.w3.org/2003/InkML">
-  <inkml:definitions>
-    <inkml:context xml:id="ctx0">
-      <inkml:inkSource xml:id="inkSrc0">
-        <inkml:traceFormat>
-          <inkml:channel name="X" type="integer" min="-2.14748E9" max="2.14748E9" units="cm"/>
-          <inkml:channel name="Y" type="integer" min="-2.14748E9" max="2.14748E9" units="cm"/>
-          <inkml:channel name="F" type="integer" max="32767" units="dev"/>
-        </inkml:traceFormat>
-        <inkml:channelProperties>
-          <inkml:channelProperty channel="X" name="resolution" value="1000" units="1/cm"/>
-          <inkml:channelProperty channel="Y" name="resolution" value="1000" units="1/cm"/>
-          <inkml:channelProperty channel="F" name="resolution" value="0" units="1/dev"/>
-        </inkml:channelProperties>
-      </inkml:inkSource>
-      <inkml:timestamp xml:id="ts0" timeString="2020-09-20T14:25:52.184"/>
-    </inkml:context>
-    <inkml:brush xml:id="br0">
-      <inkml:brushProperty name="width" value="0.1" units="cm"/>
-      <inkml:brushProperty name="height" value="0.1" units="cm"/>
-      <inkml:brushProperty name="color" value="#5B2D90"/>
-    </inkml:brush>
-  </inkml:definitions>
-  <inkml:trace contextRef="#ctx0" brushRef="#br0">256 0 2609,'0'0'1289,"0"0"392,0 0-123,0 0-531,0 0-72,0 0 8,0 0-19,-7 3 1652,-22 10-2206,11-4-534,-1 1 0,1 0 0,0 2 0,1 0 0,1 1 0,-3 3 144,10-9-270,1 2 1,0-1-1,0 1 0,1 0 0,0 1 0,1 0 1,0 0-1,1 0 0,0 1 0,0 0 1,-2 7 269,2 9-255,1 0 0,2 0 0,0 0 0,2 0 0,1 3 255,-1 1 301,12 54 264,-10-74-156,1 0 0,1 0 0,0 0 0,0 0 0,1-1 0,1 1 0,1 1-409,-5-8 309,1 0 0,0-1 0,0 1 0,0-1 0,0 1 0,1-1 0,0 0 0,-1 0 0,1 0 0,0-1-1,0 1 1,3 0-309,59 22 2211,-54-21-1798,0 0 0,0 0-1,0 2 1,0-1 0,7 6-413,-12-6 84,0-1-1,0-1 1,0 1-1,0-1 0,1-1 1,-1 1-1,1-1 1,0 0-1,0-1 1,-1 0-1,2 0-83,92-1 382,-46-2-417,-51 1 25,0 1-1,1-1 1,-1 0-1,0-1 1,1 1-1,-1-1 1,0 0-1,0 0 1,0 0-1,0 0 1,1-2 10,47-36 9,-24 18 78,-19 15-99,0-1 0,-1-1 0,1 0 0,-2 0 0,1 0 0,-1-1 0,-1 0 0,0-1 0,0 1-1,4-11 13,-1-2 24,-1 0 0,-1 0-1,-1-1 1,3-20-24,-8 32 12,0 1 1,-1 0-1,-1 0 1,0 0-1,0 0 1,-1 0 0,-1 0-1,0 0 1,0 1-1,-1-1 1,0 1-1,-1 0 1,0 0 0,-1 0-1,0 1 1,0 0-1,-1 0 1,0 0-1,-1 1 1,1 0-1,-2 1 1,1 0 0,-1 0-1,0 1-12,-22-15 126,-1 2 0,0 2 0,-1 1 0,-9-2-126,12 7-2,5 1 345,0 1 0,-1 2 0,-4-1-343,23 7-122,-1 0 0,0 0 0,1 0 1,-1 1-1,1 0 0,-1 1 0,0-1 0,1 1 0,-1 1 0,1 0 0,-1 0 1,1 0-1,-2 2 122,-36 21-5224,-5 9-7139</inkml:trace>
-</inkml:ink>
-</file>
-
-<file path=ppt/ink/ink128.xml><?xml version="1.0" encoding="utf-8"?>
-<inkml:ink xmlns:inkml="http://www.w3.org/2003/InkML">
-  <inkml:definitions>
-    <inkml:context xml:id="ctx0">
-      <inkml:inkSource xml:id="inkSrc0">
-        <inkml:traceFormat>
-          <inkml:channel name="X" type="integer" min="-2.14748E9" max="2.14748E9" units="cm"/>
-          <inkml:channel name="Y" type="integer" min="-2.14748E9" max="2.14748E9" units="cm"/>
-          <inkml:channel name="F" type="integer" max="32767" units="dev"/>
-        </inkml:traceFormat>
-        <inkml:channelProperties>
-          <inkml:channelProperty channel="X" name="resolution" value="1000" units="1/cm"/>
-          <inkml:channelProperty channel="Y" name="resolution" value="1000" units="1/cm"/>
-          <inkml:channelProperty channel="F" name="resolution" value="0" units="1/dev"/>
-        </inkml:channelProperties>
-      </inkml:inkSource>
-      <inkml:timestamp xml:id="ts0" timeString="2020-09-20T14:27:56.476"/>
-    </inkml:context>
-    <inkml:brush xml:id="br0">
-      <inkml:brushProperty name="width" value="0.1" units="cm"/>
-      <inkml:brushProperty name="height" value="0.1" units="cm"/>
-      <inkml:brushProperty name="color" value="#5B2D90"/>
-    </inkml:brush>
-  </inkml:definitions>
-  <inkml:trace contextRef="#ctx0" brushRef="#br0">398 23 5346,'0'0'1348,"0"0"546,0 0 64,0 0-579,0 0 70,0 0 203,0 0 15,-10 2 3788,-34 5-5545,35-7 85,-28 2-132,1 1 0,0 2 0,-6 2 137,31-3-80,0 0 0,1 1 0,-1 0 0,1 1 0,0 0 1,0 1-1,1 0 0,0 0 0,0 1 0,1 1 0,0-1 0,0 1 0,1 0 0,0 1 1,1 0-1,0 0 0,0 0 0,1 2 80,1-2-8,0 1 0,0 0 1,2 0-1,-1 0 0,1 0 0,1 0 1,0 5 7,-1 88 118,3-67 7,-1-30-103,-1 5 54,1-1 0,1 1 0,0-1-1,0 1 1,1-1 0,1 0 0,1 3-76,0-1 199,1-1 0,0 0 0,1 0 0,1 0 1,0-1-1,4 5-199,55 78 283,-62-90-277,0 0 1,0 0 0,1-1 0,-1 0-1,1 0 1,0 0 0,0 0 0,0-1-1,0 0 1,0 0 0,0 0 0,1 0-1,1-1-6,77 8 137,-35-6-103,-11 2 169,-1-2 0,0-2 0,1-1-1,1-2-202,-27-1-21,0-1 0,-1-1 0,1 0 0,-1-1 0,0 0 0,0 0 0,0-1 0,8-8 21,-13 11-9,1-1-1,-1-1 1,0 1-1,-1-1 1,1 0-1,-1 0 1,0 0-1,-1-1 0,1 0 1,-1 0-1,-1 0 1,1 0-1,-1-1 1,0 0-1,-1 1 1,0-1-1,0 0 0,-1 0 1,0 0 9,8-124-91,-9 29 249,-2 92-146,-1 0 1,-1 0 0,0 1 0,-1-1-1,0 1 1,0 0 0,-1 0 0,0 1-1,-3-3-12,-14-32 134,20 36-120,0 1 1,-1-1 0,0 1-1,0 0 1,0 1 0,-3-3-15,-5-4-24,0 0 0,-1 0 0,-1 1 0,0 1 0,-1 1-1,0 0 1,0 0 0,-1 2 0,0 0 0,-1 1 0,-3-1 24,5 3-494,0 2-1,0-1 1,-1 2-1,1 0 1,-6 1 494,-20 0-5347</inkml:trace>
-</inkml:ink>
-</file>
-
-<file path=ppt/ink/ink129.xml><?xml version="1.0" encoding="utf-8"?>
-<inkml:ink xmlns:inkml="http://www.w3.org/2003/InkML">
-  <inkml:definitions>
-    <inkml:context xml:id="ctx0">
-      <inkml:inkSource xml:id="inkSrc0">
-        <inkml:traceFormat>
-          <inkml:channel name="X" type="integer" min="-2.14748E9" max="2.14748E9" units="cm"/>
-          <inkml:channel name="Y" type="integer" min="-2.14748E9" max="2.14748E9" units="cm"/>
-          <inkml:channel name="F" type="integer" max="32767" units="dev"/>
-        </inkml:traceFormat>
-        <inkml:channelProperties>
-          <inkml:channelProperty channel="X" name="resolution" value="1000" units="1/cm"/>
-          <inkml:channelProperty channel="Y" name="resolution" value="1000" units="1/cm"/>
-          <inkml:channelProperty channel="F" name="resolution" value="0" units="1/dev"/>
-        </inkml:channelProperties>
-      </inkml:inkSource>
-      <inkml:timestamp xml:id="ts0" timeString="2020-09-20T14:37:49.170"/>
-    </inkml:context>
-    <inkml:brush xml:id="br0">
-      <inkml:brushProperty name="width" value="0.05" units="cm"/>
-      <inkml:brushProperty name="height" value="0.05" units="cm"/>
-    </inkml:brush>
-  </inkml:definitions>
-  <inkml:trace contextRef="#ctx0" brushRef="#br0">136 1 3298,'0'0'2651,"0"0"-455,0 0 301,0 0-451,0 0-605,0 0 5,0 0-141,-20 0 4036,-3 0-3770,-9 0-1343,-1-1-1340,11 2-6650,17-1-2038</inkml:trace>
-</inkml:ink>
-</file>
-
-<file path=ppt/ink/ink13.xml><?xml version="1.0" encoding="utf-8"?>
+<file path=ppt/ink/ink27.xml><?xml version="1.0" encoding="utf-8"?>
 <inkml:ink xmlns:inkml="http://www.w3.org/2003/InkML">
   <inkml:definitions>
     <inkml:context xml:id="ctx0">
@@ -1211,117 +2133,7 @@
 </inkml:ink>
 </file>
 
-<file path=ppt/ink/ink130.xml><?xml version="1.0" encoding="utf-8"?>
-<inkml:ink xmlns:inkml="http://www.w3.org/2003/InkML">
-  <inkml:definitions>
-    <inkml:context xml:id="ctx0">
-      <inkml:inkSource xml:id="inkSrc0">
-        <inkml:traceFormat>
-          <inkml:channel name="X" type="integer" min="-2.14748E9" max="2.14748E9" units="cm"/>
-          <inkml:channel name="Y" type="integer" min="-2.14748E9" max="2.14748E9" units="cm"/>
-          <inkml:channel name="F" type="integer" max="32767" units="dev"/>
-        </inkml:traceFormat>
-        <inkml:channelProperties>
-          <inkml:channelProperty channel="X" name="resolution" value="1000" units="1/cm"/>
-          <inkml:channelProperty channel="Y" name="resolution" value="1000" units="1/cm"/>
-          <inkml:channelProperty channel="F" name="resolution" value="0" units="1/dev"/>
-        </inkml:channelProperties>
-      </inkml:inkSource>
-      <inkml:timestamp xml:id="ts0" timeString="2020-09-20T14:37:49.171"/>
-    </inkml:context>
-    <inkml:brush xml:id="br0">
-      <inkml:brushProperty name="width" value="0.05" units="cm"/>
-      <inkml:brushProperty name="height" value="0.05" units="cm"/>
-    </inkml:brush>
-  </inkml:definitions>
-  <inkml:trace contextRef="#ctx0" brushRef="#br0">10 172 2945,'0'0'2151,"0"0"-1119,0 0 38,0 0 205,0 0 102,-7-36 8624,5 24-9181,1 7-691,1 1 1,0 0 0,0-1-1,1 1 1,-1 0-1,1-1 1,0 1 0,0 0-1,0-1 1,1 1 0,-1 0-1,1 0 1,0 0-1,0 1 1,0-1 0,1 0-1,0 1 1,-1-1-1,1 1 1,0 0 0,0 0-1,1 0 1,-1 0 0,4-1-130,-3 0 273,1 1 0,0 0 0,-1 0 0,1 1 0,1-1 0,-1 1 0,0 0 0,1 0 0,-1 1 0,2-1-273,24 4-306,-29-1-169,1 0-1,-1 0 0,0 0 0,0 0 1,0 0-1,0 1 0,0-1 0,0 1 1,0-1-1,0 1 0,-1 0 0,1 1 476,6 7-8716</inkml:trace>
-</inkml:ink>
-</file>
-
-<file path=ppt/ink/ink131.xml><?xml version="1.0" encoding="utf-8"?>
-<inkml:ink xmlns:inkml="http://www.w3.org/2003/InkML">
-  <inkml:definitions>
-    <inkml:context xml:id="ctx0">
-      <inkml:inkSource xml:id="inkSrc0">
-        <inkml:traceFormat>
-          <inkml:channel name="X" type="integer" min="-2.14748E9" max="2.14748E9" units="cm"/>
-          <inkml:channel name="Y" type="integer" min="-2.14748E9" max="2.14748E9" units="cm"/>
-          <inkml:channel name="F" type="integer" max="32767" units="dev"/>
-        </inkml:traceFormat>
-        <inkml:channelProperties>
-          <inkml:channelProperty channel="X" name="resolution" value="1000" units="1/cm"/>
-          <inkml:channelProperty channel="Y" name="resolution" value="1000" units="1/cm"/>
-          <inkml:channelProperty channel="F" name="resolution" value="0" units="1/dev"/>
-        </inkml:channelProperties>
-      </inkml:inkSource>
-      <inkml:timestamp xml:id="ts0" timeString="2020-09-20T14:37:49.172"/>
-    </inkml:context>
-    <inkml:brush xml:id="br0">
-      <inkml:brushProperty name="width" value="0.05" units="cm"/>
-      <inkml:brushProperty name="height" value="0.05" units="cm"/>
-    </inkml:brush>
-  </inkml:definitions>
-  <inkml:trace contextRef="#ctx0" brushRef="#br0">48 1 1153,'0'0'1120,"0"0"806,0 0-261,0 0-472,0 0 295,-6 2-18,3 0-995,0 0 0,-1 0-1,1 1 1,0-1 0,0 1 0,0 0-1,1 0 1,-1 0 0,1 0 0,0 0-1,-2 3-474,3-4 130,0-1-1,1 0 1,-1 0-1,0 0 0,1 1 1,-1-1-1,1 0 1,0 1-1,-1-1 0,1 0 1,0 1-1,0-1 1,0 1-1,0-1 0,0 0 1,0 1-1,0-1 1,1 0-1,-1 1 0,0-1 1,1 0-1,-1 1 1,1-1-1,-1 0 0,1 0 1,0 1-1,0-1 1,-1 0-1,1 0 0,0 0 1,0 0-1,0 0 1,0 0-1,0 0 0,0-1 1,0 1-1,1 0 1,-1 0-1,0-1 0,0 1 1,1-1-1,-1 1 1,0-1-130,1 1-96,0-1 0,0 0 0,0 1 1,0-1-1,0 0 0,0 0 1,0 0-1,0-1 0,0 1 0,0 0 1,0-1-1,0 1 0,-1-1 0,1 0 1,0 1-1,0-1 0,-1 0 1,1 0-1,0 0 0,-1 0 0,1-1 1,-1 1-1,1 0 0,-1-1 1,0 1-1,1-1 0,-1 1 0,0-1 1,0 1-1,0-1 0,0 0 1,0 0-1,-1 1 0,1-1 0,-1 0 1,1 0-1,-1 0 0,1 0 1,-1 0-1,0 0 0,0 0 0,0 0 1,0 0-1,0 0 0,-1 0 1,1 0-1,0 1 0,-1-1 0,0-1 96,0 2-225,0 0-1,-1 0 0,1 0 0,-1 0 0,0 0 0,1 0 1,-1 0-1,0 1 0,1-1 0,-1 1 0,0-1 0,0 1 1,1 0-1,-1-1 0,0 1 0,0 0 0,0 0 1,0 0-1,1 0 0,-1 1 0,-1-1 226,1 0-425,-19 2-5813</inkml:trace>
-</inkml:ink>
-</file>
-
-<file path=ppt/ink/ink132.xml><?xml version="1.0" encoding="utf-8"?>
-<inkml:ink xmlns:inkml="http://www.w3.org/2003/InkML">
-  <inkml:definitions>
-    <inkml:context xml:id="ctx0">
-      <inkml:inkSource xml:id="inkSrc0">
-        <inkml:traceFormat>
-          <inkml:channel name="X" type="integer" min="-2.14748E9" max="2.14748E9" units="cm"/>
-          <inkml:channel name="Y" type="integer" min="-2.14748E9" max="2.14748E9" units="cm"/>
-          <inkml:channel name="F" type="integer" max="32767" units="dev"/>
-        </inkml:traceFormat>
-        <inkml:channelProperties>
-          <inkml:channelProperty channel="X" name="resolution" value="1000" units="1/cm"/>
-          <inkml:channelProperty channel="Y" name="resolution" value="1000" units="1/cm"/>
-          <inkml:channelProperty channel="F" name="resolution" value="0" units="1/dev"/>
-        </inkml:channelProperties>
-      </inkml:inkSource>
-      <inkml:timestamp xml:id="ts0" timeString="2020-09-20T14:39:02.886"/>
-    </inkml:context>
-    <inkml:brush xml:id="br0">
-      <inkml:brushProperty name="width" value="0.1" units="cm"/>
-      <inkml:brushProperty name="height" value="0.1" units="cm"/>
-      <inkml:brushProperty name="color" value="#5B2D90"/>
-    </inkml:brush>
-  </inkml:definitions>
-  <inkml:trace contextRef="#ctx0" brushRef="#br0">118 89 7700,'0'0'819,"0"0"53,0 0 942,0 0-611,0 0-728,0 0 45,0 0 340,0 0 217,0 0 140,0 0 72,0 0-158,0 0-232,0 0-235,0 0-237,-33 28 147,25-20-712,0 1 1,1-1 0,0 2 0,1-1-1,0 1 1,0 0 0,1 0 0,1 1-1,-1-1 1,2 1 0,-1 0 0,2 0-1,-1 1 1,1 2 137,-2 17-943,1 0-1,2 0 0,1 1 1,3 19 943,-1-37 37,1 1 0,1 0 0,0-1 0,1 1 0,0-1 0,1 0 0,1-1 0,0 0 0,1 0 0,3 4-37,-7-13 78,0 0-1,1 0 1,-1 0-1,1 0 0,-1-1 1,1 0-1,0 0 0,1 0 1,-1-1-1,0 1 0,1-1 1,-1-1-1,1 1 1,0-1-1,-1 0 0,6 1-77,15 0 461,0 0-1,-1-2 0,7-1-460,-25 1 12,14-3 27,-1 0 0,1-1 0,-1-1 0,0-1 0,-1-1 0,1-1 0,-2 0 0,1-1 0,-1-1 0,0-1 0,-1-1 0,-1 0 0,5-5-39,-15 11 1,-1 1 0,0-1-1,0 0 1,-1-1 0,1 1 0,-2-1 0,1 0 0,0 0 0,-1 0-1,-1 0 1,1-1 0,-1 1 0,0-1 0,-1 0 0,1-6-1,0-18 25,-1 1 1,-1 0-1,-3-15-25,0-20 66,3 57-2,0-1 0,0 0 0,-1 1 1,0-1-1,-1 1 0,0-1 1,-1 1-1,0 0 0,-3-7-64,3 10 17,-1 0-1,0 0 1,-1 1 0,1-1-1,-1 1 1,0 0 0,0 0-1,-1 1 1,1-1 0,-1 1-1,0 1 1,0-1 0,-5-1-17,1-2 29,-1 1 1,0 1 0,-1 0 0,1 0 0,-1 1 0,1 1-1,-1 0 1,0 0 0,-1 1 0,1 1 0,-6 0-30,-16 1 93,0 1-1,0 2 1,-17 4-93,38-4-192,0 0-1,0 1 1,1 0-1,-1 1 1,1 0-1,0 1 1,0 1 0,1 0-1,0 0 1,-6 6 192,-15 17-3298</inkml:trace>
-</inkml:ink>
-</file>
-
-<file path=ppt/ink/ink133.xml><?xml version="1.0" encoding="utf-8"?>
-<inkml:ink xmlns:inkml="http://www.w3.org/2003/InkML">
-  <inkml:definitions>
-    <inkml:context xml:id="ctx0">
-      <inkml:inkSource xml:id="inkSrc0">
-        <inkml:traceFormat>
-          <inkml:channel name="X" type="integer" min="-2.14748E9" max="2.14748E9" units="cm"/>
-          <inkml:channel name="Y" type="integer" min="-2.14748E9" max="2.14748E9" units="cm"/>
-          <inkml:channel name="F" type="integer" max="32767" units="dev"/>
-        </inkml:traceFormat>
-        <inkml:channelProperties>
-          <inkml:channelProperty channel="X" name="resolution" value="1000" units="1/cm"/>
-          <inkml:channelProperty channel="Y" name="resolution" value="1000" units="1/cm"/>
-          <inkml:channelProperty channel="F" name="resolution" value="0" units="1/dev"/>
-        </inkml:channelProperties>
-      </inkml:inkSource>
-      <inkml:timestamp xml:id="ts0" timeString="2023-05-29T13:56:53.147"/>
-    </inkml:context>
-    <inkml:brush xml:id="br0">
-      <inkml:brushProperty name="width" value="0.1" units="cm"/>
-      <inkml:brushProperty name="height" value="0.1" units="cm"/>
-      <inkml:brushProperty name="color" value="#5B2D90"/>
-    </inkml:brush>
-  </inkml:definitions>
-  <inkml:trace contextRef="#ctx0" brushRef="#br0">337 1 0,'0'0'560,"0"0"73,0 0 31,0 0-53,0 0-8,0 0 66,0 0 351,-24 8 8530,13-4-9816,-111 38 2,113-38 242,0-1-1,2 1 0,-2 1 1,1-1-1,1 1 0,-1 1 0,2-1 1,0 1-1,-2 0 0,3 0 0,-1 0 1,-2 4 22,-8 13-4,-13 24-67,18-16-130,2-1 0,3 1 0,-1 0-1,4 0 1,1 1 0,1-1 0,2 0 0,4 9 201,13 50-1190,22 59 1190,-32-125 350,1 0-1,1 0 1,1-1-1,1 0 1,16 19-350,-23-37 117,-1-1 0,1-1 0,0 1 0,0 0 0,0-1 0,1 0 1,-1 0-1,2 0 0,-1 0 0,0-1 0,1 0 0,-1 0 0,1 0-117,90 20 544,-88-21-436,9 2-47,-1-1 1,2 0-1,-1-1 1,-1 0-1,2-2 1,-1 0-1,6-1-61,-15 1 36,-1 0 1,2 0-1,-1-1 0,0-1 0,0 1 0,0-1 0,-2 0 0,2 0 1,-1-1-1,0 0 0,0 0 0,-2-1 0,2 0 0,4-4-36,11-11 8,-9 10-9,-3-1 0,2 0 1,-2 0-1,-1-1 0,0 0 0,0 0 1,-1-1-1,-1 0 0,-1-1 0,-1-1 1,18-40-5,-17 42 4,-1 0 0,-1-1-1,0 1 1,-1-1 0,-2 0 0,1 0 0,-1-7 1,2-72 28,0 54-5,-3 1-1,-1-1 1,-5-18-23,3 49 0,-2 1 0,1-1 0,-2 0 0,1 1 0,-1 0 0,0 0 0,0 0 0,-5-4 0,-17-27 3,20 29 22,1 0 0,0 0 0,-2 1 0,-1 0 0,2 0 0,-2 0 0,-1 1 0,1 0 0,-1 0 1,0 1-1,-1 0 0,1 0 0,-2 1 0,0 0 0,0 1 0,1 0 0,-1 0 0,-11-1-25,-6-1 26,0 2-1,-1 0 1,0 1-1,-1 1 0,3 2 1,-3 0-1,-18 3-25,35-1-410,2-1 0,-2 2 0,1 0-1,1 0 1,-1 1 0,1 0 0,-1 0-1,1 1 1,-7 5 410,-49 28-6592</inkml:trace>
-</inkml:ink>
-</file>
-
-<file path=ppt/ink/ink14.xml><?xml version="1.0" encoding="utf-8"?>
+<file path=ppt/ink/ink28.xml><?xml version="1.0" encoding="utf-8"?>
 <inkml:ink xmlns:inkml="http://www.w3.org/2003/InkML">
   <inkml:definitions>
     <inkml:context xml:id="ctx0">
@@ -1349,7 +2161,7 @@
 </inkml:ink>
 </file>
 
-<file path=ppt/ink/ink15.xml><?xml version="1.0" encoding="utf-8"?>
+<file path=ppt/ink/ink29.xml><?xml version="1.0" encoding="utf-8"?>
 <inkml:ink xmlns:inkml="http://www.w3.org/2003/InkML">
   <inkml:definitions>
     <inkml:context xml:id="ctx0">
@@ -1377,7 +2189,35 @@
 </inkml:ink>
 </file>
 
-<file path=ppt/ink/ink16.xml><?xml version="1.0" encoding="utf-8"?>
+<file path=ppt/ink/ink3.xml><?xml version="1.0" encoding="utf-8"?>
+<inkml:ink xmlns:inkml="http://www.w3.org/2003/InkML">
+  <inkml:definitions>
+    <inkml:context xml:id="ctx0">
+      <inkml:inkSource xml:id="inkSrc0">
+        <inkml:traceFormat>
+          <inkml:channel name="X" type="integer" min="-2.14748E9" max="2.14748E9" units="cm"/>
+          <inkml:channel name="Y" type="integer" min="-2.14748E9" max="2.14748E9" units="cm"/>
+          <inkml:channel name="F" type="integer" max="32767" units="dev"/>
+        </inkml:traceFormat>
+        <inkml:channelProperties>
+          <inkml:channelProperty channel="X" name="resolution" value="1000" units="1/cm"/>
+          <inkml:channelProperty channel="Y" name="resolution" value="1000" units="1/cm"/>
+          <inkml:channelProperty channel="F" name="resolution" value="0" units="1/dev"/>
+        </inkml:channelProperties>
+      </inkml:inkSource>
+      <inkml:timestamp xml:id="ts0" timeString="2023-05-30T16:32:17.848"/>
+    </inkml:context>
+    <inkml:brush xml:id="br0">
+      <inkml:brushProperty name="width" value="0.05" units="cm"/>
+      <inkml:brushProperty name="height" value="0.05" units="cm"/>
+      <inkml:brushProperty name="color" value="#004F8B"/>
+    </inkml:brush>
+  </inkml:definitions>
+  <inkml:trace contextRef="#ctx0" brushRef="#br0">411 1 8772,'0'0'13334,"-9"1"-12208,-111 0 473,79-3-1524,1 3-1,0 1 0,-50 8 1,85-9-74,1 0 0,0 0 0,0 0 0,0 1 0,0-1 0,0 1 0,0 0 0,0 0 0,1 0 0,-1 0 1,-4 5-1,6-4 4,0-1 1,0 1 0,0 0 0,1 0-1,-1 1 1,1-1 0,0 0-1,0 0 1,0 1 0,0-1 0,0 0-1,1 1 1,0-1 0,-1 4 0,1 26 362,0 0 1,2-1-1,1 1 1,2-1 0,12 42-1,35 111 839,-19-72-802,-29-93-376,3 10 3,-6-29-32,-1 0 0,1-1 0,0 1 0,0 0 0,-1 0 0,1 0-1,0 0 1,0-1 0,0 1 0,0 0 0,0-1 0,0 1 0,0-1 0,0 1 0,0-1-1,0 1 1,0-1 0,0 0 0,0 1 0,0-1 0,0 0 0,1 0 0,-1 0-1,2 0 1,49 0-361,152-3-156,-71-9-7433,-105 9 2156</inkml:trace>
+</inkml:ink>
+</file>
+
+<file path=ppt/ink/ink30.xml><?xml version="1.0" encoding="utf-8"?>
 <inkml:ink xmlns:inkml="http://www.w3.org/2003/InkML">
   <inkml:definitions>
     <inkml:context xml:id="ctx0">
@@ -1405,7 +2245,7 @@
 </inkml:ink>
 </file>
 
-<file path=ppt/ink/ink17.xml><?xml version="1.0" encoding="utf-8"?>
+<file path=ppt/ink/ink31.xml><?xml version="1.0" encoding="utf-8"?>
 <inkml:ink xmlns:inkml="http://www.w3.org/2003/InkML">
   <inkml:definitions>
     <inkml:context xml:id="ctx0">
@@ -1433,7 +2273,7 @@
 </inkml:ink>
 </file>
 
-<file path=ppt/ink/ink18.xml><?xml version="1.0" encoding="utf-8"?>
+<file path=ppt/ink/ink32.xml><?xml version="1.0" encoding="utf-8"?>
 <inkml:ink xmlns:inkml="http://www.w3.org/2003/InkML">
   <inkml:definitions>
     <inkml:context xml:id="ctx0">
@@ -1461,7 +2301,7 @@
 </inkml:ink>
 </file>
 
-<file path=ppt/ink/ink19.xml><?xml version="1.0" encoding="utf-8"?>
+<file path=ppt/ink/ink33.xml><?xml version="1.0" encoding="utf-8"?>
 <inkml:ink xmlns:inkml="http://www.w3.org/2003/InkML">
   <inkml:definitions>
     <inkml:context xml:id="ctx0">
@@ -1489,35 +2329,7 @@
 </inkml:ink>
 </file>
 
-<file path=ppt/ink/ink2.xml><?xml version="1.0" encoding="utf-8"?>
-<inkml:ink xmlns:inkml="http://www.w3.org/2003/InkML">
-  <inkml:definitions>
-    <inkml:context xml:id="ctx0">
-      <inkml:inkSource xml:id="inkSrc0">
-        <inkml:traceFormat>
-          <inkml:channel name="X" type="integer" min="-2.14748E9" max="2.14748E9" units="cm"/>
-          <inkml:channel name="Y" type="integer" min="-2.14748E9" max="2.14748E9" units="cm"/>
-          <inkml:channel name="F" type="integer" max="32767" units="dev"/>
-        </inkml:traceFormat>
-        <inkml:channelProperties>
-          <inkml:channelProperty channel="X" name="resolution" value="1000" units="1/cm"/>
-          <inkml:channelProperty channel="Y" name="resolution" value="1000" units="1/cm"/>
-          <inkml:channelProperty channel="F" name="resolution" value="0" units="1/dev"/>
-        </inkml:channelProperties>
-      </inkml:inkSource>
-      <inkml:timestamp xml:id="ts0" timeString="2023-05-29T14:18:23.081"/>
-    </inkml:context>
-    <inkml:brush xml:id="br0">
-      <inkml:brushProperty name="width" value="0.1" units="cm"/>
-      <inkml:brushProperty name="height" value="0.1" units="cm"/>
-      <inkml:brushProperty name="color" value="#5B2D90"/>
-    </inkml:brush>
-  </inkml:definitions>
-  <inkml:trace contextRef="#ctx0" brushRef="#br0">219 96 3169,'0'0'1206,"0"0"203,0 0-577,0 0-544,0 0 73,0 0 444,-1 3 7914,-5 13-8562,-6-7-118,2 0 0,-1 1 0,2 1 0,-1-1 0,1 2 0,1-1 0,0 1 0,1 1 0,0-1 0,1 1 0,0 0 0,1 1 0,1-1 0,0 1 0,0 1-39,3 0 16,0 0 1,0 0-1,1 0 1,1 0-1,1 0 1,0-1-1,1 1 1,0 0-1,1-1 1,1 0-1,0 1 1,5 7-17,-1-5 48,0 0 0,1 0 0,1-1 1,0-1-1,1 0 0,1 0 0,0-1 1,1-1-1,9 7-48,-17-15 3,1-1 0,-1 0 0,1-1-1,0 1 1,0-1 0,0 0 0,0-1 0,0 0 0,1 0 0,-1-1-1,1 1 1,-1-2 0,1 1 0,-1-1 0,1 0 0,0-1 0,-1 1-1,1-2 1,-1 1 0,1-1 0,4-2-3,2-1-1,0 0 0,-1-1-1,1-1 1,-1 0 0,-1-1 0,0 0 0,0-1-1,-1 0 1,0-1 0,6-7 1,9-10 7,-2-1 0,-1-2 0,-1 0-7,-13 15 6,0 0-1,-1-1 0,-1 0 1,0 0-1,-1-1 0,-1 0 1,1-7-6,-2 9 0,1-5 4,0 0 0,-1 0 0,-1 0 0,-1 0 0,-1 0 1,0-1-1,-2 1 0,0 0 0,-4-19-4,3 34-3,1 0 0,-1 0 0,0 1 0,-1-1 0,1 0 0,-1 1 0,0 0 0,0-1 0,0 1 0,0 0 0,-1 1-1,0-1 1,0 1 0,0-1 0,0 1 3,-4-2-8,0 0 0,-1 1-1,0 0 1,1 0-1,-1 1 1,0 0-1,-1 0 1,0 1 8,-20-3-28,-1 1 0,0 2 1,0 1-1,-20 2 28,20 1-304,-1 1 0,1 1 0,1 2 1,-1 1-1,-26 11 304,22-5-2293,0 2 1,-28 16 2292,-16 15-5032</inkml:trace>
-</inkml:ink>
-</file>
-
-<file path=ppt/ink/ink20.xml><?xml version="1.0" encoding="utf-8"?>
+<file path=ppt/ink/ink34.xml><?xml version="1.0" encoding="utf-8"?>
 <inkml:ink xmlns:inkml="http://www.w3.org/2003/InkML">
   <inkml:definitions>
     <inkml:context xml:id="ctx0">
@@ -1545,7 +2357,7 @@
 </inkml:ink>
 </file>
 
-<file path=ppt/ink/ink21.xml><?xml version="1.0" encoding="utf-8"?>
+<file path=ppt/ink/ink35.xml><?xml version="1.0" encoding="utf-8"?>
 <inkml:ink xmlns:inkml="http://www.w3.org/2003/InkML">
   <inkml:definitions>
     <inkml:context xml:id="ctx0">
@@ -1573,7 +2385,7 @@
 </inkml:ink>
 </file>
 
-<file path=ppt/ink/ink22.xml><?xml version="1.0" encoding="utf-8"?>
+<file path=ppt/ink/ink36.xml><?xml version="1.0" encoding="utf-8"?>
 <inkml:ink xmlns:inkml="http://www.w3.org/2003/InkML">
   <inkml:definitions>
     <inkml:context xml:id="ctx0">
@@ -1601,7 +2413,7 @@
 </inkml:ink>
 </file>
 
-<file path=ppt/ink/ink23.xml><?xml version="1.0" encoding="utf-8"?>
+<file path=ppt/ink/ink37.xml><?xml version="1.0" encoding="utf-8"?>
 <inkml:ink xmlns:inkml="http://www.w3.org/2003/InkML">
   <inkml:definitions>
     <inkml:context xml:id="ctx0">
@@ -1629,7 +2441,7 @@
 </inkml:ink>
 </file>
 
-<file path=ppt/ink/ink24.xml><?xml version="1.0" encoding="utf-8"?>
+<file path=ppt/ink/ink38.xml><?xml version="1.0" encoding="utf-8"?>
 <inkml:ink xmlns:inkml="http://www.w3.org/2003/InkML">
   <inkml:definitions>
     <inkml:context xml:id="ctx0">
@@ -1657,7 +2469,7 @@
 </inkml:ink>
 </file>
 
-<file path=ppt/ink/ink25.xml><?xml version="1.0" encoding="utf-8"?>
+<file path=ppt/ink/ink39.xml><?xml version="1.0" encoding="utf-8"?>
 <inkml:ink xmlns:inkml="http://www.w3.org/2003/InkML">
   <inkml:definitions>
     <inkml:context xml:id="ctx0">
@@ -1685,7 +2497,35 @@
 </inkml:ink>
 </file>
 
-<file path=ppt/ink/ink26.xml><?xml version="1.0" encoding="utf-8"?>
+<file path=ppt/ink/ink4.xml><?xml version="1.0" encoding="utf-8"?>
+<inkml:ink xmlns:inkml="http://www.w3.org/2003/InkML">
+  <inkml:definitions>
+    <inkml:context xml:id="ctx0">
+      <inkml:inkSource xml:id="inkSrc0">
+        <inkml:traceFormat>
+          <inkml:channel name="X" type="integer" min="-2.14748E9" max="2.14748E9" units="cm"/>
+          <inkml:channel name="Y" type="integer" min="-2.14748E9" max="2.14748E9" units="cm"/>
+          <inkml:channel name="F" type="integer" max="32767" units="dev"/>
+        </inkml:traceFormat>
+        <inkml:channelProperties>
+          <inkml:channelProperty channel="X" name="resolution" value="1000" units="1/cm"/>
+          <inkml:channelProperty channel="Y" name="resolution" value="1000" units="1/cm"/>
+          <inkml:channelProperty channel="F" name="resolution" value="0" units="1/dev"/>
+        </inkml:channelProperties>
+      </inkml:inkSource>
+      <inkml:timestamp xml:id="ts0" timeString="2023-05-30T16:32:20.139"/>
+    </inkml:context>
+    <inkml:brush xml:id="br0">
+      <inkml:brushProperty name="width" value="0.05" units="cm"/>
+      <inkml:brushProperty name="height" value="0.05" units="cm"/>
+      <inkml:brushProperty name="color" value="#004F8B"/>
+    </inkml:brush>
+  </inkml:definitions>
+  <inkml:trace contextRef="#ctx0" brushRef="#br0">276 394 6435,'0'0'7347,"0"-1"-7260,0 0 1,0-1-1,0 1 0,-1 0 0,1-1 0,-1 1 0,1 0 1,-1 0-1,1-1 0,-1 1 0,1 0 0,-1 0 0,0 0 0,-1-1 1,-9-2 316,0 2 1,-1-1-1,0 2 1,1 0-1,-1 0 1,0 1-1,-20 2 1,-2-1-237,29-1-78,0 0 1,0 0-1,0 1 1,0 0-1,0 0 1,0 0-1,0 1 1,0-1-1,1 1 1,-1 1-1,0-1 0,1 0 1,0 1-1,0 0 1,0 0-1,0 0 1,0 1-1,0-1 1,1 1-1,0 0 1,0 0-1,0 0 1,0 0-1,0 1 1,1-1-1,0 1 1,0-1-1,0 1 1,1 0-1,-1 0 0,1 0 1,0 0-1,0 6 1,0 12 367,1-16-306,-1 1-1,1-1 1,0 0-1,1 0 1,3 14-1,-4-19-139,1 0 0,0 0 0,0 0 1,0-1-1,0 1 0,0 0 0,1 0 0,-1-1 0,0 1 0,1-1 0,-1 1 0,1-1 1,0 0-1,-1 1 0,1-1 0,0 0 0,0 0 0,0 0 0,-1 0 0,1-1 1,0 1-1,0 0 0,0-1 0,4 1 0,5 1-15,0-1 0,0 0 1,1-1-1,-1 0 0,0-1 0,0 0 1,0-1-1,0 0 0,-1-1 0,1 0 1,13-6-1,-10 3-20,0-1-1,0-1 1,-1-1 0,0 0 0,0 0 0,-1-1-1,16-17 1,-14 10-128,0 0 0,0 0 0,-2-1 0,0-1 0,-1 0 0,-1-1 0,-1 0 1,-1 0-1,0-1 0,-2 0 0,7-37 0,-9 24-1037,-1-1 1,-5-68 0,2 101 1246,0 0 1,0 0-1,-1 0 1,1 0-1,-1 0 0,1 0 1,-1 0-1,0 0 1,0 0-1,0 0 0,0 1 1,0-1-1,0 0 1,-1 0-1,1 1 0,0-1 1,-1 1-1,1 0 1,-1-1-1,0 1 0,1 0 1,-1 0-1,0 0 1,0 0-1,0 0 0,0 0 1,0 0-1,0 1 1,0-1-1,0 1 0,0-1 1,0 1-1,-3 0 1,4 1 71,-1 0 1,1 0-1,0 0 1,0 1-1,0-1 1,0 0 0,0 0-1,0 1 1,0-1-1,0 1 1,1-1-1,-1 1 1,1-1-1,-1 1 1,1-1-1,-1 1 1,1 2 0,-9 31 1155,5 6 5,1 1 0,4 53 0,0-29-612,-1-52-663,1-1-1,0 0 0,1 0 0,1 1 0,0-2 1,1 1-1,0 0 0,1-1 0,0 1 0,1-1 1,1-1-1,0 1 0,8 10 0,-14-21-299,0 0 1,0 0-1,0 0 0,1 0 0,-1-1 0,0 1 1,0 0-1,1-1 0,-1 1 0,0-1 0,1 1 1,-1-1-1,0 0 0,1 1 0,-1-1 0,1 0 0,-1 0 1,1 0-1,-1 0 0,3-1 0,-1 1-845,15 0-6209</inkml:trace>
+</inkml:ink>
+</file>
+
+<file path=ppt/ink/ink40.xml><?xml version="1.0" encoding="utf-8"?>
 <inkml:ink xmlns:inkml="http://www.w3.org/2003/InkML">
   <inkml:definitions>
     <inkml:context xml:id="ctx0">
@@ -1713,7 +2553,7 @@
 </inkml:ink>
 </file>
 
-<file path=ppt/ink/ink27.xml><?xml version="1.0" encoding="utf-8"?>
+<file path=ppt/ink/ink41.xml><?xml version="1.0" encoding="utf-8"?>
 <inkml:ink xmlns:inkml="http://www.w3.org/2003/InkML">
   <inkml:definitions>
     <inkml:context xml:id="ctx0">
@@ -1741,7 +2581,7 @@
 </inkml:ink>
 </file>
 
-<file path=ppt/ink/ink28.xml><?xml version="1.0" encoding="utf-8"?>
+<file path=ppt/ink/ink42.xml><?xml version="1.0" encoding="utf-8"?>
 <inkml:ink xmlns:inkml="http://www.w3.org/2003/InkML">
   <inkml:definitions>
     <inkml:context xml:id="ctx0">
@@ -1769,7 +2609,7 @@
 </inkml:ink>
 </file>
 
-<file path=ppt/ink/ink29.xml><?xml version="1.0" encoding="utf-8"?>
+<file path=ppt/ink/ink43.xml><?xml version="1.0" encoding="utf-8"?>
 <inkml:ink xmlns:inkml="http://www.w3.org/2003/InkML">
   <inkml:definitions>
     <inkml:context xml:id="ctx0">
@@ -1797,35 +2637,7 @@
 </inkml:ink>
 </file>
 
-<file path=ppt/ink/ink3.xml><?xml version="1.0" encoding="utf-8"?>
-<inkml:ink xmlns:inkml="http://www.w3.org/2003/InkML">
-  <inkml:definitions>
-    <inkml:context xml:id="ctx0">
-      <inkml:inkSource xml:id="inkSrc0">
-        <inkml:traceFormat>
-          <inkml:channel name="X" type="integer" min="-2.14748E9" max="2.14748E9" units="cm"/>
-          <inkml:channel name="Y" type="integer" min="-2.14748E9" max="2.14748E9" units="cm"/>
-          <inkml:channel name="F" type="integer" max="32767" units="dev"/>
-        </inkml:traceFormat>
-        <inkml:channelProperties>
-          <inkml:channelProperty channel="X" name="resolution" value="1000" units="1/cm"/>
-          <inkml:channelProperty channel="Y" name="resolution" value="1000" units="1/cm"/>
-          <inkml:channelProperty channel="F" name="resolution" value="0" units="1/dev"/>
-        </inkml:channelProperties>
-      </inkml:inkSource>
-      <inkml:timestamp xml:id="ts0" timeString="2023-05-29T14:18:23.082"/>
-    </inkml:context>
-    <inkml:brush xml:id="br0">
-      <inkml:brushProperty name="width" value="0.1" units="cm"/>
-      <inkml:brushProperty name="height" value="0.1" units="cm"/>
-      <inkml:brushProperty name="color" value="#5B2D90"/>
-    </inkml:brush>
-  </inkml:definitions>
-  <inkml:trace contextRef="#ctx0" brushRef="#br0">347 0 1505,'0'0'3873,"0"0"-2443,0 0 203,0 0-358,0 0-802,0 0-81,0 0 288,-11 7 8752,7-3-9137,-18 25-110,2-4-89,2 1 1,-12 23-97,25-40 107,0 1 0,1 0 0,1 0 1,-1 0-1,1 0 0,1 1 0,0-1 0,1 1 0,0 0 0,0 3-107,2 2 172,1 0-1,1 0 1,0-1-1,1 1 1,1-1 0,0 0-1,1 0 1,0-1-1,9 14-171,-1-3 41,2 0 0,0-2-1,2 0 1,0-1-1,5 3-40,-10-12 13,0-2 0,1 0-1,0-1 1,1 0 0,0-1-1,0 0 1,1-2 0,0 0-1,0 0 1,1-2 0,16 4-13,-4-3 22,0-2 1,1 0-1,-1-2 1,1-2 0,-1 0-1,23-5-22,-39 4-10,0-1-1,0 0 0,0-1 1,-1-1-1,1 0 0,-1 0 0,0-1 1,0-1-1,-1 0 0,0-1 1,0 0-1,0-1 0,-1 0 1,0 0-1,0-1 0,-1-1 1,-1 1-1,1-1 0,-2-1 1,1 0-1,-1 0 0,-1 0 1,0-1-1,-1 0 11,4-11-24,-1 0-1,-2 0 1,0-1 0,1-15 24,-6 32-7,0 0 0,-1 0 0,1 0 0,-1 0 0,-1 0 0,0 0 1,0-1-1,0 1 0,-1 1 0,0-1 0,0 0 0,0 0 0,-1 1 0,0-1 0,-1 1 0,1 0 1,-1 0-1,-1-1 7,-19-21-1,-1 1 0,-2 1 1,0 2-1,-2 0 1,-14-8 0,26 22 17,0 0-1,-1 1 1,0 1 0,0 0 0,0 1-1,-1 2 1,0 0 0,-1 0 0,1 2-1,-1 1 1,-3 0-17,-3 0-7,0 1 0,-1 2 0,1 0 0,0 2-1,0 1 1,0 1 0,1 1 0,0 1 0,0 2 0,0 0 0,1 2 0,-3 2 7,-29 17-1241,-47 34 1241,76-44-2539,1 0 1,-15 17 2538,-18 26-10157</inkml:trace>
-</inkml:ink>
-</file>
-
-<file path=ppt/ink/ink30.xml><?xml version="1.0" encoding="utf-8"?>
+<file path=ppt/ink/ink44.xml><?xml version="1.0" encoding="utf-8"?>
 <inkml:ink xmlns:inkml="http://www.w3.org/2003/InkML">
   <inkml:definitions>
     <inkml:context xml:id="ctx0">
@@ -1853,7 +2665,7 @@
 </inkml:ink>
 </file>
 
-<file path=ppt/ink/ink31.xml><?xml version="1.0" encoding="utf-8"?>
+<file path=ppt/ink/ink45.xml><?xml version="1.0" encoding="utf-8"?>
 <inkml:ink xmlns:inkml="http://www.w3.org/2003/InkML">
   <inkml:definitions>
     <inkml:context xml:id="ctx0">
@@ -1881,7 +2693,7 @@
 </inkml:ink>
 </file>
 
-<file path=ppt/ink/ink32.xml><?xml version="1.0" encoding="utf-8"?>
+<file path=ppt/ink/ink46.xml><?xml version="1.0" encoding="utf-8"?>
 <inkml:ink xmlns:inkml="http://www.w3.org/2003/InkML">
   <inkml:definitions>
     <inkml:context xml:id="ctx0">
@@ -1909,7 +2721,7 @@
 </inkml:ink>
 </file>
 
-<file path=ppt/ink/ink33.xml><?xml version="1.0" encoding="utf-8"?>
+<file path=ppt/ink/ink47.xml><?xml version="1.0" encoding="utf-8"?>
 <inkml:ink xmlns:inkml="http://www.w3.org/2003/InkML">
   <inkml:definitions>
     <inkml:context xml:id="ctx0">
@@ -1937,7 +2749,7 @@
 </inkml:ink>
 </file>
 
-<file path=ppt/ink/ink34.xml><?xml version="1.0" encoding="utf-8"?>
+<file path=ppt/ink/ink48.xml><?xml version="1.0" encoding="utf-8"?>
 <inkml:ink xmlns:inkml="http://www.w3.org/2003/InkML">
   <inkml:definitions>
     <inkml:context xml:id="ctx0">
@@ -1965,7 +2777,7 @@
 </inkml:ink>
 </file>
 
-<file path=ppt/ink/ink35.xml><?xml version="1.0" encoding="utf-8"?>
+<file path=ppt/ink/ink49.xml><?xml version="1.0" encoding="utf-8"?>
 <inkml:ink xmlns:inkml="http://www.w3.org/2003/InkML">
   <inkml:definitions>
     <inkml:context xml:id="ctx0">
@@ -1993,7 +2805,35 @@
 </inkml:ink>
 </file>
 
-<file path=ppt/ink/ink36.xml><?xml version="1.0" encoding="utf-8"?>
+<file path=ppt/ink/ink5.xml><?xml version="1.0" encoding="utf-8"?>
+<inkml:ink xmlns:inkml="http://www.w3.org/2003/InkML">
+  <inkml:definitions>
+    <inkml:context xml:id="ctx0">
+      <inkml:inkSource xml:id="inkSrc0">
+        <inkml:traceFormat>
+          <inkml:channel name="X" type="integer" min="-2.14748E9" max="2.14748E9" units="cm"/>
+          <inkml:channel name="Y" type="integer" min="-2.14748E9" max="2.14748E9" units="cm"/>
+          <inkml:channel name="F" type="integer" max="32767" units="dev"/>
+        </inkml:traceFormat>
+        <inkml:channelProperties>
+          <inkml:channelProperty channel="X" name="resolution" value="1000" units="1/cm"/>
+          <inkml:channelProperty channel="Y" name="resolution" value="1000" units="1/cm"/>
+          <inkml:channelProperty channel="F" name="resolution" value="0" units="1/dev"/>
+        </inkml:channelProperties>
+      </inkml:inkSource>
+      <inkml:timestamp xml:id="ts0" timeString="2023-05-30T16:32:22.292"/>
+    </inkml:context>
+    <inkml:brush xml:id="br0">
+      <inkml:brushProperty name="width" value="0.05" units="cm"/>
+      <inkml:brushProperty name="height" value="0.05" units="cm"/>
+      <inkml:brushProperty name="color" value="#004F8B"/>
+    </inkml:brush>
+  </inkml:definitions>
+  <inkml:trace contextRef="#ctx0" brushRef="#br0">392 0 6131,'0'0'11429,"11"0"-3759,-104 5-7502,-1 5-1,-92 20 0,163-25-181,17-5-1556</inkml:trace>
+</inkml:ink>
+</file>
+
+<file path=ppt/ink/ink50.xml><?xml version="1.0" encoding="utf-8"?>
 <inkml:ink xmlns:inkml="http://www.w3.org/2003/InkML">
   <inkml:definitions>
     <inkml:context xml:id="ctx0">
@@ -2021,7 +2861,7 @@
 </inkml:ink>
 </file>
 
-<file path=ppt/ink/ink37.xml><?xml version="1.0" encoding="utf-8"?>
+<file path=ppt/ink/ink51.xml><?xml version="1.0" encoding="utf-8"?>
 <inkml:ink xmlns:inkml="http://www.w3.org/2003/InkML">
   <inkml:definitions>
     <inkml:context xml:id="ctx0">
@@ -2049,7 +2889,7 @@
 </inkml:ink>
 </file>
 
-<file path=ppt/ink/ink38.xml><?xml version="1.0" encoding="utf-8"?>
+<file path=ppt/ink/ink52.xml><?xml version="1.0" encoding="utf-8"?>
 <inkml:ink xmlns:inkml="http://www.w3.org/2003/InkML">
   <inkml:definitions>
     <inkml:context xml:id="ctx0">
@@ -2077,7 +2917,7 @@
 </inkml:ink>
 </file>
 
-<file path=ppt/ink/ink39.xml><?xml version="1.0" encoding="utf-8"?>
+<file path=ppt/ink/ink53.xml><?xml version="1.0" encoding="utf-8"?>
 <inkml:ink xmlns:inkml="http://www.w3.org/2003/InkML">
   <inkml:definitions>
     <inkml:context xml:id="ctx0">
@@ -2105,35 +2945,7 @@
 </inkml:ink>
 </file>
 
-<file path=ppt/ink/ink4.xml><?xml version="1.0" encoding="utf-8"?>
-<inkml:ink xmlns:inkml="http://www.w3.org/2003/InkML">
-  <inkml:definitions>
-    <inkml:context xml:id="ctx0">
-      <inkml:inkSource xml:id="inkSrc0">
-        <inkml:traceFormat>
-          <inkml:channel name="X" type="integer" min="-2.14748E9" max="2.14748E9" units="cm"/>
-          <inkml:channel name="Y" type="integer" min="-2.14748E9" max="2.14748E9" units="cm"/>
-          <inkml:channel name="F" type="integer" max="32767" units="dev"/>
-        </inkml:traceFormat>
-        <inkml:channelProperties>
-          <inkml:channelProperty channel="X" name="resolution" value="1000" units="1/cm"/>
-          <inkml:channelProperty channel="Y" name="resolution" value="1000" units="1/cm"/>
-          <inkml:channelProperty channel="F" name="resolution" value="0" units="1/dev"/>
-        </inkml:channelProperties>
-      </inkml:inkSource>
-      <inkml:timestamp xml:id="ts0" timeString="2023-05-29T14:18:23.083"/>
-    </inkml:context>
-    <inkml:brush xml:id="br0">
-      <inkml:brushProperty name="width" value="0.1" units="cm"/>
-      <inkml:brushProperty name="height" value="0.1" units="cm"/>
-      <inkml:brushProperty name="color" value="#5B2D90"/>
-    </inkml:brush>
-  </inkml:definitions>
-  <inkml:trace contextRef="#ctx0" brushRef="#br0">255 1 5314,'0'0'2700,"0"0"-771,0 0-56,0 0-672,0 0-345,0 0 241,0 0 100,-14 16 4815,5-5-5194,0 3-766,0 0 1,0 1-1,1 0 0,1 1 0,0 0 1,-3 9-53,6-12 14,1-1 1,0 1 0,0-1-1,1 1 1,0 0 0,0 1-1,1-1 1,0 0 0,1 10-15,0-13 5,0 1 0,0-1 1,0 1-1,1-1 0,0 0 1,0 0-1,1 1 0,0-1 1,0-1-1,1 1 0,0 0 1,0-1-1,0 0 0,4 7-5,-1-3 46,0-1-1,1 0 1,0-1-1,0 0 1,1 0-1,-1-1 1,2-1-1,-1 0 1,1-1-1,0 0 1,0-1-1,0 0 1,1-1-1,0-1 1,0 0-1,0-1 1,0 0-1,4 0-45,-5-2 63,12 3 57,0-1-1,9-1-119,-23-3 14,1 0 0,-1-1-1,0 0 1,0-1-1,0 0 1,0 0 0,-1-1-1,1-1 1,1-1-14,33-19 255,-23 14-203,-1 0 0,0-2 0,0-1-1,-1-1 1,3-4-52,-15 13-1,0 1-1,0-1 0,0 0 1,-1-1-1,1 0 0,-1 1 1,0-2-1,0 1 1,-1 0-1,1-1 0,-1 0 1,0 1-1,0-1 0,0-1 1,-1 1-1,0 0 0,0 0 1,0-1-1,-1 1 1,1-1-1,-1-1 2,0 5-3,0-15 3,0 0 0,-1 0 0,0 0-1,-2-2 1,2 14 4,0-1 0,-1 1-1,0 0 1,0 0 0,-1 0 0,1 0-1,-1 0 1,0 1 0,0-1 0,-1 1-1,-2-3-3,-3-5 41,-2 1 0,0 0-1,0 1 1,0 0 0,-1 2-1,0 0 1,0 1 0,-1 1-1,0 0 1,0 2 0,0 0-1,-1 1 1,1 1 0,-11-1-41,0 1 12,1 2 1,0 2-1,-1 1 1,1 1-1,0 2 1,0 1-1,0 2 1,-9 6-13,6-2-482,2 2 0,-1 2 0,-20 17 482,26-16-2221,1 1 0,-17 19 2221,-17 33-8423</inkml:trace>
-</inkml:ink>
-</file>
-
-<file path=ppt/ink/ink40.xml><?xml version="1.0" encoding="utf-8"?>
+<file path=ppt/ink/ink54.xml><?xml version="1.0" encoding="utf-8"?>
 <inkml:ink xmlns:inkml="http://www.w3.org/2003/InkML">
   <inkml:definitions>
     <inkml:context xml:id="ctx0">
@@ -2161,7 +2973,7 @@
 </inkml:ink>
 </file>
 
-<file path=ppt/ink/ink41.xml><?xml version="1.0" encoding="utf-8"?>
+<file path=ppt/ink/ink55.xml><?xml version="1.0" encoding="utf-8"?>
 <inkml:ink xmlns:inkml="http://www.w3.org/2003/InkML">
   <inkml:definitions>
     <inkml:context xml:id="ctx0">
@@ -2189,7 +3001,7 @@
 </inkml:ink>
 </file>
 
-<file path=ppt/ink/ink42.xml><?xml version="1.0" encoding="utf-8"?>
+<file path=ppt/ink/ink56.xml><?xml version="1.0" encoding="utf-8"?>
 <inkml:ink xmlns:inkml="http://www.w3.org/2003/InkML">
   <inkml:definitions>
     <inkml:context xml:id="ctx0">
@@ -2217,7 +3029,7 @@
 </inkml:ink>
 </file>
 
-<file path=ppt/ink/ink43.xml><?xml version="1.0" encoding="utf-8"?>
+<file path=ppt/ink/ink57.xml><?xml version="1.0" encoding="utf-8"?>
 <inkml:ink xmlns:inkml="http://www.w3.org/2003/InkML">
   <inkml:definitions>
     <inkml:context xml:id="ctx0">
@@ -2245,7 +3057,7 @@
 </inkml:ink>
 </file>
 
-<file path=ppt/ink/ink44.xml><?xml version="1.0" encoding="utf-8"?>
+<file path=ppt/ink/ink58.xml><?xml version="1.0" encoding="utf-8"?>
 <inkml:ink xmlns:inkml="http://www.w3.org/2003/InkML">
   <inkml:definitions>
     <inkml:context xml:id="ctx0">
@@ -2273,7 +3085,7 @@
 </inkml:ink>
 </file>
 
-<file path=ppt/ink/ink45.xml><?xml version="1.0" encoding="utf-8"?>
+<file path=ppt/ink/ink59.xml><?xml version="1.0" encoding="utf-8"?>
 <inkml:ink xmlns:inkml="http://www.w3.org/2003/InkML">
   <inkml:definitions>
     <inkml:context xml:id="ctx0">
@@ -2301,7 +3113,35 @@
 </inkml:ink>
 </file>
 
-<file path=ppt/ink/ink46.xml><?xml version="1.0" encoding="utf-8"?>
+<file path=ppt/ink/ink6.xml><?xml version="1.0" encoding="utf-8"?>
+<inkml:ink xmlns:inkml="http://www.w3.org/2003/InkML">
+  <inkml:definitions>
+    <inkml:context xml:id="ctx0">
+      <inkml:inkSource xml:id="inkSrc0">
+        <inkml:traceFormat>
+          <inkml:channel name="X" type="integer" min="-2.14748E9" max="2.14748E9" units="cm"/>
+          <inkml:channel name="Y" type="integer" min="-2.14748E9" max="2.14748E9" units="cm"/>
+          <inkml:channel name="F" type="integer" max="32767" units="dev"/>
+        </inkml:traceFormat>
+        <inkml:channelProperties>
+          <inkml:channelProperty channel="X" name="resolution" value="1000" units="1/cm"/>
+          <inkml:channelProperty channel="Y" name="resolution" value="1000" units="1/cm"/>
+          <inkml:channelProperty channel="F" name="resolution" value="0" units="1/dev"/>
+        </inkml:channelProperties>
+      </inkml:inkSource>
+      <inkml:timestamp xml:id="ts0" timeString="2023-05-30T16:32:23.813"/>
+    </inkml:context>
+    <inkml:brush xml:id="br0">
+      <inkml:brushProperty name="width" value="0.05" units="cm"/>
+      <inkml:brushProperty name="height" value="0.05" units="cm"/>
+      <inkml:brushProperty name="color" value="#004F8B"/>
+    </inkml:brush>
+  </inkml:definitions>
+  <inkml:trace contextRef="#ctx0" brushRef="#br0">1 40 2465,'0'0'22973,"13"-2"-22746,51-8-169,22-3-4,114-2-1,-199 15-2,-3 16 37,-2-10-73,1-1 0,-1 0 0,0 0 0,-1 0-1,1 0 1,-1-1 0,0 0 0,-8 6 0,-49 28 142,40-25-106,-2 1-4,10-7-37,0 2-1,0-1 1,0 2 0,1 0-1,0 0 1,-17 20-1,29-29-9,1-1-1,-1 1 1,1-1-1,-1 1 0,0 0 1,1-1-1,-1 1 1,1 0-1,0-1 0,-1 1 1,1 0-1,0 0 1,-1-1-1,1 1 1,0 0-1,0 0 0,0 0 1,-1 0-1,1-1 1,0 1-1,0 0 0,0 0 1,0 0-1,1 0 1,-1-1-1,0 1 0,0 0 1,0 0-1,1 0 1,-1-1-1,0 1 0,1 0 1,-1 0-1,1-1 1,-1 1-1,1 0 1,-1-1-1,1 1 0,-1-1 1,1 1-1,0 0 1,-1-1-1,1 1 0,0-1 1,-1 0-1,1 1 1,0-1-1,0 0 0,-1 1 1,1-1-1,0 0 1,0 0-1,0 1 0,0-1 1,-1 0-1,1 0 1,0 0-1,1 0 0,10 1-12,0 0 0,-1-1-1,17-1 1,-16 0 8,30 0 54,-24 0 47,0 1-1,0 0 0,0 2 1,29 5-1,-42-6-75,0 0 0,0 1 0,0 0 0,0 1 1,0-1-1,0 1 0,-1 0 0,1 0 0,-1 0 0,0 0 0,0 1 0,0 0 1,0 0-1,-1 0 0,1 0 0,-1 1 0,0-1 0,-1 1 0,5 9 0,-3-6 11,-1 0-1,0 0 1,-1 1-1,0-1 0,0 1 1,-1-1-1,0 1 0,-1-1 1,1 1-1,-2 0 0,1-1 1,-1 1-1,0 0 1,-1-1-1,0 0 0,-1 1 1,1-1-1,-2 0 0,1 0 1,-1 0-1,0-1 0,-1 1 1,1-1-1,-2 0 0,1-1 1,-1 1-1,0-1 1,-12 10-1,6-6-51,0-1 0,-1-1 0,0 0 0,0-1 0,-1 0 0,0-1 0,0-1 0,0 0 0,-1-1 0,-27 5 0,-43-3-2984,85-6 2765,-1 0 0,0 0 0,1 0 1,-1 0-1,0 0 0,1 0 0,-1 0 1,0 0-1,0 0 0,1-1 1,-1 1-1,0 0 0,1 0 0,-1 0 1,1-1-1,-1 1 0,0 0 0,1-1 1,-1 1-1,1-1 0,-1 1 0,1-1 1,-1 1-1,1-1 0,-1 1 0,1-1 1,-1 1-1,1-1 0,0 0 0,-1 1 1,1-1-1,0 0 0,0 1 0,-1-1 1,1 0-1,0 0 0,-1-16-9375</inkml:trace>
+</inkml:ink>
+</file>
+
+<file path=ppt/ink/ink60.xml><?xml version="1.0" encoding="utf-8"?>
 <inkml:ink xmlns:inkml="http://www.w3.org/2003/InkML">
   <inkml:definitions>
     <inkml:context xml:id="ctx0">
@@ -2329,7 +3169,7 @@
 </inkml:ink>
 </file>
 
-<file path=ppt/ink/ink47.xml><?xml version="1.0" encoding="utf-8"?>
+<file path=ppt/ink/ink61.xml><?xml version="1.0" encoding="utf-8"?>
 <inkml:ink xmlns:inkml="http://www.w3.org/2003/InkML">
   <inkml:definitions>
     <inkml:context xml:id="ctx0">
@@ -2357,7 +3197,7 @@
 </inkml:ink>
 </file>
 
-<file path=ppt/ink/ink48.xml><?xml version="1.0" encoding="utf-8"?>
+<file path=ppt/ink/ink62.xml><?xml version="1.0" encoding="utf-8"?>
 <inkml:ink xmlns:inkml="http://www.w3.org/2003/InkML">
   <inkml:definitions>
     <inkml:context xml:id="ctx0">
@@ -2385,7 +3225,7 @@
 </inkml:ink>
 </file>
 
-<file path=ppt/ink/ink49.xml><?xml version="1.0" encoding="utf-8"?>
+<file path=ppt/ink/ink63.xml><?xml version="1.0" encoding="utf-8"?>
 <inkml:ink xmlns:inkml="http://www.w3.org/2003/InkML">
   <inkml:definitions>
     <inkml:context xml:id="ctx0">
@@ -2413,35 +3253,7 @@
 </inkml:ink>
 </file>
 
-<file path=ppt/ink/ink5.xml><?xml version="1.0" encoding="utf-8"?>
-<inkml:ink xmlns:inkml="http://www.w3.org/2003/InkML">
-  <inkml:definitions>
-    <inkml:context xml:id="ctx0">
-      <inkml:inkSource xml:id="inkSrc0">
-        <inkml:traceFormat>
-          <inkml:channel name="X" type="integer" min="-2.14748E9" max="2.14748E9" units="cm"/>
-          <inkml:channel name="Y" type="integer" min="-2.14748E9" max="2.14748E9" units="cm"/>
-          <inkml:channel name="F" type="integer" max="32767" units="dev"/>
-        </inkml:traceFormat>
-        <inkml:channelProperties>
-          <inkml:channelProperty channel="X" name="resolution" value="1000" units="1/cm"/>
-          <inkml:channelProperty channel="Y" name="resolution" value="1000" units="1/cm"/>
-          <inkml:channelProperty channel="F" name="resolution" value="0" units="1/dev"/>
-        </inkml:channelProperties>
-      </inkml:inkSource>
-      <inkml:timestamp xml:id="ts0" timeString="2023-05-29T14:18:23.084"/>
-    </inkml:context>
-    <inkml:brush xml:id="br0">
-      <inkml:brushProperty name="width" value="0.1" units="cm"/>
-      <inkml:brushProperty name="height" value="0.1" units="cm"/>
-      <inkml:brushProperty name="color" value="#5B2D90"/>
-    </inkml:brush>
-  </inkml:definitions>
-  <inkml:trace contextRef="#ctx0" brushRef="#br0">234 1 2753,'0'0'2647,"0"0"-524,0 0-399,0 0-646,0 0-243,0 0-123,0 0 46,0 0 146,0 0 78,0 0 48,-6 1 2102,-18 6-2657,14 0-460,0-1-1,1 1 1,0 1 0,0 0 0,1 0 0,0 1 0,0-1-1,1 2 1,0-1 0,0 1 0,1 0 0,1 1-1,0-1 1,0 1 0,1 0 0,0 0 0,1 1 0,-1 7-15,-20 86-387,20-69 381,2 1 1,0-1 0,3 0-1,1 0 1,2 0 0,7 31 5,-8-57 16,0-1 1,1 1-1,0-1 1,1-1 0,0 1-1,0-1 1,1 1-1,0-1 1,5 4-17,5 6 50,0-2 0,1 0 0,12 8-50,-24-21 71,1 1 1,0-1-1,0 0 1,0 0 0,1-1-1,-1 0 1,0 0 0,1-1-1,0 0 1,-1 0 0,6 0-72,6 0 202,0-1 0,0 0 1,14-3-203,-20-1 27,0-1 1,-1 0 0,0-1-1,0 0 1,0 0 0,-1-1-1,0-1 1,0 1 0,-1-2-1,4-2-27,5-5 225,-11 9-218,0-1 0,0 0 0,0-1-1,-1 0 1,0 1 0,-1-2 0,0 1-1,-1-1 1,0 0 0,0 1 0,-1-2-1,0 1 1,0-2-7,2-15 34,0 0 0,-2-1 0,0 1 0,-2-13-34,-1 17 193,-1-1-1,-1 1 0,-2-11-192,2 24 25,-1 0-1,0 0 1,-1 1 0,0-1-1,0 1 1,-1 0 0,0 0-1,-6-8-24,-3-3 189,-1 1-1,-1 1 1,-1 0-1,0 0 1,-1 2-1,-1 1 1,0 0-1,-19-10-188,28 19 5,1 1-1,0 0 1,-1 1-1,0 0 0,0 1 1,-1 0-1,1 0 1,0 1-1,-1 1 0,0 0 1,1 0-1,-1 1 1,0 0-1,1 1 0,-1 0 1,1 1-1,-1 0 1,1 0-1,0 1 0,-1 1 1,-5 2-5,5 0-448,0 1 1,0 0-1,0 0 1,-9 9 447,-47 46-4573</inkml:trace>
-</inkml:ink>
-</file>
-
-<file path=ppt/ink/ink50.xml><?xml version="1.0" encoding="utf-8"?>
+<file path=ppt/ink/ink64.xml><?xml version="1.0" encoding="utf-8"?>
 <inkml:ink xmlns:inkml="http://www.w3.org/2003/InkML">
   <inkml:definitions>
     <inkml:context xml:id="ctx0">
@@ -2469,7 +3281,7 @@
 </inkml:ink>
 </file>
 
-<file path=ppt/ink/ink51.xml><?xml version="1.0" encoding="utf-8"?>
+<file path=ppt/ink/ink65.xml><?xml version="1.0" encoding="utf-8"?>
 <inkml:ink xmlns:inkml="http://www.w3.org/2003/InkML">
   <inkml:definitions>
     <inkml:context xml:id="ctx0">
@@ -2497,7 +3309,7 @@
 </inkml:ink>
 </file>
 
-<file path=ppt/ink/ink52.xml><?xml version="1.0" encoding="utf-8"?>
+<file path=ppt/ink/ink66.xml><?xml version="1.0" encoding="utf-8"?>
 <inkml:ink xmlns:inkml="http://www.w3.org/2003/InkML">
   <inkml:definitions>
     <inkml:context xml:id="ctx0">
@@ -2525,7 +3337,7 @@
 </inkml:ink>
 </file>
 
-<file path=ppt/ink/ink53.xml><?xml version="1.0" encoding="utf-8"?>
+<file path=ppt/ink/ink67.xml><?xml version="1.0" encoding="utf-8"?>
 <inkml:ink xmlns:inkml="http://www.w3.org/2003/InkML">
   <inkml:definitions>
     <inkml:context xml:id="ctx0">
@@ -2553,7 +3365,7 @@
 </inkml:ink>
 </file>
 
-<file path=ppt/ink/ink54.xml><?xml version="1.0" encoding="utf-8"?>
+<file path=ppt/ink/ink68.xml><?xml version="1.0" encoding="utf-8"?>
 <inkml:ink xmlns:inkml="http://www.w3.org/2003/InkML">
   <inkml:definitions>
     <inkml:context xml:id="ctx0">
@@ -2581,7 +3393,7 @@
 </inkml:ink>
 </file>
 
-<file path=ppt/ink/ink55.xml><?xml version="1.0" encoding="utf-8"?>
+<file path=ppt/ink/ink69.xml><?xml version="1.0" encoding="utf-8"?>
 <inkml:ink xmlns:inkml="http://www.w3.org/2003/InkML">
   <inkml:definitions>
     <inkml:context xml:id="ctx0">
@@ -2609,7 +3421,35 @@
 </inkml:ink>
 </file>
 
-<file path=ppt/ink/ink56.xml><?xml version="1.0" encoding="utf-8"?>
+<file path=ppt/ink/ink7.xml><?xml version="1.0" encoding="utf-8"?>
+<inkml:ink xmlns:inkml="http://www.w3.org/2003/InkML">
+  <inkml:definitions>
+    <inkml:context xml:id="ctx0">
+      <inkml:inkSource xml:id="inkSrc0">
+        <inkml:traceFormat>
+          <inkml:channel name="X" type="integer" min="-2.14748E9" max="2.14748E9" units="cm"/>
+          <inkml:channel name="Y" type="integer" min="-2.14748E9" max="2.14748E9" units="cm"/>
+          <inkml:channel name="F" type="integer" max="32767" units="dev"/>
+        </inkml:traceFormat>
+        <inkml:channelProperties>
+          <inkml:channelProperty channel="X" name="resolution" value="1000" units="1/cm"/>
+          <inkml:channelProperty channel="Y" name="resolution" value="1000" units="1/cm"/>
+          <inkml:channelProperty channel="F" name="resolution" value="0" units="1/dev"/>
+        </inkml:channelProperties>
+      </inkml:inkSource>
+      <inkml:timestamp xml:id="ts0" timeString="2023-05-30T16:32:24.942"/>
+    </inkml:context>
+    <inkml:brush xml:id="br0">
+      <inkml:brushProperty name="width" value="0.05" units="cm"/>
+      <inkml:brushProperty name="height" value="0.05" units="cm"/>
+      <inkml:brushProperty name="color" value="#004F8B"/>
+    </inkml:brush>
+  </inkml:definitions>
+  <inkml:trace contextRef="#ctx0" brushRef="#br0">1 32 14359,'0'0'10970,"21"-1"-10346,166-13 721,-158 9-1019,4 0 215,47-1 0,-79 7-503,0 1 0,-1-1 0,1 1 0,0-1 0,-1 1-1,1 0 1,-1-1 0,0 1 0,1 0 0,-1-1 0,0 1-1,0-1 1,0 1 0,0 0 0,0-1 0,-1 4 0,0 1 31,1 41 63,2-1 0,2 1 0,12 58 0,28 44 29,-3-10-159,-40-135-3,0 1 0,0-1 1,0 0-1,-1 0 1,0 0-1,0 0 0,0 0 1,0 0-1,0 1 0,-1-1 1,0 0-1,0 0 0,-1 4 1,0-5-3,1 0 1,-1-1-1,0 1 1,0 0-1,-1-1 1,1 0 0,0 1-1,-1-1 1,1 0-1,-1 0 1,0 0-1,0-1 1,0 1-1,0-1 1,0 1 0,-4 0-1,-9 3-39,0-1 0,-1-1 0,1-1 0,-1 0 0,0-1 0,-22-2 0,21 1-157,15 0 91,0 0 1,-1 0 0,1 0 0,0-1-1,0 1 1,0-1 0,-1 0 0,1 0-1,0 0 1,0 0 0,0-1 0,0 1-1,1-1 1,-1 0 0,-4-3 0,5 3-176,1 1 0,0-1 0,0 1 0,0-1 0,-1 1 0,2-1 0,-1 0 0,0 0 0,0 0 0,1 1 0,-2-4 1,2 3-638,-1-2 1,1 1 0,0 0-1,0 0 1,0 0 0,0 0-1,1 0 1,0-4 0,7-13-10876</inkml:trace>
+</inkml:ink>
+</file>
+
+<file path=ppt/ink/ink70.xml><?xml version="1.0" encoding="utf-8"?>
 <inkml:ink xmlns:inkml="http://www.w3.org/2003/InkML">
   <inkml:definitions>
     <inkml:context xml:id="ctx0">
@@ -2637,7 +3477,7 @@
 </inkml:ink>
 </file>
 
-<file path=ppt/ink/ink57.xml><?xml version="1.0" encoding="utf-8"?>
+<file path=ppt/ink/ink71.xml><?xml version="1.0" encoding="utf-8"?>
 <inkml:ink xmlns:inkml="http://www.w3.org/2003/InkML">
   <inkml:definitions>
     <inkml:context xml:id="ctx0">
@@ -2665,7 +3505,7 @@
 </inkml:ink>
 </file>
 
-<file path=ppt/ink/ink58.xml><?xml version="1.0" encoding="utf-8"?>
+<file path=ppt/ink/ink72.xml><?xml version="1.0" encoding="utf-8"?>
 <inkml:ink xmlns:inkml="http://www.w3.org/2003/InkML">
   <inkml:definitions>
     <inkml:context xml:id="ctx0">
@@ -2693,7 +3533,7 @@
 </inkml:ink>
 </file>
 
-<file path=ppt/ink/ink59.xml><?xml version="1.0" encoding="utf-8"?>
+<file path=ppt/ink/ink73.xml><?xml version="1.0" encoding="utf-8"?>
 <inkml:ink xmlns:inkml="http://www.w3.org/2003/InkML">
   <inkml:definitions>
     <inkml:context xml:id="ctx0">
@@ -2721,35 +3561,7 @@
 </inkml:ink>
 </file>
 
-<file path=ppt/ink/ink6.xml><?xml version="1.0" encoding="utf-8"?>
-<inkml:ink xmlns:inkml="http://www.w3.org/2003/InkML">
-  <inkml:definitions>
-    <inkml:context xml:id="ctx0">
-      <inkml:inkSource xml:id="inkSrc0">
-        <inkml:traceFormat>
-          <inkml:channel name="X" type="integer" min="-2.14748E9" max="2.14748E9" units="cm"/>
-          <inkml:channel name="Y" type="integer" min="-2.14748E9" max="2.14748E9" units="cm"/>
-          <inkml:channel name="F" type="integer" max="32767" units="dev"/>
-        </inkml:traceFormat>
-        <inkml:channelProperties>
-          <inkml:channelProperty channel="X" name="resolution" value="1000" units="1/cm"/>
-          <inkml:channelProperty channel="Y" name="resolution" value="1000" units="1/cm"/>
-          <inkml:channelProperty channel="F" name="resolution" value="0" units="1/dev"/>
-        </inkml:channelProperties>
-      </inkml:inkSource>
-      <inkml:timestamp xml:id="ts0" timeString="2023-05-29T14:18:23.085"/>
-    </inkml:context>
-    <inkml:brush xml:id="br0">
-      <inkml:brushProperty name="width" value="0.1" units="cm"/>
-      <inkml:brushProperty name="height" value="0.1" units="cm"/>
-      <inkml:brushProperty name="color" value="#5B2D90"/>
-    </inkml:brush>
-  </inkml:definitions>
-  <inkml:trace contextRef="#ctx0" brushRef="#br0">400 31 7764,'0'0'1683,"0"0"128,0 0-679,0 0-911,0 0-176,0 0 166,0 0 403,0 0 730,0 0 719,0 0 28,0 0-559,0 0-556,0 0-426,-24 18 7,-19 6-437,-1 1-88,1 1-1,1 3 1,0 2-32,29-21 0,1 1-1,0 1 1,1 0 0,1 0-1,0 1 1,0 0-1,1 1 1,1 0 0,0 0-1,1 1 1,-2 8 0,-2 9-10,2 1 0,2 0-1,1 0 1,1 0 0,2 1-1,2-1 1,1 15 10,0-41 7,0 0 1,1 0-1,0 0 0,1 0 1,0-1-1,0 1 0,0 0 1,1-1-1,0 1 0,0-1 1,0 0-1,1 0 0,0 0 1,0-1-1,0 1 0,1-1 1,0 0-1,0-1 0,1 1 1,-1-1-1,1 0 0,0 0 1,4 2-8,4 2 12,0-2 1,0 0 0,1 0 0,0-1-1,0-1 1,0-1 0,0 0 0,0-1-1,1 0 1,2-2-13,15 2 58,0-1 0,0-2 0,0-2 0,0 0 0,0-3 0,-1 0 0,1-2 0,9-5-58,-25 6-10,1 0-1,-1-1 0,0-1 0,-1 0 0,0-1 1,-1-1-1,1-1 0,5-6 11,-13 10 0,-1 0-1,0 0 1,0 0 0,-1-1 0,0 0-1,-1 0 1,0-1 0,0 1-1,-1-1 1,0 0 0,-1 0 0,0-1-1,0 1 1,-1-1 0,0-6 0,0-1 16,-1-1-1,0 0 1,-2 0 0,0 0 0,-1 1 0,-1-1 0,0 0 0,-2 1-1,0 0 1,-1 0 0,-1 0 0,0 1 0,-2 0 0,0 1 0,-1-1-1,0 2 1,-1-1 0,-3-1-16,0 1-8,-1-1 0,0 1 0,-1 2 0,-1-1 0,0 2 0,-1 0-1,-1 1 1,0 1 0,0 1 0,-1 0 0,0 2 0,-1 0 0,0 1 0,0 1 0,-4 1 8,5 2-441,0 0 1,0 2-1,0 0 1,0 2 0,0 0-1,-15 3 441,-47 17-5093</inkml:trace>
-</inkml:ink>
-</file>
-
-<file path=ppt/ink/ink60.xml><?xml version="1.0" encoding="utf-8"?>
+<file path=ppt/ink/ink74.xml><?xml version="1.0" encoding="utf-8"?>
 <inkml:ink xmlns:inkml="http://www.w3.org/2003/InkML">
   <inkml:definitions>
     <inkml:context xml:id="ctx0">
@@ -2777,7 +3589,7 @@
 </inkml:ink>
 </file>
 
-<file path=ppt/ink/ink61.xml><?xml version="1.0" encoding="utf-8"?>
+<file path=ppt/ink/ink75.xml><?xml version="1.0" encoding="utf-8"?>
 <inkml:ink xmlns:inkml="http://www.w3.org/2003/InkML">
   <inkml:definitions>
     <inkml:context xml:id="ctx0">
@@ -2805,7 +3617,7 @@
 </inkml:ink>
 </file>
 
-<file path=ppt/ink/ink62.xml><?xml version="1.0" encoding="utf-8"?>
+<file path=ppt/ink/ink76.xml><?xml version="1.0" encoding="utf-8"?>
 <inkml:ink xmlns:inkml="http://www.w3.org/2003/InkML">
   <inkml:definitions>
     <inkml:context xml:id="ctx0">
@@ -2833,7 +3645,7 @@
 </inkml:ink>
 </file>
 
-<file path=ppt/ink/ink63.xml><?xml version="1.0" encoding="utf-8"?>
+<file path=ppt/ink/ink77.xml><?xml version="1.0" encoding="utf-8"?>
 <inkml:ink xmlns:inkml="http://www.w3.org/2003/InkML">
   <inkml:definitions>
     <inkml:context xml:id="ctx0">
@@ -2861,7 +3673,7 @@
 </inkml:ink>
 </file>
 
-<file path=ppt/ink/ink64.xml><?xml version="1.0" encoding="utf-8"?>
+<file path=ppt/ink/ink78.xml><?xml version="1.0" encoding="utf-8"?>
 <inkml:ink xmlns:inkml="http://www.w3.org/2003/InkML">
   <inkml:definitions>
     <inkml:context xml:id="ctx0">
@@ -2889,7 +3701,7 @@
 </inkml:ink>
 </file>
 
-<file path=ppt/ink/ink65.xml><?xml version="1.0" encoding="utf-8"?>
+<file path=ppt/ink/ink79.xml><?xml version="1.0" encoding="utf-8"?>
 <inkml:ink xmlns:inkml="http://www.w3.org/2003/InkML">
   <inkml:definitions>
     <inkml:context xml:id="ctx0">
@@ -2917,7 +3729,35 @@
 </inkml:ink>
 </file>
 
-<file path=ppt/ink/ink66.xml><?xml version="1.0" encoding="utf-8"?>
+<file path=ppt/ink/ink8.xml><?xml version="1.0" encoding="utf-8"?>
+<inkml:ink xmlns:inkml="http://www.w3.org/2003/InkML">
+  <inkml:definitions>
+    <inkml:context xml:id="ctx0">
+      <inkml:inkSource xml:id="inkSrc0">
+        <inkml:traceFormat>
+          <inkml:channel name="X" type="integer" min="-2.14748E9" max="2.14748E9" units="cm"/>
+          <inkml:channel name="Y" type="integer" min="-2.14748E9" max="2.14748E9" units="cm"/>
+          <inkml:channel name="F" type="integer" max="32767" units="dev"/>
+        </inkml:traceFormat>
+        <inkml:channelProperties>
+          <inkml:channelProperty channel="X" name="resolution" value="1000" units="1/cm"/>
+          <inkml:channelProperty channel="Y" name="resolution" value="1000" units="1/cm"/>
+          <inkml:channelProperty channel="F" name="resolution" value="0" units="1/dev"/>
+        </inkml:channelProperties>
+      </inkml:inkSource>
+      <inkml:timestamp xml:id="ts0" timeString="2023-05-30T16:32:26.921"/>
+    </inkml:context>
+    <inkml:brush xml:id="br0">
+      <inkml:brushProperty name="width" value="0.05" units="cm"/>
+      <inkml:brushProperty name="height" value="0.05" units="cm"/>
+      <inkml:brushProperty name="color" value="#004F8B"/>
+    </inkml:brush>
+  </inkml:definitions>
+  <inkml:trace contextRef="#ctx0" brushRef="#br0">343 1 11205,'0'0'4474,"-25"0"-4412,-8 0-48,-117 2 65,140-1 141,0 0 0,1 1 0,-1 0 0,1 0 0,-1 1 0,1 0 0,-14 7 0,19-8-127,1 0 0,0 0 0,1 0 0,-1 0 0,0 0 0,0 1 0,1-1 0,0 1 0,-1 0 0,1-1 0,0 1 0,0 0 0,1 1 0,-1-1 0,1 0-1,-1 0 1,1 1 0,0-1 0,0 1 0,1-1 0,-1 1 0,1-1 0,-1 7 0,2 15 771,0 0 0,1 0 0,1 0 0,10 32-1,-6-22-277,-1 0 0,-2 1 0,0 42 0,-3-57-478,2 15 215,15 60-1,-8-45 106,-9-49-422,-1 0 0,1 0 0,0 1 0,0-2 0,0 1 0,0 0 1,0 0-1,1 0 0,-1 0 0,0-1 0,1 1 0,-1-1 0,1 1 1,0-1-1,0 1 0,-1-1 0,1 0 0,0 0 0,0 0 0,0 0 0,0 0 1,0-1-1,0 1 0,0 0 0,0-1 0,4 1 0,7 1 26,0-1 0,0 0 0,18-2 0,-12 0 19,11 0-206,0-2 1,35-8-1,-14 2-2320,1 3-3398,-13 6-2171</inkml:trace>
+</inkml:ink>
+</file>
+
+<file path=ppt/ink/ink80.xml><?xml version="1.0" encoding="utf-8"?>
 <inkml:ink xmlns:inkml="http://www.w3.org/2003/InkML">
   <inkml:definitions>
     <inkml:context xml:id="ctx0">
@@ -2945,7 +3785,7 @@
 </inkml:ink>
 </file>
 
-<file path=ppt/ink/ink67.xml><?xml version="1.0" encoding="utf-8"?>
+<file path=ppt/ink/ink81.xml><?xml version="1.0" encoding="utf-8"?>
 <inkml:ink xmlns:inkml="http://www.w3.org/2003/InkML">
   <inkml:definitions>
     <inkml:context xml:id="ctx0">
@@ -2973,7 +3813,7 @@
 </inkml:ink>
 </file>
 
-<file path=ppt/ink/ink68.xml><?xml version="1.0" encoding="utf-8"?>
+<file path=ppt/ink/ink82.xml><?xml version="1.0" encoding="utf-8"?>
 <inkml:ink xmlns:inkml="http://www.w3.org/2003/InkML">
   <inkml:definitions>
     <inkml:context xml:id="ctx0">
@@ -3001,7 +3841,7 @@
 </inkml:ink>
 </file>
 
-<file path=ppt/ink/ink69.xml><?xml version="1.0" encoding="utf-8"?>
+<file path=ppt/ink/ink83.xml><?xml version="1.0" encoding="utf-8"?>
 <inkml:ink xmlns:inkml="http://www.w3.org/2003/InkML">
   <inkml:definitions>
     <inkml:context xml:id="ctx0">
@@ -3029,35 +3869,7 @@
 </inkml:ink>
 </file>
 
-<file path=ppt/ink/ink7.xml><?xml version="1.0" encoding="utf-8"?>
-<inkml:ink xmlns:inkml="http://www.w3.org/2003/InkML">
-  <inkml:definitions>
-    <inkml:context xml:id="ctx0">
-      <inkml:inkSource xml:id="inkSrc0">
-        <inkml:traceFormat>
-          <inkml:channel name="X" type="integer" min="-2.14748E9" max="2.14748E9" units="cm"/>
-          <inkml:channel name="Y" type="integer" min="-2.14748E9" max="2.14748E9" units="cm"/>
-          <inkml:channel name="F" type="integer" max="32767" units="dev"/>
-        </inkml:traceFormat>
-        <inkml:channelProperties>
-          <inkml:channelProperty channel="X" name="resolution" value="1000" units="1/cm"/>
-          <inkml:channelProperty channel="Y" name="resolution" value="1000" units="1/cm"/>
-          <inkml:channelProperty channel="F" name="resolution" value="0" units="1/dev"/>
-        </inkml:channelProperties>
-      </inkml:inkSource>
-      <inkml:timestamp xml:id="ts0" timeString="2023-05-29T14:18:23.086"/>
-    </inkml:context>
-    <inkml:brush xml:id="br0">
-      <inkml:brushProperty name="width" value="0.1" units="cm"/>
-      <inkml:brushProperty name="height" value="0.1" units="cm"/>
-      <inkml:brushProperty name="color" value="#5B2D90"/>
-    </inkml:brush>
-  </inkml:definitions>
-  <inkml:trace contextRef="#ctx0" brushRef="#br0">193 67 2449,'0'0'2300,"0"0"-630,0 0-336,0 0-286,0 0-93,0 0 134,0 0-25,0 0-82,0 0 147,0 0-150,0 0-293,0 0-102,0 0-72,0 0 160,0 0 217,0 0 205,0 0 191,0 0-145,0 0-177,0 0-5,0 0-121,-8 22 407,-28 7-1374,28-24 86,2 0 0,-1 0 0,1 0 0,-1 1 0,1 0 0,1 0-1,-1 1 1,1-1 0,1 1 0,-1 0 0,1 0 0,0 1 0,0 0 0,0 3 44,-7 35-189,2-1 1,3 2-1,1-1 1,2 0 0,3 36 188,1-71-22,0 0 0,1 0 0,0 0 0,1-1 1,0 1-1,0-1 0,1 0 0,1 0 0,0 0 0,0-1 1,0 1-1,2 0 22,17 23-59,0-1 1,20 17 58,-31-34-11,-7-10 8,0 1 0,0-1 1,1 0-1,-1-1 0,1 1 0,0-1 0,1-1 0,-1 1 0,0-1 0,1-1 0,0 1 1,0-1-1,0 0 0,0-1 0,5 0 3,20 2 7,0-2 0,-1-2 1,12-2-8,-16 1 19,-20 1-28,-1 0-1,1-1 1,-1-1 0,1 1 0,-1-1 0,0 0 0,0-1 0,0 0 0,6-4 9,2-2-24,1-1-1,-2-1 1,8-8 24,-10 6-2,-2 0 1,0-1-1,-1 0 1,-1-1-1,0 0 1,-1 0-1,-1 0 1,0-1 0,-1 0-1,0-6 2,7-15-1,-6 11 17,-1-1 0,-2 1 0,0-1 0,-2 0 0,-1 0-1,-2-6-15,1-14 100,1 36-18,-1 0 1,0 0 0,-1 0-1,0 1 1,-1-1 0,0 1-1,-1-1 1,0 1 0,-1 0 0,0 1-1,-1-1 1,0 1 0,-1 0-1,0 1 1,0-1 0,-1 1 0,0 1-1,-1 0 1,0 0 0,0 0-1,-1 1 1,1 1 0,-2-1-1,1 2 1,-1-1 0,-1 1-83,-13-4 33,-1 0 1,-1 2-1,1 1 0,-1 2 1,0 0-1,-11 1-33,25 3-5,0 0 0,0 1 0,0 1-1,0 0 1,0 0 0,0 1 0,1 1 0,-1 0 0,1 1 0,0 1-1,0-1 1,1 2 0,-1 0 0,-2 3 5,-6 5-680,2 1 0,-1 1 0,2 0 0,0 2 0,2 0 0,0 0 0,-1 4 680,-26 48-7254</inkml:trace>
-</inkml:ink>
-</file>
-
-<file path=ppt/ink/ink70.xml><?xml version="1.0" encoding="utf-8"?>
+<file path=ppt/ink/ink84.xml><?xml version="1.0" encoding="utf-8"?>
 <inkml:ink xmlns:inkml="http://www.w3.org/2003/InkML">
   <inkml:definitions>
     <inkml:context xml:id="ctx0">
@@ -3085,7 +3897,7 @@
 </inkml:ink>
 </file>
 
-<file path=ppt/ink/ink71.xml><?xml version="1.0" encoding="utf-8"?>
+<file path=ppt/ink/ink85.xml><?xml version="1.0" encoding="utf-8"?>
 <inkml:ink xmlns:inkml="http://www.w3.org/2003/InkML">
   <inkml:definitions>
     <inkml:context xml:id="ctx0">
@@ -3113,7 +3925,7 @@
 </inkml:ink>
 </file>
 
-<file path=ppt/ink/ink72.xml><?xml version="1.0" encoding="utf-8"?>
+<file path=ppt/ink/ink86.xml><?xml version="1.0" encoding="utf-8"?>
 <inkml:ink xmlns:inkml="http://www.w3.org/2003/InkML">
   <inkml:definitions>
     <inkml:context xml:id="ctx0">
@@ -3141,7 +3953,7 @@
 </inkml:ink>
 </file>
 
-<file path=ppt/ink/ink73.xml><?xml version="1.0" encoding="utf-8"?>
+<file path=ppt/ink/ink87.xml><?xml version="1.0" encoding="utf-8"?>
 <inkml:ink xmlns:inkml="http://www.w3.org/2003/InkML">
   <inkml:definitions>
     <inkml:context xml:id="ctx0">
@@ -3169,7 +3981,7 @@
 </inkml:ink>
 </file>
 
-<file path=ppt/ink/ink74.xml><?xml version="1.0" encoding="utf-8"?>
+<file path=ppt/ink/ink88.xml><?xml version="1.0" encoding="utf-8"?>
 <inkml:ink xmlns:inkml="http://www.w3.org/2003/InkML">
   <inkml:definitions>
     <inkml:context xml:id="ctx0">
@@ -3197,7 +4009,7 @@
 </inkml:ink>
 </file>
 
-<file path=ppt/ink/ink75.xml><?xml version="1.0" encoding="utf-8"?>
+<file path=ppt/ink/ink89.xml><?xml version="1.0" encoding="utf-8"?>
 <inkml:ink xmlns:inkml="http://www.w3.org/2003/InkML">
   <inkml:definitions>
     <inkml:context xml:id="ctx0">
@@ -3225,7 +4037,35 @@
 </inkml:ink>
 </file>
 
-<file path=ppt/ink/ink76.xml><?xml version="1.0" encoding="utf-8"?>
+<file path=ppt/ink/ink9.xml><?xml version="1.0" encoding="utf-8"?>
+<inkml:ink xmlns:inkml="http://www.w3.org/2003/InkML">
+  <inkml:definitions>
+    <inkml:context xml:id="ctx0">
+      <inkml:inkSource xml:id="inkSrc0">
+        <inkml:traceFormat>
+          <inkml:channel name="X" type="integer" min="-2.14748E9" max="2.14748E9" units="cm"/>
+          <inkml:channel name="Y" type="integer" min="-2.14748E9" max="2.14748E9" units="cm"/>
+          <inkml:channel name="F" type="integer" max="32767" units="dev"/>
+        </inkml:traceFormat>
+        <inkml:channelProperties>
+          <inkml:channelProperty channel="X" name="resolution" value="1000" units="1/cm"/>
+          <inkml:channelProperty channel="Y" name="resolution" value="1000" units="1/cm"/>
+          <inkml:channelProperty channel="F" name="resolution" value="0" units="1/dev"/>
+        </inkml:channelProperties>
+      </inkml:inkSource>
+      <inkml:timestamp xml:id="ts0" timeString="2023-05-30T16:32:27.628"/>
+    </inkml:context>
+    <inkml:brush xml:id="br0">
+      <inkml:brushProperty name="width" value="0.05" units="cm"/>
+      <inkml:brushProperty name="height" value="0.05" units="cm"/>
+      <inkml:brushProperty name="color" value="#004F8B"/>
+    </inkml:brush>
+  </inkml:definitions>
+  <inkml:trace contextRef="#ctx0" brushRef="#br0">75 1 10341,'0'0'10706,"-4"5"-9660,-4 7-583,0 0 0,1 1 0,0 0 0,1 0 0,0 1 0,1 0 0,1 0 0,0 0 0,1 0 0,-2 17 0,0 24 682,2 77-1,3-95-827,1-24-192,1 0-1,0 0 0,0 0 0,1 0 0,1-1 1,0 1-1,1-1 0,0 0 0,8 12 0,-8-14-105,1-1 0,0 0 0,0 0 0,1 0-1,0 0 1,1-1 0,0-1 0,0 1-1,1-1 1,0-1 0,10 7 0,-14-10-200,0-1 1,0 0-1,1-1 0,-1 1 1,0-1-1,1 0 1,-1 0-1,1 0 1,-1-1-1,0 0 1,1 0-1,-1-1 1,1 1-1,-1-1 1,1 0-1,-1-1 1,10-3-1,2-3-2168,-1 0 1,0-1-1,28-22 0,-37 27 1339,34-27-7711</inkml:trace>
+</inkml:ink>
+</file>
+
+<file path=ppt/ink/ink90.xml><?xml version="1.0" encoding="utf-8"?>
 <inkml:ink xmlns:inkml="http://www.w3.org/2003/InkML">
   <inkml:definitions>
     <inkml:context xml:id="ctx0">
@@ -3253,7 +4093,7 @@
 </inkml:ink>
 </file>
 
-<file path=ppt/ink/ink77.xml><?xml version="1.0" encoding="utf-8"?>
+<file path=ppt/ink/ink91.xml><?xml version="1.0" encoding="utf-8"?>
 <inkml:ink xmlns:inkml="http://www.w3.org/2003/InkML">
   <inkml:definitions>
     <inkml:context xml:id="ctx0">
@@ -3281,7 +4121,7 @@
 </inkml:ink>
 </file>
 
-<file path=ppt/ink/ink78.xml><?xml version="1.0" encoding="utf-8"?>
+<file path=ppt/ink/ink92.xml><?xml version="1.0" encoding="utf-8"?>
 <inkml:ink xmlns:inkml="http://www.w3.org/2003/InkML">
   <inkml:definitions>
     <inkml:context xml:id="ctx0">
@@ -3309,7 +4149,7 @@
 </inkml:ink>
 </file>
 
-<file path=ppt/ink/ink79.xml><?xml version="1.0" encoding="utf-8"?>
+<file path=ppt/ink/ink93.xml><?xml version="1.0" encoding="utf-8"?>
 <inkml:ink xmlns:inkml="http://www.w3.org/2003/InkML">
   <inkml:definitions>
     <inkml:context xml:id="ctx0">
@@ -3337,35 +4177,7 @@
 </inkml:ink>
 </file>
 
-<file path=ppt/ink/ink8.xml><?xml version="1.0" encoding="utf-8"?>
-<inkml:ink xmlns:inkml="http://www.w3.org/2003/InkML">
-  <inkml:definitions>
-    <inkml:context xml:id="ctx0">
-      <inkml:inkSource xml:id="inkSrc0">
-        <inkml:traceFormat>
-          <inkml:channel name="X" type="integer" min="-2.14748E9" max="2.14748E9" units="cm"/>
-          <inkml:channel name="Y" type="integer" min="-2.14748E9" max="2.14748E9" units="cm"/>
-          <inkml:channel name="F" type="integer" max="32767" units="dev"/>
-        </inkml:traceFormat>
-        <inkml:channelProperties>
-          <inkml:channelProperty channel="X" name="resolution" value="1000" units="1/cm"/>
-          <inkml:channelProperty channel="Y" name="resolution" value="1000" units="1/cm"/>
-          <inkml:channelProperty channel="F" name="resolution" value="0" units="1/dev"/>
-        </inkml:channelProperties>
-      </inkml:inkSource>
-      <inkml:timestamp xml:id="ts0" timeString="2023-05-29T14:18:23.087"/>
-    </inkml:context>
-    <inkml:brush xml:id="br0">
-      <inkml:brushProperty name="width" value="0.1" units="cm"/>
-      <inkml:brushProperty name="height" value="0.1" units="cm"/>
-      <inkml:brushProperty name="color" value="#5B2D90"/>
-    </inkml:brush>
-  </inkml:definitions>
-  <inkml:trace contextRef="#ctx0" brushRef="#br0">240 0 4674,'0'0'1750,"0"0"8,0 0-146,0 0-436,0 0-239,0 0-188,-1 10 4886,-1 12-3180,-2-13-1500,-5 4 699,-51 27-1799,50-36 109,0 2 1,1 0 0,0 0 0,0 0 0,1 2 0,-1-1 0,1 1 0,1 0 0,-1 0 0,1 1 0,1 0 0,-5 9 35,1 5 8,1 1 1,1 0-1,2 1 0,0 0 0,1 0 1,1 1-1,2-1 0,0 1 0,1 0 1,2-1-1,1 8-8,-1-24 14,-1 1 0,2-1 0,0 0 1,0 0-1,0 0 0,1 0 0,0-1 1,1 1-1,-1-1 0,2 1 0,-1-1 1,1-1-1,0 1 0,1-1 0,0 0 0,0 0 1,4 3-15,1-1 136,1 0 1,0-1 0,0 0-1,0-1 1,1-1 0,0 0-1,0-1 1,1-1 0,0 0 0,7 1-137,10 2 60,0-2 0,0-2 0,1 0 1,-1-3-1,1 0 0,-1-3 0,0 0 1,1-2-1,-2-2 0,1-1 0,-1-1 1,5-4-61,-26 10-8,0 0 0,-1-1 1,1 0-1,-1-1 1,0 0-1,0 0 1,0-1-1,-1 0 1,1 0-1,-1-1 1,-1 0-1,1 0 1,-1-1-1,-1 0 0,1 0 1,-1-1-1,0 1 1,-1-1-1,0 0 1,0 0-1,-1-1 1,0 1-1,0-4 8,1-9-3,0 0-1,-1 1 1,-1-1-1,-1-1 1,-1 1 0,0 0-1,-3-11 4,1 24 15,0 1-1,-1-1 1,1 1 0,-1 0-1,-1 0 1,0 0-1,0 0 1,0 0-1,-1 1 1,0 0 0,0 0-1,-1 0 1,-5-4-15,-10-8 141,0 2 1,-1 0-1,-16-8-141,-16-12 285,40 29-278,0 0 0,-1 1 0,0 1 0,-1 1 0,1 0 0,-1 1 0,1 0 0,-1 2 1,0 0-1,-1 1 0,-13 1-7,17 0-75,-1 0-1,0 2 1,1-1 0,-1 2 0,1 0 0,0 1 0,0 0 0,0 1 0,0 0 0,1 1 0,0 1 0,0 0 0,1 1 0,-1 0 0,-2 4 75,-51 49-4205,2 15-7123</inkml:trace>
-</inkml:ink>
-</file>
-
-<file path=ppt/ink/ink80.xml><?xml version="1.0" encoding="utf-8"?>
+<file path=ppt/ink/ink94.xml><?xml version="1.0" encoding="utf-8"?>
 <inkml:ink xmlns:inkml="http://www.w3.org/2003/InkML">
   <inkml:definitions>
     <inkml:context xml:id="ctx0">
@@ -3393,7 +4205,7 @@
 </inkml:ink>
 </file>
 
-<file path=ppt/ink/ink81.xml><?xml version="1.0" encoding="utf-8"?>
+<file path=ppt/ink/ink95.xml><?xml version="1.0" encoding="utf-8"?>
 <inkml:ink xmlns:inkml="http://www.w3.org/2003/InkML">
   <inkml:definitions>
     <inkml:context xml:id="ctx0">
@@ -3421,7 +4233,7 @@
 </inkml:ink>
 </file>
 
-<file path=ppt/ink/ink82.xml><?xml version="1.0" encoding="utf-8"?>
+<file path=ppt/ink/ink96.xml><?xml version="1.0" encoding="utf-8"?>
 <inkml:ink xmlns:inkml="http://www.w3.org/2003/InkML">
   <inkml:definitions>
     <inkml:context xml:id="ctx0">
@@ -3449,7 +4261,7 @@
 </inkml:ink>
 </file>
 
-<file path=ppt/ink/ink83.xml><?xml version="1.0" encoding="utf-8"?>
+<file path=ppt/ink/ink97.xml><?xml version="1.0" encoding="utf-8"?>
 <inkml:ink xmlns:inkml="http://www.w3.org/2003/InkML">
   <inkml:definitions>
     <inkml:context xml:id="ctx0">
@@ -3477,7 +4289,7 @@
 </inkml:ink>
 </file>
 
-<file path=ppt/ink/ink84.xml><?xml version="1.0" encoding="utf-8"?>
+<file path=ppt/ink/ink98.xml><?xml version="1.0" encoding="utf-8"?>
 <inkml:ink xmlns:inkml="http://www.w3.org/2003/InkML">
   <inkml:definitions>
     <inkml:context xml:id="ctx0">
@@ -3505,7 +4317,7 @@
 </inkml:ink>
 </file>
 
-<file path=ppt/ink/ink85.xml><?xml version="1.0" encoding="utf-8"?>
+<file path=ppt/ink/ink99.xml><?xml version="1.0" encoding="utf-8"?>
 <inkml:ink xmlns:inkml="http://www.w3.org/2003/InkML">
   <inkml:definitions>
     <inkml:context xml:id="ctx0">
@@ -3530,426 +4342,6 @@
     </inkml:brush>
   </inkml:definitions>
   <inkml:trace contextRef="#ctx0" brushRef="#br0">1 1 9428,'0'0'1927,"0"0"396,0 0-143,0 0-923,0 0-452,0 9 14,19 358 4624,-11-218-4599,-3-45-609,5 0 1,7 22-236,-17-124-46,0-1-1,0 1 1,0-1 0,1 1-1,-1-1 1,0 1 0,1-1-1,-1 1 1,1-1 0,-1 1 0,1-1-1,0 0 1,-1 1 0,1-1-1,0 0 1,0 0 0,0 1-1,0-1 1,0 0 0,0 0-1,0 0 1,1 0 0,-1 0-1,0-1 1,0 1 0,1 0 0,0 0 46,0-2-451,-1 1 0,1-1 1,0 1-1,-1-1 1,1 0-1,-1 0 1,1 1-1,-1-1 1,1 0-1,-1-1 1,0 1-1,1 0 0,-1 0 1,0 0-1,0-1 1,0 1-1,0-1 1,0 1-1,0-1 1,0 1-1,-1-1 1,1 0 450,11-19-11342</inkml:trace>
-</inkml:ink>
-</file>
-
-<file path=ppt/ink/ink86.xml><?xml version="1.0" encoding="utf-8"?>
-<inkml:ink xmlns:inkml="http://www.w3.org/2003/InkML">
-  <inkml:definitions>
-    <inkml:context xml:id="ctx0">
-      <inkml:inkSource xml:id="inkSrc0">
-        <inkml:traceFormat>
-          <inkml:channel name="X" type="integer" min="-2.14748E9" max="2.14748E9" units="cm"/>
-          <inkml:channel name="Y" type="integer" min="-2.14748E9" max="2.14748E9" units="cm"/>
-          <inkml:channel name="F" type="integer" max="32767" units="dev"/>
-        </inkml:traceFormat>
-        <inkml:channelProperties>
-          <inkml:channelProperty channel="X" name="resolution" value="1000" units="1/cm"/>
-          <inkml:channelProperty channel="Y" name="resolution" value="1000" units="1/cm"/>
-          <inkml:channelProperty channel="F" name="resolution" value="0" units="1/dev"/>
-        </inkml:channelProperties>
-      </inkml:inkSource>
-      <inkml:timestamp xml:id="ts0" timeString="2020-09-20T13:24:00.569"/>
-    </inkml:context>
-    <inkml:brush xml:id="br0">
-      <inkml:brushProperty name="width" value="0.1" units="cm"/>
-      <inkml:brushProperty name="height" value="0.1" units="cm"/>
-      <inkml:brushProperty name="color" value="#5B2D90"/>
-    </inkml:brush>
-  </inkml:definitions>
-  <inkml:trace contextRef="#ctx0" brushRef="#br0">1 1 4706,'0'0'0,"0"0"-1296</inkml:trace>
-</inkml:ink>
-</file>
-
-<file path=ppt/ink/ink87.xml><?xml version="1.0" encoding="utf-8"?>
-<inkml:ink xmlns:inkml="http://www.w3.org/2003/InkML">
-  <inkml:definitions>
-    <inkml:context xml:id="ctx0">
-      <inkml:inkSource xml:id="inkSrc0">
-        <inkml:traceFormat>
-          <inkml:channel name="X" type="integer" min="-2.14748E9" max="2.14748E9" units="cm"/>
-          <inkml:channel name="Y" type="integer" min="-2.14748E9" max="2.14748E9" units="cm"/>
-          <inkml:channel name="F" type="integer" max="32767" units="dev"/>
-        </inkml:traceFormat>
-        <inkml:channelProperties>
-          <inkml:channelProperty channel="X" name="resolution" value="1000" units="1/cm"/>
-          <inkml:channelProperty channel="Y" name="resolution" value="1000" units="1/cm"/>
-          <inkml:channelProperty channel="F" name="resolution" value="0" units="1/dev"/>
-        </inkml:channelProperties>
-      </inkml:inkSource>
-      <inkml:timestamp xml:id="ts0" timeString="2020-09-20T13:24:01.447"/>
-    </inkml:context>
-    <inkml:brush xml:id="br0">
-      <inkml:brushProperty name="width" value="0.1" units="cm"/>
-      <inkml:brushProperty name="height" value="0.1" units="cm"/>
-      <inkml:brushProperty name="color" value="#5B2D90"/>
-    </inkml:brush>
-  </inkml:definitions>
-  <inkml:trace contextRef="#ctx0" brushRef="#br0">139 1 4274,'0'0'2532,"0"0"-72,0 0-182,0 0-405,0 0-147,-2 0 3633,-15 5-5513,7-2 169,0 2 0,0-1-1,1 2 1,0-1 0,0 1 0,0 0-1,1 1 1,-1 0-15,6-3 15,-1 0 0,1 1 0,-1-1 1,1 1-1,0 0 0,1-1 0,-1 1 0,1 0 0,0 0 0,0 1 0,1-1 1,0 0-1,0 1 0,0-1 0,0 1 0,1 3-15,0-1 164,0 0-1,1 0 1,0 0-1,0 0 0,1 0 1,0 0-1,0-1 1,1 1-1,0-1 1,0 0-1,1 1 1,0-1-1,0-1 0,0 1 1,1-1-1,0 0 1,1 0-1,-1 0 1,1 0-1,0-1 1,0 0-1,1-1 1,0 1-1,0-1 0,0 0 1,0-1-1,0 0 1,1 0-1,-1-1 1,5 2-164,-1-2 115,-1 1 1,1-1 0,0-1-1,0 0 1,-1-1 0,1 0-1,0 0 1,5-1-116,-10 0-306,-1-1 0,1 1-1,0-1 1,0 0 0,0 0 0,-1 0 0,1-2 306,-2 2-970,-1 0 0,1 0 1,-1 0-1,0-1 0,0 0 1,0 1-1,0-1 1,-1-1-1,1 1 0,1-3 970,0-1-11095</inkml:trace>
-</inkml:ink>
-</file>
-
-<file path=ppt/ink/ink88.xml><?xml version="1.0" encoding="utf-8"?>
-<inkml:ink xmlns:inkml="http://www.w3.org/2003/InkML">
-  <inkml:definitions>
-    <inkml:context xml:id="ctx0">
-      <inkml:inkSource xml:id="inkSrc0">
-        <inkml:traceFormat>
-          <inkml:channel name="X" type="integer" min="-2.14748E9" max="2.14748E9" units="cm"/>
-          <inkml:channel name="Y" type="integer" min="-2.14748E9" max="2.14748E9" units="cm"/>
-          <inkml:channel name="F" type="integer" max="32767" units="dev"/>
-        </inkml:traceFormat>
-        <inkml:channelProperties>
-          <inkml:channelProperty channel="X" name="resolution" value="1000" units="1/cm"/>
-          <inkml:channelProperty channel="Y" name="resolution" value="1000" units="1/cm"/>
-          <inkml:channelProperty channel="F" name="resolution" value="0" units="1/dev"/>
-        </inkml:channelProperties>
-      </inkml:inkSource>
-      <inkml:timestamp xml:id="ts0" timeString="2020-09-20T13:24:02.265"/>
-    </inkml:context>
-    <inkml:brush xml:id="br0">
-      <inkml:brushProperty name="width" value="0.1" units="cm"/>
-      <inkml:brushProperty name="height" value="0.1" units="cm"/>
-      <inkml:brushProperty name="color" value="#5B2D90"/>
-    </inkml:brush>
-  </inkml:definitions>
-  <inkml:trace contextRef="#ctx0" brushRef="#br0">1 66 4210,'0'0'1937,"0"0"685,0 0 169,0 0-635,0 0-57,-1-6 252,1 5-2209,0-1 1,0 1-1,0-1 1,0 0-1,1 1 1,-1-1-1,0 1 1,1-1-1,-1 1 1,1-1-1,-1 1 1,1-1-1,0 1 1,0-1-1,-1 1 1,1 0-1,0 0 1,0-1-1,0 1 1,1 0-1,-1 0 1,0 0-1,0 0 1,1 0-1,0 0-142,3-2 307,1 0 0,-1 1-1,1 0 1,0 0 0,0 1-1,0-1 1,4 1-307,10-2 421,-1 0 0,1 2 0,-1 0 0,1 1 0,-1 1 0,9 2-421,-27-3-1,0 1 0,0-1 0,0 1 0,0 0 0,0-1 0,0 1-1,0 0 1,0 0 0,0 0 0,0 0 0,0 0 0,0 0 0,-1 0 0,1 0-1,0 0 1,-1 0 0,1 0 0,-1 0 0,1 0 0,-1 1 0,0-1-1,1 0 1,-1 0 0,0 1 0,0-1 0,0 0 0,0 0 0,0 1 1,0 44-369,-1-30 292,5 57-5,4 0 0,2 0-1,4-1 1,4 6 82,2 15 99,-16-76-73,0 1 0,-2-1 0,0 1 0,-1-1 0,-2 16-26,1-28-7,-1 1 1,0-1-1,0 1 0,0-1 1,-1 1-1,0-1 0,0 0 1,-1 0-1,1 0 0,-1 0 1,0 0-1,0-1 0,-1 1 1,0-1-1,1 0 0,-1 0 0,-1 0 1,1 0-1,-3 1 7,-2 1-44,1-1 0,-1 0 0,-1-1-1,1 0 1,0 0 0,-1-1 0,0 0 0,-8 1 44,15-4-237,-1 1 1,0-1-1,0 0 0,0 0 1,0 0-1,0 0 1,1-1-1,-1 0 0,0 0 1,0 0-1,0 0 237,2 0-375,0 0 0,0 0 1,0 0-1,0 0 0,0-1 0,1 1 0,-1-1 0,0 1 1,1-1-1,-1 1 0,1-1 0,0 0 0,0 0 0,-1 0 1,1 1-1,0-1 0,1 0 0,-1 0 0,0-1 0,0 1 375,-1-17-9049</inkml:trace>
-</inkml:ink>
-</file>
-
-<file path=ppt/ink/ink89.xml><?xml version="1.0" encoding="utf-8"?>
-<inkml:ink xmlns:inkml="http://www.w3.org/2003/InkML">
-  <inkml:definitions>
-    <inkml:context xml:id="ctx0">
-      <inkml:inkSource xml:id="inkSrc0">
-        <inkml:traceFormat>
-          <inkml:channel name="X" type="integer" min="-2.14748E9" max="2.14748E9" units="cm"/>
-          <inkml:channel name="Y" type="integer" min="-2.14748E9" max="2.14748E9" units="cm"/>
-          <inkml:channel name="F" type="integer" max="32767" units="dev"/>
-        </inkml:traceFormat>
-        <inkml:channelProperties>
-          <inkml:channelProperty channel="X" name="resolution" value="1000" units="1/cm"/>
-          <inkml:channelProperty channel="Y" name="resolution" value="1000" units="1/cm"/>
-          <inkml:channelProperty channel="F" name="resolution" value="0" units="1/dev"/>
-        </inkml:channelProperties>
-      </inkml:inkSource>
-      <inkml:timestamp xml:id="ts0" timeString="2020-09-20T13:24:14.885"/>
-    </inkml:context>
-    <inkml:brush xml:id="br0">
-      <inkml:brushProperty name="width" value="0.1" units="cm"/>
-      <inkml:brushProperty name="height" value="0.1" units="cm"/>
-      <inkml:brushProperty name="color" value="#5B2D90"/>
-    </inkml:brush>
-  </inkml:definitions>
-  <inkml:trace contextRef="#ctx0" brushRef="#br0">467 1 15863,'0'0'2196,"0"0"-734,0 0 576,10 1-120,3 1-1302,9 2-158,1-4 3879,-175 18-4417,54-19 67,61-1-227,-1 2 1,0 2-1,1 1 0,0 1 0,-1 2 1,-8 5 239,45-11 15,0 1 0,0-1 0,0 1 0,1 0 1,-1 0-1,0-1 0,0 1 0,0 0 0,1 0 1,-1 0-1,0 0 0,1 0 0,-1 0 0,1 0 0,-1 0 1,1 0-1,0 0 0,-1 0 0,1 0 0,0 0 1,0 0-1,0 0 0,-1 0 0,1 1 0,1-1 1,-1 0-1,0 0 0,0 0 0,0 0 0,0 0 1,1 0-1,-1 0 0,0 0 0,1 1-15,16 48 429,-9-32-438,0 14 36,0 1 1,-2 0-1,-2 0 0,0 21-27,-3 137-13,-2-96 8,-2-54-24,2-32 27,0 1-1,0 0 1,1 0 0,0-1-1,1 1 1,0 0-1,2 7 3,-2-15 10,0 0-1,0-1 1,0 1-1,0-1 1,1 1-1,-1-1 1,0 0-1,1 1 1,-1-1-1,1 0 1,0 0-1,-1 0 1,1 0-1,0 0 1,-1-1-1,1 1 1,0 0-1,0-1 1,0 1-1,0-1-9,41 8 176,-40-8-166,53 6-314,2-3 0,-1-3 0,29-3 304,-57-4-2426,-12-2-2160,-13 8 3071,17-8-10381</inkml:trace>
-</inkml:ink>
-</file>
-
-<file path=ppt/ink/ink9.xml><?xml version="1.0" encoding="utf-8"?>
-<inkml:ink xmlns:inkml="http://www.w3.org/2003/InkML">
-  <inkml:definitions>
-    <inkml:context xml:id="ctx0">
-      <inkml:inkSource xml:id="inkSrc0">
-        <inkml:traceFormat>
-          <inkml:channel name="X" type="integer" min="-2.14748E9" max="2.14748E9" units="cm"/>
-          <inkml:channel name="Y" type="integer" min="-2.14748E9" max="2.14748E9" units="cm"/>
-          <inkml:channel name="F" type="integer" max="32767" units="dev"/>
-        </inkml:traceFormat>
-        <inkml:channelProperties>
-          <inkml:channelProperty channel="X" name="resolution" value="1000" units="1/cm"/>
-          <inkml:channelProperty channel="Y" name="resolution" value="1000" units="1/cm"/>
-          <inkml:channelProperty channel="F" name="resolution" value="0" units="1/dev"/>
-        </inkml:channelProperties>
-      </inkml:inkSource>
-      <inkml:timestamp xml:id="ts0" timeString="2023-05-29T14:18:23.088"/>
-    </inkml:context>
-    <inkml:brush xml:id="br0">
-      <inkml:brushProperty name="width" value="0.1" units="cm"/>
-      <inkml:brushProperty name="height" value="0.1" units="cm"/>
-      <inkml:brushProperty name="color" value="#5B2D90"/>
-    </inkml:brush>
-  </inkml:definitions>
-  <inkml:trace contextRef="#ctx0" brushRef="#br0">268 1 0,'0'0'560,"0"0"73,0 0 31,0 0-53,0 0-8,0 0 66,0 0 351,-19 8 8530,10-4-9816,-88 38 2,90-38 242,0-1-1,1 1 0,-1 1 1,1-1-1,0 1 0,0 1 0,1-1 1,0 1-1,-1 0 0,2 0 0,-1 0 1,-1 4 22,-7 13-4,-10 24-67,14-16-130,2-1 0,2 1 0,0 0-1,2 0 1,2 1 0,0-1 0,2 0 0,3 9 201,10 50-1190,18 59 1190,-26-125 350,1 0-1,1 0 1,1-1-1,1 0 1,12 19-350,-18-37 117,-1-1 0,1-1 0,0 1 0,0 0 0,0-1 0,1 0 1,-1 0-1,1 0 0,0 0 0,0-1 0,0 0 0,0 0 0,1 0-117,71 20 544,-70-21-436,7 2-47,0-1 1,1 0-1,-1-1 1,0 0-1,1-2 1,-1 0-1,5-1-61,-12 1 36,0 0 1,1 0-1,-1-1 0,0-1 0,0 1 0,0-1 0,-1 0 0,1 0 1,-1-1-1,1 0 0,-1 0 0,-1-1 0,1 0 0,4-4-36,8-11 8,-7 10-9,-2-1 0,1 0 1,-1 0-1,-1-1 0,0 0 0,0 0 1,-1-1-1,-1 0 0,0-1 0,-1-1 1,14-40-5,-14 42 4,0 0 0,-1-1-1,0 1 1,-1-1 0,-1 0 0,0 0 0,0-7 1,1-72 28,0 54-5,-2 1-1,-1-1 1,-4-18-23,2 49 0,-1 1 0,1-1 0,-2 0 0,1 1 0,-1 0 0,0 0 0,0 0 0,-4-4 0,-14-27 3,17 29 22,0 0 0,0 0 0,-1 1 0,-1 0 0,1 0 0,-1 0 0,-1 1 0,1 0 0,-1 0 1,0 1-1,-1 0 0,1 0 0,-1 1 0,-1 0 0,1 1 0,0 0 0,-1 0 0,-8-1-25,-5-1 26,0 2-1,-1 0 1,0 1-1,0 1 0,1 2 1,-1 0-1,-15 3-25,28-1-410,1-1 0,-1 2 0,1 0-1,0 0 1,0 1 0,0 0 0,0 0-1,0 1 1,-5 5 410,-39 28-6592</inkml:trace>
-</inkml:ink>
-</file>
-
-<file path=ppt/ink/ink90.xml><?xml version="1.0" encoding="utf-8"?>
-<inkml:ink xmlns:inkml="http://www.w3.org/2003/InkML">
-  <inkml:definitions>
-    <inkml:context xml:id="ctx0">
-      <inkml:inkSource xml:id="inkSrc0">
-        <inkml:traceFormat>
-          <inkml:channel name="X" type="integer" min="-2.14748E9" max="2.14748E9" units="cm"/>
-          <inkml:channel name="Y" type="integer" min="-2.14748E9" max="2.14748E9" units="cm"/>
-          <inkml:channel name="F" type="integer" max="32767" units="dev"/>
-        </inkml:traceFormat>
-        <inkml:channelProperties>
-          <inkml:channelProperty channel="X" name="resolution" value="1000" units="1/cm"/>
-          <inkml:channelProperty channel="Y" name="resolution" value="1000" units="1/cm"/>
-          <inkml:channelProperty channel="F" name="resolution" value="0" units="1/dev"/>
-        </inkml:channelProperties>
-      </inkml:inkSource>
-      <inkml:timestamp xml:id="ts0" timeString="2020-09-20T13:24:16.939"/>
-    </inkml:context>
-    <inkml:brush xml:id="br0">
-      <inkml:brushProperty name="width" value="0.1" units="cm"/>
-      <inkml:brushProperty name="height" value="0.1" units="cm"/>
-      <inkml:brushProperty name="color" value="#5B2D90"/>
-    </inkml:brush>
-  </inkml:definitions>
-  <inkml:trace contextRef="#ctx0" brushRef="#br0">369 1 11045,'0'0'2286,"0"0"-696,0 0-39,0 0-711,0 0-424,0 24 3279,0 30-1359,-2-9-1719,3-1 0,1 1 0,2-1 0,2 1 0,12 40-617,4-17 432,-6-19 254,11 49-686,-24-85 33,-1 0 1,0 1-1,-1-1 0,-1 0 0,0 1 0,0-1 1,-2 1-1,1-1 0,-4 11-33,2-17-9,0 1 1,-1-1-1,0 0 0,0-1 1,0 1-1,-1-1 0,0 0 0,0 0 1,-1 0-1,0 0 0,0-1 1,0 0-1,0-1 0,-1 1 1,0-1-1,0 0 0,0-1 1,0 0-1,-2 0 9,-10 5-226,-1-1-1,0-1 1,0-1-1,0-1 1,-1-1 0,-14 1 226,15-3-745,0-1 0,1 0 1,-1-1-1,0-2 745,14 3-613,0-1 0,1-1 1,-1 1-1,1-1 0,-1 0 0,1 0 0,0-1 0,0 1 1,0-1-1,0-1 0,0 1 0,0 0 0,1-1 0,0 0 1,-2-2 612,-9-19-6787</inkml:trace>
-</inkml:ink>
-</file>
-
-<file path=ppt/ink/ink91.xml><?xml version="1.0" encoding="utf-8"?>
-<inkml:ink xmlns:inkml="http://www.w3.org/2003/InkML">
-  <inkml:definitions>
-    <inkml:context xml:id="ctx0">
-      <inkml:inkSource xml:id="inkSrc0">
-        <inkml:traceFormat>
-          <inkml:channel name="X" type="integer" min="-2.14748E9" max="2.14748E9" units="cm"/>
-          <inkml:channel name="Y" type="integer" min="-2.14748E9" max="2.14748E9" units="cm"/>
-          <inkml:channel name="F" type="integer" max="32767" units="dev"/>
-        </inkml:traceFormat>
-        <inkml:channelProperties>
-          <inkml:channelProperty channel="X" name="resolution" value="1000" units="1/cm"/>
-          <inkml:channelProperty channel="Y" name="resolution" value="1000" units="1/cm"/>
-          <inkml:channelProperty channel="F" name="resolution" value="0" units="1/dev"/>
-        </inkml:channelProperties>
-      </inkml:inkSource>
-      <inkml:timestamp xml:id="ts0" timeString="2020-09-20T13:24:17.359"/>
-    </inkml:context>
-    <inkml:brush xml:id="br0">
-      <inkml:brushProperty name="width" value="0.1" units="cm"/>
-      <inkml:brushProperty name="height" value="0.1" units="cm"/>
-      <inkml:brushProperty name="color" value="#5B2D90"/>
-    </inkml:brush>
-  </inkml:definitions>
-  <inkml:trace contextRef="#ctx0" brushRef="#br0">427 29 464,'0'0'10501,"0"0"-7476,0 0 433,0 0-769,0 0-1808,0 0-881,0 0 16,-50 4 272,-4-13 592,-7-2-416,-7 3-175,2 4-289,7 4-689,19 0-3281,12 10-3601</inkml:trace>
-</inkml:ink>
-</file>
-
-<file path=ppt/ink/ink92.xml><?xml version="1.0" encoding="utf-8"?>
-<inkml:ink xmlns:inkml="http://www.w3.org/2003/InkML">
-  <inkml:definitions>
-    <inkml:context xml:id="ctx0">
-      <inkml:inkSource xml:id="inkSrc0">
-        <inkml:traceFormat>
-          <inkml:channel name="X" type="integer" min="-2.14748E9" max="2.14748E9" units="cm"/>
-          <inkml:channel name="Y" type="integer" min="-2.14748E9" max="2.14748E9" units="cm"/>
-          <inkml:channel name="F" type="integer" max="32767" units="dev"/>
-        </inkml:traceFormat>
-        <inkml:channelProperties>
-          <inkml:channelProperty channel="X" name="resolution" value="1000" units="1/cm"/>
-          <inkml:channelProperty channel="Y" name="resolution" value="1000" units="1/cm"/>
-          <inkml:channelProperty channel="F" name="resolution" value="0" units="1/dev"/>
-        </inkml:channelProperties>
-      </inkml:inkSource>
-      <inkml:timestamp xml:id="ts0" timeString="2020-09-20T13:24:18.267"/>
-    </inkml:context>
-    <inkml:brush xml:id="br0">
-      <inkml:brushProperty name="width" value="0.1" units="cm"/>
-      <inkml:brushProperty name="height" value="0.1" units="cm"/>
-      <inkml:brushProperty name="color" value="#5B2D90"/>
-    </inkml:brush>
-  </inkml:definitions>
-  <inkml:trace contextRef="#ctx0" brushRef="#br0">27 0 11125,'0'0'3199,"0"0"-179,0 0-208,0 0-1046,0 0-576,7 1-438,25 3-393,0 1-1,0 2 0,-1 1 1,0 2-1,-1 0 1,13 8-359,-39-16-16,-1 1 0,0-1 0,0 1 0,0 0 0,0 0 0,-1 0 0,1 0 0,-1 0 0,0 1 0,0-1 0,0 1 0,0-1 0,-1 1 0,1 0 1,-1 0-1,0 0 0,0 0 0,0 0 0,-1 0 0,0 0 16,3 18-191,-2 0 1,-1 0-1,-1 9 191,0 8 42,6 29-4,6 23-38,-3-30 133,-1 60-133,-7-118-11,-1 0 0,0 0 1,1-1-1,-1 1 0,-1 0 0,1 0 1,0-1-1,-1 1 0,1-1 0,-1 1 0,0-1 1,0 0-1,0 1 0,0-1 0,0 0 1,0 0-1,-1-1 0,1 1 0,-1 0 1,1-1-1,-1 0 0,0 1 0,1-1 1,-1 0-1,-1 0 11,-12 5-10,-1 0 0,0-1 0,-12 2 10,10-4-51,0 0 1,0 0-1,0-2 1,0-1-1,-5 0 51,15-1-950,0 0 0,0 0 0,0-1 1,1 0-1,-1 0 0,0-1 0,-3-2 950,-5-5-7827</inkml:trace>
-</inkml:ink>
-</file>
-
-<file path=ppt/ink/ink93.xml><?xml version="1.0" encoding="utf-8"?>
-<inkml:ink xmlns:inkml="http://www.w3.org/2003/InkML">
-  <inkml:definitions>
-    <inkml:context xml:id="ctx0">
-      <inkml:inkSource xml:id="inkSrc0">
-        <inkml:traceFormat>
-          <inkml:channel name="X" type="integer" min="-2.14748E9" max="2.14748E9" units="cm"/>
-          <inkml:channel name="Y" type="integer" min="-2.14748E9" max="2.14748E9" units="cm"/>
-          <inkml:channel name="F" type="integer" max="32767" units="dev"/>
-        </inkml:traceFormat>
-        <inkml:channelProperties>
-          <inkml:channelProperty channel="X" name="resolution" value="1000" units="1/cm"/>
-          <inkml:channelProperty channel="Y" name="resolution" value="1000" units="1/cm"/>
-          <inkml:channelProperty channel="F" name="resolution" value="0" units="1/dev"/>
-        </inkml:channelProperties>
-      </inkml:inkSource>
-      <inkml:timestamp xml:id="ts0" timeString="2020-09-20T13:24:25.108"/>
-    </inkml:context>
-    <inkml:brush xml:id="br0">
-      <inkml:brushProperty name="width" value="0.1" units="cm"/>
-      <inkml:brushProperty name="height" value="0.1" units="cm"/>
-      <inkml:brushProperty name="color" value="#5B2D90"/>
-    </inkml:brush>
-  </inkml:definitions>
-  <inkml:trace contextRef="#ctx0" brushRef="#br0">358 59 8756,'0'0'3602,"0"0"-2255,0 0 75,0 0-125,0 0-657,0 0 155,-7-8 131,4 4-766,0 0 1,-1 0 0,0 1-1,0-1 1,0 1 0,0 0-1,0 0 1,-1 0 0,1 1-1,-1 0 1,0-1 0,1 2-1,-1-1 1,0 0 0,0 1-1,0 0 1,0 0 0,-3 0-161,-16 0 470,-79-2 157,97 4-624,-1-1 0,1 1 0,-1 0 1,1 0-1,-1 0 0,1 1 0,0 0 1,0 1-1,0-1 0,0 1 0,0 0 1,0 1-1,0 0-3,4-1 17,-1 0-1,1 0 1,-1 0 0,1 0 0,0 1-1,0-1 1,0 1 0,1 0 0,0-1-1,-1 1 1,1 0 0,0 0 0,1 0-1,-1 0 1,1 1-17,-2 66 525,2-49-439,2 110 150,-1 10-171,-7 31-65,-4-129-59,0 5 670,11-48-513,1 0 1,0 0-1,-1 0 0,1-1 0,0 1 0,0 0 0,0-1 1,0 0-1,-1 0 0,1 1 0,0-1 0,0 0 1,1 0-99,0 0 84,28 3-101,106 8-1111,-46-10-5264,-59-2 667</inkml:trace>
-</inkml:ink>
-</file>
-
-<file path=ppt/ink/ink94.xml><?xml version="1.0" encoding="utf-8"?>
-<inkml:ink xmlns:inkml="http://www.w3.org/2003/InkML">
-  <inkml:definitions>
-    <inkml:context xml:id="ctx0">
-      <inkml:inkSource xml:id="inkSrc0">
-        <inkml:traceFormat>
-          <inkml:channel name="X" type="integer" min="-2.14748E9" max="2.14748E9" units="cm"/>
-          <inkml:channel name="Y" type="integer" min="-2.14748E9" max="2.14748E9" units="cm"/>
-          <inkml:channel name="F" type="integer" max="32767" units="dev"/>
-        </inkml:traceFormat>
-        <inkml:channelProperties>
-          <inkml:channelProperty channel="X" name="resolution" value="1000" units="1/cm"/>
-          <inkml:channelProperty channel="Y" name="resolution" value="1000" units="1/cm"/>
-          <inkml:channelProperty channel="F" name="resolution" value="0" units="1/dev"/>
-        </inkml:channelProperties>
-      </inkml:inkSource>
-      <inkml:timestamp xml:id="ts0" timeString="2020-09-20T13:24:25.888"/>
-    </inkml:context>
-    <inkml:brush xml:id="br0">
-      <inkml:brushProperty name="width" value="0.1" units="cm"/>
-      <inkml:brushProperty name="height" value="0.1" units="cm"/>
-      <inkml:brushProperty name="color" value="#5B2D90"/>
-    </inkml:brush>
-  </inkml:definitions>
-  <inkml:trace contextRef="#ctx0" brushRef="#br0">262 1 13990,'0'0'2343,"0"0"322,0 0 22,0 0-967,0 0-687,0 0-497,7 13-344,7 25-54,-1 1-1,-2 0 0,-2 1 1,3 30-138,7 48 318,-6 1 1,-4 0-1,-6 1-318,-4-109-6,0 0 1,0 0-1,-1 0 1,0-1-1,-1 1 1,-1-1-1,1 0 1,-2 0-1,1 0 1,-1 0-1,-1-1 1,0 0-1,0 0 1,-1 0-1,0-1 1,0 0-1,-1 0 1,0-1-1,0 0 1,-1-1 0,-4 3 5,4-3-336,-1-1 0,0 0 0,0 0 0,0-1 0,-1 0 0,1-1 0,-1 0 0,0-1 0,0 0 1,0-1-1,0 0 0,0-1 0,-7-1 336,13 1-444,1-1 0,0 1-1,0-1 1,-1 0 0,1-1 0,0 1 0,0-1 0,0 1 0,1-1 0,-1-1 0,0 1-1,1 0 1,-1-1 0,1 0 0,0 1 0,0-2 0,0 1 0,0 0 0,0 0 0,1-1-1,0 1 1,-1-1 0,1 0 0,1 0 0,-1 0 0,0 0 0,1 0 0,0 0-1,0 0 1,0-4 444,-8-46-8849</inkml:trace>
-</inkml:ink>
-</file>
-
-<file path=ppt/ink/ink95.xml><?xml version="1.0" encoding="utf-8"?>
-<inkml:ink xmlns:inkml="http://www.w3.org/2003/InkML">
-  <inkml:definitions>
-    <inkml:context xml:id="ctx0">
-      <inkml:inkSource xml:id="inkSrc0">
-        <inkml:traceFormat>
-          <inkml:channel name="X" type="integer" min="-2.14748E9" max="2.14748E9" units="cm"/>
-          <inkml:channel name="Y" type="integer" min="-2.14748E9" max="2.14748E9" units="cm"/>
-          <inkml:channel name="F" type="integer" max="32767" units="dev"/>
-        </inkml:traceFormat>
-        <inkml:channelProperties>
-          <inkml:channelProperty channel="X" name="resolution" value="1000" units="1/cm"/>
-          <inkml:channelProperty channel="Y" name="resolution" value="1000" units="1/cm"/>
-          <inkml:channelProperty channel="F" name="resolution" value="0" units="1/dev"/>
-        </inkml:channelProperties>
-      </inkml:inkSource>
-      <inkml:timestamp xml:id="ts0" timeString="2020-09-20T13:24:26.204"/>
-    </inkml:context>
-    <inkml:brush xml:id="br0">
-      <inkml:brushProperty name="width" value="0.1" units="cm"/>
-      <inkml:brushProperty name="height" value="0.1" units="cm"/>
-      <inkml:brushProperty name="color" value="#5B2D90"/>
-    </inkml:brush>
-  </inkml:definitions>
-  <inkml:trace contextRef="#ctx0" brushRef="#br0">0 5 14583,'0'0'5618,"0"0"-4497,0 0 1264,0 0-2337,0 0-48,0 0-1601,21-4-3457,-14 5-8260</inkml:trace>
-</inkml:ink>
-</file>
-
-<file path=ppt/ink/ink96.xml><?xml version="1.0" encoding="utf-8"?>
-<inkml:ink xmlns:inkml="http://www.w3.org/2003/InkML">
-  <inkml:definitions>
-    <inkml:context xml:id="ctx0">
-      <inkml:inkSource xml:id="inkSrc0">
-        <inkml:traceFormat>
-          <inkml:channel name="X" type="integer" min="-2.14748E9" max="2.14748E9" units="cm"/>
-          <inkml:channel name="Y" type="integer" min="-2.14748E9" max="2.14748E9" units="cm"/>
-          <inkml:channel name="F" type="integer" max="32767" units="dev"/>
-        </inkml:traceFormat>
-        <inkml:channelProperties>
-          <inkml:channelProperty channel="X" name="resolution" value="1000" units="1/cm"/>
-          <inkml:channelProperty channel="Y" name="resolution" value="1000" units="1/cm"/>
-          <inkml:channelProperty channel="F" name="resolution" value="0" units="1/dev"/>
-        </inkml:channelProperties>
-      </inkml:inkSource>
-      <inkml:timestamp xml:id="ts0" timeString="2020-09-20T13:24:26.939"/>
-    </inkml:context>
-    <inkml:brush xml:id="br0">
-      <inkml:brushProperty name="width" value="0.1" units="cm"/>
-      <inkml:brushProperty name="height" value="0.1" units="cm"/>
-      <inkml:brushProperty name="color" value="#5B2D90"/>
-    </inkml:brush>
-  </inkml:definitions>
-  <inkml:trace contextRef="#ctx0" brushRef="#br0">0 0 12294,'0'0'1200,"0"0"1332,0 0 571,0 0-702,0 0-432,4 2-414,16 7-1038,32 15-358,1-3 0,3-2-159,-53-18-16,1 0 0,0 0 0,-1 1 0,1-1 0,-1 1 0,0-1 0,1 1 0,-1 0 0,0 0 0,0 1 0,0-1 0,0 0 0,-1 1 0,1 0 0,-1 0 0,2 2 16,-1 1-120,-1-1-1,0 1 1,-1 0 0,1 0-1,-1 0 1,0-1 0,0 1-1,-1 0 1,0 1 0,0-1 120,3 73-935,8 34 935,-7-86-30,1-1-1,2 0 1,0 0-1,2 0 1,0-1-1,3 3 31,10 12 51,-13-25 56,-1 0 1,-1 1-1,0-1 0,-1 2-107,-6-16-4,-1 1-1,1-1 1,0 1 0,-1-1-1,1 1 1,-1-1-1,1 1 1,-1-1 0,0 0-1,0 1 1,0-1 0,0 0-1,0 0 1,0 1-1,0-1 1,0 0 0,0 0-1,0 0 1,-1 0-1,1-1 1,0 1 0,-1 0-1,1 0 1,0-1-1,-1 1 1,1-1 0,-1 1-1,1-1 1,-2 0 4,-51 18-52,51-18 60,-19 4 6,0 0 0,-1-2-1,-10-1-13,6 0-459,1 1 0,-23 6 459,42-7-813,-1 1 0,1 0 0,0 1 0,1 0 0,-1 0 0,0 0 0,-2 3 813,-14 14-10026</inkml:trace>
-</inkml:ink>
-</file>
-
-<file path=ppt/ink/ink97.xml><?xml version="1.0" encoding="utf-8"?>
-<inkml:ink xmlns:inkml="http://www.w3.org/2003/InkML">
-  <inkml:definitions>
-    <inkml:context xml:id="ctx0">
-      <inkml:inkSource xml:id="inkSrc0">
-        <inkml:traceFormat>
-          <inkml:channel name="X" type="integer" min="-2.14748E9" max="2.14748E9" units="cm"/>
-          <inkml:channel name="Y" type="integer" min="-2.14748E9" max="2.14748E9" units="cm"/>
-          <inkml:channel name="F" type="integer" max="32767" units="dev"/>
-        </inkml:traceFormat>
-        <inkml:channelProperties>
-          <inkml:channelProperty channel="X" name="resolution" value="1000" units="1/cm"/>
-          <inkml:channelProperty channel="Y" name="resolution" value="1000" units="1/cm"/>
-          <inkml:channelProperty channel="F" name="resolution" value="0" units="1/dev"/>
-        </inkml:channelProperties>
-      </inkml:inkSource>
-      <inkml:timestamp xml:id="ts0" timeString="2020-09-20T13:25:21.776"/>
-    </inkml:context>
-    <inkml:brush xml:id="br0">
-      <inkml:brushProperty name="width" value="0.1" units="cm"/>
-      <inkml:brushProperty name="height" value="0.1" units="cm"/>
-      <inkml:brushProperty name="color" value="#5B2D90"/>
-    </inkml:brush>
-  </inkml:definitions>
-  <inkml:trace contextRef="#ctx0" brushRef="#br0">322 1 13862,'0'0'2802,"0"0"-1564,0 0 610,0 0-274,0 0-784,0 0-136,-8-1 4555,-37 1-5237,-205 2-1015,250 42 2211,10 125-1188,-8 60 20,-3-136-28,1-85-15,0 0 1,-1 0-1,0 0 0,-1 0 1,0 0-1,0 0 0,0 0 1,-1 0-1,0-1 0,-1 0 1,0 0-1,-1 3 43,55-21 846,-29 8-512,-1 2 1,0 1-1,0 0 1,4 2-335,30-1-1376,0-5-3765,-22-5-2625</inkml:trace>
-</inkml:ink>
-</file>
-
-<file path=ppt/ink/ink98.xml><?xml version="1.0" encoding="utf-8"?>
-<inkml:ink xmlns:inkml="http://www.w3.org/2003/InkML">
-  <inkml:definitions>
-    <inkml:context xml:id="ctx0">
-      <inkml:inkSource xml:id="inkSrc0">
-        <inkml:traceFormat>
-          <inkml:channel name="X" type="integer" min="-2.14748E9" max="2.14748E9" units="cm"/>
-          <inkml:channel name="Y" type="integer" min="-2.14748E9" max="2.14748E9" units="cm"/>
-          <inkml:channel name="F" type="integer" max="32767" units="dev"/>
-        </inkml:traceFormat>
-        <inkml:channelProperties>
-          <inkml:channelProperty channel="X" name="resolution" value="1000" units="1/cm"/>
-          <inkml:channelProperty channel="Y" name="resolution" value="1000" units="1/cm"/>
-          <inkml:channelProperty channel="F" name="resolution" value="0" units="1/dev"/>
-        </inkml:channelProperties>
-      </inkml:inkSource>
-      <inkml:timestamp xml:id="ts0" timeString="2020-09-20T13:25:22.488"/>
-    </inkml:context>
-    <inkml:brush xml:id="br0">
-      <inkml:brushProperty name="width" value="0.1" units="cm"/>
-      <inkml:brushProperty name="height" value="0.1" units="cm"/>
-      <inkml:brushProperty name="color" value="#5B2D90"/>
-    </inkml:brush>
-  </inkml:definitions>
-  <inkml:trace contextRef="#ctx0" brushRef="#br0">1 1 13622,'0'0'675,"0"0"1011,0 15 409,1 61 370,4 0 0,8 30-2465,39 137 3364,-2-9-1138,-42-187-5620,-1 1 0,0 48 3394,-7-135-6889,0-12-1101</inkml:trace>
-</inkml:ink>
-</file>
-
-<file path=ppt/ink/ink99.xml><?xml version="1.0" encoding="utf-8"?>
-<inkml:ink xmlns:inkml="http://www.w3.org/2003/InkML">
-  <inkml:definitions>
-    <inkml:context xml:id="ctx0">
-      <inkml:inkSource xml:id="inkSrc0">
-        <inkml:traceFormat>
-          <inkml:channel name="X" type="integer" min="-2.14748E9" max="2.14748E9" units="cm"/>
-          <inkml:channel name="Y" type="integer" min="-2.14748E9" max="2.14748E9" units="cm"/>
-          <inkml:channel name="F" type="integer" max="32767" units="dev"/>
-        </inkml:traceFormat>
-        <inkml:channelProperties>
-          <inkml:channelProperty channel="X" name="resolution" value="1000" units="1/cm"/>
-          <inkml:channelProperty channel="Y" name="resolution" value="1000" units="1/cm"/>
-          <inkml:channelProperty channel="F" name="resolution" value="0" units="1/dev"/>
-        </inkml:channelProperties>
-      </inkml:inkSource>
-      <inkml:timestamp xml:id="ts0" timeString="2020-09-20T13:25:22.968"/>
-    </inkml:context>
-    <inkml:brush xml:id="br0">
-      <inkml:brushProperty name="width" value="0.1" units="cm"/>
-      <inkml:brushProperty name="height" value="0.1" units="cm"/>
-      <inkml:brushProperty name="color" value="#5B2D90"/>
-    </inkml:brush>
-  </inkml:definitions>
-  <inkml:trace contextRef="#ctx0" brushRef="#br0">0 379 16616,'0'0'2211,"0"0"751,0 0-455,8 9-1271,-2-1-988,-4-5-178,0 0-1,0 0 0,1 0 1,-1 0-1,1 0 0,-1-1 1,1 1-1,0-1 0,0 0 1,0 1-1,0-1 0,1-1 1,-1 1-1,0 0 0,1-1 1,0 0-1,-1 0 0,1 0 1,2 0-70,25 3 242,0-2 0,0-1 0,0-1 0,29-5-242,-47 4-8,0-1 0,0-1-1,-1 0 1,1-1-1,-1 0 1,0-1-1,0 0 1,0-1 0,0-1-1,-1 1 1,0-2-1,-1 0 1,1 0 8,-6 2-63,-1 1 0,1 0 1,-1-1-1,0 0 0,-1 0 0,1 0 1,-1 0-1,-1-1 0,1 1 1,-1-1-1,0 1 0,0-1 0,-1 0 1,0 0-1,0 0 0,-1 0 0,0 0 1,0 0-1,0 0 0,-1 0 0,0 0 1,-1 1-1,1-1 0,-1 0 63,-2-5-125,1 1-1,-1 0 0,-1 0 0,0 0 1,-1 0-1,0 1 0,0 0 0,-1 0 1,-1 1-1,1 0 0,-1 0 0,-1 1 1,-6-5 125,3 5-10,0 0 1,-1 1-1,0 1 1,0 0 0,0 1-1,-1 0 1,0 1-1,0 1 1,0 0 0,-11-1 9,15 3-163,1 0 0,-1 0 0,0 1 1,0 0-1,0 1 0,0 0 1,0 1-1,0 0 0,1 0 1,-1 1-1,1 0 0,0 1 1,-1 0-1,2 0 0,-8 5 163,-7 13-3759,11 2-2678</inkml:trace>
 </inkml:ink>
 </file>
 
@@ -10018,6 +10410,783 @@
           </a:prstGeom>
         </p:spPr>
       </p:pic>
+      <p:grpSp>
+        <p:nvGrpSpPr>
+          <p:cNvPr id="33" name="Group 32">
+            <a:extLst>
+              <a:ext uri="{FF2B5EF4-FFF2-40B4-BE49-F238E27FC236}">
+                <a16:creationId xmlns:a16="http://schemas.microsoft.com/office/drawing/2014/main" id="{32C8212A-016C-15E2-E539-F719C42EA6F1}"/>
+              </a:ext>
+            </a:extLst>
+          </p:cNvPr>
+          <p:cNvGrpSpPr/>
+          <p:nvPr/>
+        </p:nvGrpSpPr>
+        <p:grpSpPr>
+          <a:xfrm>
+            <a:off x="4413480" y="5469213"/>
+            <a:ext cx="1989360" cy="355680"/>
+            <a:chOff x="4413480" y="5469213"/>
+            <a:chExt cx="1989360" cy="355680"/>
+          </a:xfrm>
+        </p:grpSpPr>
+        <p:grpSp>
+          <p:nvGrpSpPr>
+            <p:cNvPr id="29" name="Group 28">
+              <a:extLst>
+                <a:ext uri="{FF2B5EF4-FFF2-40B4-BE49-F238E27FC236}">
+                  <a16:creationId xmlns:a16="http://schemas.microsoft.com/office/drawing/2014/main" id="{5D84B3AF-25AA-763E-A73B-6E1BAEA45D1E}"/>
+                </a:ext>
+              </a:extLst>
+            </p:cNvPr>
+            <p:cNvGrpSpPr/>
+            <p:nvPr/>
+          </p:nvGrpSpPr>
+          <p:grpSpPr>
+            <a:xfrm>
+              <a:off x="4834680" y="5469213"/>
+              <a:ext cx="1568160" cy="355680"/>
+              <a:chOff x="4834680" y="5469213"/>
+              <a:chExt cx="1568160" cy="355680"/>
+            </a:xfrm>
+          </p:grpSpPr>
+          <mc:AlternateContent xmlns:mc="http://schemas.openxmlformats.org/markup-compatibility/2006">
+            <mc:Choice xmlns:p14="http://schemas.microsoft.com/office/powerpoint/2010/main" Requires="p14">
+              <p:contentPart p14:bwMode="auto" r:id="rId61">
+                <p14:nvContentPartPr>
+                  <p14:cNvPr id="11" name="Ink 10">
+                    <a:extLst>
+                      <a:ext uri="{FF2B5EF4-FFF2-40B4-BE49-F238E27FC236}">
+                        <a16:creationId xmlns:a16="http://schemas.microsoft.com/office/drawing/2014/main" id="{9A1E5839-C75A-1D29-9C46-B9C5F66B6FE3}"/>
+                      </a:ext>
+                    </a:extLst>
+                  </p14:cNvPr>
+                  <p14:cNvContentPartPr/>
+                  <p14:nvPr/>
+                </p14:nvContentPartPr>
+                <p14:xfrm>
+                  <a:off x="4936200" y="5469573"/>
+                  <a:ext cx="360" cy="5040"/>
+                </p14:xfrm>
+              </p:contentPart>
+            </mc:Choice>
+            <mc:Fallback>
+              <p:pic>
+                <p:nvPicPr>
+                  <p:cNvPr id="11" name="Ink 10">
+                    <a:extLst>
+                      <a:ext uri="{FF2B5EF4-FFF2-40B4-BE49-F238E27FC236}">
+                        <a16:creationId xmlns:a16="http://schemas.microsoft.com/office/drawing/2014/main" id="{9A1E5839-C75A-1D29-9C46-B9C5F66B6FE3}"/>
+                      </a:ext>
+                    </a:extLst>
+                  </p:cNvPr>
+                  <p:cNvPicPr/>
+                  <p:nvPr/>
+                </p:nvPicPr>
+                <p:blipFill>
+                  <a:blip r:embed="rId62"/>
+                  <a:stretch>
+                    <a:fillRect/>
+                  </a:stretch>
+                </p:blipFill>
+                <p:spPr>
+                  <a:xfrm>
+                    <a:off x="4927560" y="5460573"/>
+                    <a:ext cx="18000" cy="22680"/>
+                  </a:xfrm>
+                  <a:prstGeom prst="rect">
+                    <a:avLst/>
+                  </a:prstGeom>
+                </p:spPr>
+              </p:pic>
+            </mc:Fallback>
+          </mc:AlternateContent>
+          <mc:AlternateContent xmlns:mc="http://schemas.openxmlformats.org/markup-compatibility/2006">
+            <mc:Choice xmlns:p14="http://schemas.microsoft.com/office/powerpoint/2010/main" Requires="p14">
+              <p:contentPart p14:bwMode="auto" r:id="rId63">
+                <p14:nvContentPartPr>
+                  <p14:cNvPr id="12" name="Ink 11">
+                    <a:extLst>
+                      <a:ext uri="{FF2B5EF4-FFF2-40B4-BE49-F238E27FC236}">
+                        <a16:creationId xmlns:a16="http://schemas.microsoft.com/office/drawing/2014/main" id="{54E4C21C-0EE5-6625-3FB2-38EDA5E1AF46}"/>
+                      </a:ext>
+                    </a:extLst>
+                  </p14:cNvPr>
+                  <p14:cNvContentPartPr/>
+                  <p14:nvPr/>
+                </p14:nvContentPartPr>
+                <p14:xfrm>
+                  <a:off x="4834680" y="5497653"/>
+                  <a:ext cx="204120" cy="247320"/>
+                </p14:xfrm>
+              </p:contentPart>
+            </mc:Choice>
+            <mc:Fallback>
+              <p:pic>
+                <p:nvPicPr>
+                  <p:cNvPr id="12" name="Ink 11">
+                    <a:extLst>
+                      <a:ext uri="{FF2B5EF4-FFF2-40B4-BE49-F238E27FC236}">
+                        <a16:creationId xmlns:a16="http://schemas.microsoft.com/office/drawing/2014/main" id="{54E4C21C-0EE5-6625-3FB2-38EDA5E1AF46}"/>
+                      </a:ext>
+                    </a:extLst>
+                  </p:cNvPr>
+                  <p:cNvPicPr/>
+                  <p:nvPr/>
+                </p:nvPicPr>
+                <p:blipFill>
+                  <a:blip r:embed="rId64"/>
+                  <a:stretch>
+                    <a:fillRect/>
+                  </a:stretch>
+                </p:blipFill>
+                <p:spPr>
+                  <a:xfrm>
+                    <a:off x="4826040" y="5489013"/>
+                    <a:ext cx="221760" cy="264960"/>
+                  </a:xfrm>
+                  <a:prstGeom prst="rect">
+                    <a:avLst/>
+                  </a:prstGeom>
+                </p:spPr>
+              </p:pic>
+            </mc:Fallback>
+          </mc:AlternateContent>
+          <mc:AlternateContent xmlns:mc="http://schemas.openxmlformats.org/markup-compatibility/2006">
+            <mc:Choice xmlns:p14="http://schemas.microsoft.com/office/powerpoint/2010/main" Requires="p14">
+              <p:contentPart p14:bwMode="auto" r:id="rId65">
+                <p14:nvContentPartPr>
+                  <p14:cNvPr id="14" name="Ink 13">
+                    <a:extLst>
+                      <a:ext uri="{FF2B5EF4-FFF2-40B4-BE49-F238E27FC236}">
+                        <a16:creationId xmlns:a16="http://schemas.microsoft.com/office/drawing/2014/main" id="{27AF8196-44D4-2058-5425-CE4F22F0736D}"/>
+                      </a:ext>
+                    </a:extLst>
+                  </p14:cNvPr>
+                  <p14:cNvContentPartPr/>
+                  <p14:nvPr/>
+                </p14:nvContentPartPr>
+                <p14:xfrm>
+                  <a:off x="5058960" y="5485053"/>
+                  <a:ext cx="174960" cy="213120"/>
+                </p14:xfrm>
+              </p:contentPart>
+            </mc:Choice>
+            <mc:Fallback>
+              <p:pic>
+                <p:nvPicPr>
+                  <p:cNvPr id="14" name="Ink 13">
+                    <a:extLst>
+                      <a:ext uri="{FF2B5EF4-FFF2-40B4-BE49-F238E27FC236}">
+                        <a16:creationId xmlns:a16="http://schemas.microsoft.com/office/drawing/2014/main" id="{27AF8196-44D4-2058-5425-CE4F22F0736D}"/>
+                      </a:ext>
+                    </a:extLst>
+                  </p:cNvPr>
+                  <p:cNvPicPr/>
+                  <p:nvPr/>
+                </p:nvPicPr>
+                <p:blipFill>
+                  <a:blip r:embed="rId66"/>
+                  <a:stretch>
+                    <a:fillRect/>
+                  </a:stretch>
+                </p:blipFill>
+                <p:spPr>
+                  <a:xfrm>
+                    <a:off x="5049960" y="5476413"/>
+                    <a:ext cx="192600" cy="230760"/>
+                  </a:xfrm>
+                  <a:prstGeom prst="rect">
+                    <a:avLst/>
+                  </a:prstGeom>
+                </p:spPr>
+              </p:pic>
+            </mc:Fallback>
+          </mc:AlternateContent>
+          <mc:AlternateContent xmlns:mc="http://schemas.openxmlformats.org/markup-compatibility/2006">
+            <mc:Choice xmlns:p14="http://schemas.microsoft.com/office/powerpoint/2010/main" Requires="p14">
+              <p:contentPart p14:bwMode="auto" r:id="rId67">
+                <p14:nvContentPartPr>
+                  <p14:cNvPr id="16" name="Ink 15">
+                    <a:extLst>
+                      <a:ext uri="{FF2B5EF4-FFF2-40B4-BE49-F238E27FC236}">
+                        <a16:creationId xmlns:a16="http://schemas.microsoft.com/office/drawing/2014/main" id="{BE7B0EA0-794B-B583-F2A6-1CC3B0986F7C}"/>
+                      </a:ext>
+                    </a:extLst>
+                  </p14:cNvPr>
+                  <p14:cNvContentPartPr/>
+                  <p14:nvPr/>
+                </p14:nvContentPartPr>
+                <p14:xfrm>
+                  <a:off x="5077680" y="5741013"/>
+                  <a:ext cx="145440" cy="18360"/>
+                </p14:xfrm>
+              </p:contentPart>
+            </mc:Choice>
+            <mc:Fallback>
+              <p:pic>
+                <p:nvPicPr>
+                  <p:cNvPr id="16" name="Ink 15">
+                    <a:extLst>
+                      <a:ext uri="{FF2B5EF4-FFF2-40B4-BE49-F238E27FC236}">
+                        <a16:creationId xmlns:a16="http://schemas.microsoft.com/office/drawing/2014/main" id="{BE7B0EA0-794B-B583-F2A6-1CC3B0986F7C}"/>
+                      </a:ext>
+                    </a:extLst>
+                  </p:cNvPr>
+                  <p:cNvPicPr/>
+                  <p:nvPr/>
+                </p:nvPicPr>
+                <p:blipFill>
+                  <a:blip r:embed="rId68"/>
+                  <a:stretch>
+                    <a:fillRect/>
+                  </a:stretch>
+                </p:blipFill>
+                <p:spPr>
+                  <a:xfrm>
+                    <a:off x="5069040" y="5732013"/>
+                    <a:ext cx="163080" cy="36000"/>
+                  </a:xfrm>
+                  <a:prstGeom prst="rect">
+                    <a:avLst/>
+                  </a:prstGeom>
+                </p:spPr>
+              </p:pic>
+            </mc:Fallback>
+          </mc:AlternateContent>
+          <mc:AlternateContent xmlns:mc="http://schemas.openxmlformats.org/markup-compatibility/2006">
+            <mc:Choice xmlns:p14="http://schemas.microsoft.com/office/powerpoint/2010/main" Requires="p14">
+              <p:contentPart p14:bwMode="auto" r:id="rId69">
+                <p14:nvContentPartPr>
+                  <p14:cNvPr id="18" name="Ink 17">
+                    <a:extLst>
+                      <a:ext uri="{FF2B5EF4-FFF2-40B4-BE49-F238E27FC236}">
+                        <a16:creationId xmlns:a16="http://schemas.microsoft.com/office/drawing/2014/main" id="{AD63A3FE-86C1-29E7-D91F-77A8A0E60AF0}"/>
+                      </a:ext>
+                    </a:extLst>
+                  </p14:cNvPr>
+                  <p14:cNvContentPartPr/>
+                  <p14:nvPr/>
+                </p14:nvContentPartPr>
+                <p14:xfrm>
+                  <a:off x="5269200" y="5589093"/>
+                  <a:ext cx="162360" cy="235800"/>
+                </p14:xfrm>
+              </p:contentPart>
+            </mc:Choice>
+            <mc:Fallback>
+              <p:pic>
+                <p:nvPicPr>
+                  <p:cNvPr id="18" name="Ink 17">
+                    <a:extLst>
+                      <a:ext uri="{FF2B5EF4-FFF2-40B4-BE49-F238E27FC236}">
+                        <a16:creationId xmlns:a16="http://schemas.microsoft.com/office/drawing/2014/main" id="{AD63A3FE-86C1-29E7-D91F-77A8A0E60AF0}"/>
+                      </a:ext>
+                    </a:extLst>
+                  </p:cNvPr>
+                  <p:cNvPicPr/>
+                  <p:nvPr/>
+                </p:nvPicPr>
+                <p:blipFill>
+                  <a:blip r:embed="rId70"/>
+                  <a:stretch>
+                    <a:fillRect/>
+                  </a:stretch>
+                </p:blipFill>
+                <p:spPr>
+                  <a:xfrm>
+                    <a:off x="5260560" y="5580093"/>
+                    <a:ext cx="180000" cy="253440"/>
+                  </a:xfrm>
+                  <a:prstGeom prst="rect">
+                    <a:avLst/>
+                  </a:prstGeom>
+                </p:spPr>
+              </p:pic>
+            </mc:Fallback>
+          </mc:AlternateContent>
+          <mc:AlternateContent xmlns:mc="http://schemas.openxmlformats.org/markup-compatibility/2006">
+            <mc:Choice xmlns:p14="http://schemas.microsoft.com/office/powerpoint/2010/main" Requires="p14">
+              <p:contentPart p14:bwMode="auto" r:id="rId71">
+                <p14:nvContentPartPr>
+                  <p14:cNvPr id="20" name="Ink 19">
+                    <a:extLst>
+                      <a:ext uri="{FF2B5EF4-FFF2-40B4-BE49-F238E27FC236}">
+                        <a16:creationId xmlns:a16="http://schemas.microsoft.com/office/drawing/2014/main" id="{FD18A93F-6AAD-B3F0-440B-D0C32714D776}"/>
+                      </a:ext>
+                    </a:extLst>
+                  </p14:cNvPr>
+                  <p14:cNvContentPartPr/>
+                  <p14:nvPr/>
+                </p14:nvContentPartPr>
+                <p14:xfrm>
+                  <a:off x="5427240" y="5485053"/>
+                  <a:ext cx="168120" cy="246960"/>
+                </p14:xfrm>
+              </p:contentPart>
+            </mc:Choice>
+            <mc:Fallback>
+              <p:pic>
+                <p:nvPicPr>
+                  <p:cNvPr id="20" name="Ink 19">
+                    <a:extLst>
+                      <a:ext uri="{FF2B5EF4-FFF2-40B4-BE49-F238E27FC236}">
+                        <a16:creationId xmlns:a16="http://schemas.microsoft.com/office/drawing/2014/main" id="{FD18A93F-6AAD-B3F0-440B-D0C32714D776}"/>
+                      </a:ext>
+                    </a:extLst>
+                  </p:cNvPr>
+                  <p:cNvPicPr/>
+                  <p:nvPr/>
+                </p:nvPicPr>
+                <p:blipFill>
+                  <a:blip r:embed="rId72"/>
+                  <a:stretch>
+                    <a:fillRect/>
+                  </a:stretch>
+                </p:blipFill>
+                <p:spPr>
+                  <a:xfrm>
+                    <a:off x="5418600" y="5476413"/>
+                    <a:ext cx="185760" cy="264600"/>
+                  </a:xfrm>
+                  <a:prstGeom prst="rect">
+                    <a:avLst/>
+                  </a:prstGeom>
+                </p:spPr>
+              </p:pic>
+            </mc:Fallback>
+          </mc:AlternateContent>
+          <mc:AlternateContent xmlns:mc="http://schemas.openxmlformats.org/markup-compatibility/2006">
+            <mc:Choice xmlns:p14="http://schemas.microsoft.com/office/powerpoint/2010/main" Requires="p14">
+              <p:contentPart p14:bwMode="auto" r:id="rId73">
+                <p14:nvContentPartPr>
+                  <p14:cNvPr id="22" name="Ink 21">
+                    <a:extLst>
+                      <a:ext uri="{FF2B5EF4-FFF2-40B4-BE49-F238E27FC236}">
+                        <a16:creationId xmlns:a16="http://schemas.microsoft.com/office/drawing/2014/main" id="{FC07A5D8-1869-355E-2183-DC5BB6C0C94C}"/>
+                      </a:ext>
+                    </a:extLst>
+                  </p14:cNvPr>
+                  <p14:cNvContentPartPr/>
+                  <p14:nvPr/>
+                </p14:nvContentPartPr>
+                <p14:xfrm>
+                  <a:off x="5706240" y="5469213"/>
+                  <a:ext cx="170640" cy="248040"/>
+                </p14:xfrm>
+              </p:contentPart>
+            </mc:Choice>
+            <mc:Fallback>
+              <p:pic>
+                <p:nvPicPr>
+                  <p:cNvPr id="22" name="Ink 21">
+                    <a:extLst>
+                      <a:ext uri="{FF2B5EF4-FFF2-40B4-BE49-F238E27FC236}">
+                        <a16:creationId xmlns:a16="http://schemas.microsoft.com/office/drawing/2014/main" id="{FC07A5D8-1869-355E-2183-DC5BB6C0C94C}"/>
+                      </a:ext>
+                    </a:extLst>
+                  </p:cNvPr>
+                  <p:cNvPicPr/>
+                  <p:nvPr/>
+                </p:nvPicPr>
+                <p:blipFill>
+                  <a:blip r:embed="rId74"/>
+                  <a:stretch>
+                    <a:fillRect/>
+                  </a:stretch>
+                </p:blipFill>
+                <p:spPr>
+                  <a:xfrm>
+                    <a:off x="5697240" y="5460573"/>
+                    <a:ext cx="188280" cy="265680"/>
+                  </a:xfrm>
+                  <a:prstGeom prst="rect">
+                    <a:avLst/>
+                  </a:prstGeom>
+                </p:spPr>
+              </p:pic>
+            </mc:Fallback>
+          </mc:AlternateContent>
+          <mc:AlternateContent xmlns:mc="http://schemas.openxmlformats.org/markup-compatibility/2006">
+            <mc:Choice xmlns:p14="http://schemas.microsoft.com/office/powerpoint/2010/main" Requires="p14">
+              <p:contentPart p14:bwMode="auto" r:id="rId75">
+                <p14:nvContentPartPr>
+                  <p14:cNvPr id="23" name="Ink 22">
+                    <a:extLst>
+                      <a:ext uri="{FF2B5EF4-FFF2-40B4-BE49-F238E27FC236}">
+                        <a16:creationId xmlns:a16="http://schemas.microsoft.com/office/drawing/2014/main" id="{B49C6B3D-F08F-B920-2519-2D8E19B845F3}"/>
+                      </a:ext>
+                    </a:extLst>
+                  </p14:cNvPr>
+                  <p14:cNvContentPartPr/>
+                  <p14:nvPr/>
+                </p14:nvContentPartPr>
+                <p14:xfrm>
+                  <a:off x="5949240" y="5471733"/>
+                  <a:ext cx="139320" cy="234000"/>
+                </p14:xfrm>
+              </p:contentPart>
+            </mc:Choice>
+            <mc:Fallback>
+              <p:pic>
+                <p:nvPicPr>
+                  <p:cNvPr id="23" name="Ink 22">
+                    <a:extLst>
+                      <a:ext uri="{FF2B5EF4-FFF2-40B4-BE49-F238E27FC236}">
+                        <a16:creationId xmlns:a16="http://schemas.microsoft.com/office/drawing/2014/main" id="{B49C6B3D-F08F-B920-2519-2D8E19B845F3}"/>
+                      </a:ext>
+                    </a:extLst>
+                  </p:cNvPr>
+                  <p:cNvPicPr/>
+                  <p:nvPr/>
+                </p:nvPicPr>
+                <p:blipFill>
+                  <a:blip r:embed="rId76"/>
+                  <a:stretch>
+                    <a:fillRect/>
+                  </a:stretch>
+                </p:blipFill>
+                <p:spPr>
+                  <a:xfrm>
+                    <a:off x="5940240" y="5463093"/>
+                    <a:ext cx="156960" cy="251640"/>
+                  </a:xfrm>
+                  <a:prstGeom prst="rect">
+                    <a:avLst/>
+                  </a:prstGeom>
+                </p:spPr>
+              </p:pic>
+            </mc:Fallback>
+          </mc:AlternateContent>
+          <mc:AlternateContent xmlns:mc="http://schemas.openxmlformats.org/markup-compatibility/2006">
+            <mc:Choice xmlns:p14="http://schemas.microsoft.com/office/powerpoint/2010/main" Requires="p14">
+              <p:contentPart p14:bwMode="auto" r:id="rId77">
+                <p14:nvContentPartPr>
+                  <p14:cNvPr id="25" name="Ink 24">
+                    <a:extLst>
+                      <a:ext uri="{FF2B5EF4-FFF2-40B4-BE49-F238E27FC236}">
+                        <a16:creationId xmlns:a16="http://schemas.microsoft.com/office/drawing/2014/main" id="{9195857D-A971-61C9-D432-ADBECB064C8D}"/>
+                      </a:ext>
+                    </a:extLst>
+                  </p14:cNvPr>
+                  <p14:cNvContentPartPr/>
+                  <p14:nvPr/>
+                </p14:nvContentPartPr>
+                <p14:xfrm>
+                  <a:off x="5976960" y="5593053"/>
+                  <a:ext cx="128880" cy="12240"/>
+                </p14:xfrm>
+              </p:contentPart>
+            </mc:Choice>
+            <mc:Fallback>
+              <p:pic>
+                <p:nvPicPr>
+                  <p:cNvPr id="25" name="Ink 24">
+                    <a:extLst>
+                      <a:ext uri="{FF2B5EF4-FFF2-40B4-BE49-F238E27FC236}">
+                        <a16:creationId xmlns:a16="http://schemas.microsoft.com/office/drawing/2014/main" id="{9195857D-A971-61C9-D432-ADBECB064C8D}"/>
+                      </a:ext>
+                    </a:extLst>
+                  </p:cNvPr>
+                  <p:cNvPicPr/>
+                  <p:nvPr/>
+                </p:nvPicPr>
+                <p:blipFill>
+                  <a:blip r:embed="rId78"/>
+                  <a:stretch>
+                    <a:fillRect/>
+                  </a:stretch>
+                </p:blipFill>
+                <p:spPr>
+                  <a:xfrm>
+                    <a:off x="5968320" y="5584053"/>
+                    <a:ext cx="146520" cy="29880"/>
+                  </a:xfrm>
+                  <a:prstGeom prst="rect">
+                    <a:avLst/>
+                  </a:prstGeom>
+                </p:spPr>
+              </p:pic>
+            </mc:Fallback>
+          </mc:AlternateContent>
+          <mc:AlternateContent xmlns:mc="http://schemas.openxmlformats.org/markup-compatibility/2006">
+            <mc:Choice xmlns:p14="http://schemas.microsoft.com/office/powerpoint/2010/main" Requires="p14">
+              <p:contentPart p14:bwMode="auto" r:id="rId79">
+                <p14:nvContentPartPr>
+                  <p14:cNvPr id="26" name="Ink 25">
+                    <a:extLst>
+                      <a:ext uri="{FF2B5EF4-FFF2-40B4-BE49-F238E27FC236}">
+                        <a16:creationId xmlns:a16="http://schemas.microsoft.com/office/drawing/2014/main" id="{C4241E54-C466-0BAA-AD2C-3F2B47385A64}"/>
+                      </a:ext>
+                    </a:extLst>
+                  </p14:cNvPr>
+                  <p14:cNvContentPartPr/>
+                  <p14:nvPr/>
+                </p14:nvContentPartPr>
+                <p14:xfrm>
+                  <a:off x="5972640" y="5777013"/>
+                  <a:ext cx="125280" cy="7560"/>
+                </p14:xfrm>
+              </p:contentPart>
+            </mc:Choice>
+            <mc:Fallback>
+              <p:pic>
+                <p:nvPicPr>
+                  <p:cNvPr id="26" name="Ink 25">
+                    <a:extLst>
+                      <a:ext uri="{FF2B5EF4-FFF2-40B4-BE49-F238E27FC236}">
+                        <a16:creationId xmlns:a16="http://schemas.microsoft.com/office/drawing/2014/main" id="{C4241E54-C466-0BAA-AD2C-3F2B47385A64}"/>
+                      </a:ext>
+                    </a:extLst>
+                  </p:cNvPr>
+                  <p:cNvPicPr/>
+                  <p:nvPr/>
+                </p:nvPicPr>
+                <p:blipFill>
+                  <a:blip r:embed="rId80"/>
+                  <a:stretch>
+                    <a:fillRect/>
+                  </a:stretch>
+                </p:blipFill>
+                <p:spPr>
+                  <a:xfrm>
+                    <a:off x="5964000" y="5768373"/>
+                    <a:ext cx="142920" cy="25200"/>
+                  </a:xfrm>
+                  <a:prstGeom prst="rect">
+                    <a:avLst/>
+                  </a:prstGeom>
+                </p:spPr>
+              </p:pic>
+            </mc:Fallback>
+          </mc:AlternateContent>
+          <mc:AlternateContent xmlns:mc="http://schemas.openxmlformats.org/markup-compatibility/2006">
+            <mc:Choice xmlns:p14="http://schemas.microsoft.com/office/powerpoint/2010/main" Requires="p14">
+              <p:contentPart p14:bwMode="auto" r:id="rId81">
+                <p14:nvContentPartPr>
+                  <p14:cNvPr id="27" name="Ink 26">
+                    <a:extLst>
+                      <a:ext uri="{FF2B5EF4-FFF2-40B4-BE49-F238E27FC236}">
+                        <a16:creationId xmlns:a16="http://schemas.microsoft.com/office/drawing/2014/main" id="{9634B814-D0D4-28FE-0BD8-D101F060332F}"/>
+                      </a:ext>
+                    </a:extLst>
+                  </p14:cNvPr>
+                  <p14:cNvContentPartPr/>
+                  <p14:nvPr/>
+                </p14:nvContentPartPr>
+                <p14:xfrm>
+                  <a:off x="6141120" y="5469213"/>
+                  <a:ext cx="88920" cy="329760"/>
+                </p14:xfrm>
+              </p:contentPart>
+            </mc:Choice>
+            <mc:Fallback>
+              <p:pic>
+                <p:nvPicPr>
+                  <p:cNvPr id="27" name="Ink 26">
+                    <a:extLst>
+                      <a:ext uri="{FF2B5EF4-FFF2-40B4-BE49-F238E27FC236}">
+                        <a16:creationId xmlns:a16="http://schemas.microsoft.com/office/drawing/2014/main" id="{9634B814-D0D4-28FE-0BD8-D101F060332F}"/>
+                      </a:ext>
+                    </a:extLst>
+                  </p:cNvPr>
+                  <p:cNvPicPr/>
+                  <p:nvPr/>
+                </p:nvPicPr>
+                <p:blipFill>
+                  <a:blip r:embed="rId82"/>
+                  <a:stretch>
+                    <a:fillRect/>
+                  </a:stretch>
+                </p:blipFill>
+                <p:spPr>
+                  <a:xfrm>
+                    <a:off x="6132480" y="5460573"/>
+                    <a:ext cx="106560" cy="347400"/>
+                  </a:xfrm>
+                  <a:prstGeom prst="rect">
+                    <a:avLst/>
+                  </a:prstGeom>
+                </p:spPr>
+              </p:pic>
+            </mc:Fallback>
+          </mc:AlternateContent>
+          <mc:AlternateContent xmlns:mc="http://schemas.openxmlformats.org/markup-compatibility/2006">
+            <mc:Choice xmlns:p14="http://schemas.microsoft.com/office/powerpoint/2010/main" Requires="p14">
+              <p:contentPart p14:bwMode="auto" r:id="rId83">
+                <p14:nvContentPartPr>
+                  <p14:cNvPr id="28" name="Ink 27">
+                    <a:extLst>
+                      <a:ext uri="{FF2B5EF4-FFF2-40B4-BE49-F238E27FC236}">
+                        <a16:creationId xmlns:a16="http://schemas.microsoft.com/office/drawing/2014/main" id="{DCB6ADB4-239D-2365-BB4D-3818B3B2301B}"/>
+                      </a:ext>
+                    </a:extLst>
+                  </p14:cNvPr>
+                  <p14:cNvContentPartPr/>
+                  <p14:nvPr/>
+                </p14:nvContentPartPr>
+                <p14:xfrm>
+                  <a:off x="6278640" y="5486133"/>
+                  <a:ext cx="124200" cy="270360"/>
+                </p14:xfrm>
+              </p:contentPart>
+            </mc:Choice>
+            <mc:Fallback>
+              <p:pic>
+                <p:nvPicPr>
+                  <p:cNvPr id="28" name="Ink 27">
+                    <a:extLst>
+                      <a:ext uri="{FF2B5EF4-FFF2-40B4-BE49-F238E27FC236}">
+                        <a16:creationId xmlns:a16="http://schemas.microsoft.com/office/drawing/2014/main" id="{DCB6ADB4-239D-2365-BB4D-3818B3B2301B}"/>
+                      </a:ext>
+                    </a:extLst>
+                  </p:cNvPr>
+                  <p:cNvPicPr/>
+                  <p:nvPr/>
+                </p:nvPicPr>
+                <p:blipFill>
+                  <a:blip r:embed="rId84"/>
+                  <a:stretch>
+                    <a:fillRect/>
+                  </a:stretch>
+                </p:blipFill>
+                <p:spPr>
+                  <a:xfrm>
+                    <a:off x="6269640" y="5477133"/>
+                    <a:ext cx="141840" cy="288000"/>
+                  </a:xfrm>
+                  <a:prstGeom prst="rect">
+                    <a:avLst/>
+                  </a:prstGeom>
+                </p:spPr>
+              </p:pic>
+            </mc:Fallback>
+          </mc:AlternateContent>
+        </p:grpSp>
+        <p:grpSp>
+          <p:nvGrpSpPr>
+            <p:cNvPr id="32" name="Group 31">
+              <a:extLst>
+                <a:ext uri="{FF2B5EF4-FFF2-40B4-BE49-F238E27FC236}">
+                  <a16:creationId xmlns:a16="http://schemas.microsoft.com/office/drawing/2014/main" id="{BD5B060D-BC2C-DA0A-5253-DACFCF5EEFFA}"/>
+                </a:ext>
+              </a:extLst>
+            </p:cNvPr>
+            <p:cNvGrpSpPr/>
+            <p:nvPr/>
+          </p:nvGrpSpPr>
+          <p:grpSpPr>
+            <a:xfrm>
+              <a:off x="4413480" y="5575773"/>
+              <a:ext cx="420840" cy="143280"/>
+              <a:chOff x="4413480" y="5575773"/>
+              <a:chExt cx="420840" cy="143280"/>
+            </a:xfrm>
+          </p:grpSpPr>
+          <mc:AlternateContent xmlns:mc="http://schemas.openxmlformats.org/markup-compatibility/2006">
+            <mc:Choice xmlns:p14="http://schemas.microsoft.com/office/powerpoint/2010/main" Requires="p14">
+              <p:contentPart p14:bwMode="auto" r:id="rId85">
+                <p14:nvContentPartPr>
+                  <p14:cNvPr id="30" name="Ink 29">
+                    <a:extLst>
+                      <a:ext uri="{FF2B5EF4-FFF2-40B4-BE49-F238E27FC236}">
+                        <a16:creationId xmlns:a16="http://schemas.microsoft.com/office/drawing/2014/main" id="{C1E53C19-DE3F-CE0E-B323-BF00DE7F252E}"/>
+                      </a:ext>
+                    </a:extLst>
+                  </p14:cNvPr>
+                  <p14:cNvContentPartPr/>
+                  <p14:nvPr/>
+                </p14:nvContentPartPr>
+                <p14:xfrm>
+                  <a:off x="4413480" y="5629773"/>
+                  <a:ext cx="366840" cy="34920"/>
+                </p14:xfrm>
+              </p:contentPart>
+            </mc:Choice>
+            <mc:Fallback>
+              <p:pic>
+                <p:nvPicPr>
+                  <p:cNvPr id="30" name="Ink 29">
+                    <a:extLst>
+                      <a:ext uri="{FF2B5EF4-FFF2-40B4-BE49-F238E27FC236}">
+                        <a16:creationId xmlns:a16="http://schemas.microsoft.com/office/drawing/2014/main" id="{C1E53C19-DE3F-CE0E-B323-BF00DE7F252E}"/>
+                      </a:ext>
+                    </a:extLst>
+                  </p:cNvPr>
+                  <p:cNvPicPr/>
+                  <p:nvPr/>
+                </p:nvPicPr>
+                <p:blipFill>
+                  <a:blip r:embed="rId86"/>
+                  <a:stretch>
+                    <a:fillRect/>
+                  </a:stretch>
+                </p:blipFill>
+                <p:spPr>
+                  <a:xfrm>
+                    <a:off x="4404840" y="5621133"/>
+                    <a:ext cx="384480" cy="52560"/>
+                  </a:xfrm>
+                  <a:prstGeom prst="rect">
+                    <a:avLst/>
+                  </a:prstGeom>
+                </p:spPr>
+              </p:pic>
+            </mc:Fallback>
+          </mc:AlternateContent>
+          <mc:AlternateContent xmlns:mc="http://schemas.openxmlformats.org/markup-compatibility/2006">
+            <mc:Choice xmlns:p14="http://schemas.microsoft.com/office/powerpoint/2010/main" Requires="p14">
+              <p:contentPart p14:bwMode="auto" r:id="rId87">
+                <p14:nvContentPartPr>
+                  <p14:cNvPr id="31" name="Ink 30">
+                    <a:extLst>
+                      <a:ext uri="{FF2B5EF4-FFF2-40B4-BE49-F238E27FC236}">
+                        <a16:creationId xmlns:a16="http://schemas.microsoft.com/office/drawing/2014/main" id="{D30D1050-FE96-A838-B06D-EE43FF81F233}"/>
+                      </a:ext>
+                    </a:extLst>
+                  </p14:cNvPr>
+                  <p14:cNvContentPartPr/>
+                  <p14:nvPr/>
+                </p14:nvContentPartPr>
+                <p14:xfrm>
+                  <a:off x="4707240" y="5575773"/>
+                  <a:ext cx="127080" cy="143280"/>
+                </p14:xfrm>
+              </p:contentPart>
+            </mc:Choice>
+            <mc:Fallback>
+              <p:pic>
+                <p:nvPicPr>
+                  <p:cNvPr id="31" name="Ink 30">
+                    <a:extLst>
+                      <a:ext uri="{FF2B5EF4-FFF2-40B4-BE49-F238E27FC236}">
+                        <a16:creationId xmlns:a16="http://schemas.microsoft.com/office/drawing/2014/main" id="{D30D1050-FE96-A838-B06D-EE43FF81F233}"/>
+                      </a:ext>
+                    </a:extLst>
+                  </p:cNvPr>
+                  <p:cNvPicPr/>
+                  <p:nvPr/>
+                </p:nvPicPr>
+                <p:blipFill>
+                  <a:blip r:embed="rId88"/>
+                  <a:stretch>
+                    <a:fillRect/>
+                  </a:stretch>
+                </p:blipFill>
+                <p:spPr>
+                  <a:xfrm>
+                    <a:off x="4698600" y="5566773"/>
+                    <a:ext cx="144720" cy="160920"/>
+                  </a:xfrm>
+                  <a:prstGeom prst="rect">
+                    <a:avLst/>
+                  </a:prstGeom>
+                </p:spPr>
+              </p:pic>
+            </mc:Fallback>
+          </mc:AlternateContent>
+        </p:grpSp>
+      </p:grpSp>
     </p:spTree>
     <p:extLst>
       <p:ext uri="{BB962C8B-B14F-4D97-AF65-F5344CB8AC3E}">
@@ -10095,6 +11264,65 @@
                                         <p:cTn id="7" dur="10000" fill="hold"/>
                                         <p:tgtEl>
                                           <p:spTgt spid="2"/>
+                                        </p:tgtEl>
+                                        <p:attrNameLst>
+                                          <p:attrName>drawProgress</p:attrName>
+                                        </p:attrNameLst>
+                                      </p:cBhvr>
+                                      <p:tavLst>
+                                        <p:tav tm="0">
+                                          <p:val>
+                                            <p:fltVal val="0"/>
+                                          </p:val>
+                                        </p:tav>
+                                        <p:tav tm="100000">
+                                          <p:val>
+                                            <p:fltVal val="1"/>
+                                          </p:val>
+                                        </p:tav>
+                                      </p:tavLst>
+                                    </p:anim>
+                                  </p:childTnLst>
+                                </p:cTn>
+                              </p:par>
+                            </p:childTnLst>
+                          </p:cTn>
+                        </p:par>
+                        <p:par>
+                          <p:cTn id="8" fill="hold">
+                            <p:stCondLst>
+                              <p:cond delay="10000"/>
+                            </p:stCondLst>
+                            <p:childTnLst>
+                              <p:par>
+                                <p:cTn id="9" presetID="63" presetClass="entr" presetSubtype="0" fill="hold" nodeType="afterEffect">
+                                  <p:stCondLst>
+                                    <p:cond delay="0"/>
+                                  </p:stCondLst>
+                                  <p:childTnLst>
+                                    <p:set>
+                                      <p:cBhvr>
+                                        <p:cTn id="10" dur="1" fill="hold">
+                                          <p:stCondLst>
+                                            <p:cond delay="0"/>
+                                          </p:stCondLst>
+                                        </p:cTn>
+                                        <p:tgtEl>
+                                          <p:spTgt spid="33"/>
+                                        </p:tgtEl>
+                                        <p:attrNameLst>
+                                          <p:attrName>style.visibility</p:attrName>
+                                        </p:attrNameLst>
+                                      </p:cBhvr>
+                                      <p:to>
+                                        <p:strVal val="visible"/>
+                                      </p:to>
+                                    </p:set>
+                                    <p:anim calcmode="lin" valueType="num">
+                                      <p:cBhvr>
+                                        <p:cTn id="11" dur="2000" fill="hold"/>
+                                        <p:tgtEl>
+                                          <p:spTgt spid="33"/>
                                         </p:tgtEl>
                                         <p:attrNameLst>
                                           <p:attrName>drawProgress</p:attrName>
